--- a/Lectures/II_Data_Visualization_with_Python.pptx
+++ b/Lectures/II_Data_Visualization_with_Python.pptx
@@ -12,6 +12,21 @@
     <p:sldId id="305" r:id="rId9"/>
     <p:sldId id="308" r:id="rId10"/>
     <p:sldId id="309" r:id="rId11"/>
+    <p:sldId id="310" r:id="rId12"/>
+    <p:sldId id="311" r:id="rId13"/>
+    <p:sldId id="312" r:id="rId14"/>
+    <p:sldId id="313" r:id="rId15"/>
+    <p:sldId id="314" r:id="rId16"/>
+    <p:sldId id="315" r:id="rId17"/>
+    <p:sldId id="316" r:id="rId18"/>
+    <p:sldId id="317" r:id="rId19"/>
+    <p:sldId id="318" r:id="rId20"/>
+    <p:sldId id="319" r:id="rId21"/>
+    <p:sldId id="320" r:id="rId22"/>
+    <p:sldId id="321" r:id="rId23"/>
+    <p:sldId id="322" r:id="rId24"/>
+    <p:sldId id="323" r:id="rId25"/>
+    <p:sldId id="324" r:id="rId26"/>
   </p:sldIdLst>
   <p:sldSz cx="12192000" cy="6858000"/>
   <p:notesSz cx="6858000" cy="9144000"/>
@@ -3770,6 +3785,6169 @@
 </p:sld>
 </file>
 
+<file path=ppt/slides/slide10.xml><?xml version="1.0" encoding="utf-8"?>
+<p:sld xmlns:a="http://schemas.openxmlformats.org/drawingml/2006/main" xmlns:r="http://schemas.openxmlformats.org/officeDocument/2006/relationships" xmlns:p="http://schemas.openxmlformats.org/presentationml/2006/main">
+  <p:cSld>
+    <p:spTree>
+      <p:nvGrpSpPr>
+        <p:cNvPr id="1" name="">
+          <a:extLst>
+            <a:ext uri="{FF2B5EF4-FFF2-40B4-BE49-F238E27FC236}">
+              <a16:creationId xmlns:a16="http://schemas.microsoft.com/office/drawing/2014/main" id="{52736027-02D2-8F47-1A91-05A14F3104D2}"/>
+            </a:ext>
+          </a:extLst>
+        </p:cNvPr>
+        <p:cNvGrpSpPr/>
+        <p:nvPr/>
+      </p:nvGrpSpPr>
+      <p:grpSpPr>
+        <a:xfrm>
+          <a:off x="0" y="0"/>
+          <a:ext cx="0" cy="0"/>
+          <a:chOff x="0" y="0"/>
+          <a:chExt cx="0" cy="0"/>
+        </a:xfrm>
+      </p:grpSpPr>
+      <p:sp>
+        <p:nvSpPr>
+          <p:cNvPr id="2" name="Title 1">
+            <a:extLst>
+              <a:ext uri="{FF2B5EF4-FFF2-40B4-BE49-F238E27FC236}">
+                <a16:creationId xmlns:a16="http://schemas.microsoft.com/office/drawing/2014/main" id="{375FA447-CA36-2114-9E4C-31EC377872A2}"/>
+              </a:ext>
+            </a:extLst>
+          </p:cNvPr>
+          <p:cNvSpPr>
+            <a:spLocks noGrp="1"/>
+          </p:cNvSpPr>
+          <p:nvPr>
+            <p:ph type="title"/>
+          </p:nvPr>
+        </p:nvSpPr>
+        <p:spPr/>
+        <p:txBody>
+          <a:bodyPr>
+            <a:normAutofit/>
+          </a:bodyPr>
+          <a:lstStyle/>
+          <a:p>
+            <a:r>
+              <a:rPr lang="en-US" sz="4000" dirty="0">
+                <a:cs typeface="Arial" panose="020B0604020202020204" pitchFamily="34" charset="0"/>
+              </a:rPr>
+              <a:t>3. </a:t>
+            </a:r>
+            <a:r>
+              <a:rPr lang="en-US" sz="4000" dirty="0"/>
+              <a:t>Unraveling Data Distribution Using Histograms</a:t>
+            </a:r>
+            <a:endParaRPr lang="en-PH" sz="4000" dirty="0"/>
+          </a:p>
+        </p:txBody>
+      </p:sp>
+      <p:sp>
+        <p:nvSpPr>
+          <p:cNvPr id="3" name="Content Placeholder 2">
+            <a:extLst>
+              <a:ext uri="{FF2B5EF4-FFF2-40B4-BE49-F238E27FC236}">
+                <a16:creationId xmlns:a16="http://schemas.microsoft.com/office/drawing/2014/main" id="{4B796A31-06D1-A871-A2BC-550EE766CFD7}"/>
+              </a:ext>
+            </a:extLst>
+          </p:cNvPr>
+          <p:cNvSpPr>
+            <a:spLocks noGrp="1"/>
+          </p:cNvSpPr>
+          <p:nvPr>
+            <p:ph idx="1"/>
+          </p:nvPr>
+        </p:nvSpPr>
+        <p:spPr>
+          <a:xfrm>
+            <a:off x="1219200" y="2462279"/>
+            <a:ext cx="4615991" cy="3900813"/>
+          </a:xfrm>
+          <a:ln>
+            <a:solidFill>
+              <a:schemeClr val="tx1"/>
+            </a:solidFill>
+          </a:ln>
+        </p:spPr>
+        <p:txBody>
+          <a:bodyPr>
+            <a:normAutofit/>
+          </a:bodyPr>
+          <a:lstStyle/>
+          <a:p>
+            <a:pPr>
+              <a:buFont typeface="Wingdings" panose="05000000000000000000" pitchFamily="2" charset="2"/>
+              <a:buChar char="v"/>
+            </a:pPr>
+            <a:r>
+              <a:rPr lang="en-US" dirty="0"/>
+              <a:t> </a:t>
+            </a:r>
+            <a:r>
+              <a:rPr lang="en-US" sz="2400" dirty="0"/>
+              <a:t>Graphical representation of data grouped into </a:t>
+            </a:r>
+            <a:r>
+              <a:rPr lang="en-US" sz="2400" b="1" dirty="0"/>
+              <a:t>bins</a:t>
+            </a:r>
+          </a:p>
+          <a:p>
+            <a:pPr>
+              <a:buFont typeface="Wingdings" panose="05000000000000000000" pitchFamily="2" charset="2"/>
+              <a:buChar char="v"/>
+            </a:pPr>
+            <a:r>
+              <a:rPr lang="en-US" sz="2400" b="1" dirty="0"/>
+              <a:t> Bins</a:t>
+            </a:r>
+            <a:r>
+              <a:rPr lang="en-US" sz="2400" dirty="0"/>
+              <a:t> = value ranges; </a:t>
+            </a:r>
+            <a:r>
+              <a:rPr lang="en-US" sz="2400" b="1" dirty="0"/>
+              <a:t>height</a:t>
+            </a:r>
+            <a:r>
+              <a:rPr lang="en-US" sz="2400" dirty="0"/>
+              <a:t> = frequency of data points</a:t>
+            </a:r>
+          </a:p>
+          <a:p>
+            <a:pPr>
+              <a:buFont typeface="Wingdings" panose="05000000000000000000" pitchFamily="2" charset="2"/>
+              <a:buChar char="v"/>
+            </a:pPr>
+            <a:r>
+              <a:rPr lang="en-US" sz="2400" dirty="0"/>
+              <a:t> Provides a clear view of data distribution</a:t>
+            </a:r>
+            <a:endParaRPr lang="en-PH" sz="2400" dirty="0"/>
+          </a:p>
+        </p:txBody>
+      </p:sp>
+      <p:sp>
+        <p:nvSpPr>
+          <p:cNvPr id="4" name="TextBox 3">
+            <a:extLst>
+              <a:ext uri="{FF2B5EF4-FFF2-40B4-BE49-F238E27FC236}">
+                <a16:creationId xmlns:a16="http://schemas.microsoft.com/office/drawing/2014/main" id="{265E69B0-F7AA-D952-A184-B208B4F7CB87}"/>
+              </a:ext>
+            </a:extLst>
+          </p:cNvPr>
+          <p:cNvSpPr txBox="1"/>
+          <p:nvPr/>
+        </p:nvSpPr>
+        <p:spPr>
+          <a:xfrm>
+            <a:off x="1219200" y="2000614"/>
+            <a:ext cx="4615991" cy="461665"/>
+          </a:xfrm>
+          <a:prstGeom prst="rect">
+            <a:avLst/>
+          </a:prstGeom>
+          <a:noFill/>
+        </p:spPr>
+        <p:txBody>
+          <a:bodyPr wrap="square" rtlCol="0">
+            <a:spAutoFit/>
+          </a:bodyPr>
+          <a:lstStyle/>
+          <a:p>
+            <a:r>
+              <a:rPr lang="en-PH" sz="2400" b="1" dirty="0">
+                <a:latin typeface="Arial" panose="020B0604020202020204" pitchFamily="34" charset="0"/>
+                <a:cs typeface="Arial" panose="020B0604020202020204" pitchFamily="34" charset="0"/>
+              </a:rPr>
+              <a:t>Understanding Histograms</a:t>
+            </a:r>
+          </a:p>
+        </p:txBody>
+      </p:sp>
+      <p:sp>
+        <p:nvSpPr>
+          <p:cNvPr id="7" name="TextBox 6">
+            <a:extLst>
+              <a:ext uri="{FF2B5EF4-FFF2-40B4-BE49-F238E27FC236}">
+                <a16:creationId xmlns:a16="http://schemas.microsoft.com/office/drawing/2014/main" id="{F5E44C66-2AEC-4B23-5FFE-D8E2671148DF}"/>
+              </a:ext>
+            </a:extLst>
+          </p:cNvPr>
+          <p:cNvSpPr txBox="1"/>
+          <p:nvPr/>
+        </p:nvSpPr>
+        <p:spPr>
+          <a:xfrm>
+            <a:off x="6356805" y="2000614"/>
+            <a:ext cx="4798875" cy="461665"/>
+          </a:xfrm>
+          <a:prstGeom prst="rect">
+            <a:avLst/>
+          </a:prstGeom>
+          <a:noFill/>
+        </p:spPr>
+        <p:txBody>
+          <a:bodyPr wrap="square" rtlCol="0">
+            <a:spAutoFit/>
+          </a:bodyPr>
+          <a:lstStyle/>
+          <a:p>
+            <a:r>
+              <a:rPr lang="en-PH" sz="2400" b="1" dirty="0">
+                <a:latin typeface="Arial" panose="020B0604020202020204" pitchFamily="34" charset="0"/>
+                <a:cs typeface="Arial" panose="020B0604020202020204" pitchFamily="34" charset="0"/>
+              </a:rPr>
+              <a:t>Key Insights from Histograms:</a:t>
+            </a:r>
+          </a:p>
+        </p:txBody>
+      </p:sp>
+      <p:sp>
+        <p:nvSpPr>
+          <p:cNvPr id="8" name="Content Placeholder 2">
+            <a:extLst>
+              <a:ext uri="{FF2B5EF4-FFF2-40B4-BE49-F238E27FC236}">
+                <a16:creationId xmlns:a16="http://schemas.microsoft.com/office/drawing/2014/main" id="{95F37277-4615-48FD-602C-B482D0548F2D}"/>
+              </a:ext>
+            </a:extLst>
+          </p:cNvPr>
+          <p:cNvSpPr txBox="1">
+            <a:spLocks/>
+          </p:cNvSpPr>
+          <p:nvPr/>
+        </p:nvSpPr>
+        <p:spPr>
+          <a:xfrm>
+            <a:off x="6356805" y="2462279"/>
+            <a:ext cx="5049627" cy="3900813"/>
+          </a:xfrm>
+          <a:prstGeom prst="rect">
+            <a:avLst/>
+          </a:prstGeom>
+          <a:ln>
+            <a:solidFill>
+              <a:schemeClr val="tx1"/>
+            </a:solidFill>
+          </a:ln>
+        </p:spPr>
+        <p:txBody>
+          <a:bodyPr vert="horz" lIns="0" tIns="45720" rIns="0" bIns="45720" rtlCol="0">
+            <a:normAutofit fontScale="55000" lnSpcReduction="20000"/>
+          </a:bodyPr>
+          <a:lstStyle>
+            <a:lvl1pPr marL="91440" indent="-91440" algn="l" defTabSz="914400" rtl="0" eaLnBrk="1" latinLnBrk="0" hangingPunct="1">
+              <a:lnSpc>
+                <a:spcPct val="110000"/>
+              </a:lnSpc>
+              <a:spcBef>
+                <a:spcPts val="1200"/>
+              </a:spcBef>
+              <a:spcAft>
+                <a:spcPts val="200"/>
+              </a:spcAft>
+              <a:buClr>
+                <a:schemeClr val="accent1"/>
+              </a:buClr>
+              <a:buSzPct val="100000"/>
+              <a:buFont typeface="Calibri" panose="020F0502020204030204" pitchFamily="34" charset="0"/>
+              <a:buChar char=" "/>
+              <a:defRPr sz="1900" kern="1200">
+                <a:solidFill>
+                  <a:schemeClr val="tx1">
+                    <a:lumMod val="75000"/>
+                    <a:lumOff val="25000"/>
+                  </a:schemeClr>
+                </a:solidFill>
+                <a:latin typeface="+mn-lt"/>
+                <a:ea typeface="+mn-ea"/>
+                <a:cs typeface="+mn-cs"/>
+              </a:defRPr>
+            </a:lvl1pPr>
+            <a:lvl2pPr marL="384048" indent="-182880" algn="l" defTabSz="914400" rtl="0" eaLnBrk="1" latinLnBrk="0" hangingPunct="1">
+              <a:lnSpc>
+                <a:spcPct val="100000"/>
+              </a:lnSpc>
+              <a:spcBef>
+                <a:spcPts val="200"/>
+              </a:spcBef>
+              <a:spcAft>
+                <a:spcPts val="400"/>
+              </a:spcAft>
+              <a:buClrTx/>
+              <a:buFont typeface="Calibri" pitchFamily="34" charset="0"/>
+              <a:buChar char="◦"/>
+              <a:defRPr sz="1700" kern="1200">
+                <a:solidFill>
+                  <a:schemeClr val="tx1">
+                    <a:lumMod val="75000"/>
+                    <a:lumOff val="25000"/>
+                  </a:schemeClr>
+                </a:solidFill>
+                <a:latin typeface="+mn-lt"/>
+                <a:ea typeface="+mn-ea"/>
+                <a:cs typeface="+mn-cs"/>
+              </a:defRPr>
+            </a:lvl2pPr>
+            <a:lvl3pPr marL="566928" indent="-182880" algn="l" defTabSz="914400" rtl="0" eaLnBrk="1" latinLnBrk="0" hangingPunct="1">
+              <a:lnSpc>
+                <a:spcPct val="100000"/>
+              </a:lnSpc>
+              <a:spcBef>
+                <a:spcPts val="200"/>
+              </a:spcBef>
+              <a:spcAft>
+                <a:spcPts val="400"/>
+              </a:spcAft>
+              <a:buClrTx/>
+              <a:buFont typeface="Calibri" pitchFamily="34" charset="0"/>
+              <a:buChar char="◦"/>
+              <a:defRPr sz="1300" kern="1200">
+                <a:solidFill>
+                  <a:schemeClr val="tx1">
+                    <a:lumMod val="75000"/>
+                    <a:lumOff val="25000"/>
+                  </a:schemeClr>
+                </a:solidFill>
+                <a:latin typeface="+mn-lt"/>
+                <a:ea typeface="+mn-ea"/>
+                <a:cs typeface="+mn-cs"/>
+              </a:defRPr>
+            </a:lvl3pPr>
+            <a:lvl4pPr marL="749808" indent="-182880" algn="l" defTabSz="914400" rtl="0" eaLnBrk="1" latinLnBrk="0" hangingPunct="1">
+              <a:lnSpc>
+                <a:spcPct val="100000"/>
+              </a:lnSpc>
+              <a:spcBef>
+                <a:spcPts val="200"/>
+              </a:spcBef>
+              <a:spcAft>
+                <a:spcPts val="400"/>
+              </a:spcAft>
+              <a:buClrTx/>
+              <a:buFont typeface="Calibri" pitchFamily="34" charset="0"/>
+              <a:buChar char="◦"/>
+              <a:defRPr sz="1300" kern="1200">
+                <a:solidFill>
+                  <a:schemeClr val="tx1">
+                    <a:lumMod val="75000"/>
+                    <a:lumOff val="25000"/>
+                  </a:schemeClr>
+                </a:solidFill>
+                <a:latin typeface="+mn-lt"/>
+                <a:ea typeface="+mn-ea"/>
+                <a:cs typeface="+mn-cs"/>
+              </a:defRPr>
+            </a:lvl4pPr>
+            <a:lvl5pPr marL="932688" indent="-182880" algn="l" defTabSz="914400" rtl="0" eaLnBrk="1" latinLnBrk="0" hangingPunct="1">
+              <a:lnSpc>
+                <a:spcPct val="100000"/>
+              </a:lnSpc>
+              <a:spcBef>
+                <a:spcPts val="200"/>
+              </a:spcBef>
+              <a:spcAft>
+                <a:spcPts val="400"/>
+              </a:spcAft>
+              <a:buClrTx/>
+              <a:buFont typeface="Calibri" pitchFamily="34" charset="0"/>
+              <a:buChar char="◦"/>
+              <a:defRPr sz="1300" kern="1200">
+                <a:solidFill>
+                  <a:schemeClr val="tx1">
+                    <a:lumMod val="75000"/>
+                    <a:lumOff val="25000"/>
+                  </a:schemeClr>
+                </a:solidFill>
+                <a:latin typeface="+mn-lt"/>
+                <a:ea typeface="+mn-ea"/>
+                <a:cs typeface="+mn-cs"/>
+              </a:defRPr>
+            </a:lvl5pPr>
+            <a:lvl6pPr marL="1100000" indent="-228600" algn="l" defTabSz="914400" rtl="0" eaLnBrk="1" latinLnBrk="0" hangingPunct="1">
+              <a:lnSpc>
+                <a:spcPct val="90000"/>
+              </a:lnSpc>
+              <a:spcBef>
+                <a:spcPts val="200"/>
+              </a:spcBef>
+              <a:spcAft>
+                <a:spcPts val="400"/>
+              </a:spcAft>
+              <a:buClr>
+                <a:schemeClr val="accent1"/>
+              </a:buClr>
+              <a:buFont typeface="Calibri" pitchFamily="34" charset="0"/>
+              <a:buChar char="◦"/>
+              <a:defRPr sz="1400" kern="1200">
+                <a:solidFill>
+                  <a:schemeClr val="tx1">
+                    <a:lumMod val="75000"/>
+                    <a:lumOff val="25000"/>
+                  </a:schemeClr>
+                </a:solidFill>
+                <a:latin typeface="+mn-lt"/>
+                <a:ea typeface="+mn-ea"/>
+                <a:cs typeface="+mn-cs"/>
+              </a:defRPr>
+            </a:lvl6pPr>
+            <a:lvl7pPr marL="1300000" indent="-228600" algn="l" defTabSz="914400" rtl="0" eaLnBrk="1" latinLnBrk="0" hangingPunct="1">
+              <a:lnSpc>
+                <a:spcPct val="90000"/>
+              </a:lnSpc>
+              <a:spcBef>
+                <a:spcPts val="200"/>
+              </a:spcBef>
+              <a:spcAft>
+                <a:spcPts val="400"/>
+              </a:spcAft>
+              <a:buClr>
+                <a:schemeClr val="accent1"/>
+              </a:buClr>
+              <a:buFont typeface="Calibri" pitchFamily="34" charset="0"/>
+              <a:buChar char="◦"/>
+              <a:defRPr sz="1400" kern="1200">
+                <a:solidFill>
+                  <a:schemeClr val="tx1">
+                    <a:lumMod val="75000"/>
+                    <a:lumOff val="25000"/>
+                  </a:schemeClr>
+                </a:solidFill>
+                <a:latin typeface="+mn-lt"/>
+                <a:ea typeface="+mn-ea"/>
+                <a:cs typeface="+mn-cs"/>
+              </a:defRPr>
+            </a:lvl7pPr>
+            <a:lvl8pPr marL="1500000" indent="-228600" algn="l" defTabSz="914400" rtl="0" eaLnBrk="1" latinLnBrk="0" hangingPunct="1">
+              <a:lnSpc>
+                <a:spcPct val="90000"/>
+              </a:lnSpc>
+              <a:spcBef>
+                <a:spcPts val="200"/>
+              </a:spcBef>
+              <a:spcAft>
+                <a:spcPts val="400"/>
+              </a:spcAft>
+              <a:buClr>
+                <a:schemeClr val="accent1"/>
+              </a:buClr>
+              <a:buFont typeface="Calibri" pitchFamily="34" charset="0"/>
+              <a:buChar char="◦"/>
+              <a:defRPr sz="1400" kern="1200">
+                <a:solidFill>
+                  <a:schemeClr val="tx1">
+                    <a:lumMod val="75000"/>
+                    <a:lumOff val="25000"/>
+                  </a:schemeClr>
+                </a:solidFill>
+                <a:latin typeface="+mn-lt"/>
+                <a:ea typeface="+mn-ea"/>
+                <a:cs typeface="+mn-cs"/>
+              </a:defRPr>
+            </a:lvl8pPr>
+            <a:lvl9pPr marL="1700000" indent="-228600" algn="l" defTabSz="914400" rtl="0" eaLnBrk="1" latinLnBrk="0" hangingPunct="1">
+              <a:lnSpc>
+                <a:spcPct val="90000"/>
+              </a:lnSpc>
+              <a:spcBef>
+                <a:spcPts val="200"/>
+              </a:spcBef>
+              <a:spcAft>
+                <a:spcPts val="400"/>
+              </a:spcAft>
+              <a:buClr>
+                <a:schemeClr val="accent1"/>
+              </a:buClr>
+              <a:buFont typeface="Calibri" pitchFamily="34" charset="0"/>
+              <a:buChar char="◦"/>
+              <a:defRPr sz="1400" kern="1200">
+                <a:solidFill>
+                  <a:schemeClr val="tx1">
+                    <a:lumMod val="75000"/>
+                    <a:lumOff val="25000"/>
+                  </a:schemeClr>
+                </a:solidFill>
+                <a:latin typeface="+mn-lt"/>
+                <a:ea typeface="+mn-ea"/>
+                <a:cs typeface="+mn-cs"/>
+              </a:defRPr>
+            </a:lvl9pPr>
+          </a:lstStyle>
+          <a:p>
+            <a:pPr>
+              <a:buFont typeface="Wingdings" panose="05000000000000000000" pitchFamily="2" charset="2"/>
+              <a:buChar char="v"/>
+            </a:pPr>
+            <a:r>
+              <a:rPr lang="en-US" dirty="0"/>
+              <a:t> </a:t>
+            </a:r>
+            <a:r>
+              <a:rPr lang="en-US" sz="3600" dirty="0"/>
+              <a:t>Frequency of values in specific ranges</a:t>
+            </a:r>
+          </a:p>
+          <a:p>
+            <a:pPr>
+              <a:buFont typeface="Wingdings" panose="05000000000000000000" pitchFamily="2" charset="2"/>
+              <a:buChar char="v"/>
+            </a:pPr>
+            <a:r>
+              <a:rPr lang="en-US" sz="3600" b="1" dirty="0"/>
+              <a:t> </a:t>
+            </a:r>
+            <a:r>
+              <a:rPr lang="en-PH" sz="3600" dirty="0"/>
+              <a:t>Detection of outliers</a:t>
+            </a:r>
+          </a:p>
+          <a:p>
+            <a:pPr>
+              <a:buFont typeface="Wingdings" panose="05000000000000000000" pitchFamily="2" charset="2"/>
+              <a:buChar char="v"/>
+            </a:pPr>
+            <a:r>
+              <a:rPr lang="en-PH" sz="3600" b="1" dirty="0"/>
+              <a:t> </a:t>
+            </a:r>
+            <a:r>
+              <a:rPr lang="en-PH" sz="3600" dirty="0"/>
+              <a:t>Identification of skewness (</a:t>
+            </a:r>
+            <a:r>
+              <a:rPr lang="en-US" sz="3600" dirty="0"/>
+              <a:t>how the data distribution leans or tilts on a histogram)</a:t>
+            </a:r>
+            <a:endParaRPr lang="en-PH" sz="3600" b="1" dirty="0"/>
+          </a:p>
+          <a:p>
+            <a:pPr lvl="1">
+              <a:buFont typeface="Wingdings" panose="05000000000000000000" pitchFamily="2" charset="2"/>
+              <a:buChar char="v"/>
+            </a:pPr>
+            <a:r>
+              <a:rPr lang="en-PH" sz="3600" b="1" dirty="0"/>
+              <a:t> </a:t>
+            </a:r>
+            <a:r>
+              <a:rPr lang="en-US" sz="3600" b="1" dirty="0"/>
+              <a:t>Symmetrical (no skew):</a:t>
+            </a:r>
+            <a:r>
+              <a:rPr lang="en-US" sz="3600" dirty="0"/>
+              <a:t> Data is evenly distributed around the center (bell-shaped).</a:t>
+            </a:r>
+          </a:p>
+          <a:p>
+            <a:pPr lvl="1">
+              <a:buFont typeface="Wingdings" panose="05000000000000000000" pitchFamily="2" charset="2"/>
+              <a:buChar char="v"/>
+            </a:pPr>
+            <a:r>
+              <a:rPr lang="en-US" sz="3600" dirty="0"/>
+              <a:t> </a:t>
+            </a:r>
+            <a:r>
+              <a:rPr lang="en-US" sz="3600" b="1" dirty="0"/>
+              <a:t>Positive skew (right-skewed):</a:t>
+            </a:r>
+            <a:r>
+              <a:rPr lang="en-US" sz="3600" dirty="0"/>
+              <a:t> Long tail extends to the right → more values concentrated on the lower end.</a:t>
+            </a:r>
+          </a:p>
+          <a:p>
+            <a:pPr lvl="1">
+              <a:buFont typeface="Wingdings" panose="05000000000000000000" pitchFamily="2" charset="2"/>
+              <a:buChar char="v"/>
+            </a:pPr>
+            <a:r>
+              <a:rPr lang="en-US" sz="3600" dirty="0"/>
+              <a:t> </a:t>
+            </a:r>
+            <a:r>
+              <a:rPr lang="en-US" sz="3600" b="1" dirty="0"/>
+              <a:t>Negative skew (left-skewed):</a:t>
+            </a:r>
+            <a:r>
+              <a:rPr lang="en-US" sz="3600" dirty="0"/>
+              <a:t> Long tail extends to the left → more values concentrated on the higher end.</a:t>
+            </a:r>
+          </a:p>
+        </p:txBody>
+      </p:sp>
+    </p:spTree>
+    <p:extLst>
+      <p:ext uri="{BB962C8B-B14F-4D97-AF65-F5344CB8AC3E}">
+        <p14:creationId xmlns:p14="http://schemas.microsoft.com/office/powerpoint/2010/main" val="382552142"/>
+      </p:ext>
+    </p:extLst>
+  </p:cSld>
+  <p:clrMapOvr>
+    <a:masterClrMapping/>
+  </p:clrMapOvr>
+</p:sld>
+</file>
+
+<file path=ppt/slides/slide11.xml><?xml version="1.0" encoding="utf-8"?>
+<p:sld xmlns:a="http://schemas.openxmlformats.org/drawingml/2006/main" xmlns:r="http://schemas.openxmlformats.org/officeDocument/2006/relationships" xmlns:p="http://schemas.openxmlformats.org/presentationml/2006/main">
+  <p:cSld>
+    <p:spTree>
+      <p:nvGrpSpPr>
+        <p:cNvPr id="1" name="">
+          <a:extLst>
+            <a:ext uri="{FF2B5EF4-FFF2-40B4-BE49-F238E27FC236}">
+              <a16:creationId xmlns:a16="http://schemas.microsoft.com/office/drawing/2014/main" id="{71B1526C-56DF-1D17-61CA-2134D16BBE1F}"/>
+            </a:ext>
+          </a:extLst>
+        </p:cNvPr>
+        <p:cNvGrpSpPr/>
+        <p:nvPr/>
+      </p:nvGrpSpPr>
+      <p:grpSpPr>
+        <a:xfrm>
+          <a:off x="0" y="0"/>
+          <a:ext cx="0" cy="0"/>
+          <a:chOff x="0" y="0"/>
+          <a:chExt cx="0" cy="0"/>
+        </a:xfrm>
+      </p:grpSpPr>
+      <p:sp>
+        <p:nvSpPr>
+          <p:cNvPr id="2" name="Title 1">
+            <a:extLst>
+              <a:ext uri="{FF2B5EF4-FFF2-40B4-BE49-F238E27FC236}">
+                <a16:creationId xmlns:a16="http://schemas.microsoft.com/office/drawing/2014/main" id="{94326C07-FED5-B53C-BC10-39DD57E2127A}"/>
+              </a:ext>
+            </a:extLst>
+          </p:cNvPr>
+          <p:cNvSpPr>
+            <a:spLocks noGrp="1"/>
+          </p:cNvSpPr>
+          <p:nvPr>
+            <p:ph type="title"/>
+          </p:nvPr>
+        </p:nvSpPr>
+        <p:spPr/>
+        <p:txBody>
+          <a:bodyPr>
+            <a:normAutofit/>
+          </a:bodyPr>
+          <a:lstStyle/>
+          <a:p>
+            <a:r>
+              <a:rPr lang="en-US" sz="4000" dirty="0">
+                <a:cs typeface="Arial" panose="020B0604020202020204" pitchFamily="34" charset="0"/>
+              </a:rPr>
+              <a:t>3. </a:t>
+            </a:r>
+            <a:r>
+              <a:rPr lang="en-US" sz="4000" dirty="0"/>
+              <a:t>Unraveling Data Distribution Using Histograms</a:t>
+            </a:r>
+            <a:endParaRPr lang="en-PH" sz="4000" dirty="0"/>
+          </a:p>
+        </p:txBody>
+      </p:sp>
+      <p:sp>
+        <p:nvSpPr>
+          <p:cNvPr id="3" name="Content Placeholder 2">
+            <a:extLst>
+              <a:ext uri="{FF2B5EF4-FFF2-40B4-BE49-F238E27FC236}">
+                <a16:creationId xmlns:a16="http://schemas.microsoft.com/office/drawing/2014/main" id="{BBA3A5A8-0074-E475-AC25-C4CC4E5214A4}"/>
+              </a:ext>
+            </a:extLst>
+          </p:cNvPr>
+          <p:cNvSpPr>
+            <a:spLocks noGrp="1"/>
+          </p:cNvSpPr>
+          <p:nvPr>
+            <p:ph idx="1"/>
+          </p:nvPr>
+        </p:nvSpPr>
+        <p:spPr>
+          <a:xfrm>
+            <a:off x="1219200" y="2462279"/>
+            <a:ext cx="4615991" cy="3900813"/>
+          </a:xfrm>
+          <a:ln>
+            <a:solidFill>
+              <a:schemeClr val="tx1"/>
+            </a:solidFill>
+          </a:ln>
+        </p:spPr>
+        <p:txBody>
+          <a:bodyPr>
+            <a:normAutofit lnSpcReduction="10000"/>
+          </a:bodyPr>
+          <a:lstStyle/>
+          <a:p>
+            <a:pPr marL="0" indent="0">
+              <a:buNone/>
+            </a:pPr>
+            <a:r>
+              <a:rPr lang="en-PH" sz="2400" b="1" dirty="0"/>
+              <a:t>Teacher analyzing exam scores</a:t>
+            </a:r>
+          </a:p>
+          <a:p>
+            <a:pPr lvl="1">
+              <a:buFont typeface="Wingdings" panose="05000000000000000000" pitchFamily="2" charset="2"/>
+              <a:buChar char="v"/>
+            </a:pPr>
+            <a:r>
+              <a:rPr lang="en-PH" sz="2200" dirty="0"/>
+              <a:t> </a:t>
+            </a:r>
+            <a:r>
+              <a:rPr lang="en-PH" sz="2400" dirty="0"/>
+              <a:t>Create bins (0–10, 11–20, etc.)</a:t>
+            </a:r>
+          </a:p>
+          <a:p>
+            <a:pPr lvl="1">
+              <a:buFont typeface="Wingdings" panose="05000000000000000000" pitchFamily="2" charset="2"/>
+              <a:buChar char="v"/>
+            </a:pPr>
+            <a:r>
+              <a:rPr lang="en-PH" sz="2400" dirty="0"/>
+              <a:t> Visualize class performance distribution</a:t>
+            </a:r>
+            <a:endParaRPr lang="en-PH" sz="2200" dirty="0"/>
+          </a:p>
+          <a:p>
+            <a:pPr marL="0" lvl="1" indent="0">
+              <a:buNone/>
+            </a:pPr>
+            <a:r>
+              <a:rPr lang="en-US" sz="2400" b="1" dirty="0"/>
+              <a:t>Creating Histograms in Google </a:t>
+            </a:r>
+            <a:r>
+              <a:rPr lang="en-US" sz="2400" b="1" dirty="0" err="1"/>
+              <a:t>Colab</a:t>
+            </a:r>
+            <a:endParaRPr lang="en-US" sz="2400" b="1" dirty="0"/>
+          </a:p>
+          <a:p>
+            <a:pPr marL="525780" lvl="2" indent="-342900">
+              <a:buFont typeface="Wingdings" panose="05000000000000000000" pitchFamily="2" charset="2"/>
+              <a:buChar char="v"/>
+            </a:pPr>
+            <a:r>
+              <a:rPr lang="en-US" sz="2000" dirty="0"/>
+              <a:t>Use </a:t>
+            </a:r>
+            <a:r>
+              <a:rPr lang="en-US" sz="2000" b="1" dirty="0"/>
+              <a:t>Matplotlib</a:t>
+            </a:r>
+            <a:r>
+              <a:rPr lang="en-US" sz="2000" dirty="0"/>
+              <a:t> to generate histograms</a:t>
+            </a:r>
+          </a:p>
+          <a:p>
+            <a:pPr marL="525780" lvl="2" indent="-342900">
+              <a:buFont typeface="Wingdings" panose="05000000000000000000" pitchFamily="2" charset="2"/>
+              <a:buChar char="v"/>
+            </a:pPr>
+            <a:r>
+              <a:rPr lang="en-PH" sz="2000" dirty="0"/>
+              <a:t>Steps:</a:t>
+            </a:r>
+          </a:p>
+          <a:p>
+            <a:pPr marL="708660" lvl="3" indent="-342900">
+              <a:buFont typeface="Wingdings" panose="05000000000000000000" pitchFamily="2" charset="2"/>
+              <a:buChar char="v"/>
+            </a:pPr>
+            <a:r>
+              <a:rPr lang="en-PH" sz="2000" dirty="0"/>
+              <a:t>Open </a:t>
+            </a:r>
+            <a:r>
+              <a:rPr lang="en-PH" sz="2000" b="1" dirty="0"/>
+              <a:t>Google </a:t>
+            </a:r>
+            <a:r>
+              <a:rPr lang="en-PH" sz="2000" b="1" dirty="0" err="1"/>
+              <a:t>Colab</a:t>
+            </a:r>
+            <a:endParaRPr lang="en-PH" sz="2000" b="1" dirty="0"/>
+          </a:p>
+          <a:p>
+            <a:pPr marL="708660" lvl="3" indent="-342900">
+              <a:buFont typeface="Wingdings" panose="05000000000000000000" pitchFamily="2" charset="2"/>
+              <a:buChar char="v"/>
+            </a:pPr>
+            <a:r>
+              <a:rPr lang="en-PH" sz="2000" dirty="0"/>
+              <a:t>Start a </a:t>
+            </a:r>
+            <a:r>
+              <a:rPr lang="en-PH" sz="2000" b="1" dirty="0"/>
+              <a:t>new notebook</a:t>
+            </a:r>
+          </a:p>
+        </p:txBody>
+      </p:sp>
+      <p:sp>
+        <p:nvSpPr>
+          <p:cNvPr id="4" name="TextBox 3">
+            <a:extLst>
+              <a:ext uri="{FF2B5EF4-FFF2-40B4-BE49-F238E27FC236}">
+                <a16:creationId xmlns:a16="http://schemas.microsoft.com/office/drawing/2014/main" id="{4A884B27-E8D2-44B9-6922-82F50EF4D8DB}"/>
+              </a:ext>
+            </a:extLst>
+          </p:cNvPr>
+          <p:cNvSpPr txBox="1"/>
+          <p:nvPr/>
+        </p:nvSpPr>
+        <p:spPr>
+          <a:xfrm>
+            <a:off x="1219200" y="2000614"/>
+            <a:ext cx="4615991" cy="461665"/>
+          </a:xfrm>
+          <a:prstGeom prst="rect">
+            <a:avLst/>
+          </a:prstGeom>
+          <a:noFill/>
+        </p:spPr>
+        <p:txBody>
+          <a:bodyPr wrap="square" rtlCol="0">
+            <a:spAutoFit/>
+          </a:bodyPr>
+          <a:lstStyle/>
+          <a:p>
+            <a:r>
+              <a:rPr lang="en-PH" sz="2400" b="1" dirty="0">
+                <a:latin typeface="Arial" panose="020B0604020202020204" pitchFamily="34" charset="0"/>
+                <a:cs typeface="Arial" panose="020B0604020202020204" pitchFamily="34" charset="0"/>
+              </a:rPr>
+              <a:t>Real-World Example</a:t>
+            </a:r>
+          </a:p>
+        </p:txBody>
+      </p:sp>
+      <p:sp>
+        <p:nvSpPr>
+          <p:cNvPr id="7" name="TextBox 6">
+            <a:extLst>
+              <a:ext uri="{FF2B5EF4-FFF2-40B4-BE49-F238E27FC236}">
+                <a16:creationId xmlns:a16="http://schemas.microsoft.com/office/drawing/2014/main" id="{C49C2546-C553-1590-5AED-088C9B67E15E}"/>
+              </a:ext>
+            </a:extLst>
+          </p:cNvPr>
+          <p:cNvSpPr txBox="1"/>
+          <p:nvPr/>
+        </p:nvSpPr>
+        <p:spPr>
+          <a:xfrm>
+            <a:off x="6356805" y="2000614"/>
+            <a:ext cx="4798875" cy="461665"/>
+          </a:xfrm>
+          <a:prstGeom prst="rect">
+            <a:avLst/>
+          </a:prstGeom>
+          <a:noFill/>
+        </p:spPr>
+        <p:txBody>
+          <a:bodyPr wrap="square" rtlCol="0">
+            <a:spAutoFit/>
+          </a:bodyPr>
+          <a:lstStyle/>
+          <a:p>
+            <a:r>
+              <a:rPr lang="en-US" sz="2400" b="1" dirty="0">
+                <a:latin typeface="Arial" panose="020B0604020202020204" pitchFamily="34" charset="0"/>
+                <a:cs typeface="Arial" panose="020B0604020202020204" pitchFamily="34" charset="0"/>
+              </a:rPr>
+              <a:t>Go to this link:</a:t>
+            </a:r>
+            <a:endParaRPr lang="en-PH" sz="2400" b="1" dirty="0">
+              <a:latin typeface="Arial" panose="020B0604020202020204" pitchFamily="34" charset="0"/>
+              <a:cs typeface="Arial" panose="020B0604020202020204" pitchFamily="34" charset="0"/>
+            </a:endParaRPr>
+          </a:p>
+        </p:txBody>
+      </p:sp>
+      <p:sp>
+        <p:nvSpPr>
+          <p:cNvPr id="8" name="Content Placeholder 2">
+            <a:extLst>
+              <a:ext uri="{FF2B5EF4-FFF2-40B4-BE49-F238E27FC236}">
+                <a16:creationId xmlns:a16="http://schemas.microsoft.com/office/drawing/2014/main" id="{957794DD-E7D9-6BC4-7326-595105631EF5}"/>
+              </a:ext>
+            </a:extLst>
+          </p:cNvPr>
+          <p:cNvSpPr txBox="1">
+            <a:spLocks/>
+          </p:cNvSpPr>
+          <p:nvPr/>
+        </p:nvSpPr>
+        <p:spPr>
+          <a:xfrm>
+            <a:off x="6356806" y="2462280"/>
+            <a:ext cx="4798874" cy="714554"/>
+          </a:xfrm>
+          <a:prstGeom prst="rect">
+            <a:avLst/>
+          </a:prstGeom>
+          <a:ln>
+            <a:solidFill>
+              <a:schemeClr val="tx1"/>
+            </a:solidFill>
+          </a:ln>
+        </p:spPr>
+        <p:txBody>
+          <a:bodyPr vert="horz" lIns="0" tIns="45720" rIns="0" bIns="45720" rtlCol="0">
+            <a:normAutofit/>
+          </a:bodyPr>
+          <a:lstStyle>
+            <a:lvl1pPr marL="91440" indent="-91440" algn="l" defTabSz="914400" rtl="0" eaLnBrk="1" latinLnBrk="0" hangingPunct="1">
+              <a:lnSpc>
+                <a:spcPct val="110000"/>
+              </a:lnSpc>
+              <a:spcBef>
+                <a:spcPts val="1200"/>
+              </a:spcBef>
+              <a:spcAft>
+                <a:spcPts val="200"/>
+              </a:spcAft>
+              <a:buClr>
+                <a:schemeClr val="accent1"/>
+              </a:buClr>
+              <a:buSzPct val="100000"/>
+              <a:buFont typeface="Calibri" panose="020F0502020204030204" pitchFamily="34" charset="0"/>
+              <a:buChar char=" "/>
+              <a:defRPr sz="1900" kern="1200">
+                <a:solidFill>
+                  <a:schemeClr val="tx1">
+                    <a:lumMod val="75000"/>
+                    <a:lumOff val="25000"/>
+                  </a:schemeClr>
+                </a:solidFill>
+                <a:latin typeface="+mn-lt"/>
+                <a:ea typeface="+mn-ea"/>
+                <a:cs typeface="+mn-cs"/>
+              </a:defRPr>
+            </a:lvl1pPr>
+            <a:lvl2pPr marL="384048" indent="-182880" algn="l" defTabSz="914400" rtl="0" eaLnBrk="1" latinLnBrk="0" hangingPunct="1">
+              <a:lnSpc>
+                <a:spcPct val="100000"/>
+              </a:lnSpc>
+              <a:spcBef>
+                <a:spcPts val="200"/>
+              </a:spcBef>
+              <a:spcAft>
+                <a:spcPts val="400"/>
+              </a:spcAft>
+              <a:buClrTx/>
+              <a:buFont typeface="Calibri" pitchFamily="34" charset="0"/>
+              <a:buChar char="◦"/>
+              <a:defRPr sz="1700" kern="1200">
+                <a:solidFill>
+                  <a:schemeClr val="tx1">
+                    <a:lumMod val="75000"/>
+                    <a:lumOff val="25000"/>
+                  </a:schemeClr>
+                </a:solidFill>
+                <a:latin typeface="+mn-lt"/>
+                <a:ea typeface="+mn-ea"/>
+                <a:cs typeface="+mn-cs"/>
+              </a:defRPr>
+            </a:lvl2pPr>
+            <a:lvl3pPr marL="566928" indent="-182880" algn="l" defTabSz="914400" rtl="0" eaLnBrk="1" latinLnBrk="0" hangingPunct="1">
+              <a:lnSpc>
+                <a:spcPct val="100000"/>
+              </a:lnSpc>
+              <a:spcBef>
+                <a:spcPts val="200"/>
+              </a:spcBef>
+              <a:spcAft>
+                <a:spcPts val="400"/>
+              </a:spcAft>
+              <a:buClrTx/>
+              <a:buFont typeface="Calibri" pitchFamily="34" charset="0"/>
+              <a:buChar char="◦"/>
+              <a:defRPr sz="1300" kern="1200">
+                <a:solidFill>
+                  <a:schemeClr val="tx1">
+                    <a:lumMod val="75000"/>
+                    <a:lumOff val="25000"/>
+                  </a:schemeClr>
+                </a:solidFill>
+                <a:latin typeface="+mn-lt"/>
+                <a:ea typeface="+mn-ea"/>
+                <a:cs typeface="+mn-cs"/>
+              </a:defRPr>
+            </a:lvl3pPr>
+            <a:lvl4pPr marL="749808" indent="-182880" algn="l" defTabSz="914400" rtl="0" eaLnBrk="1" latinLnBrk="0" hangingPunct="1">
+              <a:lnSpc>
+                <a:spcPct val="100000"/>
+              </a:lnSpc>
+              <a:spcBef>
+                <a:spcPts val="200"/>
+              </a:spcBef>
+              <a:spcAft>
+                <a:spcPts val="400"/>
+              </a:spcAft>
+              <a:buClrTx/>
+              <a:buFont typeface="Calibri" pitchFamily="34" charset="0"/>
+              <a:buChar char="◦"/>
+              <a:defRPr sz="1300" kern="1200">
+                <a:solidFill>
+                  <a:schemeClr val="tx1">
+                    <a:lumMod val="75000"/>
+                    <a:lumOff val="25000"/>
+                  </a:schemeClr>
+                </a:solidFill>
+                <a:latin typeface="+mn-lt"/>
+                <a:ea typeface="+mn-ea"/>
+                <a:cs typeface="+mn-cs"/>
+              </a:defRPr>
+            </a:lvl4pPr>
+            <a:lvl5pPr marL="932688" indent="-182880" algn="l" defTabSz="914400" rtl="0" eaLnBrk="1" latinLnBrk="0" hangingPunct="1">
+              <a:lnSpc>
+                <a:spcPct val="100000"/>
+              </a:lnSpc>
+              <a:spcBef>
+                <a:spcPts val="200"/>
+              </a:spcBef>
+              <a:spcAft>
+                <a:spcPts val="400"/>
+              </a:spcAft>
+              <a:buClrTx/>
+              <a:buFont typeface="Calibri" pitchFamily="34" charset="0"/>
+              <a:buChar char="◦"/>
+              <a:defRPr sz="1300" kern="1200">
+                <a:solidFill>
+                  <a:schemeClr val="tx1">
+                    <a:lumMod val="75000"/>
+                    <a:lumOff val="25000"/>
+                  </a:schemeClr>
+                </a:solidFill>
+                <a:latin typeface="+mn-lt"/>
+                <a:ea typeface="+mn-ea"/>
+                <a:cs typeface="+mn-cs"/>
+              </a:defRPr>
+            </a:lvl5pPr>
+            <a:lvl6pPr marL="1100000" indent="-228600" algn="l" defTabSz="914400" rtl="0" eaLnBrk="1" latinLnBrk="0" hangingPunct="1">
+              <a:lnSpc>
+                <a:spcPct val="90000"/>
+              </a:lnSpc>
+              <a:spcBef>
+                <a:spcPts val="200"/>
+              </a:spcBef>
+              <a:spcAft>
+                <a:spcPts val="400"/>
+              </a:spcAft>
+              <a:buClr>
+                <a:schemeClr val="accent1"/>
+              </a:buClr>
+              <a:buFont typeface="Calibri" pitchFamily="34" charset="0"/>
+              <a:buChar char="◦"/>
+              <a:defRPr sz="1400" kern="1200">
+                <a:solidFill>
+                  <a:schemeClr val="tx1">
+                    <a:lumMod val="75000"/>
+                    <a:lumOff val="25000"/>
+                  </a:schemeClr>
+                </a:solidFill>
+                <a:latin typeface="+mn-lt"/>
+                <a:ea typeface="+mn-ea"/>
+                <a:cs typeface="+mn-cs"/>
+              </a:defRPr>
+            </a:lvl6pPr>
+            <a:lvl7pPr marL="1300000" indent="-228600" algn="l" defTabSz="914400" rtl="0" eaLnBrk="1" latinLnBrk="0" hangingPunct="1">
+              <a:lnSpc>
+                <a:spcPct val="90000"/>
+              </a:lnSpc>
+              <a:spcBef>
+                <a:spcPts val="200"/>
+              </a:spcBef>
+              <a:spcAft>
+                <a:spcPts val="400"/>
+              </a:spcAft>
+              <a:buClr>
+                <a:schemeClr val="accent1"/>
+              </a:buClr>
+              <a:buFont typeface="Calibri" pitchFamily="34" charset="0"/>
+              <a:buChar char="◦"/>
+              <a:defRPr sz="1400" kern="1200">
+                <a:solidFill>
+                  <a:schemeClr val="tx1">
+                    <a:lumMod val="75000"/>
+                    <a:lumOff val="25000"/>
+                  </a:schemeClr>
+                </a:solidFill>
+                <a:latin typeface="+mn-lt"/>
+                <a:ea typeface="+mn-ea"/>
+                <a:cs typeface="+mn-cs"/>
+              </a:defRPr>
+            </a:lvl7pPr>
+            <a:lvl8pPr marL="1500000" indent="-228600" algn="l" defTabSz="914400" rtl="0" eaLnBrk="1" latinLnBrk="0" hangingPunct="1">
+              <a:lnSpc>
+                <a:spcPct val="90000"/>
+              </a:lnSpc>
+              <a:spcBef>
+                <a:spcPts val="200"/>
+              </a:spcBef>
+              <a:spcAft>
+                <a:spcPts val="400"/>
+              </a:spcAft>
+              <a:buClr>
+                <a:schemeClr val="accent1"/>
+              </a:buClr>
+              <a:buFont typeface="Calibri" pitchFamily="34" charset="0"/>
+              <a:buChar char="◦"/>
+              <a:defRPr sz="1400" kern="1200">
+                <a:solidFill>
+                  <a:schemeClr val="tx1">
+                    <a:lumMod val="75000"/>
+                    <a:lumOff val="25000"/>
+                  </a:schemeClr>
+                </a:solidFill>
+                <a:latin typeface="+mn-lt"/>
+                <a:ea typeface="+mn-ea"/>
+                <a:cs typeface="+mn-cs"/>
+              </a:defRPr>
+            </a:lvl8pPr>
+            <a:lvl9pPr marL="1700000" indent="-228600" algn="l" defTabSz="914400" rtl="0" eaLnBrk="1" latinLnBrk="0" hangingPunct="1">
+              <a:lnSpc>
+                <a:spcPct val="90000"/>
+              </a:lnSpc>
+              <a:spcBef>
+                <a:spcPts val="200"/>
+              </a:spcBef>
+              <a:spcAft>
+                <a:spcPts val="400"/>
+              </a:spcAft>
+              <a:buClr>
+                <a:schemeClr val="accent1"/>
+              </a:buClr>
+              <a:buFont typeface="Calibri" pitchFamily="34" charset="0"/>
+              <a:buChar char="◦"/>
+              <a:defRPr sz="1400" kern="1200">
+                <a:solidFill>
+                  <a:schemeClr val="tx1">
+                    <a:lumMod val="75000"/>
+                    <a:lumOff val="25000"/>
+                  </a:schemeClr>
+                </a:solidFill>
+                <a:latin typeface="+mn-lt"/>
+                <a:ea typeface="+mn-ea"/>
+                <a:cs typeface="+mn-cs"/>
+              </a:defRPr>
+            </a:lvl9pPr>
+          </a:lstStyle>
+          <a:p>
+            <a:pPr marL="0" indent="0">
+              <a:buNone/>
+            </a:pPr>
+            <a:r>
+              <a:rPr lang="en-US" dirty="0"/>
+              <a:t>https://github.com/MikkoDT/MexEE402_AI/blob/main/Creating_Histograms.ipynb</a:t>
+            </a:r>
+            <a:endParaRPr lang="en-US" sz="2200" dirty="0"/>
+          </a:p>
+        </p:txBody>
+      </p:sp>
+      <p:sp>
+        <p:nvSpPr>
+          <p:cNvPr id="5" name="TextBox 4">
+            <a:extLst>
+              <a:ext uri="{FF2B5EF4-FFF2-40B4-BE49-F238E27FC236}">
+                <a16:creationId xmlns:a16="http://schemas.microsoft.com/office/drawing/2014/main" id="{167FECC9-08F0-7A53-E5BA-860E4DD6C264}"/>
+              </a:ext>
+            </a:extLst>
+          </p:cNvPr>
+          <p:cNvSpPr txBox="1"/>
+          <p:nvPr/>
+        </p:nvSpPr>
+        <p:spPr>
+          <a:xfrm>
+            <a:off x="6356805" y="3582186"/>
+            <a:ext cx="4898799" cy="1200329"/>
+          </a:xfrm>
+          <a:prstGeom prst="rect">
+            <a:avLst/>
+          </a:prstGeom>
+        </p:spPr>
+        <p:style>
+          <a:lnRef idx="2">
+            <a:schemeClr val="dk1"/>
+          </a:lnRef>
+          <a:fillRef idx="1">
+            <a:schemeClr val="lt1"/>
+          </a:fillRef>
+          <a:effectRef idx="0">
+            <a:schemeClr val="dk1"/>
+          </a:effectRef>
+          <a:fontRef idx="minor">
+            <a:schemeClr val="dk1"/>
+          </a:fontRef>
+        </p:style>
+        <p:txBody>
+          <a:bodyPr wrap="square" rtlCol="0">
+            <a:spAutoFit/>
+          </a:bodyPr>
+          <a:lstStyle/>
+          <a:p>
+            <a:r>
+              <a:rPr lang="en-PH" b="1" dirty="0"/>
+              <a:t>Importing Necessary Libraries</a:t>
+            </a:r>
+          </a:p>
+          <a:p>
+            <a:endParaRPr lang="en-PH" b="1" dirty="0"/>
+          </a:p>
+          <a:p>
+            <a:r>
+              <a:rPr lang="en-US" dirty="0"/>
+              <a:t>import pandas as pd</a:t>
+            </a:r>
+          </a:p>
+          <a:p>
+            <a:r>
+              <a:rPr lang="en-US" dirty="0"/>
+              <a:t>import </a:t>
+            </a:r>
+            <a:r>
+              <a:rPr lang="en-US" dirty="0" err="1"/>
+              <a:t>matplotlib.pyplot</a:t>
+            </a:r>
+            <a:r>
+              <a:rPr lang="en-US" dirty="0"/>
+              <a:t> as </a:t>
+            </a:r>
+            <a:r>
+              <a:rPr lang="en-US" dirty="0" err="1"/>
+              <a:t>plt</a:t>
+            </a:r>
+            <a:endParaRPr lang="en-PH" dirty="0"/>
+          </a:p>
+        </p:txBody>
+      </p:sp>
+    </p:spTree>
+    <p:extLst>
+      <p:ext uri="{BB962C8B-B14F-4D97-AF65-F5344CB8AC3E}">
+        <p14:creationId xmlns:p14="http://schemas.microsoft.com/office/powerpoint/2010/main" val="1130842623"/>
+      </p:ext>
+    </p:extLst>
+  </p:cSld>
+  <p:clrMapOvr>
+    <a:masterClrMapping/>
+  </p:clrMapOvr>
+</p:sld>
+</file>
+
+<file path=ppt/slides/slide12.xml><?xml version="1.0" encoding="utf-8"?>
+<p:sld xmlns:a="http://schemas.openxmlformats.org/drawingml/2006/main" xmlns:r="http://schemas.openxmlformats.org/officeDocument/2006/relationships" xmlns:p="http://schemas.openxmlformats.org/presentationml/2006/main">
+  <p:cSld>
+    <p:spTree>
+      <p:nvGrpSpPr>
+        <p:cNvPr id="1" name="">
+          <a:extLst>
+            <a:ext uri="{FF2B5EF4-FFF2-40B4-BE49-F238E27FC236}">
+              <a16:creationId xmlns:a16="http://schemas.microsoft.com/office/drawing/2014/main" id="{501EC9A9-28CB-E6F1-EDF6-BA88E642EC77}"/>
+            </a:ext>
+          </a:extLst>
+        </p:cNvPr>
+        <p:cNvGrpSpPr/>
+        <p:nvPr/>
+      </p:nvGrpSpPr>
+      <p:grpSpPr>
+        <a:xfrm>
+          <a:off x="0" y="0"/>
+          <a:ext cx="0" cy="0"/>
+          <a:chOff x="0" y="0"/>
+          <a:chExt cx="0" cy="0"/>
+        </a:xfrm>
+      </p:grpSpPr>
+      <p:sp>
+        <p:nvSpPr>
+          <p:cNvPr id="2" name="Title 1">
+            <a:extLst>
+              <a:ext uri="{FF2B5EF4-FFF2-40B4-BE49-F238E27FC236}">
+                <a16:creationId xmlns:a16="http://schemas.microsoft.com/office/drawing/2014/main" id="{1856348B-C94E-65B0-8956-3732FACD920F}"/>
+              </a:ext>
+            </a:extLst>
+          </p:cNvPr>
+          <p:cNvSpPr>
+            <a:spLocks noGrp="1"/>
+          </p:cNvSpPr>
+          <p:nvPr>
+            <p:ph type="title"/>
+          </p:nvPr>
+        </p:nvSpPr>
+        <p:spPr/>
+        <p:txBody>
+          <a:bodyPr>
+            <a:normAutofit/>
+          </a:bodyPr>
+          <a:lstStyle/>
+          <a:p>
+            <a:r>
+              <a:rPr lang="en-US" sz="4000" dirty="0">
+                <a:cs typeface="Arial" panose="020B0604020202020204" pitchFamily="34" charset="0"/>
+              </a:rPr>
+              <a:t>3. </a:t>
+            </a:r>
+            <a:r>
+              <a:rPr lang="en-US" sz="4000" dirty="0"/>
+              <a:t>Unraveling Data Distribution Using Histograms</a:t>
+            </a:r>
+            <a:endParaRPr lang="en-PH" sz="4000" dirty="0"/>
+          </a:p>
+        </p:txBody>
+      </p:sp>
+      <p:sp>
+        <p:nvSpPr>
+          <p:cNvPr id="3" name="Content Placeholder 2">
+            <a:extLst>
+              <a:ext uri="{FF2B5EF4-FFF2-40B4-BE49-F238E27FC236}">
+                <a16:creationId xmlns:a16="http://schemas.microsoft.com/office/drawing/2014/main" id="{794F47DB-D86A-CCDC-C7F5-5B2729B4CB88}"/>
+              </a:ext>
+            </a:extLst>
+          </p:cNvPr>
+          <p:cNvSpPr>
+            <a:spLocks noGrp="1"/>
+          </p:cNvSpPr>
+          <p:nvPr>
+            <p:ph idx="1"/>
+          </p:nvPr>
+        </p:nvSpPr>
+        <p:spPr>
+          <a:xfrm>
+            <a:off x="1219200" y="2462279"/>
+            <a:ext cx="4615991" cy="3900813"/>
+          </a:xfrm>
+          <a:ln>
+            <a:solidFill>
+              <a:schemeClr val="tx1"/>
+            </a:solidFill>
+          </a:ln>
+        </p:spPr>
+        <p:txBody>
+          <a:bodyPr>
+            <a:normAutofit lnSpcReduction="10000"/>
+          </a:bodyPr>
+          <a:lstStyle/>
+          <a:p>
+            <a:r>
+              <a:rPr lang="en-US" b="1" dirty="0"/>
+              <a:t>Creating and Loading Your Data</a:t>
+            </a:r>
+          </a:p>
+          <a:p>
+            <a:r>
+              <a:rPr lang="en-US" dirty="0"/>
+              <a:t>For our illustration, we'll use a CSV file containing the final exam scores of a class. You'll need to create this file. Follow these steps:</a:t>
+            </a:r>
+            <a:br>
+              <a:rPr lang="en-US" dirty="0"/>
+            </a:br>
+            <a:br>
+              <a:rPr lang="en-US" dirty="0"/>
+            </a:br>
+            <a:r>
+              <a:rPr lang="en-US" dirty="0"/>
+              <a:t>1. </a:t>
+            </a:r>
+            <a:r>
+              <a:rPr lang="en-US" b="1" dirty="0"/>
+              <a:t>Open a text editor on your computer</a:t>
+            </a:r>
+            <a:r>
+              <a:rPr lang="en-US" dirty="0"/>
+              <a:t>, </a:t>
+            </a:r>
+            <a:r>
+              <a:rPr lang="en-US" b="1" dirty="0"/>
+              <a:t>such as Notepad on Windows or TextEdit on Mac. Or in Microsoft excel.</a:t>
+            </a:r>
+            <a:br>
+              <a:rPr lang="en-US" dirty="0"/>
+            </a:br>
+            <a:br>
+              <a:rPr lang="en-US" dirty="0"/>
+            </a:br>
+            <a:r>
+              <a:rPr lang="en-US" dirty="0"/>
+              <a:t>2. </a:t>
+            </a:r>
+            <a:r>
+              <a:rPr lang="en-US" b="1" dirty="0"/>
+              <a:t>Copy and paste</a:t>
+            </a:r>
+            <a:r>
+              <a:rPr lang="en-US" dirty="0"/>
+              <a:t> </a:t>
+            </a:r>
+            <a:r>
+              <a:rPr lang="en-US" b="1" dirty="0"/>
+              <a:t>the following lines into your text editor:</a:t>
+            </a:r>
+            <a:endParaRPr lang="en-US" dirty="0"/>
+          </a:p>
+        </p:txBody>
+      </p:sp>
+      <p:sp>
+        <p:nvSpPr>
+          <p:cNvPr id="4" name="TextBox 3">
+            <a:extLst>
+              <a:ext uri="{FF2B5EF4-FFF2-40B4-BE49-F238E27FC236}">
+                <a16:creationId xmlns:a16="http://schemas.microsoft.com/office/drawing/2014/main" id="{ABB07401-06FE-4B2E-C3C7-44E317641302}"/>
+              </a:ext>
+            </a:extLst>
+          </p:cNvPr>
+          <p:cNvSpPr txBox="1"/>
+          <p:nvPr/>
+        </p:nvSpPr>
+        <p:spPr>
+          <a:xfrm>
+            <a:off x="1219200" y="2000614"/>
+            <a:ext cx="4615991" cy="461665"/>
+          </a:xfrm>
+          <a:prstGeom prst="rect">
+            <a:avLst/>
+          </a:prstGeom>
+          <a:noFill/>
+        </p:spPr>
+        <p:txBody>
+          <a:bodyPr wrap="square" rtlCol="0">
+            <a:spAutoFit/>
+          </a:bodyPr>
+          <a:lstStyle/>
+          <a:p>
+            <a:r>
+              <a:rPr lang="en-PH" sz="2400" b="1" dirty="0">
+                <a:latin typeface="Arial" panose="020B0604020202020204" pitchFamily="34" charset="0"/>
+                <a:cs typeface="Arial" panose="020B0604020202020204" pitchFamily="34" charset="0"/>
+              </a:rPr>
+              <a:t>Real-World Example</a:t>
+            </a:r>
+          </a:p>
+        </p:txBody>
+      </p:sp>
+      <p:sp>
+        <p:nvSpPr>
+          <p:cNvPr id="7" name="TextBox 6">
+            <a:extLst>
+              <a:ext uri="{FF2B5EF4-FFF2-40B4-BE49-F238E27FC236}">
+                <a16:creationId xmlns:a16="http://schemas.microsoft.com/office/drawing/2014/main" id="{12E2E06E-D229-69A4-E7EE-136D57EB1430}"/>
+              </a:ext>
+            </a:extLst>
+          </p:cNvPr>
+          <p:cNvSpPr txBox="1"/>
+          <p:nvPr/>
+        </p:nvSpPr>
+        <p:spPr>
+          <a:xfrm>
+            <a:off x="6356805" y="2000614"/>
+            <a:ext cx="4798875" cy="369332"/>
+          </a:xfrm>
+          <a:prstGeom prst="rect">
+            <a:avLst/>
+          </a:prstGeom>
+          <a:noFill/>
+        </p:spPr>
+        <p:txBody>
+          <a:bodyPr wrap="square" rtlCol="0">
+            <a:spAutoFit/>
+          </a:bodyPr>
+          <a:lstStyle/>
+          <a:p>
+            <a:r>
+              <a:rPr lang="en-PH" b="1" dirty="0"/>
+              <a:t>Save the CSV file </a:t>
+            </a:r>
+            <a:r>
+              <a:rPr lang="en-PH" dirty="0"/>
+              <a:t>"</a:t>
+            </a:r>
+            <a:r>
+              <a:rPr lang="en-PH" b="1" dirty="0"/>
+              <a:t>scores.csv</a:t>
+            </a:r>
+            <a:r>
+              <a:rPr lang="en-PH" dirty="0"/>
+              <a:t>"</a:t>
+            </a:r>
+            <a:endParaRPr lang="en-PH" b="1" dirty="0"/>
+          </a:p>
+        </p:txBody>
+      </p:sp>
+      <p:sp>
+        <p:nvSpPr>
+          <p:cNvPr id="8" name="Content Placeholder 2">
+            <a:extLst>
+              <a:ext uri="{FF2B5EF4-FFF2-40B4-BE49-F238E27FC236}">
+                <a16:creationId xmlns:a16="http://schemas.microsoft.com/office/drawing/2014/main" id="{17E56D6E-4CA3-AC0F-B91C-C1EE008C066F}"/>
+              </a:ext>
+            </a:extLst>
+          </p:cNvPr>
+          <p:cNvSpPr txBox="1">
+            <a:spLocks/>
+          </p:cNvSpPr>
+          <p:nvPr/>
+        </p:nvSpPr>
+        <p:spPr>
+          <a:xfrm>
+            <a:off x="6356806" y="2462279"/>
+            <a:ext cx="4798874" cy="3900813"/>
+          </a:xfrm>
+          <a:prstGeom prst="rect">
+            <a:avLst/>
+          </a:prstGeom>
+          <a:ln>
+            <a:solidFill>
+              <a:schemeClr val="tx1"/>
+            </a:solidFill>
+          </a:ln>
+        </p:spPr>
+        <p:txBody>
+          <a:bodyPr vert="horz" lIns="0" tIns="45720" rIns="0" bIns="45720" rtlCol="0">
+            <a:normAutofit fontScale="92500" lnSpcReduction="20000"/>
+          </a:bodyPr>
+          <a:lstStyle>
+            <a:lvl1pPr marL="91440" indent="-91440" algn="l" defTabSz="914400" rtl="0" eaLnBrk="1" latinLnBrk="0" hangingPunct="1">
+              <a:lnSpc>
+                <a:spcPct val="110000"/>
+              </a:lnSpc>
+              <a:spcBef>
+                <a:spcPts val="1200"/>
+              </a:spcBef>
+              <a:spcAft>
+                <a:spcPts val="200"/>
+              </a:spcAft>
+              <a:buClr>
+                <a:schemeClr val="accent1"/>
+              </a:buClr>
+              <a:buSzPct val="100000"/>
+              <a:buFont typeface="Calibri" panose="020F0502020204030204" pitchFamily="34" charset="0"/>
+              <a:buChar char=" "/>
+              <a:defRPr sz="1900" kern="1200">
+                <a:solidFill>
+                  <a:schemeClr val="tx1">
+                    <a:lumMod val="75000"/>
+                    <a:lumOff val="25000"/>
+                  </a:schemeClr>
+                </a:solidFill>
+                <a:latin typeface="+mn-lt"/>
+                <a:ea typeface="+mn-ea"/>
+                <a:cs typeface="+mn-cs"/>
+              </a:defRPr>
+            </a:lvl1pPr>
+            <a:lvl2pPr marL="384048" indent="-182880" algn="l" defTabSz="914400" rtl="0" eaLnBrk="1" latinLnBrk="0" hangingPunct="1">
+              <a:lnSpc>
+                <a:spcPct val="100000"/>
+              </a:lnSpc>
+              <a:spcBef>
+                <a:spcPts val="200"/>
+              </a:spcBef>
+              <a:spcAft>
+                <a:spcPts val="400"/>
+              </a:spcAft>
+              <a:buClrTx/>
+              <a:buFont typeface="Calibri" pitchFamily="34" charset="0"/>
+              <a:buChar char="◦"/>
+              <a:defRPr sz="1700" kern="1200">
+                <a:solidFill>
+                  <a:schemeClr val="tx1">
+                    <a:lumMod val="75000"/>
+                    <a:lumOff val="25000"/>
+                  </a:schemeClr>
+                </a:solidFill>
+                <a:latin typeface="+mn-lt"/>
+                <a:ea typeface="+mn-ea"/>
+                <a:cs typeface="+mn-cs"/>
+              </a:defRPr>
+            </a:lvl2pPr>
+            <a:lvl3pPr marL="566928" indent="-182880" algn="l" defTabSz="914400" rtl="0" eaLnBrk="1" latinLnBrk="0" hangingPunct="1">
+              <a:lnSpc>
+                <a:spcPct val="100000"/>
+              </a:lnSpc>
+              <a:spcBef>
+                <a:spcPts val="200"/>
+              </a:spcBef>
+              <a:spcAft>
+                <a:spcPts val="400"/>
+              </a:spcAft>
+              <a:buClrTx/>
+              <a:buFont typeface="Calibri" pitchFamily="34" charset="0"/>
+              <a:buChar char="◦"/>
+              <a:defRPr sz="1300" kern="1200">
+                <a:solidFill>
+                  <a:schemeClr val="tx1">
+                    <a:lumMod val="75000"/>
+                    <a:lumOff val="25000"/>
+                  </a:schemeClr>
+                </a:solidFill>
+                <a:latin typeface="+mn-lt"/>
+                <a:ea typeface="+mn-ea"/>
+                <a:cs typeface="+mn-cs"/>
+              </a:defRPr>
+            </a:lvl3pPr>
+            <a:lvl4pPr marL="749808" indent="-182880" algn="l" defTabSz="914400" rtl="0" eaLnBrk="1" latinLnBrk="0" hangingPunct="1">
+              <a:lnSpc>
+                <a:spcPct val="100000"/>
+              </a:lnSpc>
+              <a:spcBef>
+                <a:spcPts val="200"/>
+              </a:spcBef>
+              <a:spcAft>
+                <a:spcPts val="400"/>
+              </a:spcAft>
+              <a:buClrTx/>
+              <a:buFont typeface="Calibri" pitchFamily="34" charset="0"/>
+              <a:buChar char="◦"/>
+              <a:defRPr sz="1300" kern="1200">
+                <a:solidFill>
+                  <a:schemeClr val="tx1">
+                    <a:lumMod val="75000"/>
+                    <a:lumOff val="25000"/>
+                  </a:schemeClr>
+                </a:solidFill>
+                <a:latin typeface="+mn-lt"/>
+                <a:ea typeface="+mn-ea"/>
+                <a:cs typeface="+mn-cs"/>
+              </a:defRPr>
+            </a:lvl4pPr>
+            <a:lvl5pPr marL="932688" indent="-182880" algn="l" defTabSz="914400" rtl="0" eaLnBrk="1" latinLnBrk="0" hangingPunct="1">
+              <a:lnSpc>
+                <a:spcPct val="100000"/>
+              </a:lnSpc>
+              <a:spcBef>
+                <a:spcPts val="200"/>
+              </a:spcBef>
+              <a:spcAft>
+                <a:spcPts val="400"/>
+              </a:spcAft>
+              <a:buClrTx/>
+              <a:buFont typeface="Calibri" pitchFamily="34" charset="0"/>
+              <a:buChar char="◦"/>
+              <a:defRPr sz="1300" kern="1200">
+                <a:solidFill>
+                  <a:schemeClr val="tx1">
+                    <a:lumMod val="75000"/>
+                    <a:lumOff val="25000"/>
+                  </a:schemeClr>
+                </a:solidFill>
+                <a:latin typeface="+mn-lt"/>
+                <a:ea typeface="+mn-ea"/>
+                <a:cs typeface="+mn-cs"/>
+              </a:defRPr>
+            </a:lvl5pPr>
+            <a:lvl6pPr marL="1100000" indent="-228600" algn="l" defTabSz="914400" rtl="0" eaLnBrk="1" latinLnBrk="0" hangingPunct="1">
+              <a:lnSpc>
+                <a:spcPct val="90000"/>
+              </a:lnSpc>
+              <a:spcBef>
+                <a:spcPts val="200"/>
+              </a:spcBef>
+              <a:spcAft>
+                <a:spcPts val="400"/>
+              </a:spcAft>
+              <a:buClr>
+                <a:schemeClr val="accent1"/>
+              </a:buClr>
+              <a:buFont typeface="Calibri" pitchFamily="34" charset="0"/>
+              <a:buChar char="◦"/>
+              <a:defRPr sz="1400" kern="1200">
+                <a:solidFill>
+                  <a:schemeClr val="tx1">
+                    <a:lumMod val="75000"/>
+                    <a:lumOff val="25000"/>
+                  </a:schemeClr>
+                </a:solidFill>
+                <a:latin typeface="+mn-lt"/>
+                <a:ea typeface="+mn-ea"/>
+                <a:cs typeface="+mn-cs"/>
+              </a:defRPr>
+            </a:lvl6pPr>
+            <a:lvl7pPr marL="1300000" indent="-228600" algn="l" defTabSz="914400" rtl="0" eaLnBrk="1" latinLnBrk="0" hangingPunct="1">
+              <a:lnSpc>
+                <a:spcPct val="90000"/>
+              </a:lnSpc>
+              <a:spcBef>
+                <a:spcPts val="200"/>
+              </a:spcBef>
+              <a:spcAft>
+                <a:spcPts val="400"/>
+              </a:spcAft>
+              <a:buClr>
+                <a:schemeClr val="accent1"/>
+              </a:buClr>
+              <a:buFont typeface="Calibri" pitchFamily="34" charset="0"/>
+              <a:buChar char="◦"/>
+              <a:defRPr sz="1400" kern="1200">
+                <a:solidFill>
+                  <a:schemeClr val="tx1">
+                    <a:lumMod val="75000"/>
+                    <a:lumOff val="25000"/>
+                  </a:schemeClr>
+                </a:solidFill>
+                <a:latin typeface="+mn-lt"/>
+                <a:ea typeface="+mn-ea"/>
+                <a:cs typeface="+mn-cs"/>
+              </a:defRPr>
+            </a:lvl7pPr>
+            <a:lvl8pPr marL="1500000" indent="-228600" algn="l" defTabSz="914400" rtl="0" eaLnBrk="1" latinLnBrk="0" hangingPunct="1">
+              <a:lnSpc>
+                <a:spcPct val="90000"/>
+              </a:lnSpc>
+              <a:spcBef>
+                <a:spcPts val="200"/>
+              </a:spcBef>
+              <a:spcAft>
+                <a:spcPts val="400"/>
+              </a:spcAft>
+              <a:buClr>
+                <a:schemeClr val="accent1"/>
+              </a:buClr>
+              <a:buFont typeface="Calibri" pitchFamily="34" charset="0"/>
+              <a:buChar char="◦"/>
+              <a:defRPr sz="1400" kern="1200">
+                <a:solidFill>
+                  <a:schemeClr val="tx1">
+                    <a:lumMod val="75000"/>
+                    <a:lumOff val="25000"/>
+                  </a:schemeClr>
+                </a:solidFill>
+                <a:latin typeface="+mn-lt"/>
+                <a:ea typeface="+mn-ea"/>
+                <a:cs typeface="+mn-cs"/>
+              </a:defRPr>
+            </a:lvl8pPr>
+            <a:lvl9pPr marL="1700000" indent="-228600" algn="l" defTabSz="914400" rtl="0" eaLnBrk="1" latinLnBrk="0" hangingPunct="1">
+              <a:lnSpc>
+                <a:spcPct val="90000"/>
+              </a:lnSpc>
+              <a:spcBef>
+                <a:spcPts val="200"/>
+              </a:spcBef>
+              <a:spcAft>
+                <a:spcPts val="400"/>
+              </a:spcAft>
+              <a:buClr>
+                <a:schemeClr val="accent1"/>
+              </a:buClr>
+              <a:buFont typeface="Calibri" pitchFamily="34" charset="0"/>
+              <a:buChar char="◦"/>
+              <a:defRPr sz="1400" kern="1200">
+                <a:solidFill>
+                  <a:schemeClr val="tx1">
+                    <a:lumMod val="75000"/>
+                    <a:lumOff val="25000"/>
+                  </a:schemeClr>
+                </a:solidFill>
+                <a:latin typeface="+mn-lt"/>
+                <a:ea typeface="+mn-ea"/>
+                <a:cs typeface="+mn-cs"/>
+              </a:defRPr>
+            </a:lvl9pPr>
+          </a:lstStyle>
+          <a:p>
+            <a:pPr marL="0" indent="0">
+              <a:buNone/>
+            </a:pPr>
+            <a:r>
+              <a:rPr lang="en-US" dirty="0"/>
+              <a:t>scores</a:t>
+            </a:r>
+          </a:p>
+          <a:p>
+            <a:pPr marL="0" indent="0">
+              <a:buNone/>
+            </a:pPr>
+            <a:r>
+              <a:rPr lang="en-US" dirty="0"/>
+              <a:t>85</a:t>
+            </a:r>
+          </a:p>
+          <a:p>
+            <a:pPr marL="0" indent="0">
+              <a:buNone/>
+            </a:pPr>
+            <a:r>
+              <a:rPr lang="en-US" dirty="0"/>
+              <a:t>90</a:t>
+            </a:r>
+          </a:p>
+          <a:p>
+            <a:pPr marL="0" indent="0">
+              <a:buNone/>
+            </a:pPr>
+            <a:r>
+              <a:rPr lang="en-US" dirty="0"/>
+              <a:t>78</a:t>
+            </a:r>
+          </a:p>
+          <a:p>
+            <a:pPr marL="0" indent="0">
+              <a:buNone/>
+            </a:pPr>
+            <a:r>
+              <a:rPr lang="en-US" dirty="0"/>
+              <a:t>92</a:t>
+            </a:r>
+          </a:p>
+          <a:p>
+            <a:pPr marL="0" indent="0">
+              <a:buNone/>
+            </a:pPr>
+            <a:r>
+              <a:rPr lang="en-US" dirty="0"/>
+              <a:t>88</a:t>
+            </a:r>
+          </a:p>
+          <a:p>
+            <a:pPr marL="0" indent="0">
+              <a:buNone/>
+            </a:pPr>
+            <a:r>
+              <a:rPr lang="en-US" dirty="0"/>
+              <a:t>76</a:t>
+            </a:r>
+          </a:p>
+          <a:p>
+            <a:pPr marL="0" indent="0">
+              <a:buNone/>
+            </a:pPr>
+            <a:r>
+              <a:rPr lang="en-US" dirty="0"/>
+              <a:t>95</a:t>
+            </a:r>
+          </a:p>
+          <a:p>
+            <a:pPr marL="0" indent="0">
+              <a:buNone/>
+            </a:pPr>
+            <a:r>
+              <a:rPr lang="en-US" dirty="0"/>
+              <a:t>89</a:t>
+            </a:r>
+            <a:endParaRPr lang="en-US" sz="2200" dirty="0"/>
+          </a:p>
+        </p:txBody>
+      </p:sp>
+    </p:spTree>
+    <p:extLst>
+      <p:ext uri="{BB962C8B-B14F-4D97-AF65-F5344CB8AC3E}">
+        <p14:creationId xmlns:p14="http://schemas.microsoft.com/office/powerpoint/2010/main" val="1589892861"/>
+      </p:ext>
+    </p:extLst>
+  </p:cSld>
+  <p:clrMapOvr>
+    <a:masterClrMapping/>
+  </p:clrMapOvr>
+</p:sld>
+</file>
+
+<file path=ppt/slides/slide13.xml><?xml version="1.0" encoding="utf-8"?>
+<p:sld xmlns:a="http://schemas.openxmlformats.org/drawingml/2006/main" xmlns:r="http://schemas.openxmlformats.org/officeDocument/2006/relationships" xmlns:p="http://schemas.openxmlformats.org/presentationml/2006/main">
+  <p:cSld>
+    <p:spTree>
+      <p:nvGrpSpPr>
+        <p:cNvPr id="1" name="">
+          <a:extLst>
+            <a:ext uri="{FF2B5EF4-FFF2-40B4-BE49-F238E27FC236}">
+              <a16:creationId xmlns:a16="http://schemas.microsoft.com/office/drawing/2014/main" id="{B5CF0F44-A108-027A-D3EC-D7429B200C26}"/>
+            </a:ext>
+          </a:extLst>
+        </p:cNvPr>
+        <p:cNvGrpSpPr/>
+        <p:nvPr/>
+      </p:nvGrpSpPr>
+      <p:grpSpPr>
+        <a:xfrm>
+          <a:off x="0" y="0"/>
+          <a:ext cx="0" cy="0"/>
+          <a:chOff x="0" y="0"/>
+          <a:chExt cx="0" cy="0"/>
+        </a:xfrm>
+      </p:grpSpPr>
+      <p:sp>
+        <p:nvSpPr>
+          <p:cNvPr id="2" name="Title 1">
+            <a:extLst>
+              <a:ext uri="{FF2B5EF4-FFF2-40B4-BE49-F238E27FC236}">
+                <a16:creationId xmlns:a16="http://schemas.microsoft.com/office/drawing/2014/main" id="{6CA141E9-0B31-B878-8CE5-5D792A8C5D12}"/>
+              </a:ext>
+            </a:extLst>
+          </p:cNvPr>
+          <p:cNvSpPr>
+            <a:spLocks noGrp="1"/>
+          </p:cNvSpPr>
+          <p:nvPr>
+            <p:ph type="title"/>
+          </p:nvPr>
+        </p:nvSpPr>
+        <p:spPr/>
+        <p:txBody>
+          <a:bodyPr>
+            <a:normAutofit/>
+          </a:bodyPr>
+          <a:lstStyle/>
+          <a:p>
+            <a:r>
+              <a:rPr lang="en-US" sz="4000" dirty="0">
+                <a:cs typeface="Arial" panose="020B0604020202020204" pitchFamily="34" charset="0"/>
+              </a:rPr>
+              <a:t>3. </a:t>
+            </a:r>
+            <a:r>
+              <a:rPr lang="en-US" sz="4000" dirty="0"/>
+              <a:t>Unraveling Data Distribution Using Histograms</a:t>
+            </a:r>
+            <a:endParaRPr lang="en-PH" sz="4000" dirty="0"/>
+          </a:p>
+        </p:txBody>
+      </p:sp>
+      <p:sp>
+        <p:nvSpPr>
+          <p:cNvPr id="3" name="Content Placeholder 2">
+            <a:extLst>
+              <a:ext uri="{FF2B5EF4-FFF2-40B4-BE49-F238E27FC236}">
+                <a16:creationId xmlns:a16="http://schemas.microsoft.com/office/drawing/2014/main" id="{83EA8B07-DD2D-2652-4B06-F49CD954E491}"/>
+              </a:ext>
+            </a:extLst>
+          </p:cNvPr>
+          <p:cNvSpPr>
+            <a:spLocks noGrp="1"/>
+          </p:cNvSpPr>
+          <p:nvPr>
+            <p:ph idx="1"/>
+          </p:nvPr>
+        </p:nvSpPr>
+        <p:spPr>
+          <a:xfrm>
+            <a:off x="1219200" y="2462279"/>
+            <a:ext cx="4615991" cy="3900813"/>
+          </a:xfrm>
+          <a:ln>
+            <a:solidFill>
+              <a:schemeClr val="tx1"/>
+            </a:solidFill>
+          </a:ln>
+        </p:spPr>
+        <p:txBody>
+          <a:bodyPr>
+            <a:normAutofit fontScale="92500" lnSpcReduction="20000"/>
+          </a:bodyPr>
+          <a:lstStyle/>
+          <a:p>
+            <a:r>
+              <a:rPr lang="en-US" b="1" dirty="0"/>
+              <a:t>Upload the CSV file to Google </a:t>
+            </a:r>
+            <a:r>
+              <a:rPr lang="en-US" b="1" dirty="0" err="1"/>
+              <a:t>Colab</a:t>
+            </a:r>
+            <a:r>
+              <a:rPr lang="en-US" b="1" dirty="0"/>
+              <a:t>:</a:t>
+            </a:r>
+          </a:p>
+          <a:p>
+            <a:pPr>
+              <a:buFont typeface="Wingdings" panose="05000000000000000000" pitchFamily="2" charset="2"/>
+              <a:buChar char="v"/>
+            </a:pPr>
+            <a:r>
+              <a:rPr lang="en-US" dirty="0"/>
+              <a:t>In </a:t>
+            </a:r>
+            <a:r>
+              <a:rPr lang="en-US" b="1" dirty="0"/>
+              <a:t>Google </a:t>
+            </a:r>
+            <a:r>
+              <a:rPr lang="en-US" b="1" dirty="0" err="1"/>
+              <a:t>Colab</a:t>
+            </a:r>
+            <a:r>
+              <a:rPr lang="en-US" dirty="0"/>
+              <a:t>, click the </a:t>
+            </a:r>
+            <a:r>
+              <a:rPr lang="en-US" b="1" dirty="0"/>
+              <a:t>folder icon</a:t>
+            </a:r>
+            <a:r>
+              <a:rPr lang="en-US" dirty="0"/>
+              <a:t> (left sidebar)</a:t>
+            </a:r>
+          </a:p>
+          <a:p>
+            <a:pPr>
+              <a:buFont typeface="Wingdings" panose="05000000000000000000" pitchFamily="2" charset="2"/>
+              <a:buChar char="v"/>
+            </a:pPr>
+            <a:r>
+              <a:rPr lang="en-US" dirty="0"/>
+              <a:t> Click </a:t>
+            </a:r>
+            <a:r>
+              <a:rPr lang="en-US" b="1" dirty="0"/>
+              <a:t>Upload to session storage</a:t>
+            </a:r>
+            <a:r>
+              <a:rPr lang="en-US" dirty="0"/>
+              <a:t> (upward arrow icon)</a:t>
+            </a:r>
+          </a:p>
+          <a:p>
+            <a:pPr>
+              <a:buFont typeface="Wingdings" panose="05000000000000000000" pitchFamily="2" charset="2"/>
+              <a:buChar char="v"/>
+            </a:pPr>
+            <a:r>
+              <a:rPr lang="en-US" dirty="0"/>
+              <a:t> Select </a:t>
+            </a:r>
+            <a:r>
+              <a:rPr lang="en-US" b="1" dirty="0"/>
+              <a:t>scores.csv</a:t>
+            </a:r>
+            <a:r>
+              <a:rPr lang="en-US" dirty="0"/>
+              <a:t> from your local files</a:t>
+            </a:r>
+          </a:p>
+          <a:p>
+            <a:pPr>
+              <a:buFont typeface="Wingdings" panose="05000000000000000000" pitchFamily="2" charset="2"/>
+              <a:buChar char="v"/>
+            </a:pPr>
+            <a:r>
+              <a:rPr lang="en-US" dirty="0"/>
+              <a:t> File is uploaded to your </a:t>
+            </a:r>
+            <a:r>
+              <a:rPr lang="en-US" dirty="0" err="1"/>
+              <a:t>Colab</a:t>
+            </a:r>
+            <a:r>
+              <a:rPr lang="en-US" dirty="0"/>
+              <a:t> session</a:t>
+            </a:r>
+          </a:p>
+          <a:p>
+            <a:pPr marL="0" indent="0">
+              <a:buNone/>
+            </a:pPr>
+            <a:r>
+              <a:rPr lang="en-US" b="1" dirty="0"/>
+              <a:t>Load the data into a pandas </a:t>
+            </a:r>
+            <a:r>
+              <a:rPr lang="en-US" b="1" dirty="0" err="1"/>
+              <a:t>DataFrame</a:t>
+            </a:r>
+            <a:r>
+              <a:rPr lang="en-US" b="1" dirty="0"/>
+              <a:t>:</a:t>
+            </a:r>
+          </a:p>
+          <a:p>
+            <a:r>
+              <a:rPr lang="en-US" dirty="0"/>
+              <a:t>Finally, load the data into a pandas </a:t>
+            </a:r>
+            <a:r>
+              <a:rPr lang="en-US" dirty="0" err="1"/>
+              <a:t>DataFrame</a:t>
+            </a:r>
+            <a:r>
+              <a:rPr lang="en-US" dirty="0"/>
+              <a:t> using the following code:</a:t>
+            </a:r>
+          </a:p>
+        </p:txBody>
+      </p:sp>
+      <p:sp>
+        <p:nvSpPr>
+          <p:cNvPr id="4" name="TextBox 3">
+            <a:extLst>
+              <a:ext uri="{FF2B5EF4-FFF2-40B4-BE49-F238E27FC236}">
+                <a16:creationId xmlns:a16="http://schemas.microsoft.com/office/drawing/2014/main" id="{1E36AFAF-FB39-CD54-8A6F-9FDF148D72EE}"/>
+              </a:ext>
+            </a:extLst>
+          </p:cNvPr>
+          <p:cNvSpPr txBox="1"/>
+          <p:nvPr/>
+        </p:nvSpPr>
+        <p:spPr>
+          <a:xfrm>
+            <a:off x="1219200" y="2000614"/>
+            <a:ext cx="4615991" cy="461665"/>
+          </a:xfrm>
+          <a:prstGeom prst="rect">
+            <a:avLst/>
+          </a:prstGeom>
+          <a:noFill/>
+        </p:spPr>
+        <p:txBody>
+          <a:bodyPr wrap="square" rtlCol="0">
+            <a:spAutoFit/>
+          </a:bodyPr>
+          <a:lstStyle/>
+          <a:p>
+            <a:r>
+              <a:rPr lang="en-PH" sz="2400" b="1" dirty="0">
+                <a:latin typeface="Arial" panose="020B0604020202020204" pitchFamily="34" charset="0"/>
+                <a:cs typeface="Arial" panose="020B0604020202020204" pitchFamily="34" charset="0"/>
+              </a:rPr>
+              <a:t>Real-World Example</a:t>
+            </a:r>
+          </a:p>
+        </p:txBody>
+      </p:sp>
+      <p:sp>
+        <p:nvSpPr>
+          <p:cNvPr id="8" name="Content Placeholder 2">
+            <a:extLst>
+              <a:ext uri="{FF2B5EF4-FFF2-40B4-BE49-F238E27FC236}">
+                <a16:creationId xmlns:a16="http://schemas.microsoft.com/office/drawing/2014/main" id="{F1E510B2-6B0E-0B90-7868-BE758C938ABC}"/>
+              </a:ext>
+            </a:extLst>
+          </p:cNvPr>
+          <p:cNvSpPr txBox="1">
+            <a:spLocks/>
+          </p:cNvSpPr>
+          <p:nvPr/>
+        </p:nvSpPr>
+        <p:spPr>
+          <a:xfrm>
+            <a:off x="6356806" y="2462279"/>
+            <a:ext cx="4798874" cy="3900813"/>
+          </a:xfrm>
+          <a:prstGeom prst="rect">
+            <a:avLst/>
+          </a:prstGeom>
+          <a:ln>
+            <a:solidFill>
+              <a:schemeClr val="tx1"/>
+            </a:solidFill>
+          </a:ln>
+        </p:spPr>
+        <p:txBody>
+          <a:bodyPr vert="horz" lIns="0" tIns="45720" rIns="0" bIns="45720" rtlCol="0">
+            <a:normAutofit/>
+          </a:bodyPr>
+          <a:lstStyle>
+            <a:lvl1pPr marL="91440" indent="-91440" algn="l" defTabSz="914400" rtl="0" eaLnBrk="1" latinLnBrk="0" hangingPunct="1">
+              <a:lnSpc>
+                <a:spcPct val="110000"/>
+              </a:lnSpc>
+              <a:spcBef>
+                <a:spcPts val="1200"/>
+              </a:spcBef>
+              <a:spcAft>
+                <a:spcPts val="200"/>
+              </a:spcAft>
+              <a:buClr>
+                <a:schemeClr val="accent1"/>
+              </a:buClr>
+              <a:buSzPct val="100000"/>
+              <a:buFont typeface="Calibri" panose="020F0502020204030204" pitchFamily="34" charset="0"/>
+              <a:buChar char=" "/>
+              <a:defRPr sz="1900" kern="1200">
+                <a:solidFill>
+                  <a:schemeClr val="tx1">
+                    <a:lumMod val="75000"/>
+                    <a:lumOff val="25000"/>
+                  </a:schemeClr>
+                </a:solidFill>
+                <a:latin typeface="+mn-lt"/>
+                <a:ea typeface="+mn-ea"/>
+                <a:cs typeface="+mn-cs"/>
+              </a:defRPr>
+            </a:lvl1pPr>
+            <a:lvl2pPr marL="384048" indent="-182880" algn="l" defTabSz="914400" rtl="0" eaLnBrk="1" latinLnBrk="0" hangingPunct="1">
+              <a:lnSpc>
+                <a:spcPct val="100000"/>
+              </a:lnSpc>
+              <a:spcBef>
+                <a:spcPts val="200"/>
+              </a:spcBef>
+              <a:spcAft>
+                <a:spcPts val="400"/>
+              </a:spcAft>
+              <a:buClrTx/>
+              <a:buFont typeface="Calibri" pitchFamily="34" charset="0"/>
+              <a:buChar char="◦"/>
+              <a:defRPr sz="1700" kern="1200">
+                <a:solidFill>
+                  <a:schemeClr val="tx1">
+                    <a:lumMod val="75000"/>
+                    <a:lumOff val="25000"/>
+                  </a:schemeClr>
+                </a:solidFill>
+                <a:latin typeface="+mn-lt"/>
+                <a:ea typeface="+mn-ea"/>
+                <a:cs typeface="+mn-cs"/>
+              </a:defRPr>
+            </a:lvl2pPr>
+            <a:lvl3pPr marL="566928" indent="-182880" algn="l" defTabSz="914400" rtl="0" eaLnBrk="1" latinLnBrk="0" hangingPunct="1">
+              <a:lnSpc>
+                <a:spcPct val="100000"/>
+              </a:lnSpc>
+              <a:spcBef>
+                <a:spcPts val="200"/>
+              </a:spcBef>
+              <a:spcAft>
+                <a:spcPts val="400"/>
+              </a:spcAft>
+              <a:buClrTx/>
+              <a:buFont typeface="Calibri" pitchFamily="34" charset="0"/>
+              <a:buChar char="◦"/>
+              <a:defRPr sz="1300" kern="1200">
+                <a:solidFill>
+                  <a:schemeClr val="tx1">
+                    <a:lumMod val="75000"/>
+                    <a:lumOff val="25000"/>
+                  </a:schemeClr>
+                </a:solidFill>
+                <a:latin typeface="+mn-lt"/>
+                <a:ea typeface="+mn-ea"/>
+                <a:cs typeface="+mn-cs"/>
+              </a:defRPr>
+            </a:lvl3pPr>
+            <a:lvl4pPr marL="749808" indent="-182880" algn="l" defTabSz="914400" rtl="0" eaLnBrk="1" latinLnBrk="0" hangingPunct="1">
+              <a:lnSpc>
+                <a:spcPct val="100000"/>
+              </a:lnSpc>
+              <a:spcBef>
+                <a:spcPts val="200"/>
+              </a:spcBef>
+              <a:spcAft>
+                <a:spcPts val="400"/>
+              </a:spcAft>
+              <a:buClrTx/>
+              <a:buFont typeface="Calibri" pitchFamily="34" charset="0"/>
+              <a:buChar char="◦"/>
+              <a:defRPr sz="1300" kern="1200">
+                <a:solidFill>
+                  <a:schemeClr val="tx1">
+                    <a:lumMod val="75000"/>
+                    <a:lumOff val="25000"/>
+                  </a:schemeClr>
+                </a:solidFill>
+                <a:latin typeface="+mn-lt"/>
+                <a:ea typeface="+mn-ea"/>
+                <a:cs typeface="+mn-cs"/>
+              </a:defRPr>
+            </a:lvl4pPr>
+            <a:lvl5pPr marL="932688" indent="-182880" algn="l" defTabSz="914400" rtl="0" eaLnBrk="1" latinLnBrk="0" hangingPunct="1">
+              <a:lnSpc>
+                <a:spcPct val="100000"/>
+              </a:lnSpc>
+              <a:spcBef>
+                <a:spcPts val="200"/>
+              </a:spcBef>
+              <a:spcAft>
+                <a:spcPts val="400"/>
+              </a:spcAft>
+              <a:buClrTx/>
+              <a:buFont typeface="Calibri" pitchFamily="34" charset="0"/>
+              <a:buChar char="◦"/>
+              <a:defRPr sz="1300" kern="1200">
+                <a:solidFill>
+                  <a:schemeClr val="tx1">
+                    <a:lumMod val="75000"/>
+                    <a:lumOff val="25000"/>
+                  </a:schemeClr>
+                </a:solidFill>
+                <a:latin typeface="+mn-lt"/>
+                <a:ea typeface="+mn-ea"/>
+                <a:cs typeface="+mn-cs"/>
+              </a:defRPr>
+            </a:lvl5pPr>
+            <a:lvl6pPr marL="1100000" indent="-228600" algn="l" defTabSz="914400" rtl="0" eaLnBrk="1" latinLnBrk="0" hangingPunct="1">
+              <a:lnSpc>
+                <a:spcPct val="90000"/>
+              </a:lnSpc>
+              <a:spcBef>
+                <a:spcPts val="200"/>
+              </a:spcBef>
+              <a:spcAft>
+                <a:spcPts val="400"/>
+              </a:spcAft>
+              <a:buClr>
+                <a:schemeClr val="accent1"/>
+              </a:buClr>
+              <a:buFont typeface="Calibri" pitchFamily="34" charset="0"/>
+              <a:buChar char="◦"/>
+              <a:defRPr sz="1400" kern="1200">
+                <a:solidFill>
+                  <a:schemeClr val="tx1">
+                    <a:lumMod val="75000"/>
+                    <a:lumOff val="25000"/>
+                  </a:schemeClr>
+                </a:solidFill>
+                <a:latin typeface="+mn-lt"/>
+                <a:ea typeface="+mn-ea"/>
+                <a:cs typeface="+mn-cs"/>
+              </a:defRPr>
+            </a:lvl6pPr>
+            <a:lvl7pPr marL="1300000" indent="-228600" algn="l" defTabSz="914400" rtl="0" eaLnBrk="1" latinLnBrk="0" hangingPunct="1">
+              <a:lnSpc>
+                <a:spcPct val="90000"/>
+              </a:lnSpc>
+              <a:spcBef>
+                <a:spcPts val="200"/>
+              </a:spcBef>
+              <a:spcAft>
+                <a:spcPts val="400"/>
+              </a:spcAft>
+              <a:buClr>
+                <a:schemeClr val="accent1"/>
+              </a:buClr>
+              <a:buFont typeface="Calibri" pitchFamily="34" charset="0"/>
+              <a:buChar char="◦"/>
+              <a:defRPr sz="1400" kern="1200">
+                <a:solidFill>
+                  <a:schemeClr val="tx1">
+                    <a:lumMod val="75000"/>
+                    <a:lumOff val="25000"/>
+                  </a:schemeClr>
+                </a:solidFill>
+                <a:latin typeface="+mn-lt"/>
+                <a:ea typeface="+mn-ea"/>
+                <a:cs typeface="+mn-cs"/>
+              </a:defRPr>
+            </a:lvl7pPr>
+            <a:lvl8pPr marL="1500000" indent="-228600" algn="l" defTabSz="914400" rtl="0" eaLnBrk="1" latinLnBrk="0" hangingPunct="1">
+              <a:lnSpc>
+                <a:spcPct val="90000"/>
+              </a:lnSpc>
+              <a:spcBef>
+                <a:spcPts val="200"/>
+              </a:spcBef>
+              <a:spcAft>
+                <a:spcPts val="400"/>
+              </a:spcAft>
+              <a:buClr>
+                <a:schemeClr val="accent1"/>
+              </a:buClr>
+              <a:buFont typeface="Calibri" pitchFamily="34" charset="0"/>
+              <a:buChar char="◦"/>
+              <a:defRPr sz="1400" kern="1200">
+                <a:solidFill>
+                  <a:schemeClr val="tx1">
+                    <a:lumMod val="75000"/>
+                    <a:lumOff val="25000"/>
+                  </a:schemeClr>
+                </a:solidFill>
+                <a:latin typeface="+mn-lt"/>
+                <a:ea typeface="+mn-ea"/>
+                <a:cs typeface="+mn-cs"/>
+              </a:defRPr>
+            </a:lvl8pPr>
+            <a:lvl9pPr marL="1700000" indent="-228600" algn="l" defTabSz="914400" rtl="0" eaLnBrk="1" latinLnBrk="0" hangingPunct="1">
+              <a:lnSpc>
+                <a:spcPct val="90000"/>
+              </a:lnSpc>
+              <a:spcBef>
+                <a:spcPts val="200"/>
+              </a:spcBef>
+              <a:spcAft>
+                <a:spcPts val="400"/>
+              </a:spcAft>
+              <a:buClr>
+                <a:schemeClr val="accent1"/>
+              </a:buClr>
+              <a:buFont typeface="Calibri" pitchFamily="34" charset="0"/>
+              <a:buChar char="◦"/>
+              <a:defRPr sz="1400" kern="1200">
+                <a:solidFill>
+                  <a:schemeClr val="tx1">
+                    <a:lumMod val="75000"/>
+                    <a:lumOff val="25000"/>
+                  </a:schemeClr>
+                </a:solidFill>
+                <a:latin typeface="+mn-lt"/>
+                <a:ea typeface="+mn-ea"/>
+                <a:cs typeface="+mn-cs"/>
+              </a:defRPr>
+            </a:lvl9pPr>
+          </a:lstStyle>
+          <a:p>
+            <a:pPr>
+              <a:buFont typeface="Wingdings" panose="05000000000000000000" pitchFamily="2" charset="2"/>
+              <a:buChar char="v"/>
+            </a:pPr>
+            <a:r>
+              <a:rPr lang="en-US" sz="2200" dirty="0"/>
+              <a:t> </a:t>
+            </a:r>
+            <a:r>
+              <a:rPr lang="en-PH" sz="2400" dirty="0"/>
+              <a:t>Generates a </a:t>
+            </a:r>
+            <a:r>
+              <a:rPr lang="en-PH" sz="2400" b="1" dirty="0"/>
+              <a:t>histogram of final exam scores</a:t>
+            </a:r>
+          </a:p>
+          <a:p>
+            <a:pPr>
+              <a:buFont typeface="Wingdings" panose="05000000000000000000" pitchFamily="2" charset="2"/>
+              <a:buChar char="v"/>
+            </a:pPr>
+            <a:r>
+              <a:rPr lang="en-PH" sz="2400" b="1" dirty="0"/>
+              <a:t> Bins</a:t>
+            </a:r>
+            <a:r>
+              <a:rPr lang="en-PH" sz="2400" dirty="0"/>
+              <a:t> = score ranges</a:t>
+            </a:r>
+          </a:p>
+          <a:p>
+            <a:pPr>
+              <a:buFont typeface="Wingdings" panose="05000000000000000000" pitchFamily="2" charset="2"/>
+              <a:buChar char="v"/>
+            </a:pPr>
+            <a:r>
+              <a:rPr lang="en-PH" sz="2400" dirty="0"/>
+              <a:t> </a:t>
+            </a:r>
+            <a:r>
+              <a:rPr lang="en-US" sz="2400" b="1" dirty="0"/>
+              <a:t>Height of bins</a:t>
+            </a:r>
+            <a:r>
+              <a:rPr lang="en-US" sz="2400" dirty="0"/>
+              <a:t> = number of students in each range</a:t>
+            </a:r>
+          </a:p>
+          <a:p>
+            <a:pPr marL="0" indent="0">
+              <a:buNone/>
+            </a:pPr>
+            <a:endParaRPr lang="en-US" sz="2200" dirty="0"/>
+          </a:p>
+        </p:txBody>
+      </p:sp>
+    </p:spTree>
+    <p:extLst>
+      <p:ext uri="{BB962C8B-B14F-4D97-AF65-F5344CB8AC3E}">
+        <p14:creationId xmlns:p14="http://schemas.microsoft.com/office/powerpoint/2010/main" val="2789965035"/>
+      </p:ext>
+    </p:extLst>
+  </p:cSld>
+  <p:clrMapOvr>
+    <a:masterClrMapping/>
+  </p:clrMapOvr>
+</p:sld>
+</file>
+
+<file path=ppt/slides/slide14.xml><?xml version="1.0" encoding="utf-8"?>
+<p:sld xmlns:a="http://schemas.openxmlformats.org/drawingml/2006/main" xmlns:r="http://schemas.openxmlformats.org/officeDocument/2006/relationships" xmlns:p="http://schemas.openxmlformats.org/presentationml/2006/main">
+  <p:cSld>
+    <p:spTree>
+      <p:nvGrpSpPr>
+        <p:cNvPr id="1" name="">
+          <a:extLst>
+            <a:ext uri="{FF2B5EF4-FFF2-40B4-BE49-F238E27FC236}">
+              <a16:creationId xmlns:a16="http://schemas.microsoft.com/office/drawing/2014/main" id="{80FD45E6-247C-F758-C5A7-3D5063F4A121}"/>
+            </a:ext>
+          </a:extLst>
+        </p:cNvPr>
+        <p:cNvGrpSpPr/>
+        <p:nvPr/>
+      </p:nvGrpSpPr>
+      <p:grpSpPr>
+        <a:xfrm>
+          <a:off x="0" y="0"/>
+          <a:ext cx="0" cy="0"/>
+          <a:chOff x="0" y="0"/>
+          <a:chExt cx="0" cy="0"/>
+        </a:xfrm>
+      </p:grpSpPr>
+      <p:sp>
+        <p:nvSpPr>
+          <p:cNvPr id="2" name="Title 1">
+            <a:extLst>
+              <a:ext uri="{FF2B5EF4-FFF2-40B4-BE49-F238E27FC236}">
+                <a16:creationId xmlns:a16="http://schemas.microsoft.com/office/drawing/2014/main" id="{393A2C94-2246-5F51-46DA-7151838DCF90}"/>
+              </a:ext>
+            </a:extLst>
+          </p:cNvPr>
+          <p:cNvSpPr>
+            <a:spLocks noGrp="1"/>
+          </p:cNvSpPr>
+          <p:nvPr>
+            <p:ph type="title"/>
+          </p:nvPr>
+        </p:nvSpPr>
+        <p:spPr/>
+        <p:txBody>
+          <a:bodyPr>
+            <a:normAutofit/>
+          </a:bodyPr>
+          <a:lstStyle/>
+          <a:p>
+            <a:r>
+              <a:rPr lang="en-US" sz="4000" dirty="0">
+                <a:cs typeface="Arial" panose="020B0604020202020204" pitchFamily="34" charset="0"/>
+              </a:rPr>
+              <a:t>3. </a:t>
+            </a:r>
+            <a:r>
+              <a:rPr lang="en-US" sz="4000" dirty="0"/>
+              <a:t>Unraveling Data Distribution Using Histograms</a:t>
+            </a:r>
+            <a:endParaRPr lang="en-PH" sz="4000" dirty="0"/>
+          </a:p>
+        </p:txBody>
+      </p:sp>
+      <p:sp>
+        <p:nvSpPr>
+          <p:cNvPr id="4" name="TextBox 3">
+            <a:extLst>
+              <a:ext uri="{FF2B5EF4-FFF2-40B4-BE49-F238E27FC236}">
+                <a16:creationId xmlns:a16="http://schemas.microsoft.com/office/drawing/2014/main" id="{33ED797D-FAFA-1743-6F7F-2D433D7043F0}"/>
+              </a:ext>
+            </a:extLst>
+          </p:cNvPr>
+          <p:cNvSpPr txBox="1"/>
+          <p:nvPr/>
+        </p:nvSpPr>
+        <p:spPr>
+          <a:xfrm>
+            <a:off x="1219200" y="2000614"/>
+            <a:ext cx="4615991" cy="461665"/>
+          </a:xfrm>
+          <a:prstGeom prst="rect">
+            <a:avLst/>
+          </a:prstGeom>
+          <a:noFill/>
+        </p:spPr>
+        <p:txBody>
+          <a:bodyPr wrap="square" rtlCol="0">
+            <a:spAutoFit/>
+          </a:bodyPr>
+          <a:lstStyle/>
+          <a:p>
+            <a:r>
+              <a:rPr lang="en-PH" sz="2400" b="1" dirty="0">
+                <a:latin typeface="Arial" panose="020B0604020202020204" pitchFamily="34" charset="0"/>
+                <a:cs typeface="Arial" panose="020B0604020202020204" pitchFamily="34" charset="0"/>
+              </a:rPr>
+              <a:t>Real-World Example</a:t>
+            </a:r>
+          </a:p>
+        </p:txBody>
+      </p:sp>
+      <p:sp>
+        <p:nvSpPr>
+          <p:cNvPr id="8" name="Content Placeholder 2">
+            <a:extLst>
+              <a:ext uri="{FF2B5EF4-FFF2-40B4-BE49-F238E27FC236}">
+                <a16:creationId xmlns:a16="http://schemas.microsoft.com/office/drawing/2014/main" id="{107AEA32-FF35-F27D-2EA3-7974B8EDE1EB}"/>
+              </a:ext>
+            </a:extLst>
+          </p:cNvPr>
+          <p:cNvSpPr txBox="1">
+            <a:spLocks/>
+          </p:cNvSpPr>
+          <p:nvPr/>
+        </p:nvSpPr>
+        <p:spPr>
+          <a:xfrm>
+            <a:off x="1219200" y="2445315"/>
+            <a:ext cx="4798874" cy="3900813"/>
+          </a:xfrm>
+          <a:prstGeom prst="rect">
+            <a:avLst/>
+          </a:prstGeom>
+          <a:ln>
+            <a:solidFill>
+              <a:schemeClr val="tx1"/>
+            </a:solidFill>
+          </a:ln>
+        </p:spPr>
+        <p:txBody>
+          <a:bodyPr vert="horz" lIns="0" tIns="45720" rIns="0" bIns="45720" rtlCol="0">
+            <a:normAutofit/>
+          </a:bodyPr>
+          <a:lstStyle>
+            <a:lvl1pPr marL="91440" indent="-91440" algn="l" defTabSz="914400" rtl="0" eaLnBrk="1" latinLnBrk="0" hangingPunct="1">
+              <a:lnSpc>
+                <a:spcPct val="110000"/>
+              </a:lnSpc>
+              <a:spcBef>
+                <a:spcPts val="1200"/>
+              </a:spcBef>
+              <a:spcAft>
+                <a:spcPts val="200"/>
+              </a:spcAft>
+              <a:buClr>
+                <a:schemeClr val="accent1"/>
+              </a:buClr>
+              <a:buSzPct val="100000"/>
+              <a:buFont typeface="Calibri" panose="020F0502020204030204" pitchFamily="34" charset="0"/>
+              <a:buChar char=" "/>
+              <a:defRPr sz="1900" kern="1200">
+                <a:solidFill>
+                  <a:schemeClr val="tx1">
+                    <a:lumMod val="75000"/>
+                    <a:lumOff val="25000"/>
+                  </a:schemeClr>
+                </a:solidFill>
+                <a:latin typeface="+mn-lt"/>
+                <a:ea typeface="+mn-ea"/>
+                <a:cs typeface="+mn-cs"/>
+              </a:defRPr>
+            </a:lvl1pPr>
+            <a:lvl2pPr marL="384048" indent="-182880" algn="l" defTabSz="914400" rtl="0" eaLnBrk="1" latinLnBrk="0" hangingPunct="1">
+              <a:lnSpc>
+                <a:spcPct val="100000"/>
+              </a:lnSpc>
+              <a:spcBef>
+                <a:spcPts val="200"/>
+              </a:spcBef>
+              <a:spcAft>
+                <a:spcPts val="400"/>
+              </a:spcAft>
+              <a:buClrTx/>
+              <a:buFont typeface="Calibri" pitchFamily="34" charset="0"/>
+              <a:buChar char="◦"/>
+              <a:defRPr sz="1700" kern="1200">
+                <a:solidFill>
+                  <a:schemeClr val="tx1">
+                    <a:lumMod val="75000"/>
+                    <a:lumOff val="25000"/>
+                  </a:schemeClr>
+                </a:solidFill>
+                <a:latin typeface="+mn-lt"/>
+                <a:ea typeface="+mn-ea"/>
+                <a:cs typeface="+mn-cs"/>
+              </a:defRPr>
+            </a:lvl2pPr>
+            <a:lvl3pPr marL="566928" indent="-182880" algn="l" defTabSz="914400" rtl="0" eaLnBrk="1" latinLnBrk="0" hangingPunct="1">
+              <a:lnSpc>
+                <a:spcPct val="100000"/>
+              </a:lnSpc>
+              <a:spcBef>
+                <a:spcPts val="200"/>
+              </a:spcBef>
+              <a:spcAft>
+                <a:spcPts val="400"/>
+              </a:spcAft>
+              <a:buClrTx/>
+              <a:buFont typeface="Calibri" pitchFamily="34" charset="0"/>
+              <a:buChar char="◦"/>
+              <a:defRPr sz="1300" kern="1200">
+                <a:solidFill>
+                  <a:schemeClr val="tx1">
+                    <a:lumMod val="75000"/>
+                    <a:lumOff val="25000"/>
+                  </a:schemeClr>
+                </a:solidFill>
+                <a:latin typeface="+mn-lt"/>
+                <a:ea typeface="+mn-ea"/>
+                <a:cs typeface="+mn-cs"/>
+              </a:defRPr>
+            </a:lvl3pPr>
+            <a:lvl4pPr marL="749808" indent="-182880" algn="l" defTabSz="914400" rtl="0" eaLnBrk="1" latinLnBrk="0" hangingPunct="1">
+              <a:lnSpc>
+                <a:spcPct val="100000"/>
+              </a:lnSpc>
+              <a:spcBef>
+                <a:spcPts val="200"/>
+              </a:spcBef>
+              <a:spcAft>
+                <a:spcPts val="400"/>
+              </a:spcAft>
+              <a:buClrTx/>
+              <a:buFont typeface="Calibri" pitchFamily="34" charset="0"/>
+              <a:buChar char="◦"/>
+              <a:defRPr sz="1300" kern="1200">
+                <a:solidFill>
+                  <a:schemeClr val="tx1">
+                    <a:lumMod val="75000"/>
+                    <a:lumOff val="25000"/>
+                  </a:schemeClr>
+                </a:solidFill>
+                <a:latin typeface="+mn-lt"/>
+                <a:ea typeface="+mn-ea"/>
+                <a:cs typeface="+mn-cs"/>
+              </a:defRPr>
+            </a:lvl4pPr>
+            <a:lvl5pPr marL="932688" indent="-182880" algn="l" defTabSz="914400" rtl="0" eaLnBrk="1" latinLnBrk="0" hangingPunct="1">
+              <a:lnSpc>
+                <a:spcPct val="100000"/>
+              </a:lnSpc>
+              <a:spcBef>
+                <a:spcPts val="200"/>
+              </a:spcBef>
+              <a:spcAft>
+                <a:spcPts val="400"/>
+              </a:spcAft>
+              <a:buClrTx/>
+              <a:buFont typeface="Calibri" pitchFamily="34" charset="0"/>
+              <a:buChar char="◦"/>
+              <a:defRPr sz="1300" kern="1200">
+                <a:solidFill>
+                  <a:schemeClr val="tx1">
+                    <a:lumMod val="75000"/>
+                    <a:lumOff val="25000"/>
+                  </a:schemeClr>
+                </a:solidFill>
+                <a:latin typeface="+mn-lt"/>
+                <a:ea typeface="+mn-ea"/>
+                <a:cs typeface="+mn-cs"/>
+              </a:defRPr>
+            </a:lvl5pPr>
+            <a:lvl6pPr marL="1100000" indent="-228600" algn="l" defTabSz="914400" rtl="0" eaLnBrk="1" latinLnBrk="0" hangingPunct="1">
+              <a:lnSpc>
+                <a:spcPct val="90000"/>
+              </a:lnSpc>
+              <a:spcBef>
+                <a:spcPts val="200"/>
+              </a:spcBef>
+              <a:spcAft>
+                <a:spcPts val="400"/>
+              </a:spcAft>
+              <a:buClr>
+                <a:schemeClr val="accent1"/>
+              </a:buClr>
+              <a:buFont typeface="Calibri" pitchFamily="34" charset="0"/>
+              <a:buChar char="◦"/>
+              <a:defRPr sz="1400" kern="1200">
+                <a:solidFill>
+                  <a:schemeClr val="tx1">
+                    <a:lumMod val="75000"/>
+                    <a:lumOff val="25000"/>
+                  </a:schemeClr>
+                </a:solidFill>
+                <a:latin typeface="+mn-lt"/>
+                <a:ea typeface="+mn-ea"/>
+                <a:cs typeface="+mn-cs"/>
+              </a:defRPr>
+            </a:lvl6pPr>
+            <a:lvl7pPr marL="1300000" indent="-228600" algn="l" defTabSz="914400" rtl="0" eaLnBrk="1" latinLnBrk="0" hangingPunct="1">
+              <a:lnSpc>
+                <a:spcPct val="90000"/>
+              </a:lnSpc>
+              <a:spcBef>
+                <a:spcPts val="200"/>
+              </a:spcBef>
+              <a:spcAft>
+                <a:spcPts val="400"/>
+              </a:spcAft>
+              <a:buClr>
+                <a:schemeClr val="accent1"/>
+              </a:buClr>
+              <a:buFont typeface="Calibri" pitchFamily="34" charset="0"/>
+              <a:buChar char="◦"/>
+              <a:defRPr sz="1400" kern="1200">
+                <a:solidFill>
+                  <a:schemeClr val="tx1">
+                    <a:lumMod val="75000"/>
+                    <a:lumOff val="25000"/>
+                  </a:schemeClr>
+                </a:solidFill>
+                <a:latin typeface="+mn-lt"/>
+                <a:ea typeface="+mn-ea"/>
+                <a:cs typeface="+mn-cs"/>
+              </a:defRPr>
+            </a:lvl7pPr>
+            <a:lvl8pPr marL="1500000" indent="-228600" algn="l" defTabSz="914400" rtl="0" eaLnBrk="1" latinLnBrk="0" hangingPunct="1">
+              <a:lnSpc>
+                <a:spcPct val="90000"/>
+              </a:lnSpc>
+              <a:spcBef>
+                <a:spcPts val="200"/>
+              </a:spcBef>
+              <a:spcAft>
+                <a:spcPts val="400"/>
+              </a:spcAft>
+              <a:buClr>
+                <a:schemeClr val="accent1"/>
+              </a:buClr>
+              <a:buFont typeface="Calibri" pitchFamily="34" charset="0"/>
+              <a:buChar char="◦"/>
+              <a:defRPr sz="1400" kern="1200">
+                <a:solidFill>
+                  <a:schemeClr val="tx1">
+                    <a:lumMod val="75000"/>
+                    <a:lumOff val="25000"/>
+                  </a:schemeClr>
+                </a:solidFill>
+                <a:latin typeface="+mn-lt"/>
+                <a:ea typeface="+mn-ea"/>
+                <a:cs typeface="+mn-cs"/>
+              </a:defRPr>
+            </a:lvl8pPr>
+            <a:lvl9pPr marL="1700000" indent="-228600" algn="l" defTabSz="914400" rtl="0" eaLnBrk="1" latinLnBrk="0" hangingPunct="1">
+              <a:lnSpc>
+                <a:spcPct val="90000"/>
+              </a:lnSpc>
+              <a:spcBef>
+                <a:spcPts val="200"/>
+              </a:spcBef>
+              <a:spcAft>
+                <a:spcPts val="400"/>
+              </a:spcAft>
+              <a:buClr>
+                <a:schemeClr val="accent1"/>
+              </a:buClr>
+              <a:buFont typeface="Calibri" pitchFamily="34" charset="0"/>
+              <a:buChar char="◦"/>
+              <a:defRPr sz="1400" kern="1200">
+                <a:solidFill>
+                  <a:schemeClr val="tx1">
+                    <a:lumMod val="75000"/>
+                    <a:lumOff val="25000"/>
+                  </a:schemeClr>
+                </a:solidFill>
+                <a:latin typeface="+mn-lt"/>
+                <a:ea typeface="+mn-ea"/>
+                <a:cs typeface="+mn-cs"/>
+              </a:defRPr>
+            </a:lvl9pPr>
+          </a:lstStyle>
+          <a:p>
+            <a:pPr>
+              <a:buFont typeface="Wingdings" panose="05000000000000000000" pitchFamily="2" charset="2"/>
+              <a:buChar char="v"/>
+            </a:pPr>
+            <a:r>
+              <a:rPr lang="en-US" sz="2200" dirty="0"/>
+              <a:t> </a:t>
+            </a:r>
+            <a:r>
+              <a:rPr lang="en-PH" sz="2400" dirty="0"/>
+              <a:t>Generates a </a:t>
+            </a:r>
+            <a:r>
+              <a:rPr lang="en-PH" sz="2400" b="1" dirty="0"/>
+              <a:t>histogram of final exam scores</a:t>
+            </a:r>
+          </a:p>
+          <a:p>
+            <a:pPr>
+              <a:buFont typeface="Wingdings" panose="05000000000000000000" pitchFamily="2" charset="2"/>
+              <a:buChar char="v"/>
+            </a:pPr>
+            <a:r>
+              <a:rPr lang="en-PH" sz="2400" b="1" dirty="0"/>
+              <a:t> Bins</a:t>
+            </a:r>
+            <a:r>
+              <a:rPr lang="en-PH" sz="2400" dirty="0"/>
+              <a:t> = score ranges</a:t>
+            </a:r>
+          </a:p>
+          <a:p>
+            <a:pPr>
+              <a:buFont typeface="Wingdings" panose="05000000000000000000" pitchFamily="2" charset="2"/>
+              <a:buChar char="v"/>
+            </a:pPr>
+            <a:r>
+              <a:rPr lang="en-PH" sz="2400" dirty="0"/>
+              <a:t> </a:t>
+            </a:r>
+            <a:r>
+              <a:rPr lang="en-US" sz="2400" b="1" dirty="0"/>
+              <a:t>Height of bins</a:t>
+            </a:r>
+            <a:r>
+              <a:rPr lang="en-US" sz="2400" dirty="0"/>
+              <a:t> = number of students in each range</a:t>
+            </a:r>
+          </a:p>
+          <a:p>
+            <a:pPr marL="0" indent="0">
+              <a:buNone/>
+            </a:pPr>
+            <a:endParaRPr lang="en-US" sz="2200" dirty="0"/>
+          </a:p>
+        </p:txBody>
+      </p:sp>
+      <p:pic>
+        <p:nvPicPr>
+          <p:cNvPr id="9" name="Picture 8">
+            <a:extLst>
+              <a:ext uri="{FF2B5EF4-FFF2-40B4-BE49-F238E27FC236}">
+                <a16:creationId xmlns:a16="http://schemas.microsoft.com/office/drawing/2014/main" id="{C94DD5E3-0B21-FE82-154E-9C751C9D8792}"/>
+              </a:ext>
+            </a:extLst>
+          </p:cNvPr>
+          <p:cNvPicPr>
+            <a:picLocks noChangeAspect="1"/>
+          </p:cNvPicPr>
+          <p:nvPr/>
+        </p:nvPicPr>
+        <p:blipFill>
+          <a:blip r:embed="rId2"/>
+          <a:stretch>
+            <a:fillRect/>
+          </a:stretch>
+        </p:blipFill>
+        <p:spPr>
+          <a:xfrm>
+            <a:off x="6177206" y="2000614"/>
+            <a:ext cx="4978474" cy="4345514"/>
+          </a:xfrm>
+          <a:prstGeom prst="rect">
+            <a:avLst/>
+          </a:prstGeom>
+        </p:spPr>
+      </p:pic>
+    </p:spTree>
+    <p:extLst>
+      <p:ext uri="{BB962C8B-B14F-4D97-AF65-F5344CB8AC3E}">
+        <p14:creationId xmlns:p14="http://schemas.microsoft.com/office/powerpoint/2010/main" val="3816684136"/>
+      </p:ext>
+    </p:extLst>
+  </p:cSld>
+  <p:clrMapOvr>
+    <a:masterClrMapping/>
+  </p:clrMapOvr>
+</p:sld>
+</file>
+
+<file path=ppt/slides/slide15.xml><?xml version="1.0" encoding="utf-8"?>
+<p:sld xmlns:a="http://schemas.openxmlformats.org/drawingml/2006/main" xmlns:r="http://schemas.openxmlformats.org/officeDocument/2006/relationships" xmlns:p="http://schemas.openxmlformats.org/presentationml/2006/main">
+  <p:cSld>
+    <p:spTree>
+      <p:nvGrpSpPr>
+        <p:cNvPr id="1" name="">
+          <a:extLst>
+            <a:ext uri="{FF2B5EF4-FFF2-40B4-BE49-F238E27FC236}">
+              <a16:creationId xmlns:a16="http://schemas.microsoft.com/office/drawing/2014/main" id="{DE2D8F7B-0353-035B-CB39-2A932768B7C8}"/>
+            </a:ext>
+          </a:extLst>
+        </p:cNvPr>
+        <p:cNvGrpSpPr/>
+        <p:nvPr/>
+      </p:nvGrpSpPr>
+      <p:grpSpPr>
+        <a:xfrm>
+          <a:off x="0" y="0"/>
+          <a:ext cx="0" cy="0"/>
+          <a:chOff x="0" y="0"/>
+          <a:chExt cx="0" cy="0"/>
+        </a:xfrm>
+      </p:grpSpPr>
+      <p:sp>
+        <p:nvSpPr>
+          <p:cNvPr id="2" name="Title 1">
+            <a:extLst>
+              <a:ext uri="{FF2B5EF4-FFF2-40B4-BE49-F238E27FC236}">
+                <a16:creationId xmlns:a16="http://schemas.microsoft.com/office/drawing/2014/main" id="{FD95F9E0-D179-DF91-E97A-0424944653C3}"/>
+              </a:ext>
+            </a:extLst>
+          </p:cNvPr>
+          <p:cNvSpPr>
+            <a:spLocks noGrp="1"/>
+          </p:cNvSpPr>
+          <p:nvPr>
+            <p:ph type="title"/>
+          </p:nvPr>
+        </p:nvSpPr>
+        <p:spPr>
+          <a:xfrm>
+            <a:off x="1097280" y="319024"/>
+            <a:ext cx="10058400" cy="1450757"/>
+          </a:xfrm>
+        </p:spPr>
+        <p:txBody>
+          <a:bodyPr>
+            <a:noAutofit/>
+          </a:bodyPr>
+          <a:lstStyle/>
+          <a:p>
+            <a:r>
+              <a:rPr lang="en-US" sz="3200" dirty="0">
+                <a:cs typeface="Arial" panose="020B0604020202020204" pitchFamily="34" charset="0"/>
+              </a:rPr>
+              <a:t>4. </a:t>
+            </a:r>
+            <a:r>
+              <a:rPr lang="en-US" sz="4000" dirty="0">
+                <a:cs typeface="Arial" panose="020B0604020202020204" pitchFamily="34" charset="0"/>
+              </a:rPr>
+              <a:t>Mastering Time Series Visualization with Line Charts in Google </a:t>
+            </a:r>
+            <a:r>
+              <a:rPr lang="en-US" sz="4000" dirty="0" err="1">
+                <a:cs typeface="Arial" panose="020B0604020202020204" pitchFamily="34" charset="0"/>
+              </a:rPr>
+              <a:t>Colab</a:t>
+            </a:r>
+            <a:r>
+              <a:rPr lang="en-US" sz="3200" dirty="0">
+                <a:cs typeface="Arial" panose="020B0604020202020204" pitchFamily="34" charset="0"/>
+              </a:rPr>
+              <a:t> </a:t>
+            </a:r>
+            <a:endParaRPr lang="en-PH" sz="3200" dirty="0">
+              <a:cs typeface="Arial" panose="020B0604020202020204" pitchFamily="34" charset="0"/>
+            </a:endParaRPr>
+          </a:p>
+        </p:txBody>
+      </p:sp>
+      <p:sp>
+        <p:nvSpPr>
+          <p:cNvPr id="3" name="Content Placeholder 2">
+            <a:extLst>
+              <a:ext uri="{FF2B5EF4-FFF2-40B4-BE49-F238E27FC236}">
+                <a16:creationId xmlns:a16="http://schemas.microsoft.com/office/drawing/2014/main" id="{098D4645-7E7E-9ED4-070E-11D6A30AF5DD}"/>
+              </a:ext>
+            </a:extLst>
+          </p:cNvPr>
+          <p:cNvSpPr>
+            <a:spLocks noGrp="1"/>
+          </p:cNvSpPr>
+          <p:nvPr>
+            <p:ph idx="1"/>
+          </p:nvPr>
+        </p:nvSpPr>
+        <p:spPr>
+          <a:xfrm>
+            <a:off x="1219200" y="2462279"/>
+            <a:ext cx="4615991" cy="3900813"/>
+          </a:xfrm>
+          <a:ln>
+            <a:solidFill>
+              <a:schemeClr val="tx1"/>
+            </a:solidFill>
+          </a:ln>
+        </p:spPr>
+        <p:txBody>
+          <a:bodyPr>
+            <a:normAutofit fontScale="77500" lnSpcReduction="20000"/>
+          </a:bodyPr>
+          <a:lstStyle/>
+          <a:p>
+            <a:pPr>
+              <a:buFont typeface="Wingdings" panose="05000000000000000000" pitchFamily="2" charset="2"/>
+              <a:buChar char="v"/>
+            </a:pPr>
+            <a:r>
+              <a:rPr lang="en-US" sz="2400" dirty="0"/>
+              <a:t> Collection of </a:t>
+            </a:r>
+            <a:r>
+              <a:rPr lang="en-US" sz="2400" b="1" dirty="0"/>
+              <a:t>data points over time</a:t>
+            </a:r>
+            <a:r>
+              <a:rPr lang="en-US" sz="2400" dirty="0"/>
+              <a:t> (chronological order matters)</a:t>
+            </a:r>
+          </a:p>
+          <a:p>
+            <a:pPr>
+              <a:buFont typeface="Wingdings" panose="05000000000000000000" pitchFamily="2" charset="2"/>
+              <a:buChar char="v"/>
+            </a:pPr>
+            <a:r>
+              <a:rPr lang="en-US" sz="2400" dirty="0"/>
+              <a:t> Example: </a:t>
+            </a:r>
+            <a:r>
+              <a:rPr lang="en-US" sz="2400" b="1" dirty="0"/>
+              <a:t>Hourly temperature readings</a:t>
+            </a:r>
+            <a:r>
+              <a:rPr lang="en-US" sz="2400" dirty="0"/>
+              <a:t> form a time series</a:t>
+            </a:r>
+          </a:p>
+          <a:p>
+            <a:pPr>
+              <a:buFont typeface="Wingdings" panose="05000000000000000000" pitchFamily="2" charset="2"/>
+              <a:buChar char="v"/>
+            </a:pPr>
+            <a:r>
+              <a:rPr lang="en-US" sz="2400" dirty="0"/>
+              <a:t> </a:t>
+            </a:r>
+            <a:r>
+              <a:rPr lang="en-PH" sz="2400" dirty="0"/>
+              <a:t>Applications:</a:t>
+            </a:r>
+          </a:p>
+          <a:p>
+            <a:pPr lvl="1">
+              <a:buFont typeface="Wingdings" panose="05000000000000000000" pitchFamily="2" charset="2"/>
+              <a:buChar char="v"/>
+            </a:pPr>
+            <a:r>
+              <a:rPr lang="en-PH" sz="2200" dirty="0"/>
+              <a:t> </a:t>
+            </a:r>
+            <a:r>
+              <a:rPr lang="en-PH" sz="2400" b="1" dirty="0"/>
+              <a:t>Finance</a:t>
+            </a:r>
+            <a:r>
+              <a:rPr lang="en-PH" sz="2400" dirty="0"/>
+              <a:t> → stock trends</a:t>
+            </a:r>
+          </a:p>
+          <a:p>
+            <a:pPr lvl="1">
+              <a:buFont typeface="Wingdings" panose="05000000000000000000" pitchFamily="2" charset="2"/>
+              <a:buChar char="v"/>
+            </a:pPr>
+            <a:r>
+              <a:rPr lang="en-PH" sz="2400" dirty="0"/>
+              <a:t> </a:t>
+            </a:r>
+            <a:r>
+              <a:rPr lang="en-PH" sz="2400" b="1" dirty="0"/>
+              <a:t>Weather</a:t>
+            </a:r>
+            <a:r>
+              <a:rPr lang="en-PH" sz="2400" dirty="0"/>
+              <a:t> → forecasting patterns</a:t>
+            </a:r>
+          </a:p>
+          <a:p>
+            <a:pPr lvl="1">
+              <a:buFont typeface="Wingdings" panose="05000000000000000000" pitchFamily="2" charset="2"/>
+              <a:buChar char="v"/>
+            </a:pPr>
+            <a:r>
+              <a:rPr lang="en-PH" sz="2400" dirty="0"/>
+              <a:t> </a:t>
+            </a:r>
+            <a:r>
+              <a:rPr lang="en-PH" sz="2400" b="1" dirty="0"/>
+              <a:t>Healthcare</a:t>
+            </a:r>
+            <a:r>
+              <a:rPr lang="en-PH" sz="2400" dirty="0"/>
+              <a:t> → tracking patient vitals</a:t>
+            </a:r>
+          </a:p>
+          <a:p>
+            <a:pPr lvl="1">
+              <a:buFont typeface="Wingdings" panose="05000000000000000000" pitchFamily="2" charset="2"/>
+              <a:buChar char="v"/>
+            </a:pPr>
+            <a:r>
+              <a:rPr lang="en-PH" sz="2400" dirty="0"/>
+              <a:t> </a:t>
+            </a:r>
+            <a:r>
+              <a:rPr lang="en-PH" sz="2400" b="1" dirty="0"/>
+              <a:t>E-commerce</a:t>
+            </a:r>
+            <a:r>
+              <a:rPr lang="en-PH" sz="2400" dirty="0"/>
+              <a:t> → analyzing website traffic</a:t>
+            </a:r>
+            <a:endParaRPr lang="en-PH" sz="2200" dirty="0"/>
+          </a:p>
+          <a:p>
+            <a:pPr marL="0" lvl="1" indent="0">
+              <a:buNone/>
+            </a:pPr>
+            <a:r>
+              <a:rPr lang="en-PH" sz="2400" b="1" dirty="0"/>
+              <a:t>Key Value:</a:t>
+            </a:r>
+          </a:p>
+          <a:p>
+            <a:pPr marL="342900" lvl="1" indent="-342900">
+              <a:buFont typeface="Wingdings" panose="05000000000000000000" pitchFamily="2" charset="2"/>
+              <a:buChar char="v"/>
+            </a:pPr>
+            <a:r>
+              <a:rPr lang="en-US" sz="2400" dirty="0"/>
+              <a:t>Explains the </a:t>
+            </a:r>
+            <a:r>
+              <a:rPr lang="en-US" sz="2400" b="1" dirty="0"/>
+              <a:t>past</a:t>
+            </a:r>
+            <a:r>
+              <a:rPr lang="en-US" sz="2400" dirty="0"/>
+              <a:t> and provides insights into the </a:t>
+            </a:r>
+            <a:r>
+              <a:rPr lang="en-US" sz="2400" b="1" dirty="0"/>
+              <a:t>future</a:t>
+            </a:r>
+            <a:endParaRPr lang="en-PH" sz="2400" b="1" dirty="0"/>
+          </a:p>
+        </p:txBody>
+      </p:sp>
+      <p:sp>
+        <p:nvSpPr>
+          <p:cNvPr id="4" name="TextBox 3">
+            <a:extLst>
+              <a:ext uri="{FF2B5EF4-FFF2-40B4-BE49-F238E27FC236}">
+                <a16:creationId xmlns:a16="http://schemas.microsoft.com/office/drawing/2014/main" id="{48D6DE9E-2288-600E-3643-CCD9D8938960}"/>
+              </a:ext>
+            </a:extLst>
+          </p:cNvPr>
+          <p:cNvSpPr txBox="1"/>
+          <p:nvPr/>
+        </p:nvSpPr>
+        <p:spPr>
+          <a:xfrm>
+            <a:off x="1219200" y="2000614"/>
+            <a:ext cx="4615991" cy="400110"/>
+          </a:xfrm>
+          <a:prstGeom prst="rect">
+            <a:avLst/>
+          </a:prstGeom>
+          <a:noFill/>
+        </p:spPr>
+        <p:txBody>
+          <a:bodyPr wrap="square" rtlCol="0">
+            <a:spAutoFit/>
+          </a:bodyPr>
+          <a:lstStyle/>
+          <a:p>
+            <a:r>
+              <a:rPr lang="en-PH" sz="2000" b="1" dirty="0">
+                <a:latin typeface="Arial" panose="020B0604020202020204" pitchFamily="34" charset="0"/>
+                <a:cs typeface="Arial" panose="020B0604020202020204" pitchFamily="34" charset="0"/>
+              </a:rPr>
+              <a:t>Understanding Time Series Data</a:t>
+            </a:r>
+          </a:p>
+        </p:txBody>
+      </p:sp>
+      <p:sp>
+        <p:nvSpPr>
+          <p:cNvPr id="7" name="TextBox 6">
+            <a:extLst>
+              <a:ext uri="{FF2B5EF4-FFF2-40B4-BE49-F238E27FC236}">
+                <a16:creationId xmlns:a16="http://schemas.microsoft.com/office/drawing/2014/main" id="{92060E94-42CA-6CFB-0EBC-99F44B239628}"/>
+              </a:ext>
+            </a:extLst>
+          </p:cNvPr>
+          <p:cNvSpPr txBox="1"/>
+          <p:nvPr/>
+        </p:nvSpPr>
+        <p:spPr>
+          <a:xfrm>
+            <a:off x="6356805" y="2000614"/>
+            <a:ext cx="4798875" cy="461665"/>
+          </a:xfrm>
+          <a:prstGeom prst="rect">
+            <a:avLst/>
+          </a:prstGeom>
+          <a:noFill/>
+        </p:spPr>
+        <p:txBody>
+          <a:bodyPr wrap="square" rtlCol="0">
+            <a:spAutoFit/>
+          </a:bodyPr>
+          <a:lstStyle/>
+          <a:p>
+            <a:r>
+              <a:rPr lang="en-PH" sz="2400" b="1" dirty="0">
+                <a:latin typeface="Arial" panose="020B0604020202020204" pitchFamily="34" charset="0"/>
+                <a:cs typeface="Arial" panose="020B0604020202020204" pitchFamily="34" charset="0"/>
+              </a:rPr>
+              <a:t>Visualizing Time Series Data</a:t>
+            </a:r>
+          </a:p>
+        </p:txBody>
+      </p:sp>
+      <p:sp>
+        <p:nvSpPr>
+          <p:cNvPr id="8" name="Content Placeholder 2">
+            <a:extLst>
+              <a:ext uri="{FF2B5EF4-FFF2-40B4-BE49-F238E27FC236}">
+                <a16:creationId xmlns:a16="http://schemas.microsoft.com/office/drawing/2014/main" id="{C721B344-EE95-206A-E6D9-48DCE992C763}"/>
+              </a:ext>
+            </a:extLst>
+          </p:cNvPr>
+          <p:cNvSpPr txBox="1">
+            <a:spLocks/>
+          </p:cNvSpPr>
+          <p:nvPr/>
+        </p:nvSpPr>
+        <p:spPr>
+          <a:xfrm>
+            <a:off x="6356805" y="2462279"/>
+            <a:ext cx="5049627" cy="3900813"/>
+          </a:xfrm>
+          <a:prstGeom prst="rect">
+            <a:avLst/>
+          </a:prstGeom>
+          <a:ln>
+            <a:solidFill>
+              <a:schemeClr val="tx1"/>
+            </a:solidFill>
+          </a:ln>
+        </p:spPr>
+        <p:txBody>
+          <a:bodyPr vert="horz" lIns="0" tIns="45720" rIns="0" bIns="45720" rtlCol="0">
+            <a:normAutofit fontScale="70000" lnSpcReduction="20000"/>
+          </a:bodyPr>
+          <a:lstStyle>
+            <a:lvl1pPr marL="91440" indent="-91440" algn="l" defTabSz="914400" rtl="0" eaLnBrk="1" latinLnBrk="0" hangingPunct="1">
+              <a:lnSpc>
+                <a:spcPct val="110000"/>
+              </a:lnSpc>
+              <a:spcBef>
+                <a:spcPts val="1200"/>
+              </a:spcBef>
+              <a:spcAft>
+                <a:spcPts val="200"/>
+              </a:spcAft>
+              <a:buClr>
+                <a:schemeClr val="accent1"/>
+              </a:buClr>
+              <a:buSzPct val="100000"/>
+              <a:buFont typeface="Calibri" panose="020F0502020204030204" pitchFamily="34" charset="0"/>
+              <a:buChar char=" "/>
+              <a:defRPr sz="1900" kern="1200">
+                <a:solidFill>
+                  <a:schemeClr val="tx1">
+                    <a:lumMod val="75000"/>
+                    <a:lumOff val="25000"/>
+                  </a:schemeClr>
+                </a:solidFill>
+                <a:latin typeface="+mn-lt"/>
+                <a:ea typeface="+mn-ea"/>
+                <a:cs typeface="+mn-cs"/>
+              </a:defRPr>
+            </a:lvl1pPr>
+            <a:lvl2pPr marL="384048" indent="-182880" algn="l" defTabSz="914400" rtl="0" eaLnBrk="1" latinLnBrk="0" hangingPunct="1">
+              <a:lnSpc>
+                <a:spcPct val="100000"/>
+              </a:lnSpc>
+              <a:spcBef>
+                <a:spcPts val="200"/>
+              </a:spcBef>
+              <a:spcAft>
+                <a:spcPts val="400"/>
+              </a:spcAft>
+              <a:buClrTx/>
+              <a:buFont typeface="Calibri" pitchFamily="34" charset="0"/>
+              <a:buChar char="◦"/>
+              <a:defRPr sz="1700" kern="1200">
+                <a:solidFill>
+                  <a:schemeClr val="tx1">
+                    <a:lumMod val="75000"/>
+                    <a:lumOff val="25000"/>
+                  </a:schemeClr>
+                </a:solidFill>
+                <a:latin typeface="+mn-lt"/>
+                <a:ea typeface="+mn-ea"/>
+                <a:cs typeface="+mn-cs"/>
+              </a:defRPr>
+            </a:lvl2pPr>
+            <a:lvl3pPr marL="566928" indent="-182880" algn="l" defTabSz="914400" rtl="0" eaLnBrk="1" latinLnBrk="0" hangingPunct="1">
+              <a:lnSpc>
+                <a:spcPct val="100000"/>
+              </a:lnSpc>
+              <a:spcBef>
+                <a:spcPts val="200"/>
+              </a:spcBef>
+              <a:spcAft>
+                <a:spcPts val="400"/>
+              </a:spcAft>
+              <a:buClrTx/>
+              <a:buFont typeface="Calibri" pitchFamily="34" charset="0"/>
+              <a:buChar char="◦"/>
+              <a:defRPr sz="1300" kern="1200">
+                <a:solidFill>
+                  <a:schemeClr val="tx1">
+                    <a:lumMod val="75000"/>
+                    <a:lumOff val="25000"/>
+                  </a:schemeClr>
+                </a:solidFill>
+                <a:latin typeface="+mn-lt"/>
+                <a:ea typeface="+mn-ea"/>
+                <a:cs typeface="+mn-cs"/>
+              </a:defRPr>
+            </a:lvl3pPr>
+            <a:lvl4pPr marL="749808" indent="-182880" algn="l" defTabSz="914400" rtl="0" eaLnBrk="1" latinLnBrk="0" hangingPunct="1">
+              <a:lnSpc>
+                <a:spcPct val="100000"/>
+              </a:lnSpc>
+              <a:spcBef>
+                <a:spcPts val="200"/>
+              </a:spcBef>
+              <a:spcAft>
+                <a:spcPts val="400"/>
+              </a:spcAft>
+              <a:buClrTx/>
+              <a:buFont typeface="Calibri" pitchFamily="34" charset="0"/>
+              <a:buChar char="◦"/>
+              <a:defRPr sz="1300" kern="1200">
+                <a:solidFill>
+                  <a:schemeClr val="tx1">
+                    <a:lumMod val="75000"/>
+                    <a:lumOff val="25000"/>
+                  </a:schemeClr>
+                </a:solidFill>
+                <a:latin typeface="+mn-lt"/>
+                <a:ea typeface="+mn-ea"/>
+                <a:cs typeface="+mn-cs"/>
+              </a:defRPr>
+            </a:lvl4pPr>
+            <a:lvl5pPr marL="932688" indent="-182880" algn="l" defTabSz="914400" rtl="0" eaLnBrk="1" latinLnBrk="0" hangingPunct="1">
+              <a:lnSpc>
+                <a:spcPct val="100000"/>
+              </a:lnSpc>
+              <a:spcBef>
+                <a:spcPts val="200"/>
+              </a:spcBef>
+              <a:spcAft>
+                <a:spcPts val="400"/>
+              </a:spcAft>
+              <a:buClrTx/>
+              <a:buFont typeface="Calibri" pitchFamily="34" charset="0"/>
+              <a:buChar char="◦"/>
+              <a:defRPr sz="1300" kern="1200">
+                <a:solidFill>
+                  <a:schemeClr val="tx1">
+                    <a:lumMod val="75000"/>
+                    <a:lumOff val="25000"/>
+                  </a:schemeClr>
+                </a:solidFill>
+                <a:latin typeface="+mn-lt"/>
+                <a:ea typeface="+mn-ea"/>
+                <a:cs typeface="+mn-cs"/>
+              </a:defRPr>
+            </a:lvl5pPr>
+            <a:lvl6pPr marL="1100000" indent="-228600" algn="l" defTabSz="914400" rtl="0" eaLnBrk="1" latinLnBrk="0" hangingPunct="1">
+              <a:lnSpc>
+                <a:spcPct val="90000"/>
+              </a:lnSpc>
+              <a:spcBef>
+                <a:spcPts val="200"/>
+              </a:spcBef>
+              <a:spcAft>
+                <a:spcPts val="400"/>
+              </a:spcAft>
+              <a:buClr>
+                <a:schemeClr val="accent1"/>
+              </a:buClr>
+              <a:buFont typeface="Calibri" pitchFamily="34" charset="0"/>
+              <a:buChar char="◦"/>
+              <a:defRPr sz="1400" kern="1200">
+                <a:solidFill>
+                  <a:schemeClr val="tx1">
+                    <a:lumMod val="75000"/>
+                    <a:lumOff val="25000"/>
+                  </a:schemeClr>
+                </a:solidFill>
+                <a:latin typeface="+mn-lt"/>
+                <a:ea typeface="+mn-ea"/>
+                <a:cs typeface="+mn-cs"/>
+              </a:defRPr>
+            </a:lvl6pPr>
+            <a:lvl7pPr marL="1300000" indent="-228600" algn="l" defTabSz="914400" rtl="0" eaLnBrk="1" latinLnBrk="0" hangingPunct="1">
+              <a:lnSpc>
+                <a:spcPct val="90000"/>
+              </a:lnSpc>
+              <a:spcBef>
+                <a:spcPts val="200"/>
+              </a:spcBef>
+              <a:spcAft>
+                <a:spcPts val="400"/>
+              </a:spcAft>
+              <a:buClr>
+                <a:schemeClr val="accent1"/>
+              </a:buClr>
+              <a:buFont typeface="Calibri" pitchFamily="34" charset="0"/>
+              <a:buChar char="◦"/>
+              <a:defRPr sz="1400" kern="1200">
+                <a:solidFill>
+                  <a:schemeClr val="tx1">
+                    <a:lumMod val="75000"/>
+                    <a:lumOff val="25000"/>
+                  </a:schemeClr>
+                </a:solidFill>
+                <a:latin typeface="+mn-lt"/>
+                <a:ea typeface="+mn-ea"/>
+                <a:cs typeface="+mn-cs"/>
+              </a:defRPr>
+            </a:lvl7pPr>
+            <a:lvl8pPr marL="1500000" indent="-228600" algn="l" defTabSz="914400" rtl="0" eaLnBrk="1" latinLnBrk="0" hangingPunct="1">
+              <a:lnSpc>
+                <a:spcPct val="90000"/>
+              </a:lnSpc>
+              <a:spcBef>
+                <a:spcPts val="200"/>
+              </a:spcBef>
+              <a:spcAft>
+                <a:spcPts val="400"/>
+              </a:spcAft>
+              <a:buClr>
+                <a:schemeClr val="accent1"/>
+              </a:buClr>
+              <a:buFont typeface="Calibri" pitchFamily="34" charset="0"/>
+              <a:buChar char="◦"/>
+              <a:defRPr sz="1400" kern="1200">
+                <a:solidFill>
+                  <a:schemeClr val="tx1">
+                    <a:lumMod val="75000"/>
+                    <a:lumOff val="25000"/>
+                  </a:schemeClr>
+                </a:solidFill>
+                <a:latin typeface="+mn-lt"/>
+                <a:ea typeface="+mn-ea"/>
+                <a:cs typeface="+mn-cs"/>
+              </a:defRPr>
+            </a:lvl8pPr>
+            <a:lvl9pPr marL="1700000" indent="-228600" algn="l" defTabSz="914400" rtl="0" eaLnBrk="1" latinLnBrk="0" hangingPunct="1">
+              <a:lnSpc>
+                <a:spcPct val="90000"/>
+              </a:lnSpc>
+              <a:spcBef>
+                <a:spcPts val="200"/>
+              </a:spcBef>
+              <a:spcAft>
+                <a:spcPts val="400"/>
+              </a:spcAft>
+              <a:buClr>
+                <a:schemeClr val="accent1"/>
+              </a:buClr>
+              <a:buFont typeface="Calibri" pitchFamily="34" charset="0"/>
+              <a:buChar char="◦"/>
+              <a:defRPr sz="1400" kern="1200">
+                <a:solidFill>
+                  <a:schemeClr val="tx1">
+                    <a:lumMod val="75000"/>
+                    <a:lumOff val="25000"/>
+                  </a:schemeClr>
+                </a:solidFill>
+                <a:latin typeface="+mn-lt"/>
+                <a:ea typeface="+mn-ea"/>
+                <a:cs typeface="+mn-cs"/>
+              </a:defRPr>
+            </a:lvl9pPr>
+          </a:lstStyle>
+          <a:p>
+            <a:pPr>
+              <a:buFont typeface="Wingdings" panose="05000000000000000000" pitchFamily="2" charset="2"/>
+              <a:buChar char="v"/>
+            </a:pPr>
+            <a:r>
+              <a:rPr lang="en-US" dirty="0"/>
+              <a:t> </a:t>
+            </a:r>
+            <a:r>
+              <a:rPr lang="en-US" sz="3600" b="1" dirty="0"/>
+              <a:t>Line charts</a:t>
+            </a:r>
+            <a:r>
+              <a:rPr lang="en-US" sz="3600" dirty="0"/>
+              <a:t> → simple &amp; effective for time series</a:t>
+            </a:r>
+          </a:p>
+          <a:p>
+            <a:pPr>
+              <a:buFont typeface="Wingdings" panose="05000000000000000000" pitchFamily="2" charset="2"/>
+              <a:buChar char="v"/>
+            </a:pPr>
+            <a:r>
+              <a:rPr lang="en-US" sz="3600" dirty="0"/>
+              <a:t> Reveal </a:t>
+            </a:r>
+            <a:r>
+              <a:rPr lang="en-US" sz="3600" b="1" dirty="0"/>
+              <a:t>patterns, trends, and outliers (</a:t>
+            </a:r>
+            <a:r>
+              <a:rPr lang="en-US" sz="3600" dirty="0"/>
+              <a:t>data points that deviate significantly from the overall pattern)</a:t>
+            </a:r>
+          </a:p>
+          <a:p>
+            <a:pPr lvl="1">
+              <a:buFont typeface="Wingdings" panose="05000000000000000000" pitchFamily="2" charset="2"/>
+              <a:buChar char="v"/>
+            </a:pPr>
+            <a:r>
+              <a:rPr lang="en-US" sz="3400" dirty="0"/>
+              <a:t> </a:t>
+            </a:r>
+            <a:r>
+              <a:rPr lang="en-US" sz="3600" dirty="0"/>
+              <a:t>Appear as </a:t>
+            </a:r>
+            <a:r>
+              <a:rPr lang="en-US" sz="3600" b="1" dirty="0"/>
+              <a:t>unusually high or low values</a:t>
+            </a:r>
+            <a:r>
+              <a:rPr lang="en-US" sz="3600" dirty="0"/>
+              <a:t> in a time series</a:t>
+            </a:r>
+          </a:p>
+          <a:p>
+            <a:pPr lvl="1">
+              <a:buFont typeface="Wingdings" panose="05000000000000000000" pitchFamily="2" charset="2"/>
+              <a:buChar char="v"/>
+            </a:pPr>
+            <a:r>
+              <a:rPr lang="en-US" sz="3600" dirty="0"/>
+              <a:t> May indicate </a:t>
+            </a:r>
+            <a:r>
+              <a:rPr lang="en-US" sz="3600" b="1" dirty="0"/>
+              <a:t>errors, rare events, or important anomalies</a:t>
+            </a:r>
+            <a:endParaRPr lang="en-US" sz="3400" dirty="0"/>
+          </a:p>
+        </p:txBody>
+      </p:sp>
+    </p:spTree>
+    <p:extLst>
+      <p:ext uri="{BB962C8B-B14F-4D97-AF65-F5344CB8AC3E}">
+        <p14:creationId xmlns:p14="http://schemas.microsoft.com/office/powerpoint/2010/main" val="2232393402"/>
+      </p:ext>
+    </p:extLst>
+  </p:cSld>
+  <p:clrMapOvr>
+    <a:masterClrMapping/>
+  </p:clrMapOvr>
+</p:sld>
+</file>
+
+<file path=ppt/slides/slide16.xml><?xml version="1.0" encoding="utf-8"?>
+<p:sld xmlns:a="http://schemas.openxmlformats.org/drawingml/2006/main" xmlns:r="http://schemas.openxmlformats.org/officeDocument/2006/relationships" xmlns:p="http://schemas.openxmlformats.org/presentationml/2006/main">
+  <p:cSld>
+    <p:spTree>
+      <p:nvGrpSpPr>
+        <p:cNvPr id="1" name="">
+          <a:extLst>
+            <a:ext uri="{FF2B5EF4-FFF2-40B4-BE49-F238E27FC236}">
+              <a16:creationId xmlns:a16="http://schemas.microsoft.com/office/drawing/2014/main" id="{F7AE3400-34F3-6BBD-30AE-BFD1FAFC4D7F}"/>
+            </a:ext>
+          </a:extLst>
+        </p:cNvPr>
+        <p:cNvGrpSpPr/>
+        <p:nvPr/>
+      </p:nvGrpSpPr>
+      <p:grpSpPr>
+        <a:xfrm>
+          <a:off x="0" y="0"/>
+          <a:ext cx="0" cy="0"/>
+          <a:chOff x="0" y="0"/>
+          <a:chExt cx="0" cy="0"/>
+        </a:xfrm>
+      </p:grpSpPr>
+      <p:sp>
+        <p:nvSpPr>
+          <p:cNvPr id="2" name="Title 1">
+            <a:extLst>
+              <a:ext uri="{FF2B5EF4-FFF2-40B4-BE49-F238E27FC236}">
+                <a16:creationId xmlns:a16="http://schemas.microsoft.com/office/drawing/2014/main" id="{11B2EA6A-3F70-303C-C17F-D132DEC22F9D}"/>
+              </a:ext>
+            </a:extLst>
+          </p:cNvPr>
+          <p:cNvSpPr>
+            <a:spLocks noGrp="1"/>
+          </p:cNvSpPr>
+          <p:nvPr>
+            <p:ph type="title"/>
+          </p:nvPr>
+        </p:nvSpPr>
+        <p:spPr>
+          <a:xfrm>
+            <a:off x="1097280" y="319024"/>
+            <a:ext cx="10058400" cy="1450757"/>
+          </a:xfrm>
+        </p:spPr>
+        <p:txBody>
+          <a:bodyPr>
+            <a:noAutofit/>
+          </a:bodyPr>
+          <a:lstStyle/>
+          <a:p>
+            <a:r>
+              <a:rPr lang="en-US" sz="3200" dirty="0">
+                <a:cs typeface="Arial" panose="020B0604020202020204" pitchFamily="34" charset="0"/>
+              </a:rPr>
+              <a:t>4. </a:t>
+            </a:r>
+            <a:r>
+              <a:rPr lang="en-US" sz="4000" dirty="0">
+                <a:cs typeface="Arial" panose="020B0604020202020204" pitchFamily="34" charset="0"/>
+              </a:rPr>
+              <a:t>Mastering Time Series Visualization with Line Charts in Google </a:t>
+            </a:r>
+            <a:r>
+              <a:rPr lang="en-US" sz="4000" dirty="0" err="1">
+                <a:cs typeface="Arial" panose="020B0604020202020204" pitchFamily="34" charset="0"/>
+              </a:rPr>
+              <a:t>Colab</a:t>
+            </a:r>
+            <a:r>
+              <a:rPr lang="en-US" sz="3200" dirty="0">
+                <a:cs typeface="Arial" panose="020B0604020202020204" pitchFamily="34" charset="0"/>
+              </a:rPr>
+              <a:t> </a:t>
+            </a:r>
+            <a:endParaRPr lang="en-PH" sz="3200" dirty="0">
+              <a:cs typeface="Arial" panose="020B0604020202020204" pitchFamily="34" charset="0"/>
+            </a:endParaRPr>
+          </a:p>
+        </p:txBody>
+      </p:sp>
+      <p:sp>
+        <p:nvSpPr>
+          <p:cNvPr id="3" name="Content Placeholder 2">
+            <a:extLst>
+              <a:ext uri="{FF2B5EF4-FFF2-40B4-BE49-F238E27FC236}">
+                <a16:creationId xmlns:a16="http://schemas.microsoft.com/office/drawing/2014/main" id="{9F3E5C76-C06B-14C5-EA93-1369D457DF9D}"/>
+              </a:ext>
+            </a:extLst>
+          </p:cNvPr>
+          <p:cNvSpPr>
+            <a:spLocks noGrp="1"/>
+          </p:cNvSpPr>
+          <p:nvPr>
+            <p:ph idx="1"/>
+          </p:nvPr>
+        </p:nvSpPr>
+        <p:spPr>
+          <a:xfrm>
+            <a:off x="1219200" y="2462279"/>
+            <a:ext cx="4615991" cy="3900813"/>
+          </a:xfrm>
+          <a:ln>
+            <a:solidFill>
+              <a:schemeClr val="tx1"/>
+            </a:solidFill>
+          </a:ln>
+        </p:spPr>
+        <p:txBody>
+          <a:bodyPr>
+            <a:normAutofit fontScale="77500" lnSpcReduction="20000"/>
+          </a:bodyPr>
+          <a:lstStyle/>
+          <a:p>
+            <a:pPr>
+              <a:buFont typeface="Wingdings" panose="05000000000000000000" pitchFamily="2" charset="2"/>
+              <a:buChar char="v"/>
+            </a:pPr>
+            <a:r>
+              <a:rPr lang="en-US" sz="2400" dirty="0"/>
+              <a:t> Collection of </a:t>
+            </a:r>
+            <a:r>
+              <a:rPr lang="en-US" sz="2400" b="1" dirty="0"/>
+              <a:t>data points over time</a:t>
+            </a:r>
+            <a:r>
+              <a:rPr lang="en-US" sz="2400" dirty="0"/>
+              <a:t> (chronological order matters)</a:t>
+            </a:r>
+          </a:p>
+          <a:p>
+            <a:pPr>
+              <a:buFont typeface="Wingdings" panose="05000000000000000000" pitchFamily="2" charset="2"/>
+              <a:buChar char="v"/>
+            </a:pPr>
+            <a:r>
+              <a:rPr lang="en-US" sz="2400" dirty="0"/>
+              <a:t> Example: </a:t>
+            </a:r>
+            <a:r>
+              <a:rPr lang="en-US" sz="2400" b="1" dirty="0"/>
+              <a:t>Hourly temperature readings</a:t>
+            </a:r>
+            <a:r>
+              <a:rPr lang="en-US" sz="2400" dirty="0"/>
+              <a:t> form a time series</a:t>
+            </a:r>
+          </a:p>
+          <a:p>
+            <a:pPr>
+              <a:buFont typeface="Wingdings" panose="05000000000000000000" pitchFamily="2" charset="2"/>
+              <a:buChar char="v"/>
+            </a:pPr>
+            <a:r>
+              <a:rPr lang="en-US" sz="2400" dirty="0"/>
+              <a:t> </a:t>
+            </a:r>
+            <a:r>
+              <a:rPr lang="en-PH" sz="2400" dirty="0"/>
+              <a:t>Applications:</a:t>
+            </a:r>
+          </a:p>
+          <a:p>
+            <a:pPr lvl="1">
+              <a:buFont typeface="Wingdings" panose="05000000000000000000" pitchFamily="2" charset="2"/>
+              <a:buChar char="v"/>
+            </a:pPr>
+            <a:r>
+              <a:rPr lang="en-PH" sz="2200" dirty="0"/>
+              <a:t> </a:t>
+            </a:r>
+            <a:r>
+              <a:rPr lang="en-PH" sz="2400" b="1" dirty="0"/>
+              <a:t>Finance</a:t>
+            </a:r>
+            <a:r>
+              <a:rPr lang="en-PH" sz="2400" dirty="0"/>
+              <a:t> → stock trends</a:t>
+            </a:r>
+          </a:p>
+          <a:p>
+            <a:pPr lvl="1">
+              <a:buFont typeface="Wingdings" panose="05000000000000000000" pitchFamily="2" charset="2"/>
+              <a:buChar char="v"/>
+            </a:pPr>
+            <a:r>
+              <a:rPr lang="en-PH" sz="2400" dirty="0"/>
+              <a:t> </a:t>
+            </a:r>
+            <a:r>
+              <a:rPr lang="en-PH" sz="2400" b="1" dirty="0"/>
+              <a:t>Weather</a:t>
+            </a:r>
+            <a:r>
+              <a:rPr lang="en-PH" sz="2400" dirty="0"/>
+              <a:t> → forecasting patterns</a:t>
+            </a:r>
+          </a:p>
+          <a:p>
+            <a:pPr lvl="1">
+              <a:buFont typeface="Wingdings" panose="05000000000000000000" pitchFamily="2" charset="2"/>
+              <a:buChar char="v"/>
+            </a:pPr>
+            <a:r>
+              <a:rPr lang="en-PH" sz="2400" dirty="0"/>
+              <a:t> </a:t>
+            </a:r>
+            <a:r>
+              <a:rPr lang="en-PH" sz="2400" b="1" dirty="0"/>
+              <a:t>Healthcare</a:t>
+            </a:r>
+            <a:r>
+              <a:rPr lang="en-PH" sz="2400" dirty="0"/>
+              <a:t> → tracking patient vitals</a:t>
+            </a:r>
+          </a:p>
+          <a:p>
+            <a:pPr lvl="1">
+              <a:buFont typeface="Wingdings" panose="05000000000000000000" pitchFamily="2" charset="2"/>
+              <a:buChar char="v"/>
+            </a:pPr>
+            <a:r>
+              <a:rPr lang="en-PH" sz="2400" dirty="0"/>
+              <a:t> </a:t>
+            </a:r>
+            <a:r>
+              <a:rPr lang="en-PH" sz="2400" b="1" dirty="0"/>
+              <a:t>E-commerce</a:t>
+            </a:r>
+            <a:r>
+              <a:rPr lang="en-PH" sz="2400" dirty="0"/>
+              <a:t> → analyzing website traffic</a:t>
+            </a:r>
+            <a:endParaRPr lang="en-PH" sz="2200" dirty="0"/>
+          </a:p>
+          <a:p>
+            <a:pPr marL="0" lvl="1" indent="0">
+              <a:buNone/>
+            </a:pPr>
+            <a:r>
+              <a:rPr lang="en-PH" sz="2400" b="1" dirty="0"/>
+              <a:t>Key Value:</a:t>
+            </a:r>
+          </a:p>
+          <a:p>
+            <a:pPr marL="342900" lvl="1" indent="-342900">
+              <a:buFont typeface="Wingdings" panose="05000000000000000000" pitchFamily="2" charset="2"/>
+              <a:buChar char="v"/>
+            </a:pPr>
+            <a:r>
+              <a:rPr lang="en-US" sz="2400" dirty="0"/>
+              <a:t>Explains the </a:t>
+            </a:r>
+            <a:r>
+              <a:rPr lang="en-US" sz="2400" b="1" dirty="0"/>
+              <a:t>past</a:t>
+            </a:r>
+            <a:r>
+              <a:rPr lang="en-US" sz="2400" dirty="0"/>
+              <a:t> and provides insights into the </a:t>
+            </a:r>
+            <a:r>
+              <a:rPr lang="en-US" sz="2400" b="1" dirty="0"/>
+              <a:t>future</a:t>
+            </a:r>
+            <a:endParaRPr lang="en-PH" sz="2400" b="1" dirty="0"/>
+          </a:p>
+        </p:txBody>
+      </p:sp>
+      <p:sp>
+        <p:nvSpPr>
+          <p:cNvPr id="4" name="TextBox 3">
+            <a:extLst>
+              <a:ext uri="{FF2B5EF4-FFF2-40B4-BE49-F238E27FC236}">
+                <a16:creationId xmlns:a16="http://schemas.microsoft.com/office/drawing/2014/main" id="{716E6AFF-2B57-DA08-EFBD-2788AABF64AC}"/>
+              </a:ext>
+            </a:extLst>
+          </p:cNvPr>
+          <p:cNvSpPr txBox="1"/>
+          <p:nvPr/>
+        </p:nvSpPr>
+        <p:spPr>
+          <a:xfrm>
+            <a:off x="1219200" y="2000614"/>
+            <a:ext cx="4615991" cy="400110"/>
+          </a:xfrm>
+          <a:prstGeom prst="rect">
+            <a:avLst/>
+          </a:prstGeom>
+          <a:noFill/>
+        </p:spPr>
+        <p:txBody>
+          <a:bodyPr wrap="square" rtlCol="0">
+            <a:spAutoFit/>
+          </a:bodyPr>
+          <a:lstStyle/>
+          <a:p>
+            <a:r>
+              <a:rPr lang="en-PH" sz="2000" b="1" dirty="0">
+                <a:latin typeface="Arial" panose="020B0604020202020204" pitchFamily="34" charset="0"/>
+                <a:cs typeface="Arial" panose="020B0604020202020204" pitchFamily="34" charset="0"/>
+              </a:rPr>
+              <a:t>Understanding Time Series Data</a:t>
+            </a:r>
+          </a:p>
+        </p:txBody>
+      </p:sp>
+      <p:sp>
+        <p:nvSpPr>
+          <p:cNvPr id="7" name="TextBox 6">
+            <a:extLst>
+              <a:ext uri="{FF2B5EF4-FFF2-40B4-BE49-F238E27FC236}">
+                <a16:creationId xmlns:a16="http://schemas.microsoft.com/office/drawing/2014/main" id="{7C1D0256-D7E7-0438-CA29-A0D8ED793974}"/>
+              </a:ext>
+            </a:extLst>
+          </p:cNvPr>
+          <p:cNvSpPr txBox="1"/>
+          <p:nvPr/>
+        </p:nvSpPr>
+        <p:spPr>
+          <a:xfrm>
+            <a:off x="6356805" y="2000614"/>
+            <a:ext cx="4798875" cy="461665"/>
+          </a:xfrm>
+          <a:prstGeom prst="rect">
+            <a:avLst/>
+          </a:prstGeom>
+          <a:noFill/>
+        </p:spPr>
+        <p:txBody>
+          <a:bodyPr wrap="square" rtlCol="0">
+            <a:spAutoFit/>
+          </a:bodyPr>
+          <a:lstStyle/>
+          <a:p>
+            <a:r>
+              <a:rPr lang="en-PH" sz="2400" b="1" dirty="0">
+                <a:latin typeface="Arial" panose="020B0604020202020204" pitchFamily="34" charset="0"/>
+                <a:cs typeface="Arial" panose="020B0604020202020204" pitchFamily="34" charset="0"/>
+              </a:rPr>
+              <a:t>Visualizing Time Series Data</a:t>
+            </a:r>
+          </a:p>
+        </p:txBody>
+      </p:sp>
+      <p:sp>
+        <p:nvSpPr>
+          <p:cNvPr id="8" name="Content Placeholder 2">
+            <a:extLst>
+              <a:ext uri="{FF2B5EF4-FFF2-40B4-BE49-F238E27FC236}">
+                <a16:creationId xmlns:a16="http://schemas.microsoft.com/office/drawing/2014/main" id="{AC965224-AA13-096B-44BD-8BA3E59C3115}"/>
+              </a:ext>
+            </a:extLst>
+          </p:cNvPr>
+          <p:cNvSpPr txBox="1">
+            <a:spLocks/>
+          </p:cNvSpPr>
+          <p:nvPr/>
+        </p:nvSpPr>
+        <p:spPr>
+          <a:xfrm>
+            <a:off x="6356805" y="2462279"/>
+            <a:ext cx="5049627" cy="3900813"/>
+          </a:xfrm>
+          <a:prstGeom prst="rect">
+            <a:avLst/>
+          </a:prstGeom>
+          <a:ln>
+            <a:solidFill>
+              <a:schemeClr val="tx1"/>
+            </a:solidFill>
+          </a:ln>
+        </p:spPr>
+        <p:txBody>
+          <a:bodyPr vert="horz" lIns="0" tIns="45720" rIns="0" bIns="45720" rtlCol="0">
+            <a:normAutofit fontScale="70000" lnSpcReduction="20000"/>
+          </a:bodyPr>
+          <a:lstStyle>
+            <a:lvl1pPr marL="91440" indent="-91440" algn="l" defTabSz="914400" rtl="0" eaLnBrk="1" latinLnBrk="0" hangingPunct="1">
+              <a:lnSpc>
+                <a:spcPct val="110000"/>
+              </a:lnSpc>
+              <a:spcBef>
+                <a:spcPts val="1200"/>
+              </a:spcBef>
+              <a:spcAft>
+                <a:spcPts val="200"/>
+              </a:spcAft>
+              <a:buClr>
+                <a:schemeClr val="accent1"/>
+              </a:buClr>
+              <a:buSzPct val="100000"/>
+              <a:buFont typeface="Calibri" panose="020F0502020204030204" pitchFamily="34" charset="0"/>
+              <a:buChar char=" "/>
+              <a:defRPr sz="1900" kern="1200">
+                <a:solidFill>
+                  <a:schemeClr val="tx1">
+                    <a:lumMod val="75000"/>
+                    <a:lumOff val="25000"/>
+                  </a:schemeClr>
+                </a:solidFill>
+                <a:latin typeface="+mn-lt"/>
+                <a:ea typeface="+mn-ea"/>
+                <a:cs typeface="+mn-cs"/>
+              </a:defRPr>
+            </a:lvl1pPr>
+            <a:lvl2pPr marL="384048" indent="-182880" algn="l" defTabSz="914400" rtl="0" eaLnBrk="1" latinLnBrk="0" hangingPunct="1">
+              <a:lnSpc>
+                <a:spcPct val="100000"/>
+              </a:lnSpc>
+              <a:spcBef>
+                <a:spcPts val="200"/>
+              </a:spcBef>
+              <a:spcAft>
+                <a:spcPts val="400"/>
+              </a:spcAft>
+              <a:buClrTx/>
+              <a:buFont typeface="Calibri" pitchFamily="34" charset="0"/>
+              <a:buChar char="◦"/>
+              <a:defRPr sz="1700" kern="1200">
+                <a:solidFill>
+                  <a:schemeClr val="tx1">
+                    <a:lumMod val="75000"/>
+                    <a:lumOff val="25000"/>
+                  </a:schemeClr>
+                </a:solidFill>
+                <a:latin typeface="+mn-lt"/>
+                <a:ea typeface="+mn-ea"/>
+                <a:cs typeface="+mn-cs"/>
+              </a:defRPr>
+            </a:lvl2pPr>
+            <a:lvl3pPr marL="566928" indent="-182880" algn="l" defTabSz="914400" rtl="0" eaLnBrk="1" latinLnBrk="0" hangingPunct="1">
+              <a:lnSpc>
+                <a:spcPct val="100000"/>
+              </a:lnSpc>
+              <a:spcBef>
+                <a:spcPts val="200"/>
+              </a:spcBef>
+              <a:spcAft>
+                <a:spcPts val="400"/>
+              </a:spcAft>
+              <a:buClrTx/>
+              <a:buFont typeface="Calibri" pitchFamily="34" charset="0"/>
+              <a:buChar char="◦"/>
+              <a:defRPr sz="1300" kern="1200">
+                <a:solidFill>
+                  <a:schemeClr val="tx1">
+                    <a:lumMod val="75000"/>
+                    <a:lumOff val="25000"/>
+                  </a:schemeClr>
+                </a:solidFill>
+                <a:latin typeface="+mn-lt"/>
+                <a:ea typeface="+mn-ea"/>
+                <a:cs typeface="+mn-cs"/>
+              </a:defRPr>
+            </a:lvl3pPr>
+            <a:lvl4pPr marL="749808" indent="-182880" algn="l" defTabSz="914400" rtl="0" eaLnBrk="1" latinLnBrk="0" hangingPunct="1">
+              <a:lnSpc>
+                <a:spcPct val="100000"/>
+              </a:lnSpc>
+              <a:spcBef>
+                <a:spcPts val="200"/>
+              </a:spcBef>
+              <a:spcAft>
+                <a:spcPts val="400"/>
+              </a:spcAft>
+              <a:buClrTx/>
+              <a:buFont typeface="Calibri" pitchFamily="34" charset="0"/>
+              <a:buChar char="◦"/>
+              <a:defRPr sz="1300" kern="1200">
+                <a:solidFill>
+                  <a:schemeClr val="tx1">
+                    <a:lumMod val="75000"/>
+                    <a:lumOff val="25000"/>
+                  </a:schemeClr>
+                </a:solidFill>
+                <a:latin typeface="+mn-lt"/>
+                <a:ea typeface="+mn-ea"/>
+                <a:cs typeface="+mn-cs"/>
+              </a:defRPr>
+            </a:lvl4pPr>
+            <a:lvl5pPr marL="932688" indent="-182880" algn="l" defTabSz="914400" rtl="0" eaLnBrk="1" latinLnBrk="0" hangingPunct="1">
+              <a:lnSpc>
+                <a:spcPct val="100000"/>
+              </a:lnSpc>
+              <a:spcBef>
+                <a:spcPts val="200"/>
+              </a:spcBef>
+              <a:spcAft>
+                <a:spcPts val="400"/>
+              </a:spcAft>
+              <a:buClrTx/>
+              <a:buFont typeface="Calibri" pitchFamily="34" charset="0"/>
+              <a:buChar char="◦"/>
+              <a:defRPr sz="1300" kern="1200">
+                <a:solidFill>
+                  <a:schemeClr val="tx1">
+                    <a:lumMod val="75000"/>
+                    <a:lumOff val="25000"/>
+                  </a:schemeClr>
+                </a:solidFill>
+                <a:latin typeface="+mn-lt"/>
+                <a:ea typeface="+mn-ea"/>
+                <a:cs typeface="+mn-cs"/>
+              </a:defRPr>
+            </a:lvl5pPr>
+            <a:lvl6pPr marL="1100000" indent="-228600" algn="l" defTabSz="914400" rtl="0" eaLnBrk="1" latinLnBrk="0" hangingPunct="1">
+              <a:lnSpc>
+                <a:spcPct val="90000"/>
+              </a:lnSpc>
+              <a:spcBef>
+                <a:spcPts val="200"/>
+              </a:spcBef>
+              <a:spcAft>
+                <a:spcPts val="400"/>
+              </a:spcAft>
+              <a:buClr>
+                <a:schemeClr val="accent1"/>
+              </a:buClr>
+              <a:buFont typeface="Calibri" pitchFamily="34" charset="0"/>
+              <a:buChar char="◦"/>
+              <a:defRPr sz="1400" kern="1200">
+                <a:solidFill>
+                  <a:schemeClr val="tx1">
+                    <a:lumMod val="75000"/>
+                    <a:lumOff val="25000"/>
+                  </a:schemeClr>
+                </a:solidFill>
+                <a:latin typeface="+mn-lt"/>
+                <a:ea typeface="+mn-ea"/>
+                <a:cs typeface="+mn-cs"/>
+              </a:defRPr>
+            </a:lvl6pPr>
+            <a:lvl7pPr marL="1300000" indent="-228600" algn="l" defTabSz="914400" rtl="0" eaLnBrk="1" latinLnBrk="0" hangingPunct="1">
+              <a:lnSpc>
+                <a:spcPct val="90000"/>
+              </a:lnSpc>
+              <a:spcBef>
+                <a:spcPts val="200"/>
+              </a:spcBef>
+              <a:spcAft>
+                <a:spcPts val="400"/>
+              </a:spcAft>
+              <a:buClr>
+                <a:schemeClr val="accent1"/>
+              </a:buClr>
+              <a:buFont typeface="Calibri" pitchFamily="34" charset="0"/>
+              <a:buChar char="◦"/>
+              <a:defRPr sz="1400" kern="1200">
+                <a:solidFill>
+                  <a:schemeClr val="tx1">
+                    <a:lumMod val="75000"/>
+                    <a:lumOff val="25000"/>
+                  </a:schemeClr>
+                </a:solidFill>
+                <a:latin typeface="+mn-lt"/>
+                <a:ea typeface="+mn-ea"/>
+                <a:cs typeface="+mn-cs"/>
+              </a:defRPr>
+            </a:lvl7pPr>
+            <a:lvl8pPr marL="1500000" indent="-228600" algn="l" defTabSz="914400" rtl="0" eaLnBrk="1" latinLnBrk="0" hangingPunct="1">
+              <a:lnSpc>
+                <a:spcPct val="90000"/>
+              </a:lnSpc>
+              <a:spcBef>
+                <a:spcPts val="200"/>
+              </a:spcBef>
+              <a:spcAft>
+                <a:spcPts val="400"/>
+              </a:spcAft>
+              <a:buClr>
+                <a:schemeClr val="accent1"/>
+              </a:buClr>
+              <a:buFont typeface="Calibri" pitchFamily="34" charset="0"/>
+              <a:buChar char="◦"/>
+              <a:defRPr sz="1400" kern="1200">
+                <a:solidFill>
+                  <a:schemeClr val="tx1">
+                    <a:lumMod val="75000"/>
+                    <a:lumOff val="25000"/>
+                  </a:schemeClr>
+                </a:solidFill>
+                <a:latin typeface="+mn-lt"/>
+                <a:ea typeface="+mn-ea"/>
+                <a:cs typeface="+mn-cs"/>
+              </a:defRPr>
+            </a:lvl8pPr>
+            <a:lvl9pPr marL="1700000" indent="-228600" algn="l" defTabSz="914400" rtl="0" eaLnBrk="1" latinLnBrk="0" hangingPunct="1">
+              <a:lnSpc>
+                <a:spcPct val="90000"/>
+              </a:lnSpc>
+              <a:spcBef>
+                <a:spcPts val="200"/>
+              </a:spcBef>
+              <a:spcAft>
+                <a:spcPts val="400"/>
+              </a:spcAft>
+              <a:buClr>
+                <a:schemeClr val="accent1"/>
+              </a:buClr>
+              <a:buFont typeface="Calibri" pitchFamily="34" charset="0"/>
+              <a:buChar char="◦"/>
+              <a:defRPr sz="1400" kern="1200">
+                <a:solidFill>
+                  <a:schemeClr val="tx1">
+                    <a:lumMod val="75000"/>
+                    <a:lumOff val="25000"/>
+                  </a:schemeClr>
+                </a:solidFill>
+                <a:latin typeface="+mn-lt"/>
+                <a:ea typeface="+mn-ea"/>
+                <a:cs typeface="+mn-cs"/>
+              </a:defRPr>
+            </a:lvl9pPr>
+          </a:lstStyle>
+          <a:p>
+            <a:pPr>
+              <a:buFont typeface="Wingdings" panose="05000000000000000000" pitchFamily="2" charset="2"/>
+              <a:buChar char="v"/>
+            </a:pPr>
+            <a:r>
+              <a:rPr lang="en-US" dirty="0"/>
+              <a:t> </a:t>
+            </a:r>
+            <a:r>
+              <a:rPr lang="en-US" sz="3600" b="1" dirty="0"/>
+              <a:t>Line charts</a:t>
+            </a:r>
+            <a:r>
+              <a:rPr lang="en-US" sz="3600" dirty="0"/>
+              <a:t> → simple &amp; effective for time series</a:t>
+            </a:r>
+          </a:p>
+          <a:p>
+            <a:pPr>
+              <a:buFont typeface="Wingdings" panose="05000000000000000000" pitchFamily="2" charset="2"/>
+              <a:buChar char="v"/>
+            </a:pPr>
+            <a:r>
+              <a:rPr lang="en-US" sz="3600" dirty="0"/>
+              <a:t> Reveal </a:t>
+            </a:r>
+            <a:r>
+              <a:rPr lang="en-US" sz="3600" b="1" dirty="0"/>
+              <a:t>patterns, trends, and outliers (</a:t>
+            </a:r>
+            <a:r>
+              <a:rPr lang="en-US" sz="3600" dirty="0"/>
+              <a:t>data points that deviate significantly from the overall pattern)</a:t>
+            </a:r>
+          </a:p>
+          <a:p>
+            <a:pPr lvl="1">
+              <a:buFont typeface="Wingdings" panose="05000000000000000000" pitchFamily="2" charset="2"/>
+              <a:buChar char="v"/>
+            </a:pPr>
+            <a:r>
+              <a:rPr lang="en-US" sz="3400" dirty="0"/>
+              <a:t> </a:t>
+            </a:r>
+            <a:r>
+              <a:rPr lang="en-US" sz="3600" dirty="0"/>
+              <a:t>Appear as </a:t>
+            </a:r>
+            <a:r>
+              <a:rPr lang="en-US" sz="3600" b="1" dirty="0"/>
+              <a:t>unusually high or low values</a:t>
+            </a:r>
+            <a:r>
+              <a:rPr lang="en-US" sz="3600" dirty="0"/>
+              <a:t> in a time series</a:t>
+            </a:r>
+          </a:p>
+          <a:p>
+            <a:pPr lvl="1">
+              <a:buFont typeface="Wingdings" panose="05000000000000000000" pitchFamily="2" charset="2"/>
+              <a:buChar char="v"/>
+            </a:pPr>
+            <a:r>
+              <a:rPr lang="en-US" sz="3600" dirty="0"/>
+              <a:t> May indicate </a:t>
+            </a:r>
+            <a:r>
+              <a:rPr lang="en-US" sz="3600" b="1" dirty="0"/>
+              <a:t>errors, rare events, or important anomalies</a:t>
+            </a:r>
+            <a:endParaRPr lang="en-US" sz="3400" dirty="0"/>
+          </a:p>
+        </p:txBody>
+      </p:sp>
+    </p:spTree>
+    <p:extLst>
+      <p:ext uri="{BB962C8B-B14F-4D97-AF65-F5344CB8AC3E}">
+        <p14:creationId xmlns:p14="http://schemas.microsoft.com/office/powerpoint/2010/main" val="3861353293"/>
+      </p:ext>
+    </p:extLst>
+  </p:cSld>
+  <p:clrMapOvr>
+    <a:masterClrMapping/>
+  </p:clrMapOvr>
+</p:sld>
+</file>
+
+<file path=ppt/slides/slide17.xml><?xml version="1.0" encoding="utf-8"?>
+<p:sld xmlns:a="http://schemas.openxmlformats.org/drawingml/2006/main" xmlns:r="http://schemas.openxmlformats.org/officeDocument/2006/relationships" xmlns:p="http://schemas.openxmlformats.org/presentationml/2006/main">
+  <p:cSld>
+    <p:spTree>
+      <p:nvGrpSpPr>
+        <p:cNvPr id="1" name="">
+          <a:extLst>
+            <a:ext uri="{FF2B5EF4-FFF2-40B4-BE49-F238E27FC236}">
+              <a16:creationId xmlns:a16="http://schemas.microsoft.com/office/drawing/2014/main" id="{E29D9DA4-486E-90E8-E963-A57A0D304A28}"/>
+            </a:ext>
+          </a:extLst>
+        </p:cNvPr>
+        <p:cNvGrpSpPr/>
+        <p:nvPr/>
+      </p:nvGrpSpPr>
+      <p:grpSpPr>
+        <a:xfrm>
+          <a:off x="0" y="0"/>
+          <a:ext cx="0" cy="0"/>
+          <a:chOff x="0" y="0"/>
+          <a:chExt cx="0" cy="0"/>
+        </a:xfrm>
+      </p:grpSpPr>
+      <p:sp>
+        <p:nvSpPr>
+          <p:cNvPr id="2" name="Title 1">
+            <a:extLst>
+              <a:ext uri="{FF2B5EF4-FFF2-40B4-BE49-F238E27FC236}">
+                <a16:creationId xmlns:a16="http://schemas.microsoft.com/office/drawing/2014/main" id="{9CAB9F5F-FF1D-85AE-4304-67ECD473276F}"/>
+              </a:ext>
+            </a:extLst>
+          </p:cNvPr>
+          <p:cNvSpPr>
+            <a:spLocks noGrp="1"/>
+          </p:cNvSpPr>
+          <p:nvPr>
+            <p:ph type="title"/>
+          </p:nvPr>
+        </p:nvSpPr>
+        <p:spPr/>
+        <p:txBody>
+          <a:bodyPr>
+            <a:normAutofit/>
+          </a:bodyPr>
+          <a:lstStyle/>
+          <a:p>
+            <a:r>
+              <a:rPr lang="en-US" sz="3200" dirty="0">
+                <a:cs typeface="Arial" panose="020B0604020202020204" pitchFamily="34" charset="0"/>
+              </a:rPr>
+              <a:t>4. </a:t>
+            </a:r>
+            <a:r>
+              <a:rPr lang="en-US" sz="4000" dirty="0">
+                <a:cs typeface="Arial" panose="020B0604020202020204" pitchFamily="34" charset="0"/>
+              </a:rPr>
+              <a:t>Mastering Time Series Visualization with Line Charts in Google </a:t>
+            </a:r>
+            <a:r>
+              <a:rPr lang="en-US" sz="4000" dirty="0" err="1">
+                <a:cs typeface="Arial" panose="020B0604020202020204" pitchFamily="34" charset="0"/>
+              </a:rPr>
+              <a:t>Colab</a:t>
+            </a:r>
+            <a:r>
+              <a:rPr lang="en-US" sz="3200" dirty="0">
+                <a:cs typeface="Arial" panose="020B0604020202020204" pitchFamily="34" charset="0"/>
+              </a:rPr>
+              <a:t> </a:t>
+            </a:r>
+            <a:endParaRPr lang="en-PH" sz="4000" dirty="0"/>
+          </a:p>
+        </p:txBody>
+      </p:sp>
+      <p:sp>
+        <p:nvSpPr>
+          <p:cNvPr id="3" name="Content Placeholder 2">
+            <a:extLst>
+              <a:ext uri="{FF2B5EF4-FFF2-40B4-BE49-F238E27FC236}">
+                <a16:creationId xmlns:a16="http://schemas.microsoft.com/office/drawing/2014/main" id="{44DA3DA9-CC02-9B0F-BA2E-C5525723484D}"/>
+              </a:ext>
+            </a:extLst>
+          </p:cNvPr>
+          <p:cNvSpPr>
+            <a:spLocks noGrp="1"/>
+          </p:cNvSpPr>
+          <p:nvPr>
+            <p:ph idx="1"/>
+          </p:nvPr>
+        </p:nvSpPr>
+        <p:spPr>
+          <a:xfrm>
+            <a:off x="1219200" y="2462280"/>
+            <a:ext cx="10309781" cy="2025776"/>
+          </a:xfrm>
+          <a:ln>
+            <a:solidFill>
+              <a:schemeClr val="tx1"/>
+            </a:solidFill>
+          </a:ln>
+        </p:spPr>
+        <p:txBody>
+          <a:bodyPr>
+            <a:normAutofit/>
+          </a:bodyPr>
+          <a:lstStyle/>
+          <a:p>
+            <a:r>
+              <a:rPr lang="en-US" dirty="0"/>
+              <a:t>We will need to import two Python libraries, pandas and </a:t>
+            </a:r>
+            <a:r>
+              <a:rPr lang="en-US" dirty="0" err="1"/>
+              <a:t>matplotlib.pyplot</a:t>
+            </a:r>
+            <a:r>
+              <a:rPr lang="en-US" dirty="0"/>
+              <a:t>, to get started with data manipulation and visualization respectively. You can import these libraries by running the following code in a new cell:</a:t>
+            </a:r>
+          </a:p>
+          <a:p>
+            <a:r>
+              <a:rPr lang="en-US" dirty="0"/>
+              <a:t>import pandas as pd</a:t>
+            </a:r>
+          </a:p>
+          <a:p>
+            <a:r>
+              <a:rPr lang="en-US" dirty="0"/>
+              <a:t>import </a:t>
+            </a:r>
+            <a:r>
+              <a:rPr lang="en-US" dirty="0" err="1"/>
+              <a:t>matplotlib.pyplot</a:t>
+            </a:r>
+            <a:r>
+              <a:rPr lang="en-US" dirty="0"/>
+              <a:t> as </a:t>
+            </a:r>
+            <a:r>
+              <a:rPr lang="en-US" dirty="0" err="1"/>
+              <a:t>plt</a:t>
+            </a:r>
+            <a:endParaRPr lang="en-US" dirty="0"/>
+          </a:p>
+        </p:txBody>
+      </p:sp>
+      <p:sp>
+        <p:nvSpPr>
+          <p:cNvPr id="4" name="TextBox 3">
+            <a:extLst>
+              <a:ext uri="{FF2B5EF4-FFF2-40B4-BE49-F238E27FC236}">
+                <a16:creationId xmlns:a16="http://schemas.microsoft.com/office/drawing/2014/main" id="{6132656A-CF25-C592-D9CF-6BB76605ECD8}"/>
+              </a:ext>
+            </a:extLst>
+          </p:cNvPr>
+          <p:cNvSpPr txBox="1"/>
+          <p:nvPr/>
+        </p:nvSpPr>
+        <p:spPr>
+          <a:xfrm>
+            <a:off x="1219200" y="2000614"/>
+            <a:ext cx="4615991" cy="369332"/>
+          </a:xfrm>
+          <a:prstGeom prst="rect">
+            <a:avLst/>
+          </a:prstGeom>
+          <a:noFill/>
+        </p:spPr>
+        <p:txBody>
+          <a:bodyPr wrap="square" rtlCol="0">
+            <a:spAutoFit/>
+          </a:bodyPr>
+          <a:lstStyle/>
+          <a:p>
+            <a:r>
+              <a:rPr lang="en-PH" b="1" dirty="0"/>
+              <a:t>Importing Libraries</a:t>
+            </a:r>
+          </a:p>
+        </p:txBody>
+      </p:sp>
+      <p:sp>
+        <p:nvSpPr>
+          <p:cNvPr id="7" name="TextBox 6">
+            <a:extLst>
+              <a:ext uri="{FF2B5EF4-FFF2-40B4-BE49-F238E27FC236}">
+                <a16:creationId xmlns:a16="http://schemas.microsoft.com/office/drawing/2014/main" id="{8CB8530E-22E4-D8AE-0A1A-5C095CA35859}"/>
+              </a:ext>
+            </a:extLst>
+          </p:cNvPr>
+          <p:cNvSpPr txBox="1"/>
+          <p:nvPr/>
+        </p:nvSpPr>
+        <p:spPr>
+          <a:xfrm>
+            <a:off x="1219200" y="4800376"/>
+            <a:ext cx="4798875" cy="461665"/>
+          </a:xfrm>
+          <a:prstGeom prst="rect">
+            <a:avLst/>
+          </a:prstGeom>
+          <a:noFill/>
+        </p:spPr>
+        <p:txBody>
+          <a:bodyPr wrap="square" rtlCol="0">
+            <a:spAutoFit/>
+          </a:bodyPr>
+          <a:lstStyle/>
+          <a:p>
+            <a:r>
+              <a:rPr lang="en-US" sz="2400" b="1" dirty="0">
+                <a:latin typeface="Arial" panose="020B0604020202020204" pitchFamily="34" charset="0"/>
+                <a:cs typeface="Arial" panose="020B0604020202020204" pitchFamily="34" charset="0"/>
+              </a:rPr>
+              <a:t>Go to this link:</a:t>
+            </a:r>
+            <a:endParaRPr lang="en-PH" sz="2400" b="1" dirty="0">
+              <a:latin typeface="Arial" panose="020B0604020202020204" pitchFamily="34" charset="0"/>
+              <a:cs typeface="Arial" panose="020B0604020202020204" pitchFamily="34" charset="0"/>
+            </a:endParaRPr>
+          </a:p>
+        </p:txBody>
+      </p:sp>
+      <p:sp>
+        <p:nvSpPr>
+          <p:cNvPr id="8" name="Content Placeholder 2">
+            <a:extLst>
+              <a:ext uri="{FF2B5EF4-FFF2-40B4-BE49-F238E27FC236}">
+                <a16:creationId xmlns:a16="http://schemas.microsoft.com/office/drawing/2014/main" id="{D26FBFF1-4B7F-4BA8-5DC1-D8C281C2D566}"/>
+              </a:ext>
+            </a:extLst>
+          </p:cNvPr>
+          <p:cNvSpPr txBox="1">
+            <a:spLocks/>
+          </p:cNvSpPr>
+          <p:nvPr/>
+        </p:nvSpPr>
+        <p:spPr>
+          <a:xfrm>
+            <a:off x="1219200" y="5262041"/>
+            <a:ext cx="10162724" cy="714554"/>
+          </a:xfrm>
+          <a:prstGeom prst="rect">
+            <a:avLst/>
+          </a:prstGeom>
+          <a:ln>
+            <a:solidFill>
+              <a:schemeClr val="tx1"/>
+            </a:solidFill>
+          </a:ln>
+        </p:spPr>
+        <p:txBody>
+          <a:bodyPr vert="horz" lIns="0" tIns="45720" rIns="0" bIns="45720" rtlCol="0">
+            <a:normAutofit/>
+          </a:bodyPr>
+          <a:lstStyle>
+            <a:lvl1pPr marL="91440" indent="-91440" algn="l" defTabSz="914400" rtl="0" eaLnBrk="1" latinLnBrk="0" hangingPunct="1">
+              <a:lnSpc>
+                <a:spcPct val="110000"/>
+              </a:lnSpc>
+              <a:spcBef>
+                <a:spcPts val="1200"/>
+              </a:spcBef>
+              <a:spcAft>
+                <a:spcPts val="200"/>
+              </a:spcAft>
+              <a:buClr>
+                <a:schemeClr val="accent1"/>
+              </a:buClr>
+              <a:buSzPct val="100000"/>
+              <a:buFont typeface="Calibri" panose="020F0502020204030204" pitchFamily="34" charset="0"/>
+              <a:buChar char=" "/>
+              <a:defRPr sz="1900" kern="1200">
+                <a:solidFill>
+                  <a:schemeClr val="tx1">
+                    <a:lumMod val="75000"/>
+                    <a:lumOff val="25000"/>
+                  </a:schemeClr>
+                </a:solidFill>
+                <a:latin typeface="+mn-lt"/>
+                <a:ea typeface="+mn-ea"/>
+                <a:cs typeface="+mn-cs"/>
+              </a:defRPr>
+            </a:lvl1pPr>
+            <a:lvl2pPr marL="384048" indent="-182880" algn="l" defTabSz="914400" rtl="0" eaLnBrk="1" latinLnBrk="0" hangingPunct="1">
+              <a:lnSpc>
+                <a:spcPct val="100000"/>
+              </a:lnSpc>
+              <a:spcBef>
+                <a:spcPts val="200"/>
+              </a:spcBef>
+              <a:spcAft>
+                <a:spcPts val="400"/>
+              </a:spcAft>
+              <a:buClrTx/>
+              <a:buFont typeface="Calibri" pitchFamily="34" charset="0"/>
+              <a:buChar char="◦"/>
+              <a:defRPr sz="1700" kern="1200">
+                <a:solidFill>
+                  <a:schemeClr val="tx1">
+                    <a:lumMod val="75000"/>
+                    <a:lumOff val="25000"/>
+                  </a:schemeClr>
+                </a:solidFill>
+                <a:latin typeface="+mn-lt"/>
+                <a:ea typeface="+mn-ea"/>
+                <a:cs typeface="+mn-cs"/>
+              </a:defRPr>
+            </a:lvl2pPr>
+            <a:lvl3pPr marL="566928" indent="-182880" algn="l" defTabSz="914400" rtl="0" eaLnBrk="1" latinLnBrk="0" hangingPunct="1">
+              <a:lnSpc>
+                <a:spcPct val="100000"/>
+              </a:lnSpc>
+              <a:spcBef>
+                <a:spcPts val="200"/>
+              </a:spcBef>
+              <a:spcAft>
+                <a:spcPts val="400"/>
+              </a:spcAft>
+              <a:buClrTx/>
+              <a:buFont typeface="Calibri" pitchFamily="34" charset="0"/>
+              <a:buChar char="◦"/>
+              <a:defRPr sz="1300" kern="1200">
+                <a:solidFill>
+                  <a:schemeClr val="tx1">
+                    <a:lumMod val="75000"/>
+                    <a:lumOff val="25000"/>
+                  </a:schemeClr>
+                </a:solidFill>
+                <a:latin typeface="+mn-lt"/>
+                <a:ea typeface="+mn-ea"/>
+                <a:cs typeface="+mn-cs"/>
+              </a:defRPr>
+            </a:lvl3pPr>
+            <a:lvl4pPr marL="749808" indent="-182880" algn="l" defTabSz="914400" rtl="0" eaLnBrk="1" latinLnBrk="0" hangingPunct="1">
+              <a:lnSpc>
+                <a:spcPct val="100000"/>
+              </a:lnSpc>
+              <a:spcBef>
+                <a:spcPts val="200"/>
+              </a:spcBef>
+              <a:spcAft>
+                <a:spcPts val="400"/>
+              </a:spcAft>
+              <a:buClrTx/>
+              <a:buFont typeface="Calibri" pitchFamily="34" charset="0"/>
+              <a:buChar char="◦"/>
+              <a:defRPr sz="1300" kern="1200">
+                <a:solidFill>
+                  <a:schemeClr val="tx1">
+                    <a:lumMod val="75000"/>
+                    <a:lumOff val="25000"/>
+                  </a:schemeClr>
+                </a:solidFill>
+                <a:latin typeface="+mn-lt"/>
+                <a:ea typeface="+mn-ea"/>
+                <a:cs typeface="+mn-cs"/>
+              </a:defRPr>
+            </a:lvl4pPr>
+            <a:lvl5pPr marL="932688" indent="-182880" algn="l" defTabSz="914400" rtl="0" eaLnBrk="1" latinLnBrk="0" hangingPunct="1">
+              <a:lnSpc>
+                <a:spcPct val="100000"/>
+              </a:lnSpc>
+              <a:spcBef>
+                <a:spcPts val="200"/>
+              </a:spcBef>
+              <a:spcAft>
+                <a:spcPts val="400"/>
+              </a:spcAft>
+              <a:buClrTx/>
+              <a:buFont typeface="Calibri" pitchFamily="34" charset="0"/>
+              <a:buChar char="◦"/>
+              <a:defRPr sz="1300" kern="1200">
+                <a:solidFill>
+                  <a:schemeClr val="tx1">
+                    <a:lumMod val="75000"/>
+                    <a:lumOff val="25000"/>
+                  </a:schemeClr>
+                </a:solidFill>
+                <a:latin typeface="+mn-lt"/>
+                <a:ea typeface="+mn-ea"/>
+                <a:cs typeface="+mn-cs"/>
+              </a:defRPr>
+            </a:lvl5pPr>
+            <a:lvl6pPr marL="1100000" indent="-228600" algn="l" defTabSz="914400" rtl="0" eaLnBrk="1" latinLnBrk="0" hangingPunct="1">
+              <a:lnSpc>
+                <a:spcPct val="90000"/>
+              </a:lnSpc>
+              <a:spcBef>
+                <a:spcPts val="200"/>
+              </a:spcBef>
+              <a:spcAft>
+                <a:spcPts val="400"/>
+              </a:spcAft>
+              <a:buClr>
+                <a:schemeClr val="accent1"/>
+              </a:buClr>
+              <a:buFont typeface="Calibri" pitchFamily="34" charset="0"/>
+              <a:buChar char="◦"/>
+              <a:defRPr sz="1400" kern="1200">
+                <a:solidFill>
+                  <a:schemeClr val="tx1">
+                    <a:lumMod val="75000"/>
+                    <a:lumOff val="25000"/>
+                  </a:schemeClr>
+                </a:solidFill>
+                <a:latin typeface="+mn-lt"/>
+                <a:ea typeface="+mn-ea"/>
+                <a:cs typeface="+mn-cs"/>
+              </a:defRPr>
+            </a:lvl6pPr>
+            <a:lvl7pPr marL="1300000" indent="-228600" algn="l" defTabSz="914400" rtl="0" eaLnBrk="1" latinLnBrk="0" hangingPunct="1">
+              <a:lnSpc>
+                <a:spcPct val="90000"/>
+              </a:lnSpc>
+              <a:spcBef>
+                <a:spcPts val="200"/>
+              </a:spcBef>
+              <a:spcAft>
+                <a:spcPts val="400"/>
+              </a:spcAft>
+              <a:buClr>
+                <a:schemeClr val="accent1"/>
+              </a:buClr>
+              <a:buFont typeface="Calibri" pitchFamily="34" charset="0"/>
+              <a:buChar char="◦"/>
+              <a:defRPr sz="1400" kern="1200">
+                <a:solidFill>
+                  <a:schemeClr val="tx1">
+                    <a:lumMod val="75000"/>
+                    <a:lumOff val="25000"/>
+                  </a:schemeClr>
+                </a:solidFill>
+                <a:latin typeface="+mn-lt"/>
+                <a:ea typeface="+mn-ea"/>
+                <a:cs typeface="+mn-cs"/>
+              </a:defRPr>
+            </a:lvl7pPr>
+            <a:lvl8pPr marL="1500000" indent="-228600" algn="l" defTabSz="914400" rtl="0" eaLnBrk="1" latinLnBrk="0" hangingPunct="1">
+              <a:lnSpc>
+                <a:spcPct val="90000"/>
+              </a:lnSpc>
+              <a:spcBef>
+                <a:spcPts val="200"/>
+              </a:spcBef>
+              <a:spcAft>
+                <a:spcPts val="400"/>
+              </a:spcAft>
+              <a:buClr>
+                <a:schemeClr val="accent1"/>
+              </a:buClr>
+              <a:buFont typeface="Calibri" pitchFamily="34" charset="0"/>
+              <a:buChar char="◦"/>
+              <a:defRPr sz="1400" kern="1200">
+                <a:solidFill>
+                  <a:schemeClr val="tx1">
+                    <a:lumMod val="75000"/>
+                    <a:lumOff val="25000"/>
+                  </a:schemeClr>
+                </a:solidFill>
+                <a:latin typeface="+mn-lt"/>
+                <a:ea typeface="+mn-ea"/>
+                <a:cs typeface="+mn-cs"/>
+              </a:defRPr>
+            </a:lvl8pPr>
+            <a:lvl9pPr marL="1700000" indent="-228600" algn="l" defTabSz="914400" rtl="0" eaLnBrk="1" latinLnBrk="0" hangingPunct="1">
+              <a:lnSpc>
+                <a:spcPct val="90000"/>
+              </a:lnSpc>
+              <a:spcBef>
+                <a:spcPts val="200"/>
+              </a:spcBef>
+              <a:spcAft>
+                <a:spcPts val="400"/>
+              </a:spcAft>
+              <a:buClr>
+                <a:schemeClr val="accent1"/>
+              </a:buClr>
+              <a:buFont typeface="Calibri" pitchFamily="34" charset="0"/>
+              <a:buChar char="◦"/>
+              <a:defRPr sz="1400" kern="1200">
+                <a:solidFill>
+                  <a:schemeClr val="tx1">
+                    <a:lumMod val="75000"/>
+                    <a:lumOff val="25000"/>
+                  </a:schemeClr>
+                </a:solidFill>
+                <a:latin typeface="+mn-lt"/>
+                <a:ea typeface="+mn-ea"/>
+                <a:cs typeface="+mn-cs"/>
+              </a:defRPr>
+            </a:lvl9pPr>
+          </a:lstStyle>
+          <a:p>
+            <a:pPr marL="0" indent="0">
+              <a:buNone/>
+            </a:pPr>
+            <a:r>
+              <a:rPr lang="en-US" dirty="0"/>
+              <a:t>https://github.com/MikkoDT/MexEE402_AI/blob/main/Visualizing_Time_Series_Data_with_Line_Charts.ipynb</a:t>
+            </a:r>
+            <a:endParaRPr lang="en-US" sz="2200" dirty="0"/>
+          </a:p>
+        </p:txBody>
+      </p:sp>
+    </p:spTree>
+    <p:extLst>
+      <p:ext uri="{BB962C8B-B14F-4D97-AF65-F5344CB8AC3E}">
+        <p14:creationId xmlns:p14="http://schemas.microsoft.com/office/powerpoint/2010/main" val="88499132"/>
+      </p:ext>
+    </p:extLst>
+  </p:cSld>
+  <p:clrMapOvr>
+    <a:masterClrMapping/>
+  </p:clrMapOvr>
+</p:sld>
+</file>
+
+<file path=ppt/slides/slide18.xml><?xml version="1.0" encoding="utf-8"?>
+<p:sld xmlns:a="http://schemas.openxmlformats.org/drawingml/2006/main" xmlns:r="http://schemas.openxmlformats.org/officeDocument/2006/relationships" xmlns:p="http://schemas.openxmlformats.org/presentationml/2006/main">
+  <p:cSld>
+    <p:spTree>
+      <p:nvGrpSpPr>
+        <p:cNvPr id="1" name="">
+          <a:extLst>
+            <a:ext uri="{FF2B5EF4-FFF2-40B4-BE49-F238E27FC236}">
+              <a16:creationId xmlns:a16="http://schemas.microsoft.com/office/drawing/2014/main" id="{7829C2ED-7745-652E-1FFB-17313275BBD5}"/>
+            </a:ext>
+          </a:extLst>
+        </p:cNvPr>
+        <p:cNvGrpSpPr/>
+        <p:nvPr/>
+      </p:nvGrpSpPr>
+      <p:grpSpPr>
+        <a:xfrm>
+          <a:off x="0" y="0"/>
+          <a:ext cx="0" cy="0"/>
+          <a:chOff x="0" y="0"/>
+          <a:chExt cx="0" cy="0"/>
+        </a:xfrm>
+      </p:grpSpPr>
+      <p:sp>
+        <p:nvSpPr>
+          <p:cNvPr id="2" name="Title 1">
+            <a:extLst>
+              <a:ext uri="{FF2B5EF4-FFF2-40B4-BE49-F238E27FC236}">
+                <a16:creationId xmlns:a16="http://schemas.microsoft.com/office/drawing/2014/main" id="{BFC02C9F-2BA5-D15E-AB6E-63E2C8C67A3A}"/>
+              </a:ext>
+            </a:extLst>
+          </p:cNvPr>
+          <p:cNvSpPr>
+            <a:spLocks noGrp="1"/>
+          </p:cNvSpPr>
+          <p:nvPr>
+            <p:ph type="title"/>
+          </p:nvPr>
+        </p:nvSpPr>
+        <p:spPr/>
+        <p:txBody>
+          <a:bodyPr>
+            <a:normAutofit/>
+          </a:bodyPr>
+          <a:lstStyle/>
+          <a:p>
+            <a:r>
+              <a:rPr lang="en-US" sz="3200" dirty="0">
+                <a:cs typeface="Arial" panose="020B0604020202020204" pitchFamily="34" charset="0"/>
+              </a:rPr>
+              <a:t>4. </a:t>
+            </a:r>
+            <a:r>
+              <a:rPr lang="en-US" sz="4000" dirty="0">
+                <a:cs typeface="Arial" panose="020B0604020202020204" pitchFamily="34" charset="0"/>
+              </a:rPr>
+              <a:t>Mastering Time Series Visualization with Line Charts in Google </a:t>
+            </a:r>
+            <a:r>
+              <a:rPr lang="en-US" sz="4000" dirty="0" err="1">
+                <a:cs typeface="Arial" panose="020B0604020202020204" pitchFamily="34" charset="0"/>
+              </a:rPr>
+              <a:t>Colab</a:t>
+            </a:r>
+            <a:r>
+              <a:rPr lang="en-US" sz="3200" dirty="0">
+                <a:cs typeface="Arial" panose="020B0604020202020204" pitchFamily="34" charset="0"/>
+              </a:rPr>
+              <a:t> </a:t>
+            </a:r>
+            <a:endParaRPr lang="en-PH" sz="4000" dirty="0"/>
+          </a:p>
+        </p:txBody>
+      </p:sp>
+      <p:sp>
+        <p:nvSpPr>
+          <p:cNvPr id="3" name="Content Placeholder 2">
+            <a:extLst>
+              <a:ext uri="{FF2B5EF4-FFF2-40B4-BE49-F238E27FC236}">
+                <a16:creationId xmlns:a16="http://schemas.microsoft.com/office/drawing/2014/main" id="{4342AEBB-A8CA-E20D-B632-699C54BCDBFE}"/>
+              </a:ext>
+            </a:extLst>
+          </p:cNvPr>
+          <p:cNvSpPr>
+            <a:spLocks noGrp="1"/>
+          </p:cNvSpPr>
+          <p:nvPr>
+            <p:ph idx="1"/>
+          </p:nvPr>
+        </p:nvSpPr>
+        <p:spPr>
+          <a:xfrm>
+            <a:off x="1219200" y="2462280"/>
+            <a:ext cx="4003249" cy="3872532"/>
+          </a:xfrm>
+          <a:ln>
+            <a:solidFill>
+              <a:schemeClr val="tx1"/>
+            </a:solidFill>
+          </a:ln>
+        </p:spPr>
+        <p:txBody>
+          <a:bodyPr>
+            <a:normAutofit/>
+          </a:bodyPr>
+          <a:lstStyle/>
+          <a:p>
+            <a:r>
+              <a:rPr lang="en-US" dirty="0"/>
+              <a:t>For the purpose of this tutorial, we'll consider a dataset representing the daily temperature of a city for a month. Let's walk through the steps to create this data in a CSV file and subsequently load it into our notebook.</a:t>
+            </a:r>
+            <a:br>
+              <a:rPr lang="en-US" dirty="0"/>
+            </a:br>
+            <a:br>
+              <a:rPr lang="en-US" dirty="0"/>
+            </a:br>
+            <a:r>
+              <a:rPr lang="en-US" dirty="0"/>
+              <a:t>Begin by creating a CSV file with the following content, which includes the date and corresponding temperature:</a:t>
+            </a:r>
+          </a:p>
+        </p:txBody>
+      </p:sp>
+      <p:sp>
+        <p:nvSpPr>
+          <p:cNvPr id="4" name="TextBox 3">
+            <a:extLst>
+              <a:ext uri="{FF2B5EF4-FFF2-40B4-BE49-F238E27FC236}">
+                <a16:creationId xmlns:a16="http://schemas.microsoft.com/office/drawing/2014/main" id="{6144DEB9-F242-F222-F0D5-012587AF7B2C}"/>
+              </a:ext>
+            </a:extLst>
+          </p:cNvPr>
+          <p:cNvSpPr txBox="1"/>
+          <p:nvPr/>
+        </p:nvSpPr>
+        <p:spPr>
+          <a:xfrm>
+            <a:off x="1219200" y="2000614"/>
+            <a:ext cx="4615991" cy="369332"/>
+          </a:xfrm>
+          <a:prstGeom prst="rect">
+            <a:avLst/>
+          </a:prstGeom>
+          <a:noFill/>
+        </p:spPr>
+        <p:txBody>
+          <a:bodyPr wrap="square" rtlCol="0">
+            <a:spAutoFit/>
+          </a:bodyPr>
+          <a:lstStyle/>
+          <a:p>
+            <a:r>
+              <a:rPr lang="en-PH" b="1" dirty="0"/>
+              <a:t>Creating and Loading Data</a:t>
+            </a:r>
+          </a:p>
+        </p:txBody>
+      </p:sp>
+      <p:sp>
+        <p:nvSpPr>
+          <p:cNvPr id="7" name="TextBox 6">
+            <a:extLst>
+              <a:ext uri="{FF2B5EF4-FFF2-40B4-BE49-F238E27FC236}">
+                <a16:creationId xmlns:a16="http://schemas.microsoft.com/office/drawing/2014/main" id="{4473B11B-FC06-5543-B750-FF903C567F5D}"/>
+              </a:ext>
+            </a:extLst>
+          </p:cNvPr>
+          <p:cNvSpPr txBox="1"/>
+          <p:nvPr/>
+        </p:nvSpPr>
+        <p:spPr>
+          <a:xfrm>
+            <a:off x="6008017" y="1908281"/>
+            <a:ext cx="4798875" cy="461665"/>
+          </a:xfrm>
+          <a:prstGeom prst="rect">
+            <a:avLst/>
+          </a:prstGeom>
+          <a:noFill/>
+        </p:spPr>
+        <p:txBody>
+          <a:bodyPr wrap="square" rtlCol="0">
+            <a:spAutoFit/>
+          </a:bodyPr>
+          <a:lstStyle/>
+          <a:p>
+            <a:r>
+              <a:rPr lang="en-PH" sz="2400" b="1" dirty="0"/>
+              <a:t>Save the CSV file </a:t>
+            </a:r>
+            <a:r>
+              <a:rPr lang="en-PH" sz="2400" dirty="0"/>
+              <a:t>“</a:t>
+            </a:r>
+            <a:r>
+              <a:rPr lang="en-PH" sz="2400" b="1" dirty="0"/>
+              <a:t>temperature.csv</a:t>
+            </a:r>
+            <a:r>
+              <a:rPr lang="en-PH" sz="2400" dirty="0"/>
+              <a:t>"</a:t>
+            </a:r>
+            <a:endParaRPr lang="en-PH" sz="2400" b="1" dirty="0"/>
+          </a:p>
+        </p:txBody>
+      </p:sp>
+      <p:sp>
+        <p:nvSpPr>
+          <p:cNvPr id="8" name="Content Placeholder 2">
+            <a:extLst>
+              <a:ext uri="{FF2B5EF4-FFF2-40B4-BE49-F238E27FC236}">
+                <a16:creationId xmlns:a16="http://schemas.microsoft.com/office/drawing/2014/main" id="{D919C99E-7B8F-DA8A-DD65-E9D4B80C0E4E}"/>
+              </a:ext>
+            </a:extLst>
+          </p:cNvPr>
+          <p:cNvSpPr txBox="1">
+            <a:spLocks/>
+          </p:cNvSpPr>
+          <p:nvPr/>
+        </p:nvSpPr>
+        <p:spPr>
+          <a:xfrm>
+            <a:off x="6008018" y="2369946"/>
+            <a:ext cx="5373906" cy="3964866"/>
+          </a:xfrm>
+          <a:prstGeom prst="rect">
+            <a:avLst/>
+          </a:prstGeom>
+          <a:ln>
+            <a:solidFill>
+              <a:schemeClr val="tx1"/>
+            </a:solidFill>
+          </a:ln>
+        </p:spPr>
+        <p:txBody>
+          <a:bodyPr vert="horz" lIns="0" tIns="45720" rIns="0" bIns="45720" rtlCol="0">
+            <a:normAutofit fontScale="55000" lnSpcReduction="20000"/>
+          </a:bodyPr>
+          <a:lstStyle>
+            <a:lvl1pPr marL="91440" indent="-91440" algn="l" defTabSz="914400" rtl="0" eaLnBrk="1" latinLnBrk="0" hangingPunct="1">
+              <a:lnSpc>
+                <a:spcPct val="110000"/>
+              </a:lnSpc>
+              <a:spcBef>
+                <a:spcPts val="1200"/>
+              </a:spcBef>
+              <a:spcAft>
+                <a:spcPts val="200"/>
+              </a:spcAft>
+              <a:buClr>
+                <a:schemeClr val="accent1"/>
+              </a:buClr>
+              <a:buSzPct val="100000"/>
+              <a:buFont typeface="Calibri" panose="020F0502020204030204" pitchFamily="34" charset="0"/>
+              <a:buChar char=" "/>
+              <a:defRPr sz="1900" kern="1200">
+                <a:solidFill>
+                  <a:schemeClr val="tx1">
+                    <a:lumMod val="75000"/>
+                    <a:lumOff val="25000"/>
+                  </a:schemeClr>
+                </a:solidFill>
+                <a:latin typeface="+mn-lt"/>
+                <a:ea typeface="+mn-ea"/>
+                <a:cs typeface="+mn-cs"/>
+              </a:defRPr>
+            </a:lvl1pPr>
+            <a:lvl2pPr marL="384048" indent="-182880" algn="l" defTabSz="914400" rtl="0" eaLnBrk="1" latinLnBrk="0" hangingPunct="1">
+              <a:lnSpc>
+                <a:spcPct val="100000"/>
+              </a:lnSpc>
+              <a:spcBef>
+                <a:spcPts val="200"/>
+              </a:spcBef>
+              <a:spcAft>
+                <a:spcPts val="400"/>
+              </a:spcAft>
+              <a:buClrTx/>
+              <a:buFont typeface="Calibri" pitchFamily="34" charset="0"/>
+              <a:buChar char="◦"/>
+              <a:defRPr sz="1700" kern="1200">
+                <a:solidFill>
+                  <a:schemeClr val="tx1">
+                    <a:lumMod val="75000"/>
+                    <a:lumOff val="25000"/>
+                  </a:schemeClr>
+                </a:solidFill>
+                <a:latin typeface="+mn-lt"/>
+                <a:ea typeface="+mn-ea"/>
+                <a:cs typeface="+mn-cs"/>
+              </a:defRPr>
+            </a:lvl2pPr>
+            <a:lvl3pPr marL="566928" indent="-182880" algn="l" defTabSz="914400" rtl="0" eaLnBrk="1" latinLnBrk="0" hangingPunct="1">
+              <a:lnSpc>
+                <a:spcPct val="100000"/>
+              </a:lnSpc>
+              <a:spcBef>
+                <a:spcPts val="200"/>
+              </a:spcBef>
+              <a:spcAft>
+                <a:spcPts val="400"/>
+              </a:spcAft>
+              <a:buClrTx/>
+              <a:buFont typeface="Calibri" pitchFamily="34" charset="0"/>
+              <a:buChar char="◦"/>
+              <a:defRPr sz="1300" kern="1200">
+                <a:solidFill>
+                  <a:schemeClr val="tx1">
+                    <a:lumMod val="75000"/>
+                    <a:lumOff val="25000"/>
+                  </a:schemeClr>
+                </a:solidFill>
+                <a:latin typeface="+mn-lt"/>
+                <a:ea typeface="+mn-ea"/>
+                <a:cs typeface="+mn-cs"/>
+              </a:defRPr>
+            </a:lvl3pPr>
+            <a:lvl4pPr marL="749808" indent="-182880" algn="l" defTabSz="914400" rtl="0" eaLnBrk="1" latinLnBrk="0" hangingPunct="1">
+              <a:lnSpc>
+                <a:spcPct val="100000"/>
+              </a:lnSpc>
+              <a:spcBef>
+                <a:spcPts val="200"/>
+              </a:spcBef>
+              <a:spcAft>
+                <a:spcPts val="400"/>
+              </a:spcAft>
+              <a:buClrTx/>
+              <a:buFont typeface="Calibri" pitchFamily="34" charset="0"/>
+              <a:buChar char="◦"/>
+              <a:defRPr sz="1300" kern="1200">
+                <a:solidFill>
+                  <a:schemeClr val="tx1">
+                    <a:lumMod val="75000"/>
+                    <a:lumOff val="25000"/>
+                  </a:schemeClr>
+                </a:solidFill>
+                <a:latin typeface="+mn-lt"/>
+                <a:ea typeface="+mn-ea"/>
+                <a:cs typeface="+mn-cs"/>
+              </a:defRPr>
+            </a:lvl4pPr>
+            <a:lvl5pPr marL="932688" indent="-182880" algn="l" defTabSz="914400" rtl="0" eaLnBrk="1" latinLnBrk="0" hangingPunct="1">
+              <a:lnSpc>
+                <a:spcPct val="100000"/>
+              </a:lnSpc>
+              <a:spcBef>
+                <a:spcPts val="200"/>
+              </a:spcBef>
+              <a:spcAft>
+                <a:spcPts val="400"/>
+              </a:spcAft>
+              <a:buClrTx/>
+              <a:buFont typeface="Calibri" pitchFamily="34" charset="0"/>
+              <a:buChar char="◦"/>
+              <a:defRPr sz="1300" kern="1200">
+                <a:solidFill>
+                  <a:schemeClr val="tx1">
+                    <a:lumMod val="75000"/>
+                    <a:lumOff val="25000"/>
+                  </a:schemeClr>
+                </a:solidFill>
+                <a:latin typeface="+mn-lt"/>
+                <a:ea typeface="+mn-ea"/>
+                <a:cs typeface="+mn-cs"/>
+              </a:defRPr>
+            </a:lvl5pPr>
+            <a:lvl6pPr marL="1100000" indent="-228600" algn="l" defTabSz="914400" rtl="0" eaLnBrk="1" latinLnBrk="0" hangingPunct="1">
+              <a:lnSpc>
+                <a:spcPct val="90000"/>
+              </a:lnSpc>
+              <a:spcBef>
+                <a:spcPts val="200"/>
+              </a:spcBef>
+              <a:spcAft>
+                <a:spcPts val="400"/>
+              </a:spcAft>
+              <a:buClr>
+                <a:schemeClr val="accent1"/>
+              </a:buClr>
+              <a:buFont typeface="Calibri" pitchFamily="34" charset="0"/>
+              <a:buChar char="◦"/>
+              <a:defRPr sz="1400" kern="1200">
+                <a:solidFill>
+                  <a:schemeClr val="tx1">
+                    <a:lumMod val="75000"/>
+                    <a:lumOff val="25000"/>
+                  </a:schemeClr>
+                </a:solidFill>
+                <a:latin typeface="+mn-lt"/>
+                <a:ea typeface="+mn-ea"/>
+                <a:cs typeface="+mn-cs"/>
+              </a:defRPr>
+            </a:lvl6pPr>
+            <a:lvl7pPr marL="1300000" indent="-228600" algn="l" defTabSz="914400" rtl="0" eaLnBrk="1" latinLnBrk="0" hangingPunct="1">
+              <a:lnSpc>
+                <a:spcPct val="90000"/>
+              </a:lnSpc>
+              <a:spcBef>
+                <a:spcPts val="200"/>
+              </a:spcBef>
+              <a:spcAft>
+                <a:spcPts val="400"/>
+              </a:spcAft>
+              <a:buClr>
+                <a:schemeClr val="accent1"/>
+              </a:buClr>
+              <a:buFont typeface="Calibri" pitchFamily="34" charset="0"/>
+              <a:buChar char="◦"/>
+              <a:defRPr sz="1400" kern="1200">
+                <a:solidFill>
+                  <a:schemeClr val="tx1">
+                    <a:lumMod val="75000"/>
+                    <a:lumOff val="25000"/>
+                  </a:schemeClr>
+                </a:solidFill>
+                <a:latin typeface="+mn-lt"/>
+                <a:ea typeface="+mn-ea"/>
+                <a:cs typeface="+mn-cs"/>
+              </a:defRPr>
+            </a:lvl7pPr>
+            <a:lvl8pPr marL="1500000" indent="-228600" algn="l" defTabSz="914400" rtl="0" eaLnBrk="1" latinLnBrk="0" hangingPunct="1">
+              <a:lnSpc>
+                <a:spcPct val="90000"/>
+              </a:lnSpc>
+              <a:spcBef>
+                <a:spcPts val="200"/>
+              </a:spcBef>
+              <a:spcAft>
+                <a:spcPts val="400"/>
+              </a:spcAft>
+              <a:buClr>
+                <a:schemeClr val="accent1"/>
+              </a:buClr>
+              <a:buFont typeface="Calibri" pitchFamily="34" charset="0"/>
+              <a:buChar char="◦"/>
+              <a:defRPr sz="1400" kern="1200">
+                <a:solidFill>
+                  <a:schemeClr val="tx1">
+                    <a:lumMod val="75000"/>
+                    <a:lumOff val="25000"/>
+                  </a:schemeClr>
+                </a:solidFill>
+                <a:latin typeface="+mn-lt"/>
+                <a:ea typeface="+mn-ea"/>
+                <a:cs typeface="+mn-cs"/>
+              </a:defRPr>
+            </a:lvl8pPr>
+            <a:lvl9pPr marL="1700000" indent="-228600" algn="l" defTabSz="914400" rtl="0" eaLnBrk="1" latinLnBrk="0" hangingPunct="1">
+              <a:lnSpc>
+                <a:spcPct val="90000"/>
+              </a:lnSpc>
+              <a:spcBef>
+                <a:spcPts val="200"/>
+              </a:spcBef>
+              <a:spcAft>
+                <a:spcPts val="400"/>
+              </a:spcAft>
+              <a:buClr>
+                <a:schemeClr val="accent1"/>
+              </a:buClr>
+              <a:buFont typeface="Calibri" pitchFamily="34" charset="0"/>
+              <a:buChar char="◦"/>
+              <a:defRPr sz="1400" kern="1200">
+                <a:solidFill>
+                  <a:schemeClr val="tx1">
+                    <a:lumMod val="75000"/>
+                    <a:lumOff val="25000"/>
+                  </a:schemeClr>
+                </a:solidFill>
+                <a:latin typeface="+mn-lt"/>
+                <a:ea typeface="+mn-ea"/>
+                <a:cs typeface="+mn-cs"/>
+              </a:defRPr>
+            </a:lvl9pPr>
+          </a:lstStyle>
+          <a:p>
+            <a:pPr marL="0" indent="0">
+              <a:buNone/>
+            </a:pPr>
+            <a:r>
+              <a:rPr lang="en-US" sz="2200" dirty="0" err="1"/>
+              <a:t>Date,Temperature</a:t>
+            </a:r>
+            <a:endParaRPr lang="en-US" sz="2200" dirty="0"/>
+          </a:p>
+          <a:p>
+            <a:pPr marL="0" indent="0">
+              <a:buNone/>
+            </a:pPr>
+            <a:r>
+              <a:rPr lang="en-US" sz="2200" dirty="0"/>
+              <a:t>2023-01-01,15</a:t>
+            </a:r>
+          </a:p>
+          <a:p>
+            <a:pPr marL="0" indent="0">
+              <a:buNone/>
+            </a:pPr>
+            <a:r>
+              <a:rPr lang="en-US" sz="2200" dirty="0"/>
+              <a:t>2023-01-02,18</a:t>
+            </a:r>
+          </a:p>
+          <a:p>
+            <a:pPr marL="0" indent="0">
+              <a:buNone/>
+            </a:pPr>
+            <a:r>
+              <a:rPr lang="en-US" sz="2200" dirty="0"/>
+              <a:t>2023-01-03,20</a:t>
+            </a:r>
+          </a:p>
+          <a:p>
+            <a:pPr marL="0" indent="0">
+              <a:buNone/>
+            </a:pPr>
+            <a:r>
+              <a:rPr lang="en-US" sz="2200" dirty="0"/>
+              <a:t>2023-01-04,17</a:t>
+            </a:r>
+          </a:p>
+          <a:p>
+            <a:pPr marL="0" indent="0">
+              <a:buNone/>
+            </a:pPr>
+            <a:r>
+              <a:rPr lang="en-US" sz="2200" dirty="0"/>
+              <a:t>2023-01-05,16</a:t>
+            </a:r>
+          </a:p>
+          <a:p>
+            <a:pPr marL="0" indent="0">
+              <a:buNone/>
+            </a:pPr>
+            <a:r>
+              <a:rPr lang="en-US" sz="2200" dirty="0"/>
+              <a:t>2023-01-06,19</a:t>
+            </a:r>
+          </a:p>
+          <a:p>
+            <a:pPr marL="0" indent="0">
+              <a:buNone/>
+            </a:pPr>
+            <a:r>
+              <a:rPr lang="en-US" sz="2200" dirty="0"/>
+              <a:t>2023-01-07,21</a:t>
+            </a:r>
+          </a:p>
+          <a:p>
+            <a:pPr marL="0" indent="0">
+              <a:buNone/>
+            </a:pPr>
+            <a:r>
+              <a:rPr lang="en-US" sz="2200" dirty="0"/>
+              <a:t>2023-01-08,16</a:t>
+            </a:r>
+          </a:p>
+          <a:p>
+            <a:pPr marL="0" indent="0">
+              <a:buNone/>
+            </a:pPr>
+            <a:r>
+              <a:rPr lang="en-US" sz="2200" dirty="0"/>
+              <a:t>2023-01-09,17</a:t>
+            </a:r>
+          </a:p>
+          <a:p>
+            <a:pPr marL="0" indent="0">
+              <a:buNone/>
+            </a:pPr>
+            <a:r>
+              <a:rPr lang="en-US" sz="2200" dirty="0"/>
+              <a:t>2023-01-10,18</a:t>
+            </a:r>
+          </a:p>
+        </p:txBody>
+      </p:sp>
+    </p:spTree>
+    <p:extLst>
+      <p:ext uri="{BB962C8B-B14F-4D97-AF65-F5344CB8AC3E}">
+        <p14:creationId xmlns:p14="http://schemas.microsoft.com/office/powerpoint/2010/main" val="2115735890"/>
+      </p:ext>
+    </p:extLst>
+  </p:cSld>
+  <p:clrMapOvr>
+    <a:masterClrMapping/>
+  </p:clrMapOvr>
+</p:sld>
+</file>
+
+<file path=ppt/slides/slide19.xml><?xml version="1.0" encoding="utf-8"?>
+<p:sld xmlns:a="http://schemas.openxmlformats.org/drawingml/2006/main" xmlns:r="http://schemas.openxmlformats.org/officeDocument/2006/relationships" xmlns:p="http://schemas.openxmlformats.org/presentationml/2006/main">
+  <p:cSld>
+    <p:spTree>
+      <p:nvGrpSpPr>
+        <p:cNvPr id="1" name="">
+          <a:extLst>
+            <a:ext uri="{FF2B5EF4-FFF2-40B4-BE49-F238E27FC236}">
+              <a16:creationId xmlns:a16="http://schemas.microsoft.com/office/drawing/2014/main" id="{972C70B8-B6BF-79B3-F3EF-9B4257C1CC20}"/>
+            </a:ext>
+          </a:extLst>
+        </p:cNvPr>
+        <p:cNvGrpSpPr/>
+        <p:nvPr/>
+      </p:nvGrpSpPr>
+      <p:grpSpPr>
+        <a:xfrm>
+          <a:off x="0" y="0"/>
+          <a:ext cx="0" cy="0"/>
+          <a:chOff x="0" y="0"/>
+          <a:chExt cx="0" cy="0"/>
+        </a:xfrm>
+      </p:grpSpPr>
+      <p:sp>
+        <p:nvSpPr>
+          <p:cNvPr id="2" name="Title 1">
+            <a:extLst>
+              <a:ext uri="{FF2B5EF4-FFF2-40B4-BE49-F238E27FC236}">
+                <a16:creationId xmlns:a16="http://schemas.microsoft.com/office/drawing/2014/main" id="{09385324-F21D-BDEE-7A9F-CB6E8DDCD03B}"/>
+              </a:ext>
+            </a:extLst>
+          </p:cNvPr>
+          <p:cNvSpPr>
+            <a:spLocks noGrp="1"/>
+          </p:cNvSpPr>
+          <p:nvPr>
+            <p:ph type="title"/>
+          </p:nvPr>
+        </p:nvSpPr>
+        <p:spPr/>
+        <p:txBody>
+          <a:bodyPr>
+            <a:normAutofit/>
+          </a:bodyPr>
+          <a:lstStyle/>
+          <a:p>
+            <a:r>
+              <a:rPr lang="en-US" sz="3200" dirty="0">
+                <a:cs typeface="Arial" panose="020B0604020202020204" pitchFamily="34" charset="0"/>
+              </a:rPr>
+              <a:t>4. </a:t>
+            </a:r>
+            <a:r>
+              <a:rPr lang="en-US" sz="4000" dirty="0">
+                <a:cs typeface="Arial" panose="020B0604020202020204" pitchFamily="34" charset="0"/>
+              </a:rPr>
+              <a:t>Mastering Time Series Visualization with Line Charts in Google </a:t>
+            </a:r>
+            <a:r>
+              <a:rPr lang="en-US" sz="4000" dirty="0" err="1">
+                <a:cs typeface="Arial" panose="020B0604020202020204" pitchFamily="34" charset="0"/>
+              </a:rPr>
+              <a:t>Colab</a:t>
+            </a:r>
+            <a:r>
+              <a:rPr lang="en-US" sz="3200" dirty="0">
+                <a:cs typeface="Arial" panose="020B0604020202020204" pitchFamily="34" charset="0"/>
+              </a:rPr>
+              <a:t> </a:t>
+            </a:r>
+            <a:endParaRPr lang="en-PH" sz="4000" dirty="0"/>
+          </a:p>
+        </p:txBody>
+      </p:sp>
+      <p:sp>
+        <p:nvSpPr>
+          <p:cNvPr id="3" name="Content Placeholder 2">
+            <a:extLst>
+              <a:ext uri="{FF2B5EF4-FFF2-40B4-BE49-F238E27FC236}">
+                <a16:creationId xmlns:a16="http://schemas.microsoft.com/office/drawing/2014/main" id="{0259EA7C-42CD-ABFB-FDC9-D2CA15BE9DD6}"/>
+              </a:ext>
+            </a:extLst>
+          </p:cNvPr>
+          <p:cNvSpPr>
+            <a:spLocks noGrp="1"/>
+          </p:cNvSpPr>
+          <p:nvPr>
+            <p:ph idx="1"/>
+          </p:nvPr>
+        </p:nvSpPr>
+        <p:spPr>
+          <a:xfrm>
+            <a:off x="1219200" y="2017336"/>
+            <a:ext cx="4003249" cy="4317476"/>
+          </a:xfrm>
+          <a:ln>
+            <a:solidFill>
+              <a:schemeClr val="tx1"/>
+            </a:solidFill>
+          </a:ln>
+        </p:spPr>
+        <p:txBody>
+          <a:bodyPr>
+            <a:normAutofit lnSpcReduction="10000"/>
+          </a:bodyPr>
+          <a:lstStyle/>
+          <a:p>
+            <a:r>
+              <a:rPr lang="en-PH" b="1" dirty="0"/>
+              <a:t>Saving the CSV File</a:t>
+            </a:r>
+            <a:endParaRPr lang="en-PH" dirty="0"/>
+          </a:p>
+          <a:p>
+            <a:pPr>
+              <a:buFont typeface="Arial" panose="020B0604020202020204" pitchFamily="34" charset="0"/>
+              <a:buChar char="•"/>
+            </a:pPr>
+            <a:r>
+              <a:rPr lang="en-PH" dirty="0"/>
+              <a:t>Save as </a:t>
+            </a:r>
+            <a:r>
+              <a:rPr lang="en-PH" b="1" dirty="0"/>
+              <a:t>temperature_data.csv</a:t>
+            </a:r>
+            <a:endParaRPr lang="en-PH" dirty="0"/>
+          </a:p>
+          <a:p>
+            <a:pPr>
+              <a:buFont typeface="Arial" panose="020B0604020202020204" pitchFamily="34" charset="0"/>
+              <a:buChar char="•"/>
+            </a:pPr>
+            <a:r>
+              <a:rPr lang="en-PH" dirty="0"/>
+              <a:t>Ensure extension is </a:t>
+            </a:r>
+            <a:r>
+              <a:rPr lang="en-PH" b="1" dirty="0"/>
+              <a:t>.csv</a:t>
+            </a:r>
+            <a:r>
+              <a:rPr lang="en-PH" dirty="0"/>
+              <a:t> (not .txt)</a:t>
+            </a:r>
+          </a:p>
+          <a:p>
+            <a:r>
+              <a:rPr lang="en-PH" b="1" dirty="0"/>
+              <a:t>Uploading to Google </a:t>
+            </a:r>
+            <a:r>
+              <a:rPr lang="en-PH" b="1" dirty="0" err="1"/>
+              <a:t>Colab</a:t>
+            </a:r>
+            <a:endParaRPr lang="en-PH" dirty="0"/>
+          </a:p>
+          <a:p>
+            <a:pPr>
+              <a:buFont typeface="Arial" panose="020B0604020202020204" pitchFamily="34" charset="0"/>
+              <a:buChar char="•"/>
+            </a:pPr>
+            <a:r>
+              <a:rPr lang="en-PH" dirty="0"/>
+              <a:t>Click </a:t>
+            </a:r>
+            <a:r>
+              <a:rPr lang="en-PH" b="1" dirty="0"/>
+              <a:t>folder icon</a:t>
+            </a:r>
+            <a:r>
+              <a:rPr lang="en-PH" dirty="0"/>
+              <a:t> → </a:t>
+            </a:r>
+            <a:r>
+              <a:rPr lang="en-PH" b="1" dirty="0"/>
+              <a:t>Upload (up arrow)</a:t>
+            </a:r>
+            <a:endParaRPr lang="en-PH" dirty="0"/>
+          </a:p>
+          <a:p>
+            <a:pPr>
+              <a:buFont typeface="Arial" panose="020B0604020202020204" pitchFamily="34" charset="0"/>
+              <a:buChar char="•"/>
+            </a:pPr>
+            <a:r>
+              <a:rPr lang="en-PH" dirty="0"/>
+              <a:t>Select </a:t>
+            </a:r>
+            <a:r>
+              <a:rPr lang="en-PH" b="1" dirty="0"/>
+              <a:t>temperature_data.csv</a:t>
+            </a:r>
+            <a:r>
+              <a:rPr lang="en-PH" dirty="0"/>
+              <a:t> to upload</a:t>
+            </a:r>
+          </a:p>
+          <a:p>
+            <a:r>
+              <a:rPr lang="en-US" b="1" dirty="0"/>
+              <a:t>Using Pandas</a:t>
+            </a:r>
+            <a:endParaRPr lang="en-US" dirty="0"/>
+          </a:p>
+          <a:p>
+            <a:r>
+              <a:rPr lang="en-US" dirty="0"/>
+              <a:t>data = </a:t>
+            </a:r>
+            <a:r>
+              <a:rPr lang="en-US" dirty="0" err="1"/>
+              <a:t>pd.read_csv</a:t>
+            </a:r>
+            <a:r>
+              <a:rPr lang="en-US" dirty="0"/>
+              <a:t>("temperature_data.csv")</a:t>
+            </a:r>
+          </a:p>
+          <a:p>
+            <a:endParaRPr lang="en-PH" dirty="0"/>
+          </a:p>
+        </p:txBody>
+      </p:sp>
+      <p:sp>
+        <p:nvSpPr>
+          <p:cNvPr id="7" name="TextBox 6">
+            <a:extLst>
+              <a:ext uri="{FF2B5EF4-FFF2-40B4-BE49-F238E27FC236}">
+                <a16:creationId xmlns:a16="http://schemas.microsoft.com/office/drawing/2014/main" id="{D5C86481-F65B-4ADC-94D5-9F3B4D7940E1}"/>
+              </a:ext>
+            </a:extLst>
+          </p:cNvPr>
+          <p:cNvSpPr txBox="1"/>
+          <p:nvPr/>
+        </p:nvSpPr>
+        <p:spPr>
+          <a:xfrm>
+            <a:off x="6008017" y="1908281"/>
+            <a:ext cx="4798875" cy="461665"/>
+          </a:xfrm>
+          <a:prstGeom prst="rect">
+            <a:avLst/>
+          </a:prstGeom>
+          <a:noFill/>
+        </p:spPr>
+        <p:txBody>
+          <a:bodyPr wrap="square" rtlCol="0">
+            <a:spAutoFit/>
+          </a:bodyPr>
+          <a:lstStyle/>
+          <a:p>
+            <a:r>
+              <a:rPr lang="en-PH" sz="2400" b="1" dirty="0">
+                <a:latin typeface="Arial" panose="020B0604020202020204" pitchFamily="34" charset="0"/>
+                <a:cs typeface="Arial" panose="020B0604020202020204" pitchFamily="34" charset="0"/>
+              </a:rPr>
+              <a:t>Plotting the Data</a:t>
+            </a:r>
+          </a:p>
+        </p:txBody>
+      </p:sp>
+      <p:sp>
+        <p:nvSpPr>
+          <p:cNvPr id="8" name="Content Placeholder 2">
+            <a:extLst>
+              <a:ext uri="{FF2B5EF4-FFF2-40B4-BE49-F238E27FC236}">
+                <a16:creationId xmlns:a16="http://schemas.microsoft.com/office/drawing/2014/main" id="{512AC908-0ADB-1F42-D859-8EBB6051BB19}"/>
+              </a:ext>
+            </a:extLst>
+          </p:cNvPr>
+          <p:cNvSpPr txBox="1">
+            <a:spLocks/>
+          </p:cNvSpPr>
+          <p:nvPr/>
+        </p:nvSpPr>
+        <p:spPr>
+          <a:xfrm>
+            <a:off x="6008018" y="2369946"/>
+            <a:ext cx="5373906" cy="3964866"/>
+          </a:xfrm>
+          <a:prstGeom prst="rect">
+            <a:avLst/>
+          </a:prstGeom>
+          <a:ln>
+            <a:solidFill>
+              <a:schemeClr val="tx1"/>
+            </a:solidFill>
+          </a:ln>
+        </p:spPr>
+        <p:txBody>
+          <a:bodyPr vert="horz" lIns="0" tIns="45720" rIns="0" bIns="45720" rtlCol="0">
+            <a:normAutofit/>
+          </a:bodyPr>
+          <a:lstStyle>
+            <a:lvl1pPr marL="91440" indent="-91440" algn="l" defTabSz="914400" rtl="0" eaLnBrk="1" latinLnBrk="0" hangingPunct="1">
+              <a:lnSpc>
+                <a:spcPct val="110000"/>
+              </a:lnSpc>
+              <a:spcBef>
+                <a:spcPts val="1200"/>
+              </a:spcBef>
+              <a:spcAft>
+                <a:spcPts val="200"/>
+              </a:spcAft>
+              <a:buClr>
+                <a:schemeClr val="accent1"/>
+              </a:buClr>
+              <a:buSzPct val="100000"/>
+              <a:buFont typeface="Calibri" panose="020F0502020204030204" pitchFamily="34" charset="0"/>
+              <a:buChar char=" "/>
+              <a:defRPr sz="1900" kern="1200">
+                <a:solidFill>
+                  <a:schemeClr val="tx1">
+                    <a:lumMod val="75000"/>
+                    <a:lumOff val="25000"/>
+                  </a:schemeClr>
+                </a:solidFill>
+                <a:latin typeface="+mn-lt"/>
+                <a:ea typeface="+mn-ea"/>
+                <a:cs typeface="+mn-cs"/>
+              </a:defRPr>
+            </a:lvl1pPr>
+            <a:lvl2pPr marL="384048" indent="-182880" algn="l" defTabSz="914400" rtl="0" eaLnBrk="1" latinLnBrk="0" hangingPunct="1">
+              <a:lnSpc>
+                <a:spcPct val="100000"/>
+              </a:lnSpc>
+              <a:spcBef>
+                <a:spcPts val="200"/>
+              </a:spcBef>
+              <a:spcAft>
+                <a:spcPts val="400"/>
+              </a:spcAft>
+              <a:buClrTx/>
+              <a:buFont typeface="Calibri" pitchFamily="34" charset="0"/>
+              <a:buChar char="◦"/>
+              <a:defRPr sz="1700" kern="1200">
+                <a:solidFill>
+                  <a:schemeClr val="tx1">
+                    <a:lumMod val="75000"/>
+                    <a:lumOff val="25000"/>
+                  </a:schemeClr>
+                </a:solidFill>
+                <a:latin typeface="+mn-lt"/>
+                <a:ea typeface="+mn-ea"/>
+                <a:cs typeface="+mn-cs"/>
+              </a:defRPr>
+            </a:lvl2pPr>
+            <a:lvl3pPr marL="566928" indent="-182880" algn="l" defTabSz="914400" rtl="0" eaLnBrk="1" latinLnBrk="0" hangingPunct="1">
+              <a:lnSpc>
+                <a:spcPct val="100000"/>
+              </a:lnSpc>
+              <a:spcBef>
+                <a:spcPts val="200"/>
+              </a:spcBef>
+              <a:spcAft>
+                <a:spcPts val="400"/>
+              </a:spcAft>
+              <a:buClrTx/>
+              <a:buFont typeface="Calibri" pitchFamily="34" charset="0"/>
+              <a:buChar char="◦"/>
+              <a:defRPr sz="1300" kern="1200">
+                <a:solidFill>
+                  <a:schemeClr val="tx1">
+                    <a:lumMod val="75000"/>
+                    <a:lumOff val="25000"/>
+                  </a:schemeClr>
+                </a:solidFill>
+                <a:latin typeface="+mn-lt"/>
+                <a:ea typeface="+mn-ea"/>
+                <a:cs typeface="+mn-cs"/>
+              </a:defRPr>
+            </a:lvl3pPr>
+            <a:lvl4pPr marL="749808" indent="-182880" algn="l" defTabSz="914400" rtl="0" eaLnBrk="1" latinLnBrk="0" hangingPunct="1">
+              <a:lnSpc>
+                <a:spcPct val="100000"/>
+              </a:lnSpc>
+              <a:spcBef>
+                <a:spcPts val="200"/>
+              </a:spcBef>
+              <a:spcAft>
+                <a:spcPts val="400"/>
+              </a:spcAft>
+              <a:buClrTx/>
+              <a:buFont typeface="Calibri" pitchFamily="34" charset="0"/>
+              <a:buChar char="◦"/>
+              <a:defRPr sz="1300" kern="1200">
+                <a:solidFill>
+                  <a:schemeClr val="tx1">
+                    <a:lumMod val="75000"/>
+                    <a:lumOff val="25000"/>
+                  </a:schemeClr>
+                </a:solidFill>
+                <a:latin typeface="+mn-lt"/>
+                <a:ea typeface="+mn-ea"/>
+                <a:cs typeface="+mn-cs"/>
+              </a:defRPr>
+            </a:lvl4pPr>
+            <a:lvl5pPr marL="932688" indent="-182880" algn="l" defTabSz="914400" rtl="0" eaLnBrk="1" latinLnBrk="0" hangingPunct="1">
+              <a:lnSpc>
+                <a:spcPct val="100000"/>
+              </a:lnSpc>
+              <a:spcBef>
+                <a:spcPts val="200"/>
+              </a:spcBef>
+              <a:spcAft>
+                <a:spcPts val="400"/>
+              </a:spcAft>
+              <a:buClrTx/>
+              <a:buFont typeface="Calibri" pitchFamily="34" charset="0"/>
+              <a:buChar char="◦"/>
+              <a:defRPr sz="1300" kern="1200">
+                <a:solidFill>
+                  <a:schemeClr val="tx1">
+                    <a:lumMod val="75000"/>
+                    <a:lumOff val="25000"/>
+                  </a:schemeClr>
+                </a:solidFill>
+                <a:latin typeface="+mn-lt"/>
+                <a:ea typeface="+mn-ea"/>
+                <a:cs typeface="+mn-cs"/>
+              </a:defRPr>
+            </a:lvl5pPr>
+            <a:lvl6pPr marL="1100000" indent="-228600" algn="l" defTabSz="914400" rtl="0" eaLnBrk="1" latinLnBrk="0" hangingPunct="1">
+              <a:lnSpc>
+                <a:spcPct val="90000"/>
+              </a:lnSpc>
+              <a:spcBef>
+                <a:spcPts val="200"/>
+              </a:spcBef>
+              <a:spcAft>
+                <a:spcPts val="400"/>
+              </a:spcAft>
+              <a:buClr>
+                <a:schemeClr val="accent1"/>
+              </a:buClr>
+              <a:buFont typeface="Calibri" pitchFamily="34" charset="0"/>
+              <a:buChar char="◦"/>
+              <a:defRPr sz="1400" kern="1200">
+                <a:solidFill>
+                  <a:schemeClr val="tx1">
+                    <a:lumMod val="75000"/>
+                    <a:lumOff val="25000"/>
+                  </a:schemeClr>
+                </a:solidFill>
+                <a:latin typeface="+mn-lt"/>
+                <a:ea typeface="+mn-ea"/>
+                <a:cs typeface="+mn-cs"/>
+              </a:defRPr>
+            </a:lvl6pPr>
+            <a:lvl7pPr marL="1300000" indent="-228600" algn="l" defTabSz="914400" rtl="0" eaLnBrk="1" latinLnBrk="0" hangingPunct="1">
+              <a:lnSpc>
+                <a:spcPct val="90000"/>
+              </a:lnSpc>
+              <a:spcBef>
+                <a:spcPts val="200"/>
+              </a:spcBef>
+              <a:spcAft>
+                <a:spcPts val="400"/>
+              </a:spcAft>
+              <a:buClr>
+                <a:schemeClr val="accent1"/>
+              </a:buClr>
+              <a:buFont typeface="Calibri" pitchFamily="34" charset="0"/>
+              <a:buChar char="◦"/>
+              <a:defRPr sz="1400" kern="1200">
+                <a:solidFill>
+                  <a:schemeClr val="tx1">
+                    <a:lumMod val="75000"/>
+                    <a:lumOff val="25000"/>
+                  </a:schemeClr>
+                </a:solidFill>
+                <a:latin typeface="+mn-lt"/>
+                <a:ea typeface="+mn-ea"/>
+                <a:cs typeface="+mn-cs"/>
+              </a:defRPr>
+            </a:lvl7pPr>
+            <a:lvl8pPr marL="1500000" indent="-228600" algn="l" defTabSz="914400" rtl="0" eaLnBrk="1" latinLnBrk="0" hangingPunct="1">
+              <a:lnSpc>
+                <a:spcPct val="90000"/>
+              </a:lnSpc>
+              <a:spcBef>
+                <a:spcPts val="200"/>
+              </a:spcBef>
+              <a:spcAft>
+                <a:spcPts val="400"/>
+              </a:spcAft>
+              <a:buClr>
+                <a:schemeClr val="accent1"/>
+              </a:buClr>
+              <a:buFont typeface="Calibri" pitchFamily="34" charset="0"/>
+              <a:buChar char="◦"/>
+              <a:defRPr sz="1400" kern="1200">
+                <a:solidFill>
+                  <a:schemeClr val="tx1">
+                    <a:lumMod val="75000"/>
+                    <a:lumOff val="25000"/>
+                  </a:schemeClr>
+                </a:solidFill>
+                <a:latin typeface="+mn-lt"/>
+                <a:ea typeface="+mn-ea"/>
+                <a:cs typeface="+mn-cs"/>
+              </a:defRPr>
+            </a:lvl8pPr>
+            <a:lvl9pPr marL="1700000" indent="-228600" algn="l" defTabSz="914400" rtl="0" eaLnBrk="1" latinLnBrk="0" hangingPunct="1">
+              <a:lnSpc>
+                <a:spcPct val="90000"/>
+              </a:lnSpc>
+              <a:spcBef>
+                <a:spcPts val="200"/>
+              </a:spcBef>
+              <a:spcAft>
+                <a:spcPts val="400"/>
+              </a:spcAft>
+              <a:buClr>
+                <a:schemeClr val="accent1"/>
+              </a:buClr>
+              <a:buFont typeface="Calibri" pitchFamily="34" charset="0"/>
+              <a:buChar char="◦"/>
+              <a:defRPr sz="1400" kern="1200">
+                <a:solidFill>
+                  <a:schemeClr val="tx1">
+                    <a:lumMod val="75000"/>
+                    <a:lumOff val="25000"/>
+                  </a:schemeClr>
+                </a:solidFill>
+                <a:latin typeface="+mn-lt"/>
+                <a:ea typeface="+mn-ea"/>
+                <a:cs typeface="+mn-cs"/>
+              </a:defRPr>
+            </a:lvl9pPr>
+          </a:lstStyle>
+          <a:p>
+            <a:pPr>
+              <a:buFont typeface="Wingdings" panose="05000000000000000000" pitchFamily="2" charset="2"/>
+              <a:buChar char="v"/>
+            </a:pPr>
+            <a:r>
+              <a:rPr lang="en-US" sz="2200" dirty="0"/>
+              <a:t> </a:t>
+            </a:r>
+            <a:r>
+              <a:rPr lang="en-US" sz="2400" dirty="0"/>
+              <a:t>Use </a:t>
+            </a:r>
+            <a:r>
+              <a:rPr lang="en-US" b="1" dirty="0" err="1"/>
+              <a:t>plt.plot</a:t>
+            </a:r>
+            <a:r>
+              <a:rPr lang="en-US" b="1" dirty="0"/>
+              <a:t>()</a:t>
+            </a:r>
+            <a:r>
+              <a:rPr lang="en-US" sz="2400" dirty="0"/>
+              <a:t> to create a line chart</a:t>
+            </a:r>
+          </a:p>
+          <a:p>
+            <a:pPr>
+              <a:buFont typeface="Wingdings" panose="05000000000000000000" pitchFamily="2" charset="2"/>
+              <a:buChar char="v"/>
+            </a:pPr>
+            <a:r>
+              <a:rPr lang="en-US" sz="2400" dirty="0"/>
+              <a:t> </a:t>
+            </a:r>
+            <a:r>
+              <a:rPr lang="en-PH" sz="2400" dirty="0"/>
+              <a:t>Customize with:</a:t>
+            </a:r>
+          </a:p>
+          <a:p>
+            <a:pPr lvl="1">
+              <a:buFont typeface="Wingdings" panose="05000000000000000000" pitchFamily="2" charset="2"/>
+              <a:buChar char="v"/>
+            </a:pPr>
+            <a:r>
+              <a:rPr lang="en-PH" sz="2000" dirty="0"/>
+              <a:t> </a:t>
+            </a:r>
+            <a:r>
+              <a:rPr lang="en-US" sz="2000" b="1" dirty="0"/>
+              <a:t>Title</a:t>
+            </a:r>
+            <a:r>
+              <a:rPr lang="en-US" sz="2000" dirty="0"/>
+              <a:t> → “Daily Temperature Over a Month”</a:t>
+            </a:r>
+          </a:p>
+          <a:p>
+            <a:pPr lvl="1">
+              <a:buFont typeface="Wingdings" panose="05000000000000000000" pitchFamily="2" charset="2"/>
+              <a:buChar char="v"/>
+            </a:pPr>
+            <a:r>
+              <a:rPr lang="en-US" sz="2000" dirty="0"/>
+              <a:t> </a:t>
+            </a:r>
+            <a:r>
+              <a:rPr lang="en-US" sz="2000" b="1" dirty="0"/>
+              <a:t>X-axis</a:t>
+            </a:r>
+            <a:r>
+              <a:rPr lang="en-US" sz="2000" dirty="0"/>
+              <a:t> → Date (rotated 45° for clarity)</a:t>
+            </a:r>
+          </a:p>
+          <a:p>
+            <a:pPr lvl="1">
+              <a:buFont typeface="Wingdings" panose="05000000000000000000" pitchFamily="2" charset="2"/>
+              <a:buChar char="v"/>
+            </a:pPr>
+            <a:r>
+              <a:rPr lang="en-US" sz="2000" dirty="0"/>
+              <a:t> </a:t>
+            </a:r>
+            <a:r>
+              <a:rPr lang="en-PH" sz="2000" b="1" dirty="0"/>
+              <a:t>Y-axis</a:t>
+            </a:r>
+            <a:r>
+              <a:rPr lang="en-PH" sz="2000" dirty="0"/>
+              <a:t> → Temperature</a:t>
+            </a:r>
+          </a:p>
+          <a:p>
+            <a:pPr lvl="1">
+              <a:buFont typeface="Wingdings" panose="05000000000000000000" pitchFamily="2" charset="2"/>
+              <a:buChar char="v"/>
+            </a:pPr>
+            <a:r>
+              <a:rPr lang="en-PH" sz="2000" dirty="0"/>
+              <a:t> </a:t>
+            </a:r>
+            <a:r>
+              <a:rPr lang="en-US" b="1" dirty="0" err="1"/>
+              <a:t>plt.tight_layout</a:t>
+            </a:r>
+            <a:r>
+              <a:rPr lang="en-US" b="1" dirty="0"/>
+              <a:t>()</a:t>
+            </a:r>
+            <a:r>
+              <a:rPr lang="en-US" sz="2000" dirty="0"/>
+              <a:t> → ensures labels fit properly</a:t>
+            </a:r>
+          </a:p>
+          <a:p>
+            <a:pPr marL="182563" lvl="1" indent="-182563">
+              <a:buFont typeface="Wingdings" panose="05000000000000000000" pitchFamily="2" charset="2"/>
+              <a:buChar char="v"/>
+            </a:pPr>
+            <a:r>
+              <a:rPr lang="en-US" sz="2000" b="1" dirty="0"/>
+              <a:t> Output:</a:t>
+            </a:r>
+            <a:r>
+              <a:rPr lang="en-US" sz="2000" dirty="0"/>
+              <a:t> Line chart showing daily temperature trends</a:t>
+            </a:r>
+            <a:endParaRPr lang="en-US" sz="1600" dirty="0"/>
+          </a:p>
+          <a:p>
+            <a:pPr marL="182563" lvl="1" indent="-182563">
+              <a:buFont typeface="Wingdings" panose="05000000000000000000" pitchFamily="2" charset="2"/>
+              <a:buChar char="v"/>
+            </a:pPr>
+            <a:r>
+              <a:rPr lang="en-US" sz="1600" dirty="0"/>
+              <a:t> </a:t>
+            </a:r>
+            <a:r>
+              <a:rPr lang="en-US" sz="2000" dirty="0"/>
+              <a:t>Helps identify </a:t>
+            </a:r>
+            <a:r>
+              <a:rPr lang="en-US" sz="2000" b="1" dirty="0"/>
+              <a:t>patterns</a:t>
+            </a:r>
+            <a:r>
+              <a:rPr lang="en-US" sz="2000" dirty="0"/>
+              <a:t> and </a:t>
+            </a:r>
+            <a:r>
+              <a:rPr lang="en-US" sz="2000" b="1" dirty="0"/>
+              <a:t>anomalies</a:t>
+            </a:r>
+            <a:r>
+              <a:rPr lang="en-US" sz="2000" dirty="0"/>
+              <a:t> for deeper analysis/forecasting</a:t>
+            </a:r>
+          </a:p>
+        </p:txBody>
+      </p:sp>
+    </p:spTree>
+    <p:extLst>
+      <p:ext uri="{BB962C8B-B14F-4D97-AF65-F5344CB8AC3E}">
+        <p14:creationId xmlns:p14="http://schemas.microsoft.com/office/powerpoint/2010/main" val="3112566616"/>
+      </p:ext>
+    </p:extLst>
+  </p:cSld>
+  <p:clrMapOvr>
+    <a:masterClrMapping/>
+  </p:clrMapOvr>
+</p:sld>
+</file>
+
 <file path=ppt/slides/slide2.xml><?xml version="1.0" encoding="utf-8"?>
 <p:sld xmlns:a="http://schemas.openxmlformats.org/drawingml/2006/main" xmlns:r="http://schemas.openxmlformats.org/officeDocument/2006/relationships" xmlns:p="http://schemas.openxmlformats.org/presentationml/2006/main">
   <p:cSld>
@@ -4337,6 +10515,954 @@
     <p:extLst>
       <p:ext uri="{BB962C8B-B14F-4D97-AF65-F5344CB8AC3E}">
         <p14:creationId xmlns:p14="http://schemas.microsoft.com/office/powerpoint/2010/main" val="3326616574"/>
+      </p:ext>
+    </p:extLst>
+  </p:cSld>
+  <p:clrMapOvr>
+    <a:masterClrMapping/>
+  </p:clrMapOvr>
+</p:sld>
+</file>
+
+<file path=ppt/slides/slide20.xml><?xml version="1.0" encoding="utf-8"?>
+<p:sld xmlns:a="http://schemas.openxmlformats.org/drawingml/2006/main" xmlns:r="http://schemas.openxmlformats.org/officeDocument/2006/relationships" xmlns:p="http://schemas.openxmlformats.org/presentationml/2006/main">
+  <p:cSld>
+    <p:spTree>
+      <p:nvGrpSpPr>
+        <p:cNvPr id="1" name="">
+          <a:extLst>
+            <a:ext uri="{FF2B5EF4-FFF2-40B4-BE49-F238E27FC236}">
+              <a16:creationId xmlns:a16="http://schemas.microsoft.com/office/drawing/2014/main" id="{122271F5-13BD-5B08-3FCE-D8DD8100A705}"/>
+            </a:ext>
+          </a:extLst>
+        </p:cNvPr>
+        <p:cNvGrpSpPr/>
+        <p:nvPr/>
+      </p:nvGrpSpPr>
+      <p:grpSpPr>
+        <a:xfrm>
+          <a:off x="0" y="0"/>
+          <a:ext cx="0" cy="0"/>
+          <a:chOff x="0" y="0"/>
+          <a:chExt cx="0" cy="0"/>
+        </a:xfrm>
+      </p:grpSpPr>
+      <p:sp>
+        <p:nvSpPr>
+          <p:cNvPr id="2" name="Title 1">
+            <a:extLst>
+              <a:ext uri="{FF2B5EF4-FFF2-40B4-BE49-F238E27FC236}">
+                <a16:creationId xmlns:a16="http://schemas.microsoft.com/office/drawing/2014/main" id="{26B1AE22-CEB6-9D6E-3CFD-CF8C393EDD98}"/>
+              </a:ext>
+            </a:extLst>
+          </p:cNvPr>
+          <p:cNvSpPr>
+            <a:spLocks noGrp="1"/>
+          </p:cNvSpPr>
+          <p:nvPr>
+            <p:ph type="title"/>
+          </p:nvPr>
+        </p:nvSpPr>
+        <p:spPr/>
+        <p:txBody>
+          <a:bodyPr>
+            <a:normAutofit/>
+          </a:bodyPr>
+          <a:lstStyle/>
+          <a:p>
+            <a:r>
+              <a:rPr lang="en-US" sz="3200" dirty="0">
+                <a:cs typeface="Arial" panose="020B0604020202020204" pitchFamily="34" charset="0"/>
+              </a:rPr>
+              <a:t>4. </a:t>
+            </a:r>
+            <a:r>
+              <a:rPr lang="en-US" sz="4000" dirty="0">
+                <a:cs typeface="Arial" panose="020B0604020202020204" pitchFamily="34" charset="0"/>
+              </a:rPr>
+              <a:t>Mastering Time Series Visualization with Line Charts in Google </a:t>
+            </a:r>
+            <a:r>
+              <a:rPr lang="en-US" sz="4000" dirty="0" err="1">
+                <a:cs typeface="Arial" panose="020B0604020202020204" pitchFamily="34" charset="0"/>
+              </a:rPr>
+              <a:t>Colab</a:t>
+            </a:r>
+            <a:r>
+              <a:rPr lang="en-US" sz="3200" dirty="0">
+                <a:cs typeface="Arial" panose="020B0604020202020204" pitchFamily="34" charset="0"/>
+              </a:rPr>
+              <a:t> </a:t>
+            </a:r>
+            <a:endParaRPr lang="en-PH" sz="4000" dirty="0"/>
+          </a:p>
+        </p:txBody>
+      </p:sp>
+      <p:sp>
+        <p:nvSpPr>
+          <p:cNvPr id="3" name="Content Placeholder 2">
+            <a:extLst>
+              <a:ext uri="{FF2B5EF4-FFF2-40B4-BE49-F238E27FC236}">
+                <a16:creationId xmlns:a16="http://schemas.microsoft.com/office/drawing/2014/main" id="{8C72A18B-199B-FB27-67FB-8116C522D951}"/>
+              </a:ext>
+            </a:extLst>
+          </p:cNvPr>
+          <p:cNvSpPr>
+            <a:spLocks noGrp="1"/>
+          </p:cNvSpPr>
+          <p:nvPr>
+            <p:ph idx="1"/>
+          </p:nvPr>
+        </p:nvSpPr>
+        <p:spPr>
+          <a:xfrm>
+            <a:off x="1219200" y="2017336"/>
+            <a:ext cx="4876800" cy="4317476"/>
+          </a:xfrm>
+          <a:ln>
+            <a:solidFill>
+              <a:schemeClr val="tx1"/>
+            </a:solidFill>
+          </a:ln>
+        </p:spPr>
+        <p:txBody>
+          <a:bodyPr>
+            <a:normAutofit/>
+          </a:bodyPr>
+          <a:lstStyle/>
+          <a:p>
+            <a:r>
+              <a:rPr lang="en-PH" b="1" dirty="0" err="1"/>
+              <a:t>plt.plot</a:t>
+            </a:r>
+            <a:r>
+              <a:rPr lang="en-PH" b="1" dirty="0"/>
+              <a:t>(</a:t>
+            </a:r>
+            <a:r>
+              <a:rPr lang="en-PH" b="1" dirty="0" err="1"/>
+              <a:t>df</a:t>
+            </a:r>
+            <a:r>
+              <a:rPr lang="en-PH" b="1" dirty="0"/>
+              <a:t>['Date'], </a:t>
+            </a:r>
+            <a:r>
+              <a:rPr lang="en-PH" b="1" dirty="0" err="1"/>
+              <a:t>df</a:t>
+            </a:r>
+            <a:r>
+              <a:rPr lang="en-PH" b="1" dirty="0"/>
+              <a:t>['Temperature'])</a:t>
+            </a:r>
+          </a:p>
+          <a:p>
+            <a:r>
+              <a:rPr lang="en-PH" b="1" dirty="0" err="1"/>
+              <a:t>plt.title</a:t>
+            </a:r>
+            <a:r>
+              <a:rPr lang="en-PH" b="1" dirty="0"/>
+              <a:t>('Daily Temperature Over a Month')</a:t>
+            </a:r>
+          </a:p>
+          <a:p>
+            <a:r>
+              <a:rPr lang="en-PH" b="1" dirty="0" err="1"/>
+              <a:t>plt.xlabel</a:t>
+            </a:r>
+            <a:r>
+              <a:rPr lang="en-PH" b="1" dirty="0"/>
+              <a:t>('Date')</a:t>
+            </a:r>
+          </a:p>
+          <a:p>
+            <a:r>
+              <a:rPr lang="en-PH" b="1" dirty="0" err="1"/>
+              <a:t>plt.ylabel</a:t>
+            </a:r>
+            <a:r>
+              <a:rPr lang="en-PH" b="1" dirty="0"/>
+              <a:t>('Temperature')</a:t>
+            </a:r>
+          </a:p>
+          <a:p>
+            <a:r>
+              <a:rPr lang="en-PH" b="1" dirty="0" err="1"/>
+              <a:t>plt.xticks</a:t>
+            </a:r>
+            <a:r>
+              <a:rPr lang="en-PH" b="1" dirty="0"/>
+              <a:t>(rotation=45) # Rotates the x-axis labels by 45 degrees</a:t>
+            </a:r>
+          </a:p>
+          <a:p>
+            <a:r>
+              <a:rPr lang="en-PH" b="1" dirty="0" err="1"/>
+              <a:t>plt.tight_layout</a:t>
+            </a:r>
+            <a:r>
+              <a:rPr lang="en-PH" b="1" dirty="0"/>
+              <a:t>() # Adjusts the layout so everything fits in the figure</a:t>
+            </a:r>
+          </a:p>
+          <a:p>
+            <a:r>
+              <a:rPr lang="en-PH" b="1" dirty="0" err="1"/>
+              <a:t>plt.show</a:t>
+            </a:r>
+            <a:r>
+              <a:rPr lang="en-PH" b="1" dirty="0"/>
+              <a:t>()</a:t>
+            </a:r>
+            <a:endParaRPr lang="en-PH" dirty="0"/>
+          </a:p>
+        </p:txBody>
+      </p:sp>
+      <p:pic>
+        <p:nvPicPr>
+          <p:cNvPr id="5" name="Picture 4">
+            <a:extLst>
+              <a:ext uri="{FF2B5EF4-FFF2-40B4-BE49-F238E27FC236}">
+                <a16:creationId xmlns:a16="http://schemas.microsoft.com/office/drawing/2014/main" id="{709A85BC-F42C-DE9A-3CF0-9F81273FEBB7}"/>
+              </a:ext>
+            </a:extLst>
+          </p:cNvPr>
+          <p:cNvPicPr>
+            <a:picLocks noChangeAspect="1"/>
+          </p:cNvPicPr>
+          <p:nvPr/>
+        </p:nvPicPr>
+        <p:blipFill>
+          <a:blip r:embed="rId2"/>
+          <a:stretch>
+            <a:fillRect/>
+          </a:stretch>
+        </p:blipFill>
+        <p:spPr>
+          <a:xfrm>
+            <a:off x="6096001" y="2017335"/>
+            <a:ext cx="5059680" cy="4317475"/>
+          </a:xfrm>
+          <a:prstGeom prst="rect">
+            <a:avLst/>
+          </a:prstGeom>
+        </p:spPr>
+      </p:pic>
+    </p:spTree>
+    <p:extLst>
+      <p:ext uri="{BB962C8B-B14F-4D97-AF65-F5344CB8AC3E}">
+        <p14:creationId xmlns:p14="http://schemas.microsoft.com/office/powerpoint/2010/main" val="4053710902"/>
+      </p:ext>
+    </p:extLst>
+  </p:cSld>
+  <p:clrMapOvr>
+    <a:masterClrMapping/>
+  </p:clrMapOvr>
+</p:sld>
+</file>
+
+<file path=ppt/slides/slide21.xml><?xml version="1.0" encoding="utf-8"?>
+<p:sld xmlns:a="http://schemas.openxmlformats.org/drawingml/2006/main" xmlns:r="http://schemas.openxmlformats.org/officeDocument/2006/relationships" xmlns:p="http://schemas.openxmlformats.org/presentationml/2006/main">
+  <p:cSld>
+    <p:spTree>
+      <p:nvGrpSpPr>
+        <p:cNvPr id="1" name="">
+          <a:extLst>
+            <a:ext uri="{FF2B5EF4-FFF2-40B4-BE49-F238E27FC236}">
+              <a16:creationId xmlns:a16="http://schemas.microsoft.com/office/drawing/2014/main" id="{183D6E19-D6AA-4DA2-BB35-63AFACEB5138}"/>
+            </a:ext>
+          </a:extLst>
+        </p:cNvPr>
+        <p:cNvGrpSpPr/>
+        <p:nvPr/>
+      </p:nvGrpSpPr>
+      <p:grpSpPr>
+        <a:xfrm>
+          <a:off x="0" y="0"/>
+          <a:ext cx="0" cy="0"/>
+          <a:chOff x="0" y="0"/>
+          <a:chExt cx="0" cy="0"/>
+        </a:xfrm>
+      </p:grpSpPr>
+      <p:sp>
+        <p:nvSpPr>
+          <p:cNvPr id="2" name="Title 1">
+            <a:extLst>
+              <a:ext uri="{FF2B5EF4-FFF2-40B4-BE49-F238E27FC236}">
+                <a16:creationId xmlns:a16="http://schemas.microsoft.com/office/drawing/2014/main" id="{28F8A5CF-65EA-59D9-371F-834CBAFF43D9}"/>
+              </a:ext>
+            </a:extLst>
+          </p:cNvPr>
+          <p:cNvSpPr>
+            <a:spLocks noGrp="1"/>
+          </p:cNvSpPr>
+          <p:nvPr>
+            <p:ph type="title"/>
+          </p:nvPr>
+        </p:nvSpPr>
+        <p:spPr>
+          <a:xfrm>
+            <a:off x="1097280" y="319024"/>
+            <a:ext cx="10058400" cy="1450757"/>
+          </a:xfrm>
+        </p:spPr>
+        <p:txBody>
+          <a:bodyPr>
+            <a:noAutofit/>
+          </a:bodyPr>
+          <a:lstStyle/>
+          <a:p>
+            <a:r>
+              <a:rPr lang="en-US" sz="2800" dirty="0">
+                <a:cs typeface="Arial" panose="020B0604020202020204" pitchFamily="34" charset="0"/>
+              </a:rPr>
+              <a:t>5. </a:t>
+            </a:r>
+            <a:r>
+              <a:rPr lang="en-US" sz="4400" dirty="0">
+                <a:cs typeface="Arial" panose="020B0604020202020204" pitchFamily="34" charset="0"/>
+              </a:rPr>
+              <a:t>Using Scatter Plots in Google </a:t>
+            </a:r>
+            <a:r>
+              <a:rPr lang="en-US" sz="4400" dirty="0" err="1">
+                <a:cs typeface="Arial" panose="020B0604020202020204" pitchFamily="34" charset="0"/>
+              </a:rPr>
+              <a:t>Colab</a:t>
+            </a:r>
+            <a:endParaRPr lang="en-PH" sz="2800" dirty="0">
+              <a:cs typeface="Arial" panose="020B0604020202020204" pitchFamily="34" charset="0"/>
+            </a:endParaRPr>
+          </a:p>
+        </p:txBody>
+      </p:sp>
+      <p:sp>
+        <p:nvSpPr>
+          <p:cNvPr id="3" name="Content Placeholder 2">
+            <a:extLst>
+              <a:ext uri="{FF2B5EF4-FFF2-40B4-BE49-F238E27FC236}">
+                <a16:creationId xmlns:a16="http://schemas.microsoft.com/office/drawing/2014/main" id="{A3AA9421-B85F-1EB1-478E-FAF568629CA5}"/>
+              </a:ext>
+            </a:extLst>
+          </p:cNvPr>
+          <p:cNvSpPr>
+            <a:spLocks noGrp="1"/>
+          </p:cNvSpPr>
+          <p:nvPr>
+            <p:ph idx="1"/>
+          </p:nvPr>
+        </p:nvSpPr>
+        <p:spPr>
+          <a:xfrm>
+            <a:off x="1219200" y="2462279"/>
+            <a:ext cx="4615991" cy="3900813"/>
+          </a:xfrm>
+          <a:ln>
+            <a:solidFill>
+              <a:schemeClr val="tx1"/>
+            </a:solidFill>
+          </a:ln>
+        </p:spPr>
+        <p:txBody>
+          <a:bodyPr>
+            <a:normAutofit fontScale="92500" lnSpcReduction="20000"/>
+          </a:bodyPr>
+          <a:lstStyle/>
+          <a:p>
+            <a:pPr>
+              <a:buFont typeface="Wingdings" panose="05000000000000000000" pitchFamily="2" charset="2"/>
+              <a:buChar char="v"/>
+            </a:pPr>
+            <a:r>
+              <a:rPr lang="en-US" sz="2400" dirty="0"/>
+              <a:t> Display relationship between </a:t>
+            </a:r>
+            <a:r>
+              <a:rPr lang="en-US" sz="2400" b="1" dirty="0"/>
+              <a:t>two variables</a:t>
+            </a:r>
+            <a:r>
+              <a:rPr lang="en-US" sz="2400" dirty="0"/>
+              <a:t> using Cartesian coordinates</a:t>
+            </a:r>
+          </a:p>
+          <a:p>
+            <a:pPr>
+              <a:buFont typeface="Wingdings" panose="05000000000000000000" pitchFamily="2" charset="2"/>
+              <a:buChar char="v"/>
+            </a:pPr>
+            <a:r>
+              <a:rPr lang="en-US" sz="2400" b="1" dirty="0"/>
+              <a:t> X-axis</a:t>
+            </a:r>
+            <a:r>
+              <a:rPr lang="en-US" sz="2400" dirty="0"/>
+              <a:t> = one variable, </a:t>
+            </a:r>
+            <a:r>
+              <a:rPr lang="en-US" sz="2400" b="1" dirty="0"/>
+              <a:t>Y-axis</a:t>
+            </a:r>
+            <a:r>
+              <a:rPr lang="en-US" sz="2400" dirty="0"/>
+              <a:t> = another</a:t>
+            </a:r>
+          </a:p>
+          <a:p>
+            <a:pPr>
+              <a:buFont typeface="Wingdings" panose="05000000000000000000" pitchFamily="2" charset="2"/>
+              <a:buChar char="v"/>
+            </a:pPr>
+            <a:r>
+              <a:rPr lang="en-US" sz="2400" b="1" dirty="0"/>
+              <a:t> </a:t>
+            </a:r>
+            <a:r>
+              <a:rPr lang="en-PH" sz="2400" dirty="0"/>
+              <a:t>Each point = data observation</a:t>
+            </a:r>
+          </a:p>
+          <a:p>
+            <a:pPr>
+              <a:buFont typeface="Wingdings" panose="05000000000000000000" pitchFamily="2" charset="2"/>
+              <a:buChar char="v"/>
+            </a:pPr>
+            <a:r>
+              <a:rPr lang="en-PH" sz="2400" dirty="0"/>
+              <a:t>Example:</a:t>
+            </a:r>
+          </a:p>
+          <a:p>
+            <a:pPr lvl="1">
+              <a:buFont typeface="Wingdings" panose="05000000000000000000" pitchFamily="2" charset="2"/>
+              <a:buChar char="v"/>
+            </a:pPr>
+            <a:r>
+              <a:rPr lang="en-PH" sz="2200" b="1" dirty="0"/>
+              <a:t> </a:t>
+            </a:r>
+            <a:r>
+              <a:rPr lang="en-US" sz="2400" dirty="0"/>
+              <a:t>City planner analyzing </a:t>
+            </a:r>
+            <a:r>
+              <a:rPr lang="en-US" sz="2400" b="1" dirty="0"/>
+              <a:t>population density vs. number of parks</a:t>
+            </a:r>
+          </a:p>
+          <a:p>
+            <a:pPr lvl="1">
+              <a:buFont typeface="Wingdings" panose="05000000000000000000" pitchFamily="2" charset="2"/>
+              <a:buChar char="v"/>
+            </a:pPr>
+            <a:r>
+              <a:rPr lang="en-US" sz="2400" b="1" dirty="0"/>
+              <a:t> </a:t>
+            </a:r>
+            <a:r>
+              <a:rPr lang="en-PH" sz="2400" dirty="0"/>
+              <a:t>Scatter plot reveals possible </a:t>
+            </a:r>
+            <a:r>
+              <a:rPr lang="en-PH" sz="2400" b="1" dirty="0"/>
+              <a:t>positive correlation</a:t>
+            </a:r>
+            <a:endParaRPr lang="en-PH" sz="2200" b="1" dirty="0"/>
+          </a:p>
+        </p:txBody>
+      </p:sp>
+      <p:sp>
+        <p:nvSpPr>
+          <p:cNvPr id="4" name="TextBox 3">
+            <a:extLst>
+              <a:ext uri="{FF2B5EF4-FFF2-40B4-BE49-F238E27FC236}">
+                <a16:creationId xmlns:a16="http://schemas.microsoft.com/office/drawing/2014/main" id="{A96F3508-4E5E-85FC-1937-E69A8649AA5B}"/>
+              </a:ext>
+            </a:extLst>
+          </p:cNvPr>
+          <p:cNvSpPr txBox="1"/>
+          <p:nvPr/>
+        </p:nvSpPr>
+        <p:spPr>
+          <a:xfrm>
+            <a:off x="1219200" y="2000614"/>
+            <a:ext cx="4615991" cy="400110"/>
+          </a:xfrm>
+          <a:prstGeom prst="rect">
+            <a:avLst/>
+          </a:prstGeom>
+          <a:noFill/>
+        </p:spPr>
+        <p:txBody>
+          <a:bodyPr wrap="square" rtlCol="0">
+            <a:spAutoFit/>
+          </a:bodyPr>
+          <a:lstStyle/>
+          <a:p>
+            <a:r>
+              <a:rPr lang="en-PH" sz="2000" b="1" dirty="0">
+                <a:latin typeface="Arial" panose="020B0604020202020204" pitchFamily="34" charset="0"/>
+                <a:cs typeface="Arial" panose="020B0604020202020204" pitchFamily="34" charset="0"/>
+              </a:rPr>
+              <a:t>Understanding Scatter Plots</a:t>
+            </a:r>
+          </a:p>
+        </p:txBody>
+      </p:sp>
+      <p:sp>
+        <p:nvSpPr>
+          <p:cNvPr id="7" name="TextBox 6">
+            <a:extLst>
+              <a:ext uri="{FF2B5EF4-FFF2-40B4-BE49-F238E27FC236}">
+                <a16:creationId xmlns:a16="http://schemas.microsoft.com/office/drawing/2014/main" id="{FE4FAFBF-7CEB-A8B4-43C5-36D4888E3C29}"/>
+              </a:ext>
+            </a:extLst>
+          </p:cNvPr>
+          <p:cNvSpPr txBox="1"/>
+          <p:nvPr/>
+        </p:nvSpPr>
+        <p:spPr>
+          <a:xfrm>
+            <a:off x="6356805" y="2000614"/>
+            <a:ext cx="4798875" cy="461665"/>
+          </a:xfrm>
+          <a:prstGeom prst="rect">
+            <a:avLst/>
+          </a:prstGeom>
+          <a:noFill/>
+        </p:spPr>
+        <p:txBody>
+          <a:bodyPr wrap="square" rtlCol="0">
+            <a:spAutoFit/>
+          </a:bodyPr>
+          <a:lstStyle/>
+          <a:p>
+            <a:r>
+              <a:rPr lang="en-PH" sz="2400" b="1" dirty="0">
+                <a:latin typeface="Arial" panose="020B0604020202020204" pitchFamily="34" charset="0"/>
+                <a:cs typeface="Arial" panose="020B0604020202020204" pitchFamily="34" charset="0"/>
+              </a:rPr>
+              <a:t>Why Scatter Plots Matter</a:t>
+            </a:r>
+          </a:p>
+        </p:txBody>
+      </p:sp>
+      <p:sp>
+        <p:nvSpPr>
+          <p:cNvPr id="8" name="Content Placeholder 2">
+            <a:extLst>
+              <a:ext uri="{FF2B5EF4-FFF2-40B4-BE49-F238E27FC236}">
+                <a16:creationId xmlns:a16="http://schemas.microsoft.com/office/drawing/2014/main" id="{AD5B30E4-BAB8-1B80-B870-E3E83B6B1AA7}"/>
+              </a:ext>
+            </a:extLst>
+          </p:cNvPr>
+          <p:cNvSpPr txBox="1">
+            <a:spLocks/>
+          </p:cNvSpPr>
+          <p:nvPr/>
+        </p:nvSpPr>
+        <p:spPr>
+          <a:xfrm>
+            <a:off x="6356805" y="2462279"/>
+            <a:ext cx="5049627" cy="3900813"/>
+          </a:xfrm>
+          <a:prstGeom prst="rect">
+            <a:avLst/>
+          </a:prstGeom>
+          <a:ln>
+            <a:solidFill>
+              <a:schemeClr val="tx1"/>
+            </a:solidFill>
+          </a:ln>
+        </p:spPr>
+        <p:txBody>
+          <a:bodyPr vert="horz" lIns="0" tIns="45720" rIns="0" bIns="45720" rtlCol="0">
+            <a:normAutofit fontScale="92500"/>
+          </a:bodyPr>
+          <a:lstStyle>
+            <a:lvl1pPr marL="91440" indent="-91440" algn="l" defTabSz="914400" rtl="0" eaLnBrk="1" latinLnBrk="0" hangingPunct="1">
+              <a:lnSpc>
+                <a:spcPct val="110000"/>
+              </a:lnSpc>
+              <a:spcBef>
+                <a:spcPts val="1200"/>
+              </a:spcBef>
+              <a:spcAft>
+                <a:spcPts val="200"/>
+              </a:spcAft>
+              <a:buClr>
+                <a:schemeClr val="accent1"/>
+              </a:buClr>
+              <a:buSzPct val="100000"/>
+              <a:buFont typeface="Calibri" panose="020F0502020204030204" pitchFamily="34" charset="0"/>
+              <a:buChar char=" "/>
+              <a:defRPr sz="1900" kern="1200">
+                <a:solidFill>
+                  <a:schemeClr val="tx1">
+                    <a:lumMod val="75000"/>
+                    <a:lumOff val="25000"/>
+                  </a:schemeClr>
+                </a:solidFill>
+                <a:latin typeface="+mn-lt"/>
+                <a:ea typeface="+mn-ea"/>
+                <a:cs typeface="+mn-cs"/>
+              </a:defRPr>
+            </a:lvl1pPr>
+            <a:lvl2pPr marL="384048" indent="-182880" algn="l" defTabSz="914400" rtl="0" eaLnBrk="1" latinLnBrk="0" hangingPunct="1">
+              <a:lnSpc>
+                <a:spcPct val="100000"/>
+              </a:lnSpc>
+              <a:spcBef>
+                <a:spcPts val="200"/>
+              </a:spcBef>
+              <a:spcAft>
+                <a:spcPts val="400"/>
+              </a:spcAft>
+              <a:buClrTx/>
+              <a:buFont typeface="Calibri" pitchFamily="34" charset="0"/>
+              <a:buChar char="◦"/>
+              <a:defRPr sz="1700" kern="1200">
+                <a:solidFill>
+                  <a:schemeClr val="tx1">
+                    <a:lumMod val="75000"/>
+                    <a:lumOff val="25000"/>
+                  </a:schemeClr>
+                </a:solidFill>
+                <a:latin typeface="+mn-lt"/>
+                <a:ea typeface="+mn-ea"/>
+                <a:cs typeface="+mn-cs"/>
+              </a:defRPr>
+            </a:lvl2pPr>
+            <a:lvl3pPr marL="566928" indent="-182880" algn="l" defTabSz="914400" rtl="0" eaLnBrk="1" latinLnBrk="0" hangingPunct="1">
+              <a:lnSpc>
+                <a:spcPct val="100000"/>
+              </a:lnSpc>
+              <a:spcBef>
+                <a:spcPts val="200"/>
+              </a:spcBef>
+              <a:spcAft>
+                <a:spcPts val="400"/>
+              </a:spcAft>
+              <a:buClrTx/>
+              <a:buFont typeface="Calibri" pitchFamily="34" charset="0"/>
+              <a:buChar char="◦"/>
+              <a:defRPr sz="1300" kern="1200">
+                <a:solidFill>
+                  <a:schemeClr val="tx1">
+                    <a:lumMod val="75000"/>
+                    <a:lumOff val="25000"/>
+                  </a:schemeClr>
+                </a:solidFill>
+                <a:latin typeface="+mn-lt"/>
+                <a:ea typeface="+mn-ea"/>
+                <a:cs typeface="+mn-cs"/>
+              </a:defRPr>
+            </a:lvl3pPr>
+            <a:lvl4pPr marL="749808" indent="-182880" algn="l" defTabSz="914400" rtl="0" eaLnBrk="1" latinLnBrk="0" hangingPunct="1">
+              <a:lnSpc>
+                <a:spcPct val="100000"/>
+              </a:lnSpc>
+              <a:spcBef>
+                <a:spcPts val="200"/>
+              </a:spcBef>
+              <a:spcAft>
+                <a:spcPts val="400"/>
+              </a:spcAft>
+              <a:buClrTx/>
+              <a:buFont typeface="Calibri" pitchFamily="34" charset="0"/>
+              <a:buChar char="◦"/>
+              <a:defRPr sz="1300" kern="1200">
+                <a:solidFill>
+                  <a:schemeClr val="tx1">
+                    <a:lumMod val="75000"/>
+                    <a:lumOff val="25000"/>
+                  </a:schemeClr>
+                </a:solidFill>
+                <a:latin typeface="+mn-lt"/>
+                <a:ea typeface="+mn-ea"/>
+                <a:cs typeface="+mn-cs"/>
+              </a:defRPr>
+            </a:lvl4pPr>
+            <a:lvl5pPr marL="932688" indent="-182880" algn="l" defTabSz="914400" rtl="0" eaLnBrk="1" latinLnBrk="0" hangingPunct="1">
+              <a:lnSpc>
+                <a:spcPct val="100000"/>
+              </a:lnSpc>
+              <a:spcBef>
+                <a:spcPts val="200"/>
+              </a:spcBef>
+              <a:spcAft>
+                <a:spcPts val="400"/>
+              </a:spcAft>
+              <a:buClrTx/>
+              <a:buFont typeface="Calibri" pitchFamily="34" charset="0"/>
+              <a:buChar char="◦"/>
+              <a:defRPr sz="1300" kern="1200">
+                <a:solidFill>
+                  <a:schemeClr val="tx1">
+                    <a:lumMod val="75000"/>
+                    <a:lumOff val="25000"/>
+                  </a:schemeClr>
+                </a:solidFill>
+                <a:latin typeface="+mn-lt"/>
+                <a:ea typeface="+mn-ea"/>
+                <a:cs typeface="+mn-cs"/>
+              </a:defRPr>
+            </a:lvl5pPr>
+            <a:lvl6pPr marL="1100000" indent="-228600" algn="l" defTabSz="914400" rtl="0" eaLnBrk="1" latinLnBrk="0" hangingPunct="1">
+              <a:lnSpc>
+                <a:spcPct val="90000"/>
+              </a:lnSpc>
+              <a:spcBef>
+                <a:spcPts val="200"/>
+              </a:spcBef>
+              <a:spcAft>
+                <a:spcPts val="400"/>
+              </a:spcAft>
+              <a:buClr>
+                <a:schemeClr val="accent1"/>
+              </a:buClr>
+              <a:buFont typeface="Calibri" pitchFamily="34" charset="0"/>
+              <a:buChar char="◦"/>
+              <a:defRPr sz="1400" kern="1200">
+                <a:solidFill>
+                  <a:schemeClr val="tx1">
+                    <a:lumMod val="75000"/>
+                    <a:lumOff val="25000"/>
+                  </a:schemeClr>
+                </a:solidFill>
+                <a:latin typeface="+mn-lt"/>
+                <a:ea typeface="+mn-ea"/>
+                <a:cs typeface="+mn-cs"/>
+              </a:defRPr>
+            </a:lvl6pPr>
+            <a:lvl7pPr marL="1300000" indent="-228600" algn="l" defTabSz="914400" rtl="0" eaLnBrk="1" latinLnBrk="0" hangingPunct="1">
+              <a:lnSpc>
+                <a:spcPct val="90000"/>
+              </a:lnSpc>
+              <a:spcBef>
+                <a:spcPts val="200"/>
+              </a:spcBef>
+              <a:spcAft>
+                <a:spcPts val="400"/>
+              </a:spcAft>
+              <a:buClr>
+                <a:schemeClr val="accent1"/>
+              </a:buClr>
+              <a:buFont typeface="Calibri" pitchFamily="34" charset="0"/>
+              <a:buChar char="◦"/>
+              <a:defRPr sz="1400" kern="1200">
+                <a:solidFill>
+                  <a:schemeClr val="tx1">
+                    <a:lumMod val="75000"/>
+                    <a:lumOff val="25000"/>
+                  </a:schemeClr>
+                </a:solidFill>
+                <a:latin typeface="+mn-lt"/>
+                <a:ea typeface="+mn-ea"/>
+                <a:cs typeface="+mn-cs"/>
+              </a:defRPr>
+            </a:lvl7pPr>
+            <a:lvl8pPr marL="1500000" indent="-228600" algn="l" defTabSz="914400" rtl="0" eaLnBrk="1" latinLnBrk="0" hangingPunct="1">
+              <a:lnSpc>
+                <a:spcPct val="90000"/>
+              </a:lnSpc>
+              <a:spcBef>
+                <a:spcPts val="200"/>
+              </a:spcBef>
+              <a:spcAft>
+                <a:spcPts val="400"/>
+              </a:spcAft>
+              <a:buClr>
+                <a:schemeClr val="accent1"/>
+              </a:buClr>
+              <a:buFont typeface="Calibri" pitchFamily="34" charset="0"/>
+              <a:buChar char="◦"/>
+              <a:defRPr sz="1400" kern="1200">
+                <a:solidFill>
+                  <a:schemeClr val="tx1">
+                    <a:lumMod val="75000"/>
+                    <a:lumOff val="25000"/>
+                  </a:schemeClr>
+                </a:solidFill>
+                <a:latin typeface="+mn-lt"/>
+                <a:ea typeface="+mn-ea"/>
+                <a:cs typeface="+mn-cs"/>
+              </a:defRPr>
+            </a:lvl8pPr>
+            <a:lvl9pPr marL="1700000" indent="-228600" algn="l" defTabSz="914400" rtl="0" eaLnBrk="1" latinLnBrk="0" hangingPunct="1">
+              <a:lnSpc>
+                <a:spcPct val="90000"/>
+              </a:lnSpc>
+              <a:spcBef>
+                <a:spcPts val="200"/>
+              </a:spcBef>
+              <a:spcAft>
+                <a:spcPts val="400"/>
+              </a:spcAft>
+              <a:buClr>
+                <a:schemeClr val="accent1"/>
+              </a:buClr>
+              <a:buFont typeface="Calibri" pitchFamily="34" charset="0"/>
+              <a:buChar char="◦"/>
+              <a:defRPr sz="1400" kern="1200">
+                <a:solidFill>
+                  <a:schemeClr val="tx1">
+                    <a:lumMod val="75000"/>
+                    <a:lumOff val="25000"/>
+                  </a:schemeClr>
+                </a:solidFill>
+                <a:latin typeface="+mn-lt"/>
+                <a:ea typeface="+mn-ea"/>
+                <a:cs typeface="+mn-cs"/>
+              </a:defRPr>
+            </a:lvl9pPr>
+          </a:lstStyle>
+          <a:p>
+            <a:pPr>
+              <a:buFont typeface="Wingdings" panose="05000000000000000000" pitchFamily="2" charset="2"/>
+              <a:buChar char="v"/>
+            </a:pPr>
+            <a:r>
+              <a:rPr lang="en-US" sz="3600" b="1" dirty="0"/>
+              <a:t> Identify correlations</a:t>
+            </a:r>
+            <a:r>
+              <a:rPr lang="en-US" sz="3600" dirty="0"/>
+              <a:t> (positive, negative, or none)</a:t>
+            </a:r>
+          </a:p>
+          <a:p>
+            <a:pPr>
+              <a:buFont typeface="Wingdings" panose="05000000000000000000" pitchFamily="2" charset="2"/>
+              <a:buChar char="v"/>
+            </a:pPr>
+            <a:r>
+              <a:rPr lang="en-US" sz="3600" dirty="0"/>
+              <a:t> </a:t>
+            </a:r>
+            <a:r>
+              <a:rPr lang="en-US" sz="3600" b="1" dirty="0"/>
+              <a:t>Spot trends</a:t>
+            </a:r>
+            <a:r>
+              <a:rPr lang="en-US" sz="3600" dirty="0"/>
+              <a:t> (increases, decreases, fluctuations)</a:t>
+            </a:r>
+          </a:p>
+          <a:p>
+            <a:pPr>
+              <a:buFont typeface="Wingdings" panose="05000000000000000000" pitchFamily="2" charset="2"/>
+              <a:buChar char="v"/>
+            </a:pPr>
+            <a:r>
+              <a:rPr lang="en-US" sz="3600" dirty="0"/>
+              <a:t> </a:t>
+            </a:r>
+            <a:r>
+              <a:rPr lang="en-US" sz="3600" b="1" dirty="0"/>
+              <a:t>Detect outliers</a:t>
+            </a:r>
+            <a:r>
+              <a:rPr lang="en-US" sz="3600" dirty="0"/>
+              <a:t> or anomalies in data</a:t>
+            </a:r>
+            <a:endParaRPr lang="en-US" sz="3400" dirty="0"/>
+          </a:p>
+        </p:txBody>
+      </p:sp>
+    </p:spTree>
+    <p:extLst>
+      <p:ext uri="{BB962C8B-B14F-4D97-AF65-F5344CB8AC3E}">
+        <p14:creationId xmlns:p14="http://schemas.microsoft.com/office/powerpoint/2010/main" val="3724318418"/>
+      </p:ext>
+    </p:extLst>
+  </p:cSld>
+  <p:clrMapOvr>
+    <a:masterClrMapping/>
+  </p:clrMapOvr>
+</p:sld>
+</file>
+
+<file path=ppt/slides/slide22.xml><?xml version="1.0" encoding="utf-8"?>
+<p:sld xmlns:a="http://schemas.openxmlformats.org/drawingml/2006/main" xmlns:r="http://schemas.openxmlformats.org/officeDocument/2006/relationships" xmlns:p="http://schemas.openxmlformats.org/presentationml/2006/main">
+  <p:cSld>
+    <p:spTree>
+      <p:nvGrpSpPr>
+        <p:cNvPr id="1" name="">
+          <a:extLst>
+            <a:ext uri="{FF2B5EF4-FFF2-40B4-BE49-F238E27FC236}">
+              <a16:creationId xmlns:a16="http://schemas.microsoft.com/office/drawing/2014/main" id="{650EE634-F61C-9959-C65B-252F3E90937E}"/>
+            </a:ext>
+          </a:extLst>
+        </p:cNvPr>
+        <p:cNvGrpSpPr/>
+        <p:nvPr/>
+      </p:nvGrpSpPr>
+      <p:grpSpPr>
+        <a:xfrm>
+          <a:off x="0" y="0"/>
+          <a:ext cx="0" cy="0"/>
+          <a:chOff x="0" y="0"/>
+          <a:chExt cx="0" cy="0"/>
+        </a:xfrm>
+      </p:grpSpPr>
+      <p:sp>
+        <p:nvSpPr>
+          <p:cNvPr id="2" name="Title 1">
+            <a:extLst>
+              <a:ext uri="{FF2B5EF4-FFF2-40B4-BE49-F238E27FC236}">
+                <a16:creationId xmlns:a16="http://schemas.microsoft.com/office/drawing/2014/main" id="{D23A756B-B5B3-5EC4-F73B-33AA62B3CFA3}"/>
+              </a:ext>
+            </a:extLst>
+          </p:cNvPr>
+          <p:cNvSpPr>
+            <a:spLocks noGrp="1"/>
+          </p:cNvSpPr>
+          <p:nvPr>
+            <p:ph type="title"/>
+          </p:nvPr>
+        </p:nvSpPr>
+        <p:spPr>
+          <a:xfrm>
+            <a:off x="1097280" y="319024"/>
+            <a:ext cx="10058400" cy="1450757"/>
+          </a:xfrm>
+        </p:spPr>
+        <p:txBody>
+          <a:bodyPr>
+            <a:noAutofit/>
+          </a:bodyPr>
+          <a:lstStyle/>
+          <a:p>
+            <a:r>
+              <a:rPr lang="en-US" sz="2800" dirty="0">
+                <a:cs typeface="Arial" panose="020B0604020202020204" pitchFamily="34" charset="0"/>
+              </a:rPr>
+              <a:t>5. </a:t>
+            </a:r>
+            <a:r>
+              <a:rPr lang="en-US" sz="4400" dirty="0">
+                <a:cs typeface="Arial" panose="020B0604020202020204" pitchFamily="34" charset="0"/>
+              </a:rPr>
+              <a:t>Using Scatter Plots in Google </a:t>
+            </a:r>
+            <a:r>
+              <a:rPr lang="en-US" sz="4400" dirty="0" err="1">
+                <a:cs typeface="Arial" panose="020B0604020202020204" pitchFamily="34" charset="0"/>
+              </a:rPr>
+              <a:t>Colab</a:t>
+            </a:r>
+            <a:endParaRPr lang="en-PH" sz="2800" dirty="0">
+              <a:cs typeface="Arial" panose="020B0604020202020204" pitchFamily="34" charset="0"/>
+            </a:endParaRPr>
+          </a:p>
+        </p:txBody>
+      </p:sp>
+    </p:spTree>
+    <p:extLst>
+      <p:ext uri="{BB962C8B-B14F-4D97-AF65-F5344CB8AC3E}">
+        <p14:creationId xmlns:p14="http://schemas.microsoft.com/office/powerpoint/2010/main" val="1988062914"/>
       </p:ext>
     </p:extLst>
   </p:cSld>
@@ -7230,6 +14356,1605 @@
     <p:extLst>
       <p:ext uri="{BB962C8B-B14F-4D97-AF65-F5344CB8AC3E}">
         <p14:creationId xmlns:p14="http://schemas.microsoft.com/office/powerpoint/2010/main" val="2124651452"/>
+      </p:ext>
+    </p:extLst>
+  </p:cSld>
+  <p:clrMapOvr>
+    <a:masterClrMapping/>
+  </p:clrMapOvr>
+</p:sld>
+</file>
+
+<file path=ppt/slides/slide8.xml><?xml version="1.0" encoding="utf-8"?>
+<p:sld xmlns:a="http://schemas.openxmlformats.org/drawingml/2006/main" xmlns:r="http://schemas.openxmlformats.org/officeDocument/2006/relationships" xmlns:p="http://schemas.openxmlformats.org/presentationml/2006/main">
+  <p:cSld>
+    <p:spTree>
+      <p:nvGrpSpPr>
+        <p:cNvPr id="1" name="">
+          <a:extLst>
+            <a:ext uri="{FF2B5EF4-FFF2-40B4-BE49-F238E27FC236}">
+              <a16:creationId xmlns:a16="http://schemas.microsoft.com/office/drawing/2014/main" id="{184EAB0A-9530-C785-DF4D-35FBBA42793E}"/>
+            </a:ext>
+          </a:extLst>
+        </p:cNvPr>
+        <p:cNvGrpSpPr/>
+        <p:nvPr/>
+      </p:nvGrpSpPr>
+      <p:grpSpPr>
+        <a:xfrm>
+          <a:off x="0" y="0"/>
+          <a:ext cx="0" cy="0"/>
+          <a:chOff x="0" y="0"/>
+          <a:chExt cx="0" cy="0"/>
+        </a:xfrm>
+      </p:grpSpPr>
+      <p:sp>
+        <p:nvSpPr>
+          <p:cNvPr id="2" name="Title 1">
+            <a:extLst>
+              <a:ext uri="{FF2B5EF4-FFF2-40B4-BE49-F238E27FC236}">
+                <a16:creationId xmlns:a16="http://schemas.microsoft.com/office/drawing/2014/main" id="{FA467567-98DA-F7FD-E9B6-0148A12D1856}"/>
+              </a:ext>
+            </a:extLst>
+          </p:cNvPr>
+          <p:cNvSpPr>
+            <a:spLocks noGrp="1"/>
+          </p:cNvSpPr>
+          <p:nvPr>
+            <p:ph type="title"/>
+          </p:nvPr>
+        </p:nvSpPr>
+        <p:spPr/>
+        <p:txBody>
+          <a:bodyPr/>
+          <a:lstStyle/>
+          <a:p>
+            <a:r>
+              <a:rPr lang="en-US" dirty="0">
+                <a:cs typeface="Arial" panose="020B0604020202020204" pitchFamily="34" charset="0"/>
+              </a:rPr>
+              <a:t>2</a:t>
+            </a:r>
+            <a:r>
+              <a:rPr lang="en-PH" dirty="0">
+                <a:cs typeface="Arial" panose="020B0604020202020204" pitchFamily="34" charset="0"/>
+              </a:rPr>
+              <a:t>. </a:t>
+            </a:r>
+            <a:r>
+              <a:rPr lang="en-US" dirty="0">
+                <a:cs typeface="Arial" panose="020B0604020202020204" pitchFamily="34" charset="0"/>
+              </a:rPr>
+              <a:t>Data Visualization with Google </a:t>
+            </a:r>
+            <a:r>
+              <a:rPr lang="en-US" dirty="0" err="1">
+                <a:cs typeface="Arial" panose="020B0604020202020204" pitchFamily="34" charset="0"/>
+              </a:rPr>
+              <a:t>Colab</a:t>
+            </a:r>
+            <a:r>
+              <a:rPr lang="en-US" dirty="0">
+                <a:cs typeface="Arial" panose="020B0604020202020204" pitchFamily="34" charset="0"/>
+              </a:rPr>
+              <a:t>, Pandas, and Matplotlib</a:t>
+            </a:r>
+            <a:endParaRPr lang="en-PH" dirty="0"/>
+          </a:p>
+        </p:txBody>
+      </p:sp>
+      <p:sp>
+        <p:nvSpPr>
+          <p:cNvPr id="3" name="Content Placeholder 2">
+            <a:extLst>
+              <a:ext uri="{FF2B5EF4-FFF2-40B4-BE49-F238E27FC236}">
+                <a16:creationId xmlns:a16="http://schemas.microsoft.com/office/drawing/2014/main" id="{F7C55684-4869-ED39-0BB9-3FE584B70E3B}"/>
+              </a:ext>
+            </a:extLst>
+          </p:cNvPr>
+          <p:cNvSpPr>
+            <a:spLocks noGrp="1"/>
+          </p:cNvSpPr>
+          <p:nvPr>
+            <p:ph idx="1"/>
+          </p:nvPr>
+        </p:nvSpPr>
+        <p:spPr>
+          <a:xfrm>
+            <a:off x="1219200" y="2318769"/>
+            <a:ext cx="9753600" cy="830998"/>
+          </a:xfrm>
+          <a:ln>
+            <a:solidFill>
+              <a:schemeClr val="tx1"/>
+            </a:solidFill>
+          </a:ln>
+        </p:spPr>
+        <p:txBody>
+          <a:bodyPr>
+            <a:normAutofit/>
+          </a:bodyPr>
+          <a:lstStyle/>
+          <a:p>
+            <a:pPr marL="0" indent="0">
+              <a:buNone/>
+            </a:pPr>
+            <a:r>
+              <a:rPr lang="en-US" dirty="0"/>
+              <a:t>Performing basic data analysis: Pandas allows statistical analysis, e.g., </a:t>
+            </a:r>
+            <a:r>
+              <a:rPr lang="en-US" dirty="0" err="1"/>
+              <a:t>df.describe</a:t>
+            </a:r>
+            <a:r>
+              <a:rPr lang="en-US" dirty="0"/>
+              <a:t>() gives descriptive statistics of a </a:t>
+            </a:r>
+            <a:r>
+              <a:rPr lang="en-US" dirty="0" err="1"/>
+              <a:t>DataFrame</a:t>
+            </a:r>
+            <a:r>
+              <a:rPr lang="en-US" dirty="0"/>
+              <a:t>.</a:t>
+            </a:r>
+            <a:endParaRPr lang="en-PH" dirty="0"/>
+          </a:p>
+        </p:txBody>
+      </p:sp>
+      <p:sp>
+        <p:nvSpPr>
+          <p:cNvPr id="4" name="TextBox 3">
+            <a:extLst>
+              <a:ext uri="{FF2B5EF4-FFF2-40B4-BE49-F238E27FC236}">
+                <a16:creationId xmlns:a16="http://schemas.microsoft.com/office/drawing/2014/main" id="{2A996FF7-46FC-0CC6-60C1-C5D99FFB324A}"/>
+              </a:ext>
+            </a:extLst>
+          </p:cNvPr>
+          <p:cNvSpPr txBox="1"/>
+          <p:nvPr/>
+        </p:nvSpPr>
+        <p:spPr>
+          <a:xfrm>
+            <a:off x="1219200" y="1857103"/>
+            <a:ext cx="6454219" cy="400110"/>
+          </a:xfrm>
+          <a:prstGeom prst="rect">
+            <a:avLst/>
+          </a:prstGeom>
+          <a:noFill/>
+        </p:spPr>
+        <p:txBody>
+          <a:bodyPr wrap="square" rtlCol="0">
+            <a:spAutoFit/>
+          </a:bodyPr>
+          <a:lstStyle/>
+          <a:p>
+            <a:r>
+              <a:rPr lang="en-US" sz="2000" b="1" dirty="0">
+                <a:latin typeface="Arial" panose="020B0604020202020204" pitchFamily="34" charset="0"/>
+                <a:cs typeface="Arial" panose="020B0604020202020204" pitchFamily="34" charset="0"/>
+              </a:rPr>
+              <a:t>Utilizing Pandas in Your Data Science Workflow</a:t>
+            </a:r>
+          </a:p>
+        </p:txBody>
+      </p:sp>
+      <p:sp>
+        <p:nvSpPr>
+          <p:cNvPr id="7" name="TextBox 6">
+            <a:extLst>
+              <a:ext uri="{FF2B5EF4-FFF2-40B4-BE49-F238E27FC236}">
+                <a16:creationId xmlns:a16="http://schemas.microsoft.com/office/drawing/2014/main" id="{17D0F3D9-7328-792D-E00B-D9F669DFB8DD}"/>
+              </a:ext>
+            </a:extLst>
+          </p:cNvPr>
+          <p:cNvSpPr txBox="1"/>
+          <p:nvPr/>
+        </p:nvSpPr>
+        <p:spPr>
+          <a:xfrm>
+            <a:off x="1219198" y="3269511"/>
+            <a:ext cx="4615993" cy="461665"/>
+          </a:xfrm>
+          <a:prstGeom prst="rect">
+            <a:avLst/>
+          </a:prstGeom>
+          <a:noFill/>
+        </p:spPr>
+        <p:txBody>
+          <a:bodyPr wrap="square" rtlCol="0">
+            <a:spAutoFit/>
+          </a:bodyPr>
+          <a:lstStyle/>
+          <a:p>
+            <a:r>
+              <a:rPr lang="en-US" sz="2400" b="1" dirty="0">
+                <a:latin typeface="Arial" panose="020B0604020202020204" pitchFamily="34" charset="0"/>
+                <a:cs typeface="Arial" panose="020B0604020202020204" pitchFamily="34" charset="0"/>
+              </a:rPr>
+              <a:t>Go to this link:</a:t>
+            </a:r>
+            <a:endParaRPr lang="en-PH" sz="2400" b="1" dirty="0">
+              <a:latin typeface="Arial" panose="020B0604020202020204" pitchFamily="34" charset="0"/>
+              <a:cs typeface="Arial" panose="020B0604020202020204" pitchFamily="34" charset="0"/>
+            </a:endParaRPr>
+          </a:p>
+        </p:txBody>
+      </p:sp>
+      <p:sp>
+        <p:nvSpPr>
+          <p:cNvPr id="8" name="Content Placeholder 2">
+            <a:extLst>
+              <a:ext uri="{FF2B5EF4-FFF2-40B4-BE49-F238E27FC236}">
+                <a16:creationId xmlns:a16="http://schemas.microsoft.com/office/drawing/2014/main" id="{47884993-89F0-621A-DB79-3A70EFA6B28B}"/>
+              </a:ext>
+            </a:extLst>
+          </p:cNvPr>
+          <p:cNvSpPr txBox="1">
+            <a:spLocks/>
+          </p:cNvSpPr>
+          <p:nvPr/>
+        </p:nvSpPr>
+        <p:spPr>
+          <a:xfrm>
+            <a:off x="1219198" y="3732999"/>
+            <a:ext cx="9753600" cy="725879"/>
+          </a:xfrm>
+          <a:prstGeom prst="rect">
+            <a:avLst/>
+          </a:prstGeom>
+          <a:ln>
+            <a:solidFill>
+              <a:schemeClr val="tx1"/>
+            </a:solidFill>
+          </a:ln>
+        </p:spPr>
+        <p:txBody>
+          <a:bodyPr vert="horz" lIns="0" tIns="45720" rIns="0" bIns="45720" rtlCol="0">
+            <a:normAutofit/>
+          </a:bodyPr>
+          <a:lstStyle>
+            <a:lvl1pPr marL="91440" indent="-91440" algn="l" defTabSz="914400" rtl="0" eaLnBrk="1" latinLnBrk="0" hangingPunct="1">
+              <a:lnSpc>
+                <a:spcPct val="110000"/>
+              </a:lnSpc>
+              <a:spcBef>
+                <a:spcPts val="1200"/>
+              </a:spcBef>
+              <a:spcAft>
+                <a:spcPts val="200"/>
+              </a:spcAft>
+              <a:buClr>
+                <a:schemeClr val="accent1"/>
+              </a:buClr>
+              <a:buSzPct val="100000"/>
+              <a:buFont typeface="Calibri" panose="020F0502020204030204" pitchFamily="34" charset="0"/>
+              <a:buChar char=" "/>
+              <a:defRPr sz="1900" kern="1200">
+                <a:solidFill>
+                  <a:schemeClr val="tx1">
+                    <a:lumMod val="75000"/>
+                    <a:lumOff val="25000"/>
+                  </a:schemeClr>
+                </a:solidFill>
+                <a:latin typeface="+mn-lt"/>
+                <a:ea typeface="+mn-ea"/>
+                <a:cs typeface="+mn-cs"/>
+              </a:defRPr>
+            </a:lvl1pPr>
+            <a:lvl2pPr marL="384048" indent="-182880" algn="l" defTabSz="914400" rtl="0" eaLnBrk="1" latinLnBrk="0" hangingPunct="1">
+              <a:lnSpc>
+                <a:spcPct val="100000"/>
+              </a:lnSpc>
+              <a:spcBef>
+                <a:spcPts val="200"/>
+              </a:spcBef>
+              <a:spcAft>
+                <a:spcPts val="400"/>
+              </a:spcAft>
+              <a:buClrTx/>
+              <a:buFont typeface="Calibri" pitchFamily="34" charset="0"/>
+              <a:buChar char="◦"/>
+              <a:defRPr sz="1700" kern="1200">
+                <a:solidFill>
+                  <a:schemeClr val="tx1">
+                    <a:lumMod val="75000"/>
+                    <a:lumOff val="25000"/>
+                  </a:schemeClr>
+                </a:solidFill>
+                <a:latin typeface="+mn-lt"/>
+                <a:ea typeface="+mn-ea"/>
+                <a:cs typeface="+mn-cs"/>
+              </a:defRPr>
+            </a:lvl2pPr>
+            <a:lvl3pPr marL="566928" indent="-182880" algn="l" defTabSz="914400" rtl="0" eaLnBrk="1" latinLnBrk="0" hangingPunct="1">
+              <a:lnSpc>
+                <a:spcPct val="100000"/>
+              </a:lnSpc>
+              <a:spcBef>
+                <a:spcPts val="200"/>
+              </a:spcBef>
+              <a:spcAft>
+                <a:spcPts val="400"/>
+              </a:spcAft>
+              <a:buClrTx/>
+              <a:buFont typeface="Calibri" pitchFamily="34" charset="0"/>
+              <a:buChar char="◦"/>
+              <a:defRPr sz="1300" kern="1200">
+                <a:solidFill>
+                  <a:schemeClr val="tx1">
+                    <a:lumMod val="75000"/>
+                    <a:lumOff val="25000"/>
+                  </a:schemeClr>
+                </a:solidFill>
+                <a:latin typeface="+mn-lt"/>
+                <a:ea typeface="+mn-ea"/>
+                <a:cs typeface="+mn-cs"/>
+              </a:defRPr>
+            </a:lvl3pPr>
+            <a:lvl4pPr marL="749808" indent="-182880" algn="l" defTabSz="914400" rtl="0" eaLnBrk="1" latinLnBrk="0" hangingPunct="1">
+              <a:lnSpc>
+                <a:spcPct val="100000"/>
+              </a:lnSpc>
+              <a:spcBef>
+                <a:spcPts val="200"/>
+              </a:spcBef>
+              <a:spcAft>
+                <a:spcPts val="400"/>
+              </a:spcAft>
+              <a:buClrTx/>
+              <a:buFont typeface="Calibri" pitchFamily="34" charset="0"/>
+              <a:buChar char="◦"/>
+              <a:defRPr sz="1300" kern="1200">
+                <a:solidFill>
+                  <a:schemeClr val="tx1">
+                    <a:lumMod val="75000"/>
+                    <a:lumOff val="25000"/>
+                  </a:schemeClr>
+                </a:solidFill>
+                <a:latin typeface="+mn-lt"/>
+                <a:ea typeface="+mn-ea"/>
+                <a:cs typeface="+mn-cs"/>
+              </a:defRPr>
+            </a:lvl4pPr>
+            <a:lvl5pPr marL="932688" indent="-182880" algn="l" defTabSz="914400" rtl="0" eaLnBrk="1" latinLnBrk="0" hangingPunct="1">
+              <a:lnSpc>
+                <a:spcPct val="100000"/>
+              </a:lnSpc>
+              <a:spcBef>
+                <a:spcPts val="200"/>
+              </a:spcBef>
+              <a:spcAft>
+                <a:spcPts val="400"/>
+              </a:spcAft>
+              <a:buClrTx/>
+              <a:buFont typeface="Calibri" pitchFamily="34" charset="0"/>
+              <a:buChar char="◦"/>
+              <a:defRPr sz="1300" kern="1200">
+                <a:solidFill>
+                  <a:schemeClr val="tx1">
+                    <a:lumMod val="75000"/>
+                    <a:lumOff val="25000"/>
+                  </a:schemeClr>
+                </a:solidFill>
+                <a:latin typeface="+mn-lt"/>
+                <a:ea typeface="+mn-ea"/>
+                <a:cs typeface="+mn-cs"/>
+              </a:defRPr>
+            </a:lvl5pPr>
+            <a:lvl6pPr marL="1100000" indent="-228600" algn="l" defTabSz="914400" rtl="0" eaLnBrk="1" latinLnBrk="0" hangingPunct="1">
+              <a:lnSpc>
+                <a:spcPct val="90000"/>
+              </a:lnSpc>
+              <a:spcBef>
+                <a:spcPts val="200"/>
+              </a:spcBef>
+              <a:spcAft>
+                <a:spcPts val="400"/>
+              </a:spcAft>
+              <a:buClr>
+                <a:schemeClr val="accent1"/>
+              </a:buClr>
+              <a:buFont typeface="Calibri" pitchFamily="34" charset="0"/>
+              <a:buChar char="◦"/>
+              <a:defRPr sz="1400" kern="1200">
+                <a:solidFill>
+                  <a:schemeClr val="tx1">
+                    <a:lumMod val="75000"/>
+                    <a:lumOff val="25000"/>
+                  </a:schemeClr>
+                </a:solidFill>
+                <a:latin typeface="+mn-lt"/>
+                <a:ea typeface="+mn-ea"/>
+                <a:cs typeface="+mn-cs"/>
+              </a:defRPr>
+            </a:lvl6pPr>
+            <a:lvl7pPr marL="1300000" indent="-228600" algn="l" defTabSz="914400" rtl="0" eaLnBrk="1" latinLnBrk="0" hangingPunct="1">
+              <a:lnSpc>
+                <a:spcPct val="90000"/>
+              </a:lnSpc>
+              <a:spcBef>
+                <a:spcPts val="200"/>
+              </a:spcBef>
+              <a:spcAft>
+                <a:spcPts val="400"/>
+              </a:spcAft>
+              <a:buClr>
+                <a:schemeClr val="accent1"/>
+              </a:buClr>
+              <a:buFont typeface="Calibri" pitchFamily="34" charset="0"/>
+              <a:buChar char="◦"/>
+              <a:defRPr sz="1400" kern="1200">
+                <a:solidFill>
+                  <a:schemeClr val="tx1">
+                    <a:lumMod val="75000"/>
+                    <a:lumOff val="25000"/>
+                  </a:schemeClr>
+                </a:solidFill>
+                <a:latin typeface="+mn-lt"/>
+                <a:ea typeface="+mn-ea"/>
+                <a:cs typeface="+mn-cs"/>
+              </a:defRPr>
+            </a:lvl7pPr>
+            <a:lvl8pPr marL="1500000" indent="-228600" algn="l" defTabSz="914400" rtl="0" eaLnBrk="1" latinLnBrk="0" hangingPunct="1">
+              <a:lnSpc>
+                <a:spcPct val="90000"/>
+              </a:lnSpc>
+              <a:spcBef>
+                <a:spcPts val="200"/>
+              </a:spcBef>
+              <a:spcAft>
+                <a:spcPts val="400"/>
+              </a:spcAft>
+              <a:buClr>
+                <a:schemeClr val="accent1"/>
+              </a:buClr>
+              <a:buFont typeface="Calibri" pitchFamily="34" charset="0"/>
+              <a:buChar char="◦"/>
+              <a:defRPr sz="1400" kern="1200">
+                <a:solidFill>
+                  <a:schemeClr val="tx1">
+                    <a:lumMod val="75000"/>
+                    <a:lumOff val="25000"/>
+                  </a:schemeClr>
+                </a:solidFill>
+                <a:latin typeface="+mn-lt"/>
+                <a:ea typeface="+mn-ea"/>
+                <a:cs typeface="+mn-cs"/>
+              </a:defRPr>
+            </a:lvl8pPr>
+            <a:lvl9pPr marL="1700000" indent="-228600" algn="l" defTabSz="914400" rtl="0" eaLnBrk="1" latinLnBrk="0" hangingPunct="1">
+              <a:lnSpc>
+                <a:spcPct val="90000"/>
+              </a:lnSpc>
+              <a:spcBef>
+                <a:spcPts val="200"/>
+              </a:spcBef>
+              <a:spcAft>
+                <a:spcPts val="400"/>
+              </a:spcAft>
+              <a:buClr>
+                <a:schemeClr val="accent1"/>
+              </a:buClr>
+              <a:buFont typeface="Calibri" pitchFamily="34" charset="0"/>
+              <a:buChar char="◦"/>
+              <a:defRPr sz="1400" kern="1200">
+                <a:solidFill>
+                  <a:schemeClr val="tx1">
+                    <a:lumMod val="75000"/>
+                    <a:lumOff val="25000"/>
+                  </a:schemeClr>
+                </a:solidFill>
+                <a:latin typeface="+mn-lt"/>
+                <a:ea typeface="+mn-ea"/>
+                <a:cs typeface="+mn-cs"/>
+              </a:defRPr>
+            </a:lvl9pPr>
+          </a:lstStyle>
+          <a:p>
+            <a:pPr marL="0" indent="0">
+              <a:buNone/>
+            </a:pPr>
+            <a:r>
+              <a:rPr lang="en-PH" dirty="0"/>
+              <a:t>https://github.com/MikkoDT/MexEE402_AI/blob/main/Creating_Basic_Plots_with_Matplotlib.ipynb</a:t>
+            </a:r>
+          </a:p>
+        </p:txBody>
+      </p:sp>
+      <p:sp>
+        <p:nvSpPr>
+          <p:cNvPr id="6" name="Content Placeholder 2">
+            <a:extLst>
+              <a:ext uri="{FF2B5EF4-FFF2-40B4-BE49-F238E27FC236}">
+                <a16:creationId xmlns:a16="http://schemas.microsoft.com/office/drawing/2014/main" id="{B803869D-4D15-8FE7-9865-25086FAE97FA}"/>
+              </a:ext>
+            </a:extLst>
+          </p:cNvPr>
+          <p:cNvSpPr txBox="1">
+            <a:spLocks/>
+          </p:cNvSpPr>
+          <p:nvPr/>
+        </p:nvSpPr>
+        <p:spPr>
+          <a:xfrm>
+            <a:off x="1219200" y="4645402"/>
+            <a:ext cx="9753600" cy="1647900"/>
+          </a:xfrm>
+          <a:prstGeom prst="rect">
+            <a:avLst/>
+          </a:prstGeom>
+          <a:ln>
+            <a:solidFill>
+              <a:schemeClr val="tx1"/>
+            </a:solidFill>
+          </a:ln>
+        </p:spPr>
+        <p:txBody>
+          <a:bodyPr vert="horz" lIns="0" tIns="45720" rIns="0" bIns="45720" numCol="2" rtlCol="0">
+            <a:normAutofit fontScale="92500" lnSpcReduction="20000"/>
+          </a:bodyPr>
+          <a:lstStyle>
+            <a:lvl1pPr marL="91440" indent="-91440" algn="l" defTabSz="914400" rtl="0" eaLnBrk="1" latinLnBrk="0" hangingPunct="1">
+              <a:lnSpc>
+                <a:spcPct val="110000"/>
+              </a:lnSpc>
+              <a:spcBef>
+                <a:spcPts val="1200"/>
+              </a:spcBef>
+              <a:spcAft>
+                <a:spcPts val="200"/>
+              </a:spcAft>
+              <a:buClr>
+                <a:schemeClr val="accent1"/>
+              </a:buClr>
+              <a:buSzPct val="100000"/>
+              <a:buFont typeface="Calibri" panose="020F0502020204030204" pitchFamily="34" charset="0"/>
+              <a:buChar char=" "/>
+              <a:defRPr sz="1900" kern="1200">
+                <a:solidFill>
+                  <a:schemeClr val="tx1">
+                    <a:lumMod val="75000"/>
+                    <a:lumOff val="25000"/>
+                  </a:schemeClr>
+                </a:solidFill>
+                <a:latin typeface="+mn-lt"/>
+                <a:ea typeface="+mn-ea"/>
+                <a:cs typeface="+mn-cs"/>
+              </a:defRPr>
+            </a:lvl1pPr>
+            <a:lvl2pPr marL="384048" indent="-182880" algn="l" defTabSz="914400" rtl="0" eaLnBrk="1" latinLnBrk="0" hangingPunct="1">
+              <a:lnSpc>
+                <a:spcPct val="100000"/>
+              </a:lnSpc>
+              <a:spcBef>
+                <a:spcPts val="200"/>
+              </a:spcBef>
+              <a:spcAft>
+                <a:spcPts val="400"/>
+              </a:spcAft>
+              <a:buClrTx/>
+              <a:buFont typeface="Calibri" pitchFamily="34" charset="0"/>
+              <a:buChar char="◦"/>
+              <a:defRPr sz="1700" kern="1200">
+                <a:solidFill>
+                  <a:schemeClr val="tx1">
+                    <a:lumMod val="75000"/>
+                    <a:lumOff val="25000"/>
+                  </a:schemeClr>
+                </a:solidFill>
+                <a:latin typeface="+mn-lt"/>
+                <a:ea typeface="+mn-ea"/>
+                <a:cs typeface="+mn-cs"/>
+              </a:defRPr>
+            </a:lvl2pPr>
+            <a:lvl3pPr marL="566928" indent="-182880" algn="l" defTabSz="914400" rtl="0" eaLnBrk="1" latinLnBrk="0" hangingPunct="1">
+              <a:lnSpc>
+                <a:spcPct val="100000"/>
+              </a:lnSpc>
+              <a:spcBef>
+                <a:spcPts val="200"/>
+              </a:spcBef>
+              <a:spcAft>
+                <a:spcPts val="400"/>
+              </a:spcAft>
+              <a:buClrTx/>
+              <a:buFont typeface="Calibri" pitchFamily="34" charset="0"/>
+              <a:buChar char="◦"/>
+              <a:defRPr sz="1300" kern="1200">
+                <a:solidFill>
+                  <a:schemeClr val="tx1">
+                    <a:lumMod val="75000"/>
+                    <a:lumOff val="25000"/>
+                  </a:schemeClr>
+                </a:solidFill>
+                <a:latin typeface="+mn-lt"/>
+                <a:ea typeface="+mn-ea"/>
+                <a:cs typeface="+mn-cs"/>
+              </a:defRPr>
+            </a:lvl3pPr>
+            <a:lvl4pPr marL="749808" indent="-182880" algn="l" defTabSz="914400" rtl="0" eaLnBrk="1" latinLnBrk="0" hangingPunct="1">
+              <a:lnSpc>
+                <a:spcPct val="100000"/>
+              </a:lnSpc>
+              <a:spcBef>
+                <a:spcPts val="200"/>
+              </a:spcBef>
+              <a:spcAft>
+                <a:spcPts val="400"/>
+              </a:spcAft>
+              <a:buClrTx/>
+              <a:buFont typeface="Calibri" pitchFamily="34" charset="0"/>
+              <a:buChar char="◦"/>
+              <a:defRPr sz="1300" kern="1200">
+                <a:solidFill>
+                  <a:schemeClr val="tx1">
+                    <a:lumMod val="75000"/>
+                    <a:lumOff val="25000"/>
+                  </a:schemeClr>
+                </a:solidFill>
+                <a:latin typeface="+mn-lt"/>
+                <a:ea typeface="+mn-ea"/>
+                <a:cs typeface="+mn-cs"/>
+              </a:defRPr>
+            </a:lvl4pPr>
+            <a:lvl5pPr marL="932688" indent="-182880" algn="l" defTabSz="914400" rtl="0" eaLnBrk="1" latinLnBrk="0" hangingPunct="1">
+              <a:lnSpc>
+                <a:spcPct val="100000"/>
+              </a:lnSpc>
+              <a:spcBef>
+                <a:spcPts val="200"/>
+              </a:spcBef>
+              <a:spcAft>
+                <a:spcPts val="400"/>
+              </a:spcAft>
+              <a:buClrTx/>
+              <a:buFont typeface="Calibri" pitchFamily="34" charset="0"/>
+              <a:buChar char="◦"/>
+              <a:defRPr sz="1300" kern="1200">
+                <a:solidFill>
+                  <a:schemeClr val="tx1">
+                    <a:lumMod val="75000"/>
+                    <a:lumOff val="25000"/>
+                  </a:schemeClr>
+                </a:solidFill>
+                <a:latin typeface="+mn-lt"/>
+                <a:ea typeface="+mn-ea"/>
+                <a:cs typeface="+mn-cs"/>
+              </a:defRPr>
+            </a:lvl5pPr>
+            <a:lvl6pPr marL="1100000" indent="-228600" algn="l" defTabSz="914400" rtl="0" eaLnBrk="1" latinLnBrk="0" hangingPunct="1">
+              <a:lnSpc>
+                <a:spcPct val="90000"/>
+              </a:lnSpc>
+              <a:spcBef>
+                <a:spcPts val="200"/>
+              </a:spcBef>
+              <a:spcAft>
+                <a:spcPts val="400"/>
+              </a:spcAft>
+              <a:buClr>
+                <a:schemeClr val="accent1"/>
+              </a:buClr>
+              <a:buFont typeface="Calibri" pitchFamily="34" charset="0"/>
+              <a:buChar char="◦"/>
+              <a:defRPr sz="1400" kern="1200">
+                <a:solidFill>
+                  <a:schemeClr val="tx1">
+                    <a:lumMod val="75000"/>
+                    <a:lumOff val="25000"/>
+                  </a:schemeClr>
+                </a:solidFill>
+                <a:latin typeface="+mn-lt"/>
+                <a:ea typeface="+mn-ea"/>
+                <a:cs typeface="+mn-cs"/>
+              </a:defRPr>
+            </a:lvl6pPr>
+            <a:lvl7pPr marL="1300000" indent="-228600" algn="l" defTabSz="914400" rtl="0" eaLnBrk="1" latinLnBrk="0" hangingPunct="1">
+              <a:lnSpc>
+                <a:spcPct val="90000"/>
+              </a:lnSpc>
+              <a:spcBef>
+                <a:spcPts val="200"/>
+              </a:spcBef>
+              <a:spcAft>
+                <a:spcPts val="400"/>
+              </a:spcAft>
+              <a:buClr>
+                <a:schemeClr val="accent1"/>
+              </a:buClr>
+              <a:buFont typeface="Calibri" pitchFamily="34" charset="0"/>
+              <a:buChar char="◦"/>
+              <a:defRPr sz="1400" kern="1200">
+                <a:solidFill>
+                  <a:schemeClr val="tx1">
+                    <a:lumMod val="75000"/>
+                    <a:lumOff val="25000"/>
+                  </a:schemeClr>
+                </a:solidFill>
+                <a:latin typeface="+mn-lt"/>
+                <a:ea typeface="+mn-ea"/>
+                <a:cs typeface="+mn-cs"/>
+              </a:defRPr>
+            </a:lvl7pPr>
+            <a:lvl8pPr marL="1500000" indent="-228600" algn="l" defTabSz="914400" rtl="0" eaLnBrk="1" latinLnBrk="0" hangingPunct="1">
+              <a:lnSpc>
+                <a:spcPct val="90000"/>
+              </a:lnSpc>
+              <a:spcBef>
+                <a:spcPts val="200"/>
+              </a:spcBef>
+              <a:spcAft>
+                <a:spcPts val="400"/>
+              </a:spcAft>
+              <a:buClr>
+                <a:schemeClr val="accent1"/>
+              </a:buClr>
+              <a:buFont typeface="Calibri" pitchFamily="34" charset="0"/>
+              <a:buChar char="◦"/>
+              <a:defRPr sz="1400" kern="1200">
+                <a:solidFill>
+                  <a:schemeClr val="tx1">
+                    <a:lumMod val="75000"/>
+                    <a:lumOff val="25000"/>
+                  </a:schemeClr>
+                </a:solidFill>
+                <a:latin typeface="+mn-lt"/>
+                <a:ea typeface="+mn-ea"/>
+                <a:cs typeface="+mn-cs"/>
+              </a:defRPr>
+            </a:lvl8pPr>
+            <a:lvl9pPr marL="1700000" indent="-228600" algn="l" defTabSz="914400" rtl="0" eaLnBrk="1" latinLnBrk="0" hangingPunct="1">
+              <a:lnSpc>
+                <a:spcPct val="90000"/>
+              </a:lnSpc>
+              <a:spcBef>
+                <a:spcPts val="200"/>
+              </a:spcBef>
+              <a:spcAft>
+                <a:spcPts val="400"/>
+              </a:spcAft>
+              <a:buClr>
+                <a:schemeClr val="accent1"/>
+              </a:buClr>
+              <a:buFont typeface="Calibri" pitchFamily="34" charset="0"/>
+              <a:buChar char="◦"/>
+              <a:defRPr sz="1400" kern="1200">
+                <a:solidFill>
+                  <a:schemeClr val="tx1">
+                    <a:lumMod val="75000"/>
+                    <a:lumOff val="25000"/>
+                  </a:schemeClr>
+                </a:solidFill>
+                <a:latin typeface="+mn-lt"/>
+                <a:ea typeface="+mn-ea"/>
+                <a:cs typeface="+mn-cs"/>
+              </a:defRPr>
+            </a:lvl9pPr>
+          </a:lstStyle>
+          <a:p>
+            <a:pPr marL="0" indent="0">
+              <a:buNone/>
+            </a:pPr>
+            <a:r>
+              <a:rPr lang="en-US" dirty="0"/>
+              <a:t>In this code:</a:t>
+            </a:r>
+          </a:p>
+          <a:p>
+            <a:pPr>
+              <a:buFont typeface="Arial" panose="020B0604020202020204" pitchFamily="34" charset="0"/>
+              <a:buChar char="•"/>
+            </a:pPr>
+            <a:r>
+              <a:rPr lang="en-US" dirty="0"/>
+              <a:t> </a:t>
+            </a:r>
+            <a:r>
+              <a:rPr lang="en-PH" b="1" dirty="0"/>
+              <a:t>Import Pandas</a:t>
+            </a:r>
+            <a:r>
+              <a:rPr lang="en-PH" dirty="0"/>
+              <a:t> library</a:t>
+            </a:r>
+          </a:p>
+          <a:p>
+            <a:pPr>
+              <a:buFont typeface="Arial" panose="020B0604020202020204" pitchFamily="34" charset="0"/>
+              <a:buChar char="•"/>
+            </a:pPr>
+            <a:r>
+              <a:rPr lang="en-PH" dirty="0"/>
+              <a:t> </a:t>
+            </a:r>
+            <a:r>
+              <a:rPr lang="en-US" b="1" dirty="0"/>
+              <a:t>Load dataset</a:t>
+            </a:r>
+            <a:r>
+              <a:rPr lang="en-US" dirty="0"/>
+              <a:t> from URL into a </a:t>
+            </a:r>
+            <a:r>
+              <a:rPr lang="en-US" dirty="0" err="1"/>
+              <a:t>DataFrame</a:t>
+            </a:r>
+            <a:endParaRPr lang="en-US" dirty="0"/>
+          </a:p>
+          <a:p>
+            <a:pPr>
+              <a:buFont typeface="Arial" panose="020B0604020202020204" pitchFamily="34" charset="0"/>
+              <a:buChar char="•"/>
+            </a:pPr>
+            <a:r>
+              <a:rPr lang="en-US" dirty="0"/>
+              <a:t> </a:t>
+            </a:r>
+            <a:r>
+              <a:rPr lang="en-US" b="1" dirty="0"/>
+              <a:t>Print column names</a:t>
+            </a:r>
+            <a:r>
+              <a:rPr lang="en-US" dirty="0"/>
+              <a:t> of the </a:t>
+            </a:r>
+            <a:r>
+              <a:rPr lang="en-US" dirty="0" err="1"/>
+              <a:t>DataFrame</a:t>
+            </a:r>
+            <a:endParaRPr lang="en-US" dirty="0"/>
+          </a:p>
+          <a:p>
+            <a:pPr>
+              <a:buFont typeface="Arial" panose="020B0604020202020204" pitchFamily="34" charset="0"/>
+              <a:buChar char="•"/>
+            </a:pPr>
+            <a:r>
+              <a:rPr lang="en-US" dirty="0"/>
+              <a:t> </a:t>
+            </a:r>
+            <a:r>
+              <a:rPr lang="en-US" b="1" dirty="0"/>
+              <a:t>Filter data</a:t>
+            </a:r>
+            <a:r>
+              <a:rPr lang="en-US" dirty="0"/>
+              <a:t> based on conditions</a:t>
+            </a:r>
+          </a:p>
+          <a:p>
+            <a:pPr>
+              <a:buFont typeface="Arial" panose="020B0604020202020204" pitchFamily="34" charset="0"/>
+              <a:buChar char="•"/>
+            </a:pPr>
+            <a:r>
+              <a:rPr lang="en-US" dirty="0"/>
+              <a:t> </a:t>
+            </a:r>
+            <a:r>
+              <a:rPr lang="en-US" b="1" dirty="0"/>
+              <a:t>Use describe()</a:t>
+            </a:r>
+            <a:r>
+              <a:rPr lang="en-US" dirty="0"/>
+              <a:t> for descriptive statistics</a:t>
+            </a:r>
+          </a:p>
+          <a:p>
+            <a:pPr>
+              <a:buFont typeface="Arial" panose="020B0604020202020204" pitchFamily="34" charset="0"/>
+              <a:buChar char="•"/>
+            </a:pPr>
+            <a:r>
+              <a:rPr lang="en-US" dirty="0"/>
+              <a:t> Prepares and structures data for </a:t>
+            </a:r>
+            <a:r>
+              <a:rPr lang="en-US" b="1" dirty="0"/>
+              <a:t>effective visualization</a:t>
+            </a:r>
+            <a:endParaRPr lang="en-US" dirty="0"/>
+          </a:p>
+          <a:p>
+            <a:pPr>
+              <a:buFont typeface="Arial" panose="020B0604020202020204" pitchFamily="34" charset="0"/>
+              <a:buChar char="•"/>
+            </a:pPr>
+            <a:endParaRPr lang="en-PH" dirty="0"/>
+          </a:p>
+        </p:txBody>
+      </p:sp>
+    </p:spTree>
+    <p:extLst>
+      <p:ext uri="{BB962C8B-B14F-4D97-AF65-F5344CB8AC3E}">
+        <p14:creationId xmlns:p14="http://schemas.microsoft.com/office/powerpoint/2010/main" val="3780956267"/>
+      </p:ext>
+    </p:extLst>
+  </p:cSld>
+  <p:clrMapOvr>
+    <a:masterClrMapping/>
+  </p:clrMapOvr>
+</p:sld>
+</file>
+
+<file path=ppt/slides/slide9.xml><?xml version="1.0" encoding="utf-8"?>
+<p:sld xmlns:a="http://schemas.openxmlformats.org/drawingml/2006/main" xmlns:r="http://schemas.openxmlformats.org/officeDocument/2006/relationships" xmlns:p="http://schemas.openxmlformats.org/presentationml/2006/main">
+  <p:cSld>
+    <p:spTree>
+      <p:nvGrpSpPr>
+        <p:cNvPr id="1" name="">
+          <a:extLst>
+            <a:ext uri="{FF2B5EF4-FFF2-40B4-BE49-F238E27FC236}">
+              <a16:creationId xmlns:a16="http://schemas.microsoft.com/office/drawing/2014/main" id="{66B3C5C5-2318-AD48-FD08-2BAC758E4BB0}"/>
+            </a:ext>
+          </a:extLst>
+        </p:cNvPr>
+        <p:cNvGrpSpPr/>
+        <p:nvPr/>
+      </p:nvGrpSpPr>
+      <p:grpSpPr>
+        <a:xfrm>
+          <a:off x="0" y="0"/>
+          <a:ext cx="0" cy="0"/>
+          <a:chOff x="0" y="0"/>
+          <a:chExt cx="0" cy="0"/>
+        </a:xfrm>
+      </p:grpSpPr>
+      <p:sp>
+        <p:nvSpPr>
+          <p:cNvPr id="2" name="Title 1">
+            <a:extLst>
+              <a:ext uri="{FF2B5EF4-FFF2-40B4-BE49-F238E27FC236}">
+                <a16:creationId xmlns:a16="http://schemas.microsoft.com/office/drawing/2014/main" id="{3209FBE4-BB35-9311-2C78-9D8F38C08960}"/>
+              </a:ext>
+            </a:extLst>
+          </p:cNvPr>
+          <p:cNvSpPr>
+            <a:spLocks noGrp="1"/>
+          </p:cNvSpPr>
+          <p:nvPr>
+            <p:ph type="title"/>
+          </p:nvPr>
+        </p:nvSpPr>
+        <p:spPr/>
+        <p:txBody>
+          <a:bodyPr/>
+          <a:lstStyle/>
+          <a:p>
+            <a:r>
+              <a:rPr lang="en-US" dirty="0">
+                <a:cs typeface="Arial" panose="020B0604020202020204" pitchFamily="34" charset="0"/>
+              </a:rPr>
+              <a:t>2</a:t>
+            </a:r>
+            <a:r>
+              <a:rPr lang="en-PH" dirty="0">
+                <a:cs typeface="Arial" panose="020B0604020202020204" pitchFamily="34" charset="0"/>
+              </a:rPr>
+              <a:t>. </a:t>
+            </a:r>
+            <a:r>
+              <a:rPr lang="en-US" dirty="0">
+                <a:cs typeface="Arial" panose="020B0604020202020204" pitchFamily="34" charset="0"/>
+              </a:rPr>
+              <a:t>Data Visualization with Google </a:t>
+            </a:r>
+            <a:r>
+              <a:rPr lang="en-US" dirty="0" err="1">
+                <a:cs typeface="Arial" panose="020B0604020202020204" pitchFamily="34" charset="0"/>
+              </a:rPr>
+              <a:t>Colab</a:t>
+            </a:r>
+            <a:r>
+              <a:rPr lang="en-US" dirty="0">
+                <a:cs typeface="Arial" panose="020B0604020202020204" pitchFamily="34" charset="0"/>
+              </a:rPr>
+              <a:t>, Pandas, and Matplotlib</a:t>
+            </a:r>
+            <a:endParaRPr lang="en-PH" dirty="0"/>
+          </a:p>
+        </p:txBody>
+      </p:sp>
+      <p:sp>
+        <p:nvSpPr>
+          <p:cNvPr id="3" name="Content Placeholder 2">
+            <a:extLst>
+              <a:ext uri="{FF2B5EF4-FFF2-40B4-BE49-F238E27FC236}">
+                <a16:creationId xmlns:a16="http://schemas.microsoft.com/office/drawing/2014/main" id="{2ADBCBBB-93C4-B920-6B58-6323041EF9BE}"/>
+              </a:ext>
+            </a:extLst>
+          </p:cNvPr>
+          <p:cNvSpPr>
+            <a:spLocks noGrp="1"/>
+          </p:cNvSpPr>
+          <p:nvPr>
+            <p:ph idx="1"/>
+          </p:nvPr>
+        </p:nvSpPr>
+        <p:spPr>
+          <a:xfrm>
+            <a:off x="1219200" y="2725534"/>
+            <a:ext cx="4615991" cy="3580998"/>
+          </a:xfrm>
+          <a:ln>
+            <a:solidFill>
+              <a:schemeClr val="tx1"/>
+            </a:solidFill>
+          </a:ln>
+        </p:spPr>
+        <p:txBody>
+          <a:bodyPr>
+            <a:normAutofit fontScale="92500" lnSpcReduction="20000"/>
+          </a:bodyPr>
+          <a:lstStyle/>
+          <a:p>
+            <a:pPr marL="0" indent="0">
+              <a:buNone/>
+            </a:pPr>
+            <a:r>
+              <a:rPr lang="en-PH" b="1" dirty="0">
+                <a:latin typeface="Arial" panose="020B0604020202020204" pitchFamily="34" charset="0"/>
+                <a:cs typeface="Arial" panose="020B0604020202020204" pitchFamily="34" charset="0"/>
+              </a:rPr>
+              <a:t>Matplotlib Overview</a:t>
+            </a:r>
+          </a:p>
+          <a:p>
+            <a:pPr>
+              <a:buFont typeface="Wingdings" panose="05000000000000000000" pitchFamily="2" charset="2"/>
+              <a:buChar char="v"/>
+            </a:pPr>
+            <a:r>
+              <a:rPr lang="en-PH" dirty="0"/>
+              <a:t> Versatile Python plotting library</a:t>
+            </a:r>
+          </a:p>
+          <a:p>
+            <a:pPr>
+              <a:buFont typeface="Wingdings" panose="05000000000000000000" pitchFamily="2" charset="2"/>
+              <a:buChar char="v"/>
+            </a:pPr>
+            <a:r>
+              <a:rPr lang="en-PH" dirty="0"/>
+              <a:t> </a:t>
+            </a:r>
+            <a:r>
+              <a:rPr lang="en-US" dirty="0"/>
+              <a:t>Supports </a:t>
+            </a:r>
+            <a:r>
+              <a:rPr lang="en-US" b="1" dirty="0"/>
+              <a:t>static, animated, and interactive plots</a:t>
+            </a:r>
+          </a:p>
+          <a:p>
+            <a:pPr>
+              <a:buFont typeface="Wingdings" panose="05000000000000000000" pitchFamily="2" charset="2"/>
+              <a:buChar char="v"/>
+            </a:pPr>
+            <a:r>
+              <a:rPr lang="en-US" b="1" dirty="0"/>
+              <a:t>  </a:t>
+            </a:r>
+            <a:r>
+              <a:rPr lang="en-US" dirty="0"/>
+              <a:t>Works seamlessly with </a:t>
+            </a:r>
+            <a:r>
+              <a:rPr lang="en-US" b="1" dirty="0"/>
+              <a:t>Pandas </a:t>
+            </a:r>
+            <a:r>
+              <a:rPr lang="en-US" b="1" dirty="0" err="1"/>
+              <a:t>DataFrames</a:t>
+            </a:r>
+            <a:endParaRPr lang="en-US" b="1" dirty="0"/>
+          </a:p>
+          <a:p>
+            <a:pPr marL="0" indent="0">
+              <a:buNone/>
+            </a:pPr>
+            <a:r>
+              <a:rPr lang="en-PH" b="1" dirty="0">
+                <a:latin typeface="Arial" panose="020B0604020202020204" pitchFamily="34" charset="0"/>
+                <a:cs typeface="Arial" panose="020B0604020202020204" pitchFamily="34" charset="0"/>
+              </a:rPr>
+              <a:t>Basic Plots with Matplotlib</a:t>
+            </a:r>
+          </a:p>
+          <a:p>
+            <a:pPr>
+              <a:buFont typeface="Wingdings" panose="05000000000000000000" pitchFamily="2" charset="2"/>
+              <a:buChar char="v"/>
+            </a:pPr>
+            <a:r>
+              <a:rPr lang="en-PH" b="1" dirty="0">
+                <a:latin typeface="Arial" panose="020B0604020202020204" pitchFamily="34" charset="0"/>
+                <a:cs typeface="Arial" panose="020B0604020202020204" pitchFamily="34" charset="0"/>
+              </a:rPr>
+              <a:t> </a:t>
+            </a:r>
+            <a:r>
+              <a:rPr lang="en-US" b="1" dirty="0"/>
+              <a:t>Line Chart (plot)</a:t>
+            </a:r>
+            <a:r>
+              <a:rPr lang="en-US" dirty="0"/>
+              <a:t> → Track changes over time</a:t>
+            </a:r>
+          </a:p>
+          <a:p>
+            <a:pPr>
+              <a:buFont typeface="Wingdings" panose="05000000000000000000" pitchFamily="2" charset="2"/>
+              <a:buChar char="v"/>
+            </a:pPr>
+            <a:r>
+              <a:rPr lang="en-US" b="1" dirty="0">
+                <a:latin typeface="Arial" panose="020B0604020202020204" pitchFamily="34" charset="0"/>
+                <a:cs typeface="Arial" panose="020B0604020202020204" pitchFamily="34" charset="0"/>
+              </a:rPr>
+              <a:t> </a:t>
+            </a:r>
+            <a:r>
+              <a:rPr lang="en-PH" b="1" dirty="0"/>
+              <a:t>Bar Chart (bar)</a:t>
+            </a:r>
+            <a:r>
+              <a:rPr lang="en-PH" dirty="0"/>
+              <a:t> → Compare categorical data</a:t>
+            </a:r>
+          </a:p>
+          <a:p>
+            <a:pPr>
+              <a:buFont typeface="Wingdings" panose="05000000000000000000" pitchFamily="2" charset="2"/>
+              <a:buChar char="v"/>
+            </a:pPr>
+            <a:r>
+              <a:rPr lang="en-PH" b="1" dirty="0">
+                <a:latin typeface="Arial" panose="020B0604020202020204" pitchFamily="34" charset="0"/>
+                <a:cs typeface="Arial" panose="020B0604020202020204" pitchFamily="34" charset="0"/>
+              </a:rPr>
+              <a:t> </a:t>
+            </a:r>
+            <a:r>
+              <a:rPr lang="en-US" b="1" dirty="0"/>
+              <a:t>Histogram (hist)</a:t>
+            </a:r>
+            <a:r>
+              <a:rPr lang="en-US" dirty="0"/>
+              <a:t> → Show data distribution</a:t>
+            </a:r>
+            <a:endParaRPr lang="en-PH" b="1" dirty="0">
+              <a:latin typeface="Arial" panose="020B0604020202020204" pitchFamily="34" charset="0"/>
+              <a:cs typeface="Arial" panose="020B0604020202020204" pitchFamily="34" charset="0"/>
+            </a:endParaRPr>
+          </a:p>
+        </p:txBody>
+      </p:sp>
+      <p:sp>
+        <p:nvSpPr>
+          <p:cNvPr id="4" name="TextBox 3">
+            <a:extLst>
+              <a:ext uri="{FF2B5EF4-FFF2-40B4-BE49-F238E27FC236}">
+                <a16:creationId xmlns:a16="http://schemas.microsoft.com/office/drawing/2014/main" id="{420C774F-07F5-8715-F815-4FD137473FC2}"/>
+              </a:ext>
+            </a:extLst>
+          </p:cNvPr>
+          <p:cNvSpPr txBox="1"/>
+          <p:nvPr/>
+        </p:nvSpPr>
+        <p:spPr>
+          <a:xfrm>
+            <a:off x="1219200" y="1857103"/>
+            <a:ext cx="4615991" cy="830997"/>
+          </a:xfrm>
+          <a:prstGeom prst="rect">
+            <a:avLst/>
+          </a:prstGeom>
+          <a:noFill/>
+        </p:spPr>
+        <p:txBody>
+          <a:bodyPr wrap="square" rtlCol="0">
+            <a:spAutoFit/>
+          </a:bodyPr>
+          <a:lstStyle/>
+          <a:p>
+            <a:r>
+              <a:rPr lang="en-US" sz="2400" b="1" dirty="0">
+                <a:latin typeface="Arial" panose="020B0604020202020204" pitchFamily="34" charset="0"/>
+                <a:cs typeface="Arial" panose="020B0604020202020204" pitchFamily="34" charset="0"/>
+              </a:rPr>
+              <a:t>Matplotlib—Your Tool for Effective Data Visualization</a:t>
+            </a:r>
+          </a:p>
+        </p:txBody>
+      </p:sp>
+      <p:sp>
+        <p:nvSpPr>
+          <p:cNvPr id="7" name="TextBox 6">
+            <a:extLst>
+              <a:ext uri="{FF2B5EF4-FFF2-40B4-BE49-F238E27FC236}">
+                <a16:creationId xmlns:a16="http://schemas.microsoft.com/office/drawing/2014/main" id="{4A8A84DB-A442-722D-FBBA-45B2FE8C506F}"/>
+              </a:ext>
+            </a:extLst>
+          </p:cNvPr>
+          <p:cNvSpPr txBox="1"/>
+          <p:nvPr/>
+        </p:nvSpPr>
+        <p:spPr>
+          <a:xfrm>
+            <a:off x="6356805" y="1894537"/>
+            <a:ext cx="4798875" cy="461665"/>
+          </a:xfrm>
+          <a:prstGeom prst="rect">
+            <a:avLst/>
+          </a:prstGeom>
+          <a:noFill/>
+        </p:spPr>
+        <p:txBody>
+          <a:bodyPr wrap="square" rtlCol="0">
+            <a:spAutoFit/>
+          </a:bodyPr>
+          <a:lstStyle/>
+          <a:p>
+            <a:r>
+              <a:rPr lang="en-US" sz="2400" b="1" dirty="0">
+                <a:latin typeface="Arial" panose="020B0604020202020204" pitchFamily="34" charset="0"/>
+                <a:cs typeface="Arial" panose="020B0604020202020204" pitchFamily="34" charset="0"/>
+              </a:rPr>
+              <a:t>Go to this link:</a:t>
+            </a:r>
+            <a:endParaRPr lang="en-PH" sz="2400" b="1" dirty="0">
+              <a:latin typeface="Arial" panose="020B0604020202020204" pitchFamily="34" charset="0"/>
+              <a:cs typeface="Arial" panose="020B0604020202020204" pitchFamily="34" charset="0"/>
+            </a:endParaRPr>
+          </a:p>
+        </p:txBody>
+      </p:sp>
+      <p:sp>
+        <p:nvSpPr>
+          <p:cNvPr id="8" name="Content Placeholder 2">
+            <a:extLst>
+              <a:ext uri="{FF2B5EF4-FFF2-40B4-BE49-F238E27FC236}">
+                <a16:creationId xmlns:a16="http://schemas.microsoft.com/office/drawing/2014/main" id="{E69E9813-D238-D458-4124-BAB82CDB2B36}"/>
+              </a:ext>
+            </a:extLst>
+          </p:cNvPr>
+          <p:cNvSpPr txBox="1">
+            <a:spLocks/>
+          </p:cNvSpPr>
+          <p:nvPr/>
+        </p:nvSpPr>
+        <p:spPr>
+          <a:xfrm>
+            <a:off x="6356805" y="2356203"/>
+            <a:ext cx="4615993" cy="1072797"/>
+          </a:xfrm>
+          <a:prstGeom prst="rect">
+            <a:avLst/>
+          </a:prstGeom>
+          <a:ln>
+            <a:solidFill>
+              <a:schemeClr val="tx1"/>
+            </a:solidFill>
+          </a:ln>
+        </p:spPr>
+        <p:txBody>
+          <a:bodyPr vert="horz" lIns="0" tIns="45720" rIns="0" bIns="45720" rtlCol="0">
+            <a:normAutofit/>
+          </a:bodyPr>
+          <a:lstStyle>
+            <a:lvl1pPr marL="91440" indent="-91440" algn="l" defTabSz="914400" rtl="0" eaLnBrk="1" latinLnBrk="0" hangingPunct="1">
+              <a:lnSpc>
+                <a:spcPct val="110000"/>
+              </a:lnSpc>
+              <a:spcBef>
+                <a:spcPts val="1200"/>
+              </a:spcBef>
+              <a:spcAft>
+                <a:spcPts val="200"/>
+              </a:spcAft>
+              <a:buClr>
+                <a:schemeClr val="accent1"/>
+              </a:buClr>
+              <a:buSzPct val="100000"/>
+              <a:buFont typeface="Calibri" panose="020F0502020204030204" pitchFamily="34" charset="0"/>
+              <a:buChar char=" "/>
+              <a:defRPr sz="1900" kern="1200">
+                <a:solidFill>
+                  <a:schemeClr val="tx1">
+                    <a:lumMod val="75000"/>
+                    <a:lumOff val="25000"/>
+                  </a:schemeClr>
+                </a:solidFill>
+                <a:latin typeface="+mn-lt"/>
+                <a:ea typeface="+mn-ea"/>
+                <a:cs typeface="+mn-cs"/>
+              </a:defRPr>
+            </a:lvl1pPr>
+            <a:lvl2pPr marL="384048" indent="-182880" algn="l" defTabSz="914400" rtl="0" eaLnBrk="1" latinLnBrk="0" hangingPunct="1">
+              <a:lnSpc>
+                <a:spcPct val="100000"/>
+              </a:lnSpc>
+              <a:spcBef>
+                <a:spcPts val="200"/>
+              </a:spcBef>
+              <a:spcAft>
+                <a:spcPts val="400"/>
+              </a:spcAft>
+              <a:buClrTx/>
+              <a:buFont typeface="Calibri" pitchFamily="34" charset="0"/>
+              <a:buChar char="◦"/>
+              <a:defRPr sz="1700" kern="1200">
+                <a:solidFill>
+                  <a:schemeClr val="tx1">
+                    <a:lumMod val="75000"/>
+                    <a:lumOff val="25000"/>
+                  </a:schemeClr>
+                </a:solidFill>
+                <a:latin typeface="+mn-lt"/>
+                <a:ea typeface="+mn-ea"/>
+                <a:cs typeface="+mn-cs"/>
+              </a:defRPr>
+            </a:lvl2pPr>
+            <a:lvl3pPr marL="566928" indent="-182880" algn="l" defTabSz="914400" rtl="0" eaLnBrk="1" latinLnBrk="0" hangingPunct="1">
+              <a:lnSpc>
+                <a:spcPct val="100000"/>
+              </a:lnSpc>
+              <a:spcBef>
+                <a:spcPts val="200"/>
+              </a:spcBef>
+              <a:spcAft>
+                <a:spcPts val="400"/>
+              </a:spcAft>
+              <a:buClrTx/>
+              <a:buFont typeface="Calibri" pitchFamily="34" charset="0"/>
+              <a:buChar char="◦"/>
+              <a:defRPr sz="1300" kern="1200">
+                <a:solidFill>
+                  <a:schemeClr val="tx1">
+                    <a:lumMod val="75000"/>
+                    <a:lumOff val="25000"/>
+                  </a:schemeClr>
+                </a:solidFill>
+                <a:latin typeface="+mn-lt"/>
+                <a:ea typeface="+mn-ea"/>
+                <a:cs typeface="+mn-cs"/>
+              </a:defRPr>
+            </a:lvl3pPr>
+            <a:lvl4pPr marL="749808" indent="-182880" algn="l" defTabSz="914400" rtl="0" eaLnBrk="1" latinLnBrk="0" hangingPunct="1">
+              <a:lnSpc>
+                <a:spcPct val="100000"/>
+              </a:lnSpc>
+              <a:spcBef>
+                <a:spcPts val="200"/>
+              </a:spcBef>
+              <a:spcAft>
+                <a:spcPts val="400"/>
+              </a:spcAft>
+              <a:buClrTx/>
+              <a:buFont typeface="Calibri" pitchFamily="34" charset="0"/>
+              <a:buChar char="◦"/>
+              <a:defRPr sz="1300" kern="1200">
+                <a:solidFill>
+                  <a:schemeClr val="tx1">
+                    <a:lumMod val="75000"/>
+                    <a:lumOff val="25000"/>
+                  </a:schemeClr>
+                </a:solidFill>
+                <a:latin typeface="+mn-lt"/>
+                <a:ea typeface="+mn-ea"/>
+                <a:cs typeface="+mn-cs"/>
+              </a:defRPr>
+            </a:lvl4pPr>
+            <a:lvl5pPr marL="932688" indent="-182880" algn="l" defTabSz="914400" rtl="0" eaLnBrk="1" latinLnBrk="0" hangingPunct="1">
+              <a:lnSpc>
+                <a:spcPct val="100000"/>
+              </a:lnSpc>
+              <a:spcBef>
+                <a:spcPts val="200"/>
+              </a:spcBef>
+              <a:spcAft>
+                <a:spcPts val="400"/>
+              </a:spcAft>
+              <a:buClrTx/>
+              <a:buFont typeface="Calibri" pitchFamily="34" charset="0"/>
+              <a:buChar char="◦"/>
+              <a:defRPr sz="1300" kern="1200">
+                <a:solidFill>
+                  <a:schemeClr val="tx1">
+                    <a:lumMod val="75000"/>
+                    <a:lumOff val="25000"/>
+                  </a:schemeClr>
+                </a:solidFill>
+                <a:latin typeface="+mn-lt"/>
+                <a:ea typeface="+mn-ea"/>
+                <a:cs typeface="+mn-cs"/>
+              </a:defRPr>
+            </a:lvl5pPr>
+            <a:lvl6pPr marL="1100000" indent="-228600" algn="l" defTabSz="914400" rtl="0" eaLnBrk="1" latinLnBrk="0" hangingPunct="1">
+              <a:lnSpc>
+                <a:spcPct val="90000"/>
+              </a:lnSpc>
+              <a:spcBef>
+                <a:spcPts val="200"/>
+              </a:spcBef>
+              <a:spcAft>
+                <a:spcPts val="400"/>
+              </a:spcAft>
+              <a:buClr>
+                <a:schemeClr val="accent1"/>
+              </a:buClr>
+              <a:buFont typeface="Calibri" pitchFamily="34" charset="0"/>
+              <a:buChar char="◦"/>
+              <a:defRPr sz="1400" kern="1200">
+                <a:solidFill>
+                  <a:schemeClr val="tx1">
+                    <a:lumMod val="75000"/>
+                    <a:lumOff val="25000"/>
+                  </a:schemeClr>
+                </a:solidFill>
+                <a:latin typeface="+mn-lt"/>
+                <a:ea typeface="+mn-ea"/>
+                <a:cs typeface="+mn-cs"/>
+              </a:defRPr>
+            </a:lvl6pPr>
+            <a:lvl7pPr marL="1300000" indent="-228600" algn="l" defTabSz="914400" rtl="0" eaLnBrk="1" latinLnBrk="0" hangingPunct="1">
+              <a:lnSpc>
+                <a:spcPct val="90000"/>
+              </a:lnSpc>
+              <a:spcBef>
+                <a:spcPts val="200"/>
+              </a:spcBef>
+              <a:spcAft>
+                <a:spcPts val="400"/>
+              </a:spcAft>
+              <a:buClr>
+                <a:schemeClr val="accent1"/>
+              </a:buClr>
+              <a:buFont typeface="Calibri" pitchFamily="34" charset="0"/>
+              <a:buChar char="◦"/>
+              <a:defRPr sz="1400" kern="1200">
+                <a:solidFill>
+                  <a:schemeClr val="tx1">
+                    <a:lumMod val="75000"/>
+                    <a:lumOff val="25000"/>
+                  </a:schemeClr>
+                </a:solidFill>
+                <a:latin typeface="+mn-lt"/>
+                <a:ea typeface="+mn-ea"/>
+                <a:cs typeface="+mn-cs"/>
+              </a:defRPr>
+            </a:lvl7pPr>
+            <a:lvl8pPr marL="1500000" indent="-228600" algn="l" defTabSz="914400" rtl="0" eaLnBrk="1" latinLnBrk="0" hangingPunct="1">
+              <a:lnSpc>
+                <a:spcPct val="90000"/>
+              </a:lnSpc>
+              <a:spcBef>
+                <a:spcPts val="200"/>
+              </a:spcBef>
+              <a:spcAft>
+                <a:spcPts val="400"/>
+              </a:spcAft>
+              <a:buClr>
+                <a:schemeClr val="accent1"/>
+              </a:buClr>
+              <a:buFont typeface="Calibri" pitchFamily="34" charset="0"/>
+              <a:buChar char="◦"/>
+              <a:defRPr sz="1400" kern="1200">
+                <a:solidFill>
+                  <a:schemeClr val="tx1">
+                    <a:lumMod val="75000"/>
+                    <a:lumOff val="25000"/>
+                  </a:schemeClr>
+                </a:solidFill>
+                <a:latin typeface="+mn-lt"/>
+                <a:ea typeface="+mn-ea"/>
+                <a:cs typeface="+mn-cs"/>
+              </a:defRPr>
+            </a:lvl8pPr>
+            <a:lvl9pPr marL="1700000" indent="-228600" algn="l" defTabSz="914400" rtl="0" eaLnBrk="1" latinLnBrk="0" hangingPunct="1">
+              <a:lnSpc>
+                <a:spcPct val="90000"/>
+              </a:lnSpc>
+              <a:spcBef>
+                <a:spcPts val="200"/>
+              </a:spcBef>
+              <a:spcAft>
+                <a:spcPts val="400"/>
+              </a:spcAft>
+              <a:buClr>
+                <a:schemeClr val="accent1"/>
+              </a:buClr>
+              <a:buFont typeface="Calibri" pitchFamily="34" charset="0"/>
+              <a:buChar char="◦"/>
+              <a:defRPr sz="1400" kern="1200">
+                <a:solidFill>
+                  <a:schemeClr val="tx1">
+                    <a:lumMod val="75000"/>
+                    <a:lumOff val="25000"/>
+                  </a:schemeClr>
+                </a:solidFill>
+                <a:latin typeface="+mn-lt"/>
+                <a:ea typeface="+mn-ea"/>
+                <a:cs typeface="+mn-cs"/>
+              </a:defRPr>
+            </a:lvl9pPr>
+          </a:lstStyle>
+          <a:p>
+            <a:pPr marL="0" indent="0">
+              <a:buNone/>
+            </a:pPr>
+            <a:r>
+              <a:rPr lang="en-US" dirty="0"/>
+              <a:t>https://github.com/MikkoDT/MexEE402_AI/blob/main/Creating_Basic_Plots_with_Matplotlib.ipynb</a:t>
+            </a:r>
+          </a:p>
+          <a:p>
+            <a:pPr>
+              <a:buFont typeface="Wingdings" panose="05000000000000000000" pitchFamily="2" charset="2"/>
+              <a:buChar char="v"/>
+            </a:pPr>
+            <a:endParaRPr lang="en-PH" b="1" dirty="0"/>
+          </a:p>
+        </p:txBody>
+      </p:sp>
+      <p:sp>
+        <p:nvSpPr>
+          <p:cNvPr id="5" name="TextBox 4">
+            <a:extLst>
+              <a:ext uri="{FF2B5EF4-FFF2-40B4-BE49-F238E27FC236}">
+                <a16:creationId xmlns:a16="http://schemas.microsoft.com/office/drawing/2014/main" id="{0C7C6B5B-E3E4-85D1-0551-C60FDF603617}"/>
+              </a:ext>
+            </a:extLst>
+          </p:cNvPr>
+          <p:cNvSpPr txBox="1"/>
+          <p:nvPr/>
+        </p:nvSpPr>
+        <p:spPr>
+          <a:xfrm>
+            <a:off x="6356804" y="3629320"/>
+            <a:ext cx="4615991" cy="923330"/>
+          </a:xfrm>
+          <a:prstGeom prst="rect">
+            <a:avLst/>
+          </a:prstGeom>
+        </p:spPr>
+        <p:style>
+          <a:lnRef idx="2">
+            <a:schemeClr val="dk1"/>
+          </a:lnRef>
+          <a:fillRef idx="1">
+            <a:schemeClr val="lt1"/>
+          </a:fillRef>
+          <a:effectRef idx="0">
+            <a:schemeClr val="dk1"/>
+          </a:effectRef>
+          <a:fontRef idx="minor">
+            <a:schemeClr val="dk1"/>
+          </a:fontRef>
+        </p:style>
+        <p:txBody>
+          <a:bodyPr wrap="square" rtlCol="0">
+            <a:spAutoFit/>
+          </a:bodyPr>
+          <a:lstStyle/>
+          <a:p>
+            <a:r>
+              <a:rPr lang="en-US" dirty="0"/>
+              <a:t>Each plot reveals unique insights into beer servings, highlighting the importance of data visualization for understanding data.</a:t>
+            </a:r>
+            <a:endParaRPr lang="en-PH" dirty="0"/>
+          </a:p>
+        </p:txBody>
+      </p:sp>
+    </p:spTree>
+    <p:extLst>
+      <p:ext uri="{BB962C8B-B14F-4D97-AF65-F5344CB8AC3E}">
+        <p14:creationId xmlns:p14="http://schemas.microsoft.com/office/powerpoint/2010/main" val="108048186"/>
       </p:ext>
     </p:extLst>
   </p:cSld>
@@ -7566,6 +16291,35 @@
 </file>
 
 <file path=customXml/item1.xml><?xml version="1.0" encoding="utf-8"?>
+<?mso-contentType ?>
+<FormTemplates xmlns="http://schemas.microsoft.com/sharepoint/v3/contenttype/forms">
+  <Display>DocumentLibraryForm</Display>
+  <Edit>DocumentLibraryForm</Edit>
+  <New>DocumentLibraryForm</New>
+</FormTemplates>
+</file>
+
+<file path=customXml/item2.xml><?xml version="1.0" encoding="utf-8"?>
+<p:properties xmlns:p="http://schemas.microsoft.com/office/2006/metadata/properties" xmlns:xsi="http://www.w3.org/2001/XMLSchema-instance" xmlns:pc="http://schemas.microsoft.com/office/infopath/2007/PartnerControls">
+  <documentManagement>
+    <Status xmlns="71af3243-3dd4-4a8d-8c0d-dd76da1f02a5">Not started</Status>
+    <MediaServiceKeyPoints xmlns="71af3243-3dd4-4a8d-8c0d-dd76da1f02a5" xsi:nil="true"/>
+    <_ip_UnifiedCompliancePolicyUIAction xmlns="http://schemas.microsoft.com/sharepoint/v3" xsi:nil="true"/>
+    <Image xmlns="71af3243-3dd4-4a8d-8c0d-dd76da1f02a5">
+      <Url xsi:nil="true"/>
+      <Description xsi:nil="true"/>
+    </Image>
+    <Background xmlns="71af3243-3dd4-4a8d-8c0d-dd76da1f02a5">false</Background>
+    <_ip_UnifiedCompliancePolicyProperties xmlns="http://schemas.microsoft.com/sharepoint/v3" xsi:nil="true"/>
+    <ImageTagsTaxHTField xmlns="71af3243-3dd4-4a8d-8c0d-dd76da1f02a5">
+      <Terms xmlns="http://schemas.microsoft.com/office/infopath/2007/PartnerControls"/>
+    </ImageTagsTaxHTField>
+    <TaxCatchAll xmlns="230e9df3-be65-4c73-a93b-d1236ebd677e" xsi:nil="true"/>
+  </documentManagement>
+</p:properties>
+</file>
+
+<file path=customXml/item3.xml><?xml version="1.0" encoding="utf-8"?>
 <ct:contentTypeSchema xmlns:ct="http://schemas.microsoft.com/office/2006/metadata/contentType" xmlns:ma="http://schemas.microsoft.com/office/2006/metadata/properties/metaAttributes" ct:_="" ma:_="" ma:contentTypeName="Document" ma:contentTypeID="0x01010079F111ED35F8CC479449609E8A0923A6" ma:contentTypeVersion="27" ma:contentTypeDescription="Create a new document." ma:contentTypeScope="" ma:versionID="c6f9a84f66a9c8b9a21755b9ffafb945">
   <xsd:schema xmlns:xsd="http://www.w3.org/2001/XMLSchema" xmlns:xs="http://www.w3.org/2001/XMLSchema" xmlns:p="http://schemas.microsoft.com/office/2006/metadata/properties" xmlns:ns1="http://schemas.microsoft.com/sharepoint/v3" xmlns:ns2="71af3243-3dd4-4a8d-8c0d-dd76da1f02a5" xmlns:ns3="16c05727-aa75-4e4a-9b5f-8a80a1165891" xmlns:ns4="230e9df3-be65-4c73-a93b-d1236ebd677e" targetNamespace="http://schemas.microsoft.com/office/2006/metadata/properties" ma:root="true" ma:fieldsID="27df39e3e7036dff54f89ddd5805ce72" ns1:_="" ns2:_="" ns3:_="" ns4:_="">
     <xsd:import namespace="http://schemas.microsoft.com/sharepoint/v3"/>
@@ -7871,36 +16625,27 @@
 </ct:contentTypeSchema>
 </file>
 
-<file path=customXml/item2.xml><?xml version="1.0" encoding="utf-8"?>
-<p:properties xmlns:p="http://schemas.microsoft.com/office/2006/metadata/properties" xmlns:xsi="http://www.w3.org/2001/XMLSchema-instance" xmlns:pc="http://schemas.microsoft.com/office/infopath/2007/PartnerControls">
-  <documentManagement>
-    <Status xmlns="71af3243-3dd4-4a8d-8c0d-dd76da1f02a5">Not started</Status>
-    <MediaServiceKeyPoints xmlns="71af3243-3dd4-4a8d-8c0d-dd76da1f02a5" xsi:nil="true"/>
-    <_ip_UnifiedCompliancePolicyUIAction xmlns="http://schemas.microsoft.com/sharepoint/v3" xsi:nil="true"/>
-    <Image xmlns="71af3243-3dd4-4a8d-8c0d-dd76da1f02a5">
-      <Url xsi:nil="true"/>
-      <Description xsi:nil="true"/>
-    </Image>
-    <Background xmlns="71af3243-3dd4-4a8d-8c0d-dd76da1f02a5">false</Background>
-    <_ip_UnifiedCompliancePolicyProperties xmlns="http://schemas.microsoft.com/sharepoint/v3" xsi:nil="true"/>
-    <ImageTagsTaxHTField xmlns="71af3243-3dd4-4a8d-8c0d-dd76da1f02a5">
-      <Terms xmlns="http://schemas.microsoft.com/office/infopath/2007/PartnerControls"/>
-    </ImageTagsTaxHTField>
-    <TaxCatchAll xmlns="230e9df3-be65-4c73-a93b-d1236ebd677e" xsi:nil="true"/>
-  </documentManagement>
-</p:properties>
+<file path=customXml/itemProps1.xml><?xml version="1.0" encoding="utf-8"?>
+<ds:datastoreItem xmlns:ds="http://schemas.openxmlformats.org/officeDocument/2006/customXml" ds:itemID="{AA3F7EDC-E5B4-4BBC-9D2A-CBE6D46C37AD}">
+  <ds:schemaRefs>
+    <ds:schemaRef ds:uri="http://schemas.microsoft.com/sharepoint/v3/contenttype/forms"/>
+  </ds:schemaRefs>
+</ds:datastoreItem>
 </file>
 
-<file path=customXml/item3.xml><?xml version="1.0" encoding="utf-8"?>
-<?mso-contentType ?>
-<FormTemplates xmlns="http://schemas.microsoft.com/sharepoint/v3/contenttype/forms">
-  <Display>DocumentLibraryForm</Display>
-  <Edit>DocumentLibraryForm</Edit>
-  <New>DocumentLibraryForm</New>
-</FormTemplates>
+<file path=customXml/itemProps2.xml><?xml version="1.0" encoding="utf-8"?>
+<ds:datastoreItem xmlns:ds="http://schemas.openxmlformats.org/officeDocument/2006/customXml" ds:itemID="{A03EEFF0-FB57-4CB4-8BFC-DF397689E2ED}">
+  <ds:schemaRefs>
+    <ds:schemaRef ds:uri="http://schemas.microsoft.com/office/2006/metadata/properties"/>
+    <ds:schemaRef ds:uri="http://schemas.microsoft.com/office/infopath/2007/PartnerControls"/>
+    <ds:schemaRef ds:uri="71af3243-3dd4-4a8d-8c0d-dd76da1f02a5"/>
+    <ds:schemaRef ds:uri="http://schemas.microsoft.com/sharepoint/v3"/>
+    <ds:schemaRef ds:uri="230e9df3-be65-4c73-a93b-d1236ebd677e"/>
+  </ds:schemaRefs>
+</ds:datastoreItem>
 </file>
 
-<file path=customXml/itemProps1.xml><?xml version="1.0" encoding="utf-8"?>
+<file path=customXml/itemProps3.xml><?xml version="1.0" encoding="utf-8"?>
 <ds:datastoreItem xmlns:ds="http://schemas.openxmlformats.org/officeDocument/2006/customXml" ds:itemID="{D2957789-34B8-480C-AF9B-3EB54B9E5C96}">
   <ds:schemaRefs>
     <ds:schemaRef ds:uri="http://schemas.microsoft.com/office/2006/metadata/contentType"/>
@@ -7919,24 +16664,4 @@
     <ds:schemaRef ds:uri="http://schemas.microsoft.com/internal/obd"/>
   </ds:schemaRefs>
 </ds:datastoreItem>
-</file>
-
-<file path=customXml/itemProps2.xml><?xml version="1.0" encoding="utf-8"?>
-<ds:datastoreItem xmlns:ds="http://schemas.openxmlformats.org/officeDocument/2006/customXml" ds:itemID="{A03EEFF0-FB57-4CB4-8BFC-DF397689E2ED}">
-  <ds:schemaRefs>
-    <ds:schemaRef ds:uri="http://schemas.microsoft.com/office/2006/metadata/properties"/>
-    <ds:schemaRef ds:uri="http://schemas.microsoft.com/office/infopath/2007/PartnerControls"/>
-    <ds:schemaRef ds:uri="71af3243-3dd4-4a8d-8c0d-dd76da1f02a5"/>
-    <ds:schemaRef ds:uri="http://schemas.microsoft.com/sharepoint/v3"/>
-    <ds:schemaRef ds:uri="230e9df3-be65-4c73-a93b-d1236ebd677e"/>
-  </ds:schemaRefs>
-</ds:datastoreItem>
-</file>
-
-<file path=customXml/itemProps3.xml><?xml version="1.0" encoding="utf-8"?>
-<ds:datastoreItem xmlns:ds="http://schemas.openxmlformats.org/officeDocument/2006/customXml" ds:itemID="{AA3F7EDC-E5B4-4BBC-9D2A-CBE6D46C37AD}">
-  <ds:schemaRefs>
-    <ds:schemaRef ds:uri="http://schemas.microsoft.com/sharepoint/v3/contenttype/forms"/>
-  </ds:schemaRefs>
-</ds:datastoreItem>
 </file>
--- a/Lectures/II_Data_Visualization_with_Python.pptx
+++ b/Lectures/II_Data_Visualization_with_Python.pptx
@@ -16300,26 +16300,6 @@
 </file>
 
 <file path=customXml/item2.xml><?xml version="1.0" encoding="utf-8"?>
-<p:properties xmlns:p="http://schemas.microsoft.com/office/2006/metadata/properties" xmlns:xsi="http://www.w3.org/2001/XMLSchema-instance" xmlns:pc="http://schemas.microsoft.com/office/infopath/2007/PartnerControls">
-  <documentManagement>
-    <Status xmlns="71af3243-3dd4-4a8d-8c0d-dd76da1f02a5">Not started</Status>
-    <MediaServiceKeyPoints xmlns="71af3243-3dd4-4a8d-8c0d-dd76da1f02a5" xsi:nil="true"/>
-    <_ip_UnifiedCompliancePolicyUIAction xmlns="http://schemas.microsoft.com/sharepoint/v3" xsi:nil="true"/>
-    <Image xmlns="71af3243-3dd4-4a8d-8c0d-dd76da1f02a5">
-      <Url xsi:nil="true"/>
-      <Description xsi:nil="true"/>
-    </Image>
-    <Background xmlns="71af3243-3dd4-4a8d-8c0d-dd76da1f02a5">false</Background>
-    <_ip_UnifiedCompliancePolicyProperties xmlns="http://schemas.microsoft.com/sharepoint/v3" xsi:nil="true"/>
-    <ImageTagsTaxHTField xmlns="71af3243-3dd4-4a8d-8c0d-dd76da1f02a5">
-      <Terms xmlns="http://schemas.microsoft.com/office/infopath/2007/PartnerControls"/>
-    </ImageTagsTaxHTField>
-    <TaxCatchAll xmlns="230e9df3-be65-4c73-a93b-d1236ebd677e" xsi:nil="true"/>
-  </documentManagement>
-</p:properties>
-</file>
-
-<file path=customXml/item3.xml><?xml version="1.0" encoding="utf-8"?>
 <ct:contentTypeSchema xmlns:ct="http://schemas.microsoft.com/office/2006/metadata/contentType" xmlns:ma="http://schemas.microsoft.com/office/2006/metadata/properties/metaAttributes" ct:_="" ma:_="" ma:contentTypeName="Document" ma:contentTypeID="0x01010079F111ED35F8CC479449609E8A0923A6" ma:contentTypeVersion="27" ma:contentTypeDescription="Create a new document." ma:contentTypeScope="" ma:versionID="c6f9a84f66a9c8b9a21755b9ffafb945">
   <xsd:schema xmlns:xsd="http://www.w3.org/2001/XMLSchema" xmlns:xs="http://www.w3.org/2001/XMLSchema" xmlns:p="http://schemas.microsoft.com/office/2006/metadata/properties" xmlns:ns1="http://schemas.microsoft.com/sharepoint/v3" xmlns:ns2="71af3243-3dd4-4a8d-8c0d-dd76da1f02a5" xmlns:ns3="16c05727-aa75-4e4a-9b5f-8a80a1165891" xmlns:ns4="230e9df3-be65-4c73-a93b-d1236ebd677e" targetNamespace="http://schemas.microsoft.com/office/2006/metadata/properties" ma:root="true" ma:fieldsID="27df39e3e7036dff54f89ddd5805ce72" ns1:_="" ns2:_="" ns3:_="" ns4:_="">
     <xsd:import namespace="http://schemas.microsoft.com/sharepoint/v3"/>
@@ -16625,6 +16605,26 @@
 </ct:contentTypeSchema>
 </file>
 
+<file path=customXml/item3.xml><?xml version="1.0" encoding="utf-8"?>
+<p:properties xmlns:p="http://schemas.microsoft.com/office/2006/metadata/properties" xmlns:xsi="http://www.w3.org/2001/XMLSchema-instance" xmlns:pc="http://schemas.microsoft.com/office/infopath/2007/PartnerControls">
+  <documentManagement>
+    <Status xmlns="71af3243-3dd4-4a8d-8c0d-dd76da1f02a5">Not started</Status>
+    <MediaServiceKeyPoints xmlns="71af3243-3dd4-4a8d-8c0d-dd76da1f02a5" xsi:nil="true"/>
+    <_ip_UnifiedCompliancePolicyUIAction xmlns="http://schemas.microsoft.com/sharepoint/v3" xsi:nil="true"/>
+    <Image xmlns="71af3243-3dd4-4a8d-8c0d-dd76da1f02a5">
+      <Url xsi:nil="true"/>
+      <Description xsi:nil="true"/>
+    </Image>
+    <Background xmlns="71af3243-3dd4-4a8d-8c0d-dd76da1f02a5">false</Background>
+    <_ip_UnifiedCompliancePolicyProperties xmlns="http://schemas.microsoft.com/sharepoint/v3" xsi:nil="true"/>
+    <ImageTagsTaxHTField xmlns="71af3243-3dd4-4a8d-8c0d-dd76da1f02a5">
+      <Terms xmlns="http://schemas.microsoft.com/office/infopath/2007/PartnerControls"/>
+    </ImageTagsTaxHTField>
+    <TaxCatchAll xmlns="230e9df3-be65-4c73-a93b-d1236ebd677e" xsi:nil="true"/>
+  </documentManagement>
+</p:properties>
+</file>
+
 <file path=customXml/itemProps1.xml><?xml version="1.0" encoding="utf-8"?>
 <ds:datastoreItem xmlns:ds="http://schemas.openxmlformats.org/officeDocument/2006/customXml" ds:itemID="{AA3F7EDC-E5B4-4BBC-9D2A-CBE6D46C37AD}">
   <ds:schemaRefs>
@@ -16634,18 +16634,6 @@
 </file>
 
 <file path=customXml/itemProps2.xml><?xml version="1.0" encoding="utf-8"?>
-<ds:datastoreItem xmlns:ds="http://schemas.openxmlformats.org/officeDocument/2006/customXml" ds:itemID="{A03EEFF0-FB57-4CB4-8BFC-DF397689E2ED}">
-  <ds:schemaRefs>
-    <ds:schemaRef ds:uri="http://schemas.microsoft.com/office/2006/metadata/properties"/>
-    <ds:schemaRef ds:uri="http://schemas.microsoft.com/office/infopath/2007/PartnerControls"/>
-    <ds:schemaRef ds:uri="71af3243-3dd4-4a8d-8c0d-dd76da1f02a5"/>
-    <ds:schemaRef ds:uri="http://schemas.microsoft.com/sharepoint/v3"/>
-    <ds:schemaRef ds:uri="230e9df3-be65-4c73-a93b-d1236ebd677e"/>
-  </ds:schemaRefs>
-</ds:datastoreItem>
-</file>
-
-<file path=customXml/itemProps3.xml><?xml version="1.0" encoding="utf-8"?>
 <ds:datastoreItem xmlns:ds="http://schemas.openxmlformats.org/officeDocument/2006/customXml" ds:itemID="{D2957789-34B8-480C-AF9B-3EB54B9E5C96}">
   <ds:schemaRefs>
     <ds:schemaRef ds:uri="http://schemas.microsoft.com/office/2006/metadata/contentType"/>
@@ -16664,4 +16652,16 @@
     <ds:schemaRef ds:uri="http://schemas.microsoft.com/internal/obd"/>
   </ds:schemaRefs>
 </ds:datastoreItem>
+</file>
+
+<file path=customXml/itemProps3.xml><?xml version="1.0" encoding="utf-8"?>
+<ds:datastoreItem xmlns:ds="http://schemas.openxmlformats.org/officeDocument/2006/customXml" ds:itemID="{A03EEFF0-FB57-4CB4-8BFC-DF397689E2ED}">
+  <ds:schemaRefs>
+    <ds:schemaRef ds:uri="http://schemas.microsoft.com/office/2006/metadata/properties"/>
+    <ds:schemaRef ds:uri="http://schemas.microsoft.com/office/infopath/2007/PartnerControls"/>
+    <ds:schemaRef ds:uri="71af3243-3dd4-4a8d-8c0d-dd76da1f02a5"/>
+    <ds:schemaRef ds:uri="http://schemas.microsoft.com/sharepoint/v3"/>
+    <ds:schemaRef ds:uri="230e9df3-be65-4c73-a93b-d1236ebd677e"/>
+  </ds:schemaRefs>
+</ds:datastoreItem>
 </file>
--- a/Lectures/II_Data_Visualization_with_Python.pptx
+++ b/Lectures/II_Data_Visualization_with_Python.pptx
@@ -20,13 +20,12 @@
     <p:sldId id="315" r:id="rId17"/>
     <p:sldId id="316" r:id="rId18"/>
     <p:sldId id="317" r:id="rId19"/>
-    <p:sldId id="318" r:id="rId20"/>
-    <p:sldId id="319" r:id="rId21"/>
-    <p:sldId id="320" r:id="rId22"/>
-    <p:sldId id="321" r:id="rId23"/>
-    <p:sldId id="322" r:id="rId24"/>
-    <p:sldId id="323" r:id="rId25"/>
-    <p:sldId id="324" r:id="rId26"/>
+    <p:sldId id="319" r:id="rId20"/>
+    <p:sldId id="320" r:id="rId21"/>
+    <p:sldId id="321" r:id="rId22"/>
+    <p:sldId id="322" r:id="rId23"/>
+    <p:sldId id="323" r:id="rId24"/>
+    <p:sldId id="324" r:id="rId25"/>
   </p:sldIdLst>
   <p:sldSz cx="12192000" cy="6858000"/>
   <p:notesSz cx="6858000" cy="9144000"/>
@@ -4951,7 +4950,7 @@
             </a:pPr>
             <a:r>
               <a:rPr lang="en-US" dirty="0"/>
-              <a:t>https://github.com/MikkoDT/MexEE402_AI/blob/main/Creating_Histograms.ipynb</a:t>
+              <a:t>https://github.com/MikkoDT/MexEE402_AI/tree/main/Python_Visualization/Scores</a:t>
             </a:r>
             <a:endParaRPr lang="en-US" sz="2200" dirty="0"/>
           </a:p>
@@ -7433,710 +7432,6 @@
         <p:cNvPr id="1" name="">
           <a:extLst>
             <a:ext uri="{FF2B5EF4-FFF2-40B4-BE49-F238E27FC236}">
-              <a16:creationId xmlns:a16="http://schemas.microsoft.com/office/drawing/2014/main" id="{F7AE3400-34F3-6BBD-30AE-BFD1FAFC4D7F}"/>
-            </a:ext>
-          </a:extLst>
-        </p:cNvPr>
-        <p:cNvGrpSpPr/>
-        <p:nvPr/>
-      </p:nvGrpSpPr>
-      <p:grpSpPr>
-        <a:xfrm>
-          <a:off x="0" y="0"/>
-          <a:ext cx="0" cy="0"/>
-          <a:chOff x="0" y="0"/>
-          <a:chExt cx="0" cy="0"/>
-        </a:xfrm>
-      </p:grpSpPr>
-      <p:sp>
-        <p:nvSpPr>
-          <p:cNvPr id="2" name="Title 1">
-            <a:extLst>
-              <a:ext uri="{FF2B5EF4-FFF2-40B4-BE49-F238E27FC236}">
-                <a16:creationId xmlns:a16="http://schemas.microsoft.com/office/drawing/2014/main" id="{11B2EA6A-3F70-303C-C17F-D132DEC22F9D}"/>
-              </a:ext>
-            </a:extLst>
-          </p:cNvPr>
-          <p:cNvSpPr>
-            <a:spLocks noGrp="1"/>
-          </p:cNvSpPr>
-          <p:nvPr>
-            <p:ph type="title"/>
-          </p:nvPr>
-        </p:nvSpPr>
-        <p:spPr>
-          <a:xfrm>
-            <a:off x="1097280" y="319024"/>
-            <a:ext cx="10058400" cy="1450757"/>
-          </a:xfrm>
-        </p:spPr>
-        <p:txBody>
-          <a:bodyPr>
-            <a:noAutofit/>
-          </a:bodyPr>
-          <a:lstStyle/>
-          <a:p>
-            <a:r>
-              <a:rPr lang="en-US" sz="3200" dirty="0">
-                <a:cs typeface="Arial" panose="020B0604020202020204" pitchFamily="34" charset="0"/>
-              </a:rPr>
-              <a:t>4. </a:t>
-            </a:r>
-            <a:r>
-              <a:rPr lang="en-US" sz="4000" dirty="0">
-                <a:cs typeface="Arial" panose="020B0604020202020204" pitchFamily="34" charset="0"/>
-              </a:rPr>
-              <a:t>Mastering Time Series Visualization with Line Charts in Google </a:t>
-            </a:r>
-            <a:r>
-              <a:rPr lang="en-US" sz="4000" dirty="0" err="1">
-                <a:cs typeface="Arial" panose="020B0604020202020204" pitchFamily="34" charset="0"/>
-              </a:rPr>
-              <a:t>Colab</a:t>
-            </a:r>
-            <a:r>
-              <a:rPr lang="en-US" sz="3200" dirty="0">
-                <a:cs typeface="Arial" panose="020B0604020202020204" pitchFamily="34" charset="0"/>
-              </a:rPr>
-              <a:t> </a:t>
-            </a:r>
-            <a:endParaRPr lang="en-PH" sz="3200" dirty="0">
-              <a:cs typeface="Arial" panose="020B0604020202020204" pitchFamily="34" charset="0"/>
-            </a:endParaRPr>
-          </a:p>
-        </p:txBody>
-      </p:sp>
-      <p:sp>
-        <p:nvSpPr>
-          <p:cNvPr id="3" name="Content Placeholder 2">
-            <a:extLst>
-              <a:ext uri="{FF2B5EF4-FFF2-40B4-BE49-F238E27FC236}">
-                <a16:creationId xmlns:a16="http://schemas.microsoft.com/office/drawing/2014/main" id="{9F3E5C76-C06B-14C5-EA93-1369D457DF9D}"/>
-              </a:ext>
-            </a:extLst>
-          </p:cNvPr>
-          <p:cNvSpPr>
-            <a:spLocks noGrp="1"/>
-          </p:cNvSpPr>
-          <p:nvPr>
-            <p:ph idx="1"/>
-          </p:nvPr>
-        </p:nvSpPr>
-        <p:spPr>
-          <a:xfrm>
-            <a:off x="1219200" y="2462279"/>
-            <a:ext cx="4615991" cy="3900813"/>
-          </a:xfrm>
-          <a:ln>
-            <a:solidFill>
-              <a:schemeClr val="tx1"/>
-            </a:solidFill>
-          </a:ln>
-        </p:spPr>
-        <p:txBody>
-          <a:bodyPr>
-            <a:normAutofit fontScale="77500" lnSpcReduction="20000"/>
-          </a:bodyPr>
-          <a:lstStyle/>
-          <a:p>
-            <a:pPr>
-              <a:buFont typeface="Wingdings" panose="05000000000000000000" pitchFamily="2" charset="2"/>
-              <a:buChar char="v"/>
-            </a:pPr>
-            <a:r>
-              <a:rPr lang="en-US" sz="2400" dirty="0"/>
-              <a:t> Collection of </a:t>
-            </a:r>
-            <a:r>
-              <a:rPr lang="en-US" sz="2400" b="1" dirty="0"/>
-              <a:t>data points over time</a:t>
-            </a:r>
-            <a:r>
-              <a:rPr lang="en-US" sz="2400" dirty="0"/>
-              <a:t> (chronological order matters)</a:t>
-            </a:r>
-          </a:p>
-          <a:p>
-            <a:pPr>
-              <a:buFont typeface="Wingdings" panose="05000000000000000000" pitchFamily="2" charset="2"/>
-              <a:buChar char="v"/>
-            </a:pPr>
-            <a:r>
-              <a:rPr lang="en-US" sz="2400" dirty="0"/>
-              <a:t> Example: </a:t>
-            </a:r>
-            <a:r>
-              <a:rPr lang="en-US" sz="2400" b="1" dirty="0"/>
-              <a:t>Hourly temperature readings</a:t>
-            </a:r>
-            <a:r>
-              <a:rPr lang="en-US" sz="2400" dirty="0"/>
-              <a:t> form a time series</a:t>
-            </a:r>
-          </a:p>
-          <a:p>
-            <a:pPr>
-              <a:buFont typeface="Wingdings" panose="05000000000000000000" pitchFamily="2" charset="2"/>
-              <a:buChar char="v"/>
-            </a:pPr>
-            <a:r>
-              <a:rPr lang="en-US" sz="2400" dirty="0"/>
-              <a:t> </a:t>
-            </a:r>
-            <a:r>
-              <a:rPr lang="en-PH" sz="2400" dirty="0"/>
-              <a:t>Applications:</a:t>
-            </a:r>
-          </a:p>
-          <a:p>
-            <a:pPr lvl="1">
-              <a:buFont typeface="Wingdings" panose="05000000000000000000" pitchFamily="2" charset="2"/>
-              <a:buChar char="v"/>
-            </a:pPr>
-            <a:r>
-              <a:rPr lang="en-PH" sz="2200" dirty="0"/>
-              <a:t> </a:t>
-            </a:r>
-            <a:r>
-              <a:rPr lang="en-PH" sz="2400" b="1" dirty="0"/>
-              <a:t>Finance</a:t>
-            </a:r>
-            <a:r>
-              <a:rPr lang="en-PH" sz="2400" dirty="0"/>
-              <a:t> → stock trends</a:t>
-            </a:r>
-          </a:p>
-          <a:p>
-            <a:pPr lvl="1">
-              <a:buFont typeface="Wingdings" panose="05000000000000000000" pitchFamily="2" charset="2"/>
-              <a:buChar char="v"/>
-            </a:pPr>
-            <a:r>
-              <a:rPr lang="en-PH" sz="2400" dirty="0"/>
-              <a:t> </a:t>
-            </a:r>
-            <a:r>
-              <a:rPr lang="en-PH" sz="2400" b="1" dirty="0"/>
-              <a:t>Weather</a:t>
-            </a:r>
-            <a:r>
-              <a:rPr lang="en-PH" sz="2400" dirty="0"/>
-              <a:t> → forecasting patterns</a:t>
-            </a:r>
-          </a:p>
-          <a:p>
-            <a:pPr lvl="1">
-              <a:buFont typeface="Wingdings" panose="05000000000000000000" pitchFamily="2" charset="2"/>
-              <a:buChar char="v"/>
-            </a:pPr>
-            <a:r>
-              <a:rPr lang="en-PH" sz="2400" dirty="0"/>
-              <a:t> </a:t>
-            </a:r>
-            <a:r>
-              <a:rPr lang="en-PH" sz="2400" b="1" dirty="0"/>
-              <a:t>Healthcare</a:t>
-            </a:r>
-            <a:r>
-              <a:rPr lang="en-PH" sz="2400" dirty="0"/>
-              <a:t> → tracking patient vitals</a:t>
-            </a:r>
-          </a:p>
-          <a:p>
-            <a:pPr lvl="1">
-              <a:buFont typeface="Wingdings" panose="05000000000000000000" pitchFamily="2" charset="2"/>
-              <a:buChar char="v"/>
-            </a:pPr>
-            <a:r>
-              <a:rPr lang="en-PH" sz="2400" dirty="0"/>
-              <a:t> </a:t>
-            </a:r>
-            <a:r>
-              <a:rPr lang="en-PH" sz="2400" b="1" dirty="0"/>
-              <a:t>E-commerce</a:t>
-            </a:r>
-            <a:r>
-              <a:rPr lang="en-PH" sz="2400" dirty="0"/>
-              <a:t> → analyzing website traffic</a:t>
-            </a:r>
-            <a:endParaRPr lang="en-PH" sz="2200" dirty="0"/>
-          </a:p>
-          <a:p>
-            <a:pPr marL="0" lvl="1" indent="0">
-              <a:buNone/>
-            </a:pPr>
-            <a:r>
-              <a:rPr lang="en-PH" sz="2400" b="1" dirty="0"/>
-              <a:t>Key Value:</a:t>
-            </a:r>
-          </a:p>
-          <a:p>
-            <a:pPr marL="342900" lvl="1" indent="-342900">
-              <a:buFont typeface="Wingdings" panose="05000000000000000000" pitchFamily="2" charset="2"/>
-              <a:buChar char="v"/>
-            </a:pPr>
-            <a:r>
-              <a:rPr lang="en-US" sz="2400" dirty="0"/>
-              <a:t>Explains the </a:t>
-            </a:r>
-            <a:r>
-              <a:rPr lang="en-US" sz="2400" b="1" dirty="0"/>
-              <a:t>past</a:t>
-            </a:r>
-            <a:r>
-              <a:rPr lang="en-US" sz="2400" dirty="0"/>
-              <a:t> and provides insights into the </a:t>
-            </a:r>
-            <a:r>
-              <a:rPr lang="en-US" sz="2400" b="1" dirty="0"/>
-              <a:t>future</a:t>
-            </a:r>
-            <a:endParaRPr lang="en-PH" sz="2400" b="1" dirty="0"/>
-          </a:p>
-        </p:txBody>
-      </p:sp>
-      <p:sp>
-        <p:nvSpPr>
-          <p:cNvPr id="4" name="TextBox 3">
-            <a:extLst>
-              <a:ext uri="{FF2B5EF4-FFF2-40B4-BE49-F238E27FC236}">
-                <a16:creationId xmlns:a16="http://schemas.microsoft.com/office/drawing/2014/main" id="{716E6AFF-2B57-DA08-EFBD-2788AABF64AC}"/>
-              </a:ext>
-            </a:extLst>
-          </p:cNvPr>
-          <p:cNvSpPr txBox="1"/>
-          <p:nvPr/>
-        </p:nvSpPr>
-        <p:spPr>
-          <a:xfrm>
-            <a:off x="1219200" y="2000614"/>
-            <a:ext cx="4615991" cy="400110"/>
-          </a:xfrm>
-          <a:prstGeom prst="rect">
-            <a:avLst/>
-          </a:prstGeom>
-          <a:noFill/>
-        </p:spPr>
-        <p:txBody>
-          <a:bodyPr wrap="square" rtlCol="0">
-            <a:spAutoFit/>
-          </a:bodyPr>
-          <a:lstStyle/>
-          <a:p>
-            <a:r>
-              <a:rPr lang="en-PH" sz="2000" b="1" dirty="0">
-                <a:latin typeface="Arial" panose="020B0604020202020204" pitchFamily="34" charset="0"/>
-                <a:cs typeface="Arial" panose="020B0604020202020204" pitchFamily="34" charset="0"/>
-              </a:rPr>
-              <a:t>Understanding Time Series Data</a:t>
-            </a:r>
-          </a:p>
-        </p:txBody>
-      </p:sp>
-      <p:sp>
-        <p:nvSpPr>
-          <p:cNvPr id="7" name="TextBox 6">
-            <a:extLst>
-              <a:ext uri="{FF2B5EF4-FFF2-40B4-BE49-F238E27FC236}">
-                <a16:creationId xmlns:a16="http://schemas.microsoft.com/office/drawing/2014/main" id="{7C1D0256-D7E7-0438-CA29-A0D8ED793974}"/>
-              </a:ext>
-            </a:extLst>
-          </p:cNvPr>
-          <p:cNvSpPr txBox="1"/>
-          <p:nvPr/>
-        </p:nvSpPr>
-        <p:spPr>
-          <a:xfrm>
-            <a:off x="6356805" y="2000614"/>
-            <a:ext cx="4798875" cy="461665"/>
-          </a:xfrm>
-          <a:prstGeom prst="rect">
-            <a:avLst/>
-          </a:prstGeom>
-          <a:noFill/>
-        </p:spPr>
-        <p:txBody>
-          <a:bodyPr wrap="square" rtlCol="0">
-            <a:spAutoFit/>
-          </a:bodyPr>
-          <a:lstStyle/>
-          <a:p>
-            <a:r>
-              <a:rPr lang="en-PH" sz="2400" b="1" dirty="0">
-                <a:latin typeface="Arial" panose="020B0604020202020204" pitchFamily="34" charset="0"/>
-                <a:cs typeface="Arial" panose="020B0604020202020204" pitchFamily="34" charset="0"/>
-              </a:rPr>
-              <a:t>Visualizing Time Series Data</a:t>
-            </a:r>
-          </a:p>
-        </p:txBody>
-      </p:sp>
-      <p:sp>
-        <p:nvSpPr>
-          <p:cNvPr id="8" name="Content Placeholder 2">
-            <a:extLst>
-              <a:ext uri="{FF2B5EF4-FFF2-40B4-BE49-F238E27FC236}">
-                <a16:creationId xmlns:a16="http://schemas.microsoft.com/office/drawing/2014/main" id="{AC965224-AA13-096B-44BD-8BA3E59C3115}"/>
-              </a:ext>
-            </a:extLst>
-          </p:cNvPr>
-          <p:cNvSpPr txBox="1">
-            <a:spLocks/>
-          </p:cNvSpPr>
-          <p:nvPr/>
-        </p:nvSpPr>
-        <p:spPr>
-          <a:xfrm>
-            <a:off x="6356805" y="2462279"/>
-            <a:ext cx="5049627" cy="3900813"/>
-          </a:xfrm>
-          <a:prstGeom prst="rect">
-            <a:avLst/>
-          </a:prstGeom>
-          <a:ln>
-            <a:solidFill>
-              <a:schemeClr val="tx1"/>
-            </a:solidFill>
-          </a:ln>
-        </p:spPr>
-        <p:txBody>
-          <a:bodyPr vert="horz" lIns="0" tIns="45720" rIns="0" bIns="45720" rtlCol="0">
-            <a:normAutofit fontScale="70000" lnSpcReduction="20000"/>
-          </a:bodyPr>
-          <a:lstStyle>
-            <a:lvl1pPr marL="91440" indent="-91440" algn="l" defTabSz="914400" rtl="0" eaLnBrk="1" latinLnBrk="0" hangingPunct="1">
-              <a:lnSpc>
-                <a:spcPct val="110000"/>
-              </a:lnSpc>
-              <a:spcBef>
-                <a:spcPts val="1200"/>
-              </a:spcBef>
-              <a:spcAft>
-                <a:spcPts val="200"/>
-              </a:spcAft>
-              <a:buClr>
-                <a:schemeClr val="accent1"/>
-              </a:buClr>
-              <a:buSzPct val="100000"/>
-              <a:buFont typeface="Calibri" panose="020F0502020204030204" pitchFamily="34" charset="0"/>
-              <a:buChar char=" "/>
-              <a:defRPr sz="1900" kern="1200">
-                <a:solidFill>
-                  <a:schemeClr val="tx1">
-                    <a:lumMod val="75000"/>
-                    <a:lumOff val="25000"/>
-                  </a:schemeClr>
-                </a:solidFill>
-                <a:latin typeface="+mn-lt"/>
-                <a:ea typeface="+mn-ea"/>
-                <a:cs typeface="+mn-cs"/>
-              </a:defRPr>
-            </a:lvl1pPr>
-            <a:lvl2pPr marL="384048" indent="-182880" algn="l" defTabSz="914400" rtl="0" eaLnBrk="1" latinLnBrk="0" hangingPunct="1">
-              <a:lnSpc>
-                <a:spcPct val="100000"/>
-              </a:lnSpc>
-              <a:spcBef>
-                <a:spcPts val="200"/>
-              </a:spcBef>
-              <a:spcAft>
-                <a:spcPts val="400"/>
-              </a:spcAft>
-              <a:buClrTx/>
-              <a:buFont typeface="Calibri" pitchFamily="34" charset="0"/>
-              <a:buChar char="◦"/>
-              <a:defRPr sz="1700" kern="1200">
-                <a:solidFill>
-                  <a:schemeClr val="tx1">
-                    <a:lumMod val="75000"/>
-                    <a:lumOff val="25000"/>
-                  </a:schemeClr>
-                </a:solidFill>
-                <a:latin typeface="+mn-lt"/>
-                <a:ea typeface="+mn-ea"/>
-                <a:cs typeface="+mn-cs"/>
-              </a:defRPr>
-            </a:lvl2pPr>
-            <a:lvl3pPr marL="566928" indent="-182880" algn="l" defTabSz="914400" rtl="0" eaLnBrk="1" latinLnBrk="0" hangingPunct="1">
-              <a:lnSpc>
-                <a:spcPct val="100000"/>
-              </a:lnSpc>
-              <a:spcBef>
-                <a:spcPts val="200"/>
-              </a:spcBef>
-              <a:spcAft>
-                <a:spcPts val="400"/>
-              </a:spcAft>
-              <a:buClrTx/>
-              <a:buFont typeface="Calibri" pitchFamily="34" charset="0"/>
-              <a:buChar char="◦"/>
-              <a:defRPr sz="1300" kern="1200">
-                <a:solidFill>
-                  <a:schemeClr val="tx1">
-                    <a:lumMod val="75000"/>
-                    <a:lumOff val="25000"/>
-                  </a:schemeClr>
-                </a:solidFill>
-                <a:latin typeface="+mn-lt"/>
-                <a:ea typeface="+mn-ea"/>
-                <a:cs typeface="+mn-cs"/>
-              </a:defRPr>
-            </a:lvl3pPr>
-            <a:lvl4pPr marL="749808" indent="-182880" algn="l" defTabSz="914400" rtl="0" eaLnBrk="1" latinLnBrk="0" hangingPunct="1">
-              <a:lnSpc>
-                <a:spcPct val="100000"/>
-              </a:lnSpc>
-              <a:spcBef>
-                <a:spcPts val="200"/>
-              </a:spcBef>
-              <a:spcAft>
-                <a:spcPts val="400"/>
-              </a:spcAft>
-              <a:buClrTx/>
-              <a:buFont typeface="Calibri" pitchFamily="34" charset="0"/>
-              <a:buChar char="◦"/>
-              <a:defRPr sz="1300" kern="1200">
-                <a:solidFill>
-                  <a:schemeClr val="tx1">
-                    <a:lumMod val="75000"/>
-                    <a:lumOff val="25000"/>
-                  </a:schemeClr>
-                </a:solidFill>
-                <a:latin typeface="+mn-lt"/>
-                <a:ea typeface="+mn-ea"/>
-                <a:cs typeface="+mn-cs"/>
-              </a:defRPr>
-            </a:lvl4pPr>
-            <a:lvl5pPr marL="932688" indent="-182880" algn="l" defTabSz="914400" rtl="0" eaLnBrk="1" latinLnBrk="0" hangingPunct="1">
-              <a:lnSpc>
-                <a:spcPct val="100000"/>
-              </a:lnSpc>
-              <a:spcBef>
-                <a:spcPts val="200"/>
-              </a:spcBef>
-              <a:spcAft>
-                <a:spcPts val="400"/>
-              </a:spcAft>
-              <a:buClrTx/>
-              <a:buFont typeface="Calibri" pitchFamily="34" charset="0"/>
-              <a:buChar char="◦"/>
-              <a:defRPr sz="1300" kern="1200">
-                <a:solidFill>
-                  <a:schemeClr val="tx1">
-                    <a:lumMod val="75000"/>
-                    <a:lumOff val="25000"/>
-                  </a:schemeClr>
-                </a:solidFill>
-                <a:latin typeface="+mn-lt"/>
-                <a:ea typeface="+mn-ea"/>
-                <a:cs typeface="+mn-cs"/>
-              </a:defRPr>
-            </a:lvl5pPr>
-            <a:lvl6pPr marL="1100000" indent="-228600" algn="l" defTabSz="914400" rtl="0" eaLnBrk="1" latinLnBrk="0" hangingPunct="1">
-              <a:lnSpc>
-                <a:spcPct val="90000"/>
-              </a:lnSpc>
-              <a:spcBef>
-                <a:spcPts val="200"/>
-              </a:spcBef>
-              <a:spcAft>
-                <a:spcPts val="400"/>
-              </a:spcAft>
-              <a:buClr>
-                <a:schemeClr val="accent1"/>
-              </a:buClr>
-              <a:buFont typeface="Calibri" pitchFamily="34" charset="0"/>
-              <a:buChar char="◦"/>
-              <a:defRPr sz="1400" kern="1200">
-                <a:solidFill>
-                  <a:schemeClr val="tx1">
-                    <a:lumMod val="75000"/>
-                    <a:lumOff val="25000"/>
-                  </a:schemeClr>
-                </a:solidFill>
-                <a:latin typeface="+mn-lt"/>
-                <a:ea typeface="+mn-ea"/>
-                <a:cs typeface="+mn-cs"/>
-              </a:defRPr>
-            </a:lvl6pPr>
-            <a:lvl7pPr marL="1300000" indent="-228600" algn="l" defTabSz="914400" rtl="0" eaLnBrk="1" latinLnBrk="0" hangingPunct="1">
-              <a:lnSpc>
-                <a:spcPct val="90000"/>
-              </a:lnSpc>
-              <a:spcBef>
-                <a:spcPts val="200"/>
-              </a:spcBef>
-              <a:spcAft>
-                <a:spcPts val="400"/>
-              </a:spcAft>
-              <a:buClr>
-                <a:schemeClr val="accent1"/>
-              </a:buClr>
-              <a:buFont typeface="Calibri" pitchFamily="34" charset="0"/>
-              <a:buChar char="◦"/>
-              <a:defRPr sz="1400" kern="1200">
-                <a:solidFill>
-                  <a:schemeClr val="tx1">
-                    <a:lumMod val="75000"/>
-                    <a:lumOff val="25000"/>
-                  </a:schemeClr>
-                </a:solidFill>
-                <a:latin typeface="+mn-lt"/>
-                <a:ea typeface="+mn-ea"/>
-                <a:cs typeface="+mn-cs"/>
-              </a:defRPr>
-            </a:lvl7pPr>
-            <a:lvl8pPr marL="1500000" indent="-228600" algn="l" defTabSz="914400" rtl="0" eaLnBrk="1" latinLnBrk="0" hangingPunct="1">
-              <a:lnSpc>
-                <a:spcPct val="90000"/>
-              </a:lnSpc>
-              <a:spcBef>
-                <a:spcPts val="200"/>
-              </a:spcBef>
-              <a:spcAft>
-                <a:spcPts val="400"/>
-              </a:spcAft>
-              <a:buClr>
-                <a:schemeClr val="accent1"/>
-              </a:buClr>
-              <a:buFont typeface="Calibri" pitchFamily="34" charset="0"/>
-              <a:buChar char="◦"/>
-              <a:defRPr sz="1400" kern="1200">
-                <a:solidFill>
-                  <a:schemeClr val="tx1">
-                    <a:lumMod val="75000"/>
-                    <a:lumOff val="25000"/>
-                  </a:schemeClr>
-                </a:solidFill>
-                <a:latin typeface="+mn-lt"/>
-                <a:ea typeface="+mn-ea"/>
-                <a:cs typeface="+mn-cs"/>
-              </a:defRPr>
-            </a:lvl8pPr>
-            <a:lvl9pPr marL="1700000" indent="-228600" algn="l" defTabSz="914400" rtl="0" eaLnBrk="1" latinLnBrk="0" hangingPunct="1">
-              <a:lnSpc>
-                <a:spcPct val="90000"/>
-              </a:lnSpc>
-              <a:spcBef>
-                <a:spcPts val="200"/>
-              </a:spcBef>
-              <a:spcAft>
-                <a:spcPts val="400"/>
-              </a:spcAft>
-              <a:buClr>
-                <a:schemeClr val="accent1"/>
-              </a:buClr>
-              <a:buFont typeface="Calibri" pitchFamily="34" charset="0"/>
-              <a:buChar char="◦"/>
-              <a:defRPr sz="1400" kern="1200">
-                <a:solidFill>
-                  <a:schemeClr val="tx1">
-                    <a:lumMod val="75000"/>
-                    <a:lumOff val="25000"/>
-                  </a:schemeClr>
-                </a:solidFill>
-                <a:latin typeface="+mn-lt"/>
-                <a:ea typeface="+mn-ea"/>
-                <a:cs typeface="+mn-cs"/>
-              </a:defRPr>
-            </a:lvl9pPr>
-          </a:lstStyle>
-          <a:p>
-            <a:pPr>
-              <a:buFont typeface="Wingdings" panose="05000000000000000000" pitchFamily="2" charset="2"/>
-              <a:buChar char="v"/>
-            </a:pPr>
-            <a:r>
-              <a:rPr lang="en-US" dirty="0"/>
-              <a:t> </a:t>
-            </a:r>
-            <a:r>
-              <a:rPr lang="en-US" sz="3600" b="1" dirty="0"/>
-              <a:t>Line charts</a:t>
-            </a:r>
-            <a:r>
-              <a:rPr lang="en-US" sz="3600" dirty="0"/>
-              <a:t> → simple &amp; effective for time series</a:t>
-            </a:r>
-          </a:p>
-          <a:p>
-            <a:pPr>
-              <a:buFont typeface="Wingdings" panose="05000000000000000000" pitchFamily="2" charset="2"/>
-              <a:buChar char="v"/>
-            </a:pPr>
-            <a:r>
-              <a:rPr lang="en-US" sz="3600" dirty="0"/>
-              <a:t> Reveal </a:t>
-            </a:r>
-            <a:r>
-              <a:rPr lang="en-US" sz="3600" b="1" dirty="0"/>
-              <a:t>patterns, trends, and outliers (</a:t>
-            </a:r>
-            <a:r>
-              <a:rPr lang="en-US" sz="3600" dirty="0"/>
-              <a:t>data points that deviate significantly from the overall pattern)</a:t>
-            </a:r>
-          </a:p>
-          <a:p>
-            <a:pPr lvl="1">
-              <a:buFont typeface="Wingdings" panose="05000000000000000000" pitchFamily="2" charset="2"/>
-              <a:buChar char="v"/>
-            </a:pPr>
-            <a:r>
-              <a:rPr lang="en-US" sz="3400" dirty="0"/>
-              <a:t> </a:t>
-            </a:r>
-            <a:r>
-              <a:rPr lang="en-US" sz="3600" dirty="0"/>
-              <a:t>Appear as </a:t>
-            </a:r>
-            <a:r>
-              <a:rPr lang="en-US" sz="3600" b="1" dirty="0"/>
-              <a:t>unusually high or low values</a:t>
-            </a:r>
-            <a:r>
-              <a:rPr lang="en-US" sz="3600" dirty="0"/>
-              <a:t> in a time series</a:t>
-            </a:r>
-          </a:p>
-          <a:p>
-            <a:pPr lvl="1">
-              <a:buFont typeface="Wingdings" panose="05000000000000000000" pitchFamily="2" charset="2"/>
-              <a:buChar char="v"/>
-            </a:pPr>
-            <a:r>
-              <a:rPr lang="en-US" sz="3600" dirty="0"/>
-              <a:t> May indicate </a:t>
-            </a:r>
-            <a:r>
-              <a:rPr lang="en-US" sz="3600" b="1" dirty="0"/>
-              <a:t>errors, rare events, or important anomalies</a:t>
-            </a:r>
-            <a:endParaRPr lang="en-US" sz="3400" dirty="0"/>
-          </a:p>
-        </p:txBody>
-      </p:sp>
-    </p:spTree>
-    <p:extLst>
-      <p:ext uri="{BB962C8B-B14F-4D97-AF65-F5344CB8AC3E}">
-        <p14:creationId xmlns:p14="http://schemas.microsoft.com/office/powerpoint/2010/main" val="3861353293"/>
-      </p:ext>
-    </p:extLst>
-  </p:cSld>
-  <p:clrMapOvr>
-    <a:masterClrMapping/>
-  </p:clrMapOvr>
-</p:sld>
-</file>
-
-<file path=ppt/slides/slide17.xml><?xml version="1.0" encoding="utf-8"?>
-<p:sld xmlns:a="http://schemas.openxmlformats.org/drawingml/2006/main" xmlns:r="http://schemas.openxmlformats.org/officeDocument/2006/relationships" xmlns:p="http://schemas.openxmlformats.org/presentationml/2006/main">
-  <p:cSld>
-    <p:spTree>
-      <p:nvGrpSpPr>
-        <p:cNvPr id="1" name="">
-          <a:extLst>
-            <a:ext uri="{FF2B5EF4-FFF2-40B4-BE49-F238E27FC236}">
               <a16:creationId xmlns:a16="http://schemas.microsoft.com/office/drawing/2014/main" id="{E29D9DA4-486E-90E8-E963-A57A0D304A28}"/>
             </a:ext>
           </a:extLst>
@@ -8629,7 +7924,7 @@
             </a:pPr>
             <a:r>
               <a:rPr lang="en-US" dirty="0"/>
-              <a:t>https://github.com/MikkoDT/MexEE402_AI/blob/main/Visualizing_Time_Series_Data_with_Line_Charts.ipynb</a:t>
+              <a:t>https://github.com/MikkoDT/MexEE402_AI/tree/main/Python_Visualization/Line_Charts</a:t>
             </a:r>
             <a:endParaRPr lang="en-US" sz="2200" dirty="0"/>
           </a:p>
@@ -8648,7 +7943,7 @@
 </p:sld>
 </file>
 
-<file path=ppt/slides/slide18.xml><?xml version="1.0" encoding="utf-8"?>
+<file path=ppt/slides/slide17.xml><?xml version="1.0" encoding="utf-8"?>
 <p:sld xmlns:a="http://schemas.openxmlformats.org/drawingml/2006/main" xmlns:r="http://schemas.openxmlformats.org/officeDocument/2006/relationships" xmlns:p="http://schemas.openxmlformats.org/presentationml/2006/main">
   <p:cSld>
     <p:spTree>
@@ -9240,7 +8535,7 @@
 </p:sld>
 </file>
 
-<file path=ppt/slides/slide19.xml><?xml version="1.0" encoding="utf-8"?>
+<file path=ppt/slides/slide18.xml><?xml version="1.0" encoding="utf-8"?>
 <p:sld xmlns:a="http://schemas.openxmlformats.org/drawingml/2006/main" xmlns:r="http://schemas.openxmlformats.org/officeDocument/2006/relationships" xmlns:p="http://schemas.openxmlformats.org/presentationml/2006/main">
   <p:cSld>
     <p:spTree>
@@ -9939,6 +9234,244 @@
     <p:extLst>
       <p:ext uri="{BB962C8B-B14F-4D97-AF65-F5344CB8AC3E}">
         <p14:creationId xmlns:p14="http://schemas.microsoft.com/office/powerpoint/2010/main" val="3112566616"/>
+      </p:ext>
+    </p:extLst>
+  </p:cSld>
+  <p:clrMapOvr>
+    <a:masterClrMapping/>
+  </p:clrMapOvr>
+</p:sld>
+</file>
+
+<file path=ppt/slides/slide19.xml><?xml version="1.0" encoding="utf-8"?>
+<p:sld xmlns:a="http://schemas.openxmlformats.org/drawingml/2006/main" xmlns:r="http://schemas.openxmlformats.org/officeDocument/2006/relationships" xmlns:p="http://schemas.openxmlformats.org/presentationml/2006/main">
+  <p:cSld>
+    <p:spTree>
+      <p:nvGrpSpPr>
+        <p:cNvPr id="1" name="">
+          <a:extLst>
+            <a:ext uri="{FF2B5EF4-FFF2-40B4-BE49-F238E27FC236}">
+              <a16:creationId xmlns:a16="http://schemas.microsoft.com/office/drawing/2014/main" id="{122271F5-13BD-5B08-3FCE-D8DD8100A705}"/>
+            </a:ext>
+          </a:extLst>
+        </p:cNvPr>
+        <p:cNvGrpSpPr/>
+        <p:nvPr/>
+      </p:nvGrpSpPr>
+      <p:grpSpPr>
+        <a:xfrm>
+          <a:off x="0" y="0"/>
+          <a:ext cx="0" cy="0"/>
+          <a:chOff x="0" y="0"/>
+          <a:chExt cx="0" cy="0"/>
+        </a:xfrm>
+      </p:grpSpPr>
+      <p:sp>
+        <p:nvSpPr>
+          <p:cNvPr id="2" name="Title 1">
+            <a:extLst>
+              <a:ext uri="{FF2B5EF4-FFF2-40B4-BE49-F238E27FC236}">
+                <a16:creationId xmlns:a16="http://schemas.microsoft.com/office/drawing/2014/main" id="{26B1AE22-CEB6-9D6E-3CFD-CF8C393EDD98}"/>
+              </a:ext>
+            </a:extLst>
+          </p:cNvPr>
+          <p:cNvSpPr>
+            <a:spLocks noGrp="1"/>
+          </p:cNvSpPr>
+          <p:nvPr>
+            <p:ph type="title"/>
+          </p:nvPr>
+        </p:nvSpPr>
+        <p:spPr/>
+        <p:txBody>
+          <a:bodyPr>
+            <a:normAutofit/>
+          </a:bodyPr>
+          <a:lstStyle/>
+          <a:p>
+            <a:r>
+              <a:rPr lang="en-US" sz="3200" dirty="0">
+                <a:cs typeface="Arial" panose="020B0604020202020204" pitchFamily="34" charset="0"/>
+              </a:rPr>
+              <a:t>4. </a:t>
+            </a:r>
+            <a:r>
+              <a:rPr lang="en-US" sz="4000" dirty="0">
+                <a:cs typeface="Arial" panose="020B0604020202020204" pitchFamily="34" charset="0"/>
+              </a:rPr>
+              <a:t>Mastering Time Series Visualization with Line Charts in Google </a:t>
+            </a:r>
+            <a:r>
+              <a:rPr lang="en-US" sz="4000" dirty="0" err="1">
+                <a:cs typeface="Arial" panose="020B0604020202020204" pitchFamily="34" charset="0"/>
+              </a:rPr>
+              <a:t>Colab</a:t>
+            </a:r>
+            <a:r>
+              <a:rPr lang="en-US" sz="3200" dirty="0">
+                <a:cs typeface="Arial" panose="020B0604020202020204" pitchFamily="34" charset="0"/>
+              </a:rPr>
+              <a:t> </a:t>
+            </a:r>
+            <a:endParaRPr lang="en-PH" sz="4000" dirty="0"/>
+          </a:p>
+        </p:txBody>
+      </p:sp>
+      <p:sp>
+        <p:nvSpPr>
+          <p:cNvPr id="3" name="Content Placeholder 2">
+            <a:extLst>
+              <a:ext uri="{FF2B5EF4-FFF2-40B4-BE49-F238E27FC236}">
+                <a16:creationId xmlns:a16="http://schemas.microsoft.com/office/drawing/2014/main" id="{8C72A18B-199B-FB27-67FB-8116C522D951}"/>
+              </a:ext>
+            </a:extLst>
+          </p:cNvPr>
+          <p:cNvSpPr>
+            <a:spLocks noGrp="1"/>
+          </p:cNvSpPr>
+          <p:nvPr>
+            <p:ph idx="1"/>
+          </p:nvPr>
+        </p:nvSpPr>
+        <p:spPr>
+          <a:xfrm>
+            <a:off x="1219200" y="2017336"/>
+            <a:ext cx="4876800" cy="4317476"/>
+          </a:xfrm>
+          <a:ln>
+            <a:solidFill>
+              <a:schemeClr val="tx1"/>
+            </a:solidFill>
+          </a:ln>
+        </p:spPr>
+        <p:txBody>
+          <a:bodyPr>
+            <a:normAutofit/>
+          </a:bodyPr>
+          <a:lstStyle/>
+          <a:p>
+            <a:r>
+              <a:rPr lang="en-PH" b="1" dirty="0" err="1"/>
+              <a:t>plt.plot</a:t>
+            </a:r>
+            <a:r>
+              <a:rPr lang="en-PH" b="1" dirty="0"/>
+              <a:t>(</a:t>
+            </a:r>
+            <a:r>
+              <a:rPr lang="en-PH" b="1" dirty="0" err="1"/>
+              <a:t>df</a:t>
+            </a:r>
+            <a:r>
+              <a:rPr lang="en-PH" b="1" dirty="0"/>
+              <a:t>['Date'], </a:t>
+            </a:r>
+            <a:r>
+              <a:rPr lang="en-PH" b="1" dirty="0" err="1"/>
+              <a:t>df</a:t>
+            </a:r>
+            <a:r>
+              <a:rPr lang="en-PH" b="1" dirty="0"/>
+              <a:t>['Temperature'])</a:t>
+            </a:r>
+          </a:p>
+          <a:p>
+            <a:r>
+              <a:rPr lang="en-PH" b="1" dirty="0" err="1"/>
+              <a:t>plt.title</a:t>
+            </a:r>
+            <a:r>
+              <a:rPr lang="en-PH" b="1" dirty="0"/>
+              <a:t>('Daily Temperature Over a Month')</a:t>
+            </a:r>
+          </a:p>
+          <a:p>
+            <a:r>
+              <a:rPr lang="en-PH" b="1" dirty="0" err="1"/>
+              <a:t>plt.xlabel</a:t>
+            </a:r>
+            <a:r>
+              <a:rPr lang="en-PH" b="1" dirty="0"/>
+              <a:t>('Date')</a:t>
+            </a:r>
+          </a:p>
+          <a:p>
+            <a:r>
+              <a:rPr lang="en-PH" b="1" dirty="0" err="1"/>
+              <a:t>plt.ylabel</a:t>
+            </a:r>
+            <a:r>
+              <a:rPr lang="en-PH" b="1" dirty="0"/>
+              <a:t>('Temperature')</a:t>
+            </a:r>
+          </a:p>
+          <a:p>
+            <a:r>
+              <a:rPr lang="en-PH" b="1" dirty="0" err="1"/>
+              <a:t>plt.xticks</a:t>
+            </a:r>
+            <a:r>
+              <a:rPr lang="en-PH" b="1" dirty="0"/>
+              <a:t>(rotation=45) # Rotates the x-axis labels by 45 degrees</a:t>
+            </a:r>
+          </a:p>
+          <a:p>
+            <a:r>
+              <a:rPr lang="en-PH" b="1" dirty="0" err="1"/>
+              <a:t>plt.tight_layout</a:t>
+            </a:r>
+            <a:r>
+              <a:rPr lang="en-PH" b="1" dirty="0"/>
+              <a:t>() # Adjusts the layout so everything fits in the figure</a:t>
+            </a:r>
+          </a:p>
+          <a:p>
+            <a:r>
+              <a:rPr lang="en-PH" b="1" dirty="0" err="1"/>
+              <a:t>plt.show</a:t>
+            </a:r>
+            <a:r>
+              <a:rPr lang="en-PH" b="1" dirty="0"/>
+              <a:t>()</a:t>
+            </a:r>
+            <a:endParaRPr lang="en-PH" dirty="0"/>
+          </a:p>
+        </p:txBody>
+      </p:sp>
+      <p:pic>
+        <p:nvPicPr>
+          <p:cNvPr id="5" name="Picture 4">
+            <a:extLst>
+              <a:ext uri="{FF2B5EF4-FFF2-40B4-BE49-F238E27FC236}">
+                <a16:creationId xmlns:a16="http://schemas.microsoft.com/office/drawing/2014/main" id="{709A85BC-F42C-DE9A-3CF0-9F81273FEBB7}"/>
+              </a:ext>
+            </a:extLst>
+          </p:cNvPr>
+          <p:cNvPicPr>
+            <a:picLocks noChangeAspect="1"/>
+          </p:cNvPicPr>
+          <p:nvPr/>
+        </p:nvPicPr>
+        <p:blipFill>
+          <a:blip r:embed="rId2"/>
+          <a:stretch>
+            <a:fillRect/>
+          </a:stretch>
+        </p:blipFill>
+        <p:spPr>
+          <a:xfrm>
+            <a:off x="6096001" y="2017335"/>
+            <a:ext cx="5059680" cy="4317475"/>
+          </a:xfrm>
+          <a:prstGeom prst="rect">
+            <a:avLst/>
+          </a:prstGeom>
+        </p:spPr>
+      </p:pic>
+    </p:spTree>
+    <p:extLst>
+      <p:ext uri="{BB962C8B-B14F-4D97-AF65-F5344CB8AC3E}">
+        <p14:creationId xmlns:p14="http://schemas.microsoft.com/office/powerpoint/2010/main" val="4053710902"/>
       </p:ext>
     </p:extLst>
   </p:cSld>
@@ -10525,244 +10058,6 @@
 </file>
 
 <file path=ppt/slides/slide20.xml><?xml version="1.0" encoding="utf-8"?>
-<p:sld xmlns:a="http://schemas.openxmlformats.org/drawingml/2006/main" xmlns:r="http://schemas.openxmlformats.org/officeDocument/2006/relationships" xmlns:p="http://schemas.openxmlformats.org/presentationml/2006/main">
-  <p:cSld>
-    <p:spTree>
-      <p:nvGrpSpPr>
-        <p:cNvPr id="1" name="">
-          <a:extLst>
-            <a:ext uri="{FF2B5EF4-FFF2-40B4-BE49-F238E27FC236}">
-              <a16:creationId xmlns:a16="http://schemas.microsoft.com/office/drawing/2014/main" id="{122271F5-13BD-5B08-3FCE-D8DD8100A705}"/>
-            </a:ext>
-          </a:extLst>
-        </p:cNvPr>
-        <p:cNvGrpSpPr/>
-        <p:nvPr/>
-      </p:nvGrpSpPr>
-      <p:grpSpPr>
-        <a:xfrm>
-          <a:off x="0" y="0"/>
-          <a:ext cx="0" cy="0"/>
-          <a:chOff x="0" y="0"/>
-          <a:chExt cx="0" cy="0"/>
-        </a:xfrm>
-      </p:grpSpPr>
-      <p:sp>
-        <p:nvSpPr>
-          <p:cNvPr id="2" name="Title 1">
-            <a:extLst>
-              <a:ext uri="{FF2B5EF4-FFF2-40B4-BE49-F238E27FC236}">
-                <a16:creationId xmlns:a16="http://schemas.microsoft.com/office/drawing/2014/main" id="{26B1AE22-CEB6-9D6E-3CFD-CF8C393EDD98}"/>
-              </a:ext>
-            </a:extLst>
-          </p:cNvPr>
-          <p:cNvSpPr>
-            <a:spLocks noGrp="1"/>
-          </p:cNvSpPr>
-          <p:nvPr>
-            <p:ph type="title"/>
-          </p:nvPr>
-        </p:nvSpPr>
-        <p:spPr/>
-        <p:txBody>
-          <a:bodyPr>
-            <a:normAutofit/>
-          </a:bodyPr>
-          <a:lstStyle/>
-          <a:p>
-            <a:r>
-              <a:rPr lang="en-US" sz="3200" dirty="0">
-                <a:cs typeface="Arial" panose="020B0604020202020204" pitchFamily="34" charset="0"/>
-              </a:rPr>
-              <a:t>4. </a:t>
-            </a:r>
-            <a:r>
-              <a:rPr lang="en-US" sz="4000" dirty="0">
-                <a:cs typeface="Arial" panose="020B0604020202020204" pitchFamily="34" charset="0"/>
-              </a:rPr>
-              <a:t>Mastering Time Series Visualization with Line Charts in Google </a:t>
-            </a:r>
-            <a:r>
-              <a:rPr lang="en-US" sz="4000" dirty="0" err="1">
-                <a:cs typeface="Arial" panose="020B0604020202020204" pitchFamily="34" charset="0"/>
-              </a:rPr>
-              <a:t>Colab</a:t>
-            </a:r>
-            <a:r>
-              <a:rPr lang="en-US" sz="3200" dirty="0">
-                <a:cs typeface="Arial" panose="020B0604020202020204" pitchFamily="34" charset="0"/>
-              </a:rPr>
-              <a:t> </a:t>
-            </a:r>
-            <a:endParaRPr lang="en-PH" sz="4000" dirty="0"/>
-          </a:p>
-        </p:txBody>
-      </p:sp>
-      <p:sp>
-        <p:nvSpPr>
-          <p:cNvPr id="3" name="Content Placeholder 2">
-            <a:extLst>
-              <a:ext uri="{FF2B5EF4-FFF2-40B4-BE49-F238E27FC236}">
-                <a16:creationId xmlns:a16="http://schemas.microsoft.com/office/drawing/2014/main" id="{8C72A18B-199B-FB27-67FB-8116C522D951}"/>
-              </a:ext>
-            </a:extLst>
-          </p:cNvPr>
-          <p:cNvSpPr>
-            <a:spLocks noGrp="1"/>
-          </p:cNvSpPr>
-          <p:nvPr>
-            <p:ph idx="1"/>
-          </p:nvPr>
-        </p:nvSpPr>
-        <p:spPr>
-          <a:xfrm>
-            <a:off x="1219200" y="2017336"/>
-            <a:ext cx="4876800" cy="4317476"/>
-          </a:xfrm>
-          <a:ln>
-            <a:solidFill>
-              <a:schemeClr val="tx1"/>
-            </a:solidFill>
-          </a:ln>
-        </p:spPr>
-        <p:txBody>
-          <a:bodyPr>
-            <a:normAutofit/>
-          </a:bodyPr>
-          <a:lstStyle/>
-          <a:p>
-            <a:r>
-              <a:rPr lang="en-PH" b="1" dirty="0" err="1"/>
-              <a:t>plt.plot</a:t>
-            </a:r>
-            <a:r>
-              <a:rPr lang="en-PH" b="1" dirty="0"/>
-              <a:t>(</a:t>
-            </a:r>
-            <a:r>
-              <a:rPr lang="en-PH" b="1" dirty="0" err="1"/>
-              <a:t>df</a:t>
-            </a:r>
-            <a:r>
-              <a:rPr lang="en-PH" b="1" dirty="0"/>
-              <a:t>['Date'], </a:t>
-            </a:r>
-            <a:r>
-              <a:rPr lang="en-PH" b="1" dirty="0" err="1"/>
-              <a:t>df</a:t>
-            </a:r>
-            <a:r>
-              <a:rPr lang="en-PH" b="1" dirty="0"/>
-              <a:t>['Temperature'])</a:t>
-            </a:r>
-          </a:p>
-          <a:p>
-            <a:r>
-              <a:rPr lang="en-PH" b="1" dirty="0" err="1"/>
-              <a:t>plt.title</a:t>
-            </a:r>
-            <a:r>
-              <a:rPr lang="en-PH" b="1" dirty="0"/>
-              <a:t>('Daily Temperature Over a Month')</a:t>
-            </a:r>
-          </a:p>
-          <a:p>
-            <a:r>
-              <a:rPr lang="en-PH" b="1" dirty="0" err="1"/>
-              <a:t>plt.xlabel</a:t>
-            </a:r>
-            <a:r>
-              <a:rPr lang="en-PH" b="1" dirty="0"/>
-              <a:t>('Date')</a:t>
-            </a:r>
-          </a:p>
-          <a:p>
-            <a:r>
-              <a:rPr lang="en-PH" b="1" dirty="0" err="1"/>
-              <a:t>plt.ylabel</a:t>
-            </a:r>
-            <a:r>
-              <a:rPr lang="en-PH" b="1" dirty="0"/>
-              <a:t>('Temperature')</a:t>
-            </a:r>
-          </a:p>
-          <a:p>
-            <a:r>
-              <a:rPr lang="en-PH" b="1" dirty="0" err="1"/>
-              <a:t>plt.xticks</a:t>
-            </a:r>
-            <a:r>
-              <a:rPr lang="en-PH" b="1" dirty="0"/>
-              <a:t>(rotation=45) # Rotates the x-axis labels by 45 degrees</a:t>
-            </a:r>
-          </a:p>
-          <a:p>
-            <a:r>
-              <a:rPr lang="en-PH" b="1" dirty="0" err="1"/>
-              <a:t>plt.tight_layout</a:t>
-            </a:r>
-            <a:r>
-              <a:rPr lang="en-PH" b="1" dirty="0"/>
-              <a:t>() # Adjusts the layout so everything fits in the figure</a:t>
-            </a:r>
-          </a:p>
-          <a:p>
-            <a:r>
-              <a:rPr lang="en-PH" b="1" dirty="0" err="1"/>
-              <a:t>plt.show</a:t>
-            </a:r>
-            <a:r>
-              <a:rPr lang="en-PH" b="1" dirty="0"/>
-              <a:t>()</a:t>
-            </a:r>
-            <a:endParaRPr lang="en-PH" dirty="0"/>
-          </a:p>
-        </p:txBody>
-      </p:sp>
-      <p:pic>
-        <p:nvPicPr>
-          <p:cNvPr id="5" name="Picture 4">
-            <a:extLst>
-              <a:ext uri="{FF2B5EF4-FFF2-40B4-BE49-F238E27FC236}">
-                <a16:creationId xmlns:a16="http://schemas.microsoft.com/office/drawing/2014/main" id="{709A85BC-F42C-DE9A-3CF0-9F81273FEBB7}"/>
-              </a:ext>
-            </a:extLst>
-          </p:cNvPr>
-          <p:cNvPicPr>
-            <a:picLocks noChangeAspect="1"/>
-          </p:cNvPicPr>
-          <p:nvPr/>
-        </p:nvPicPr>
-        <p:blipFill>
-          <a:blip r:embed="rId2"/>
-          <a:stretch>
-            <a:fillRect/>
-          </a:stretch>
-        </p:blipFill>
-        <p:spPr>
-          <a:xfrm>
-            <a:off x="6096001" y="2017335"/>
-            <a:ext cx="5059680" cy="4317475"/>
-          </a:xfrm>
-          <a:prstGeom prst="rect">
-            <a:avLst/>
-          </a:prstGeom>
-        </p:spPr>
-      </p:pic>
-    </p:spTree>
-    <p:extLst>
-      <p:ext uri="{BB962C8B-B14F-4D97-AF65-F5344CB8AC3E}">
-        <p14:creationId xmlns:p14="http://schemas.microsoft.com/office/powerpoint/2010/main" val="4053710902"/>
-      </p:ext>
-    </p:extLst>
-  </p:cSld>
-  <p:clrMapOvr>
-    <a:masterClrMapping/>
-  </p:clrMapOvr>
-</p:sld>
-</file>
-
-<file path=ppt/slides/slide21.xml><?xml version="1.0" encoding="utf-8"?>
 <p:sld xmlns:a="http://schemas.openxmlformats.org/drawingml/2006/main" xmlns:r="http://schemas.openxmlformats.org/officeDocument/2006/relationships" xmlns:p="http://schemas.openxmlformats.org/presentationml/2006/main">
   <p:cSld>
     <p:spTree>
@@ -11384,7 +10679,7 @@
 </p:sld>
 </file>
 
-<file path=ppt/slides/slide22.xml><?xml version="1.0" encoding="utf-8"?>
+<file path=ppt/slides/slide21.xml><?xml version="1.0" encoding="utf-8"?>
 <p:sld xmlns:a="http://schemas.openxmlformats.org/drawingml/2006/main" xmlns:r="http://schemas.openxmlformats.org/officeDocument/2006/relationships" xmlns:p="http://schemas.openxmlformats.org/presentationml/2006/main">
   <p:cSld>
     <p:spTree>
@@ -11456,6 +10751,330 @@
             <a:endParaRPr lang="en-PH" sz="2800" dirty="0">
               <a:cs typeface="Arial" panose="020B0604020202020204" pitchFamily="34" charset="0"/>
             </a:endParaRPr>
+          </a:p>
+        </p:txBody>
+      </p:sp>
+      <p:sp>
+        <p:nvSpPr>
+          <p:cNvPr id="3" name="TextBox 2">
+            <a:extLst>
+              <a:ext uri="{FF2B5EF4-FFF2-40B4-BE49-F238E27FC236}">
+                <a16:creationId xmlns:a16="http://schemas.microsoft.com/office/drawing/2014/main" id="{E279BAFE-743A-69E0-A3BB-729F1B85E970}"/>
+              </a:ext>
+            </a:extLst>
+          </p:cNvPr>
+          <p:cNvSpPr txBox="1"/>
+          <p:nvPr/>
+        </p:nvSpPr>
+        <p:spPr>
+          <a:xfrm>
+            <a:off x="1097280" y="2252781"/>
+            <a:ext cx="4798875" cy="461665"/>
+          </a:xfrm>
+          <a:prstGeom prst="rect">
+            <a:avLst/>
+          </a:prstGeom>
+          <a:noFill/>
+        </p:spPr>
+        <p:txBody>
+          <a:bodyPr wrap="square" rtlCol="0">
+            <a:spAutoFit/>
+          </a:bodyPr>
+          <a:lstStyle/>
+          <a:p>
+            <a:r>
+              <a:rPr lang="en-US" sz="2400" b="1" dirty="0">
+                <a:latin typeface="Arial" panose="020B0604020202020204" pitchFamily="34" charset="0"/>
+                <a:cs typeface="Arial" panose="020B0604020202020204" pitchFamily="34" charset="0"/>
+              </a:rPr>
+              <a:t>Go to this link:</a:t>
+            </a:r>
+            <a:endParaRPr lang="en-PH" sz="2400" b="1" dirty="0">
+              <a:latin typeface="Arial" panose="020B0604020202020204" pitchFamily="34" charset="0"/>
+              <a:cs typeface="Arial" panose="020B0604020202020204" pitchFamily="34" charset="0"/>
+            </a:endParaRPr>
+          </a:p>
+        </p:txBody>
+      </p:sp>
+      <p:sp>
+        <p:nvSpPr>
+          <p:cNvPr id="4" name="Content Placeholder 2">
+            <a:extLst>
+              <a:ext uri="{FF2B5EF4-FFF2-40B4-BE49-F238E27FC236}">
+                <a16:creationId xmlns:a16="http://schemas.microsoft.com/office/drawing/2014/main" id="{0AB7B5F1-9DC1-A13C-522E-E13415933C46}"/>
+              </a:ext>
+            </a:extLst>
+          </p:cNvPr>
+          <p:cNvSpPr txBox="1">
+            <a:spLocks/>
+          </p:cNvSpPr>
+          <p:nvPr/>
+        </p:nvSpPr>
+        <p:spPr>
+          <a:xfrm>
+            <a:off x="1097280" y="2714446"/>
+            <a:ext cx="10162724" cy="714554"/>
+          </a:xfrm>
+          <a:prstGeom prst="rect">
+            <a:avLst/>
+          </a:prstGeom>
+          <a:ln>
+            <a:solidFill>
+              <a:schemeClr val="tx1"/>
+            </a:solidFill>
+          </a:ln>
+        </p:spPr>
+        <p:txBody>
+          <a:bodyPr vert="horz" lIns="0" tIns="45720" rIns="0" bIns="45720" rtlCol="0">
+            <a:normAutofit/>
+          </a:bodyPr>
+          <a:lstStyle>
+            <a:lvl1pPr marL="91440" indent="-91440" algn="l" defTabSz="914400" rtl="0" eaLnBrk="1" latinLnBrk="0" hangingPunct="1">
+              <a:lnSpc>
+                <a:spcPct val="110000"/>
+              </a:lnSpc>
+              <a:spcBef>
+                <a:spcPts val="1200"/>
+              </a:spcBef>
+              <a:spcAft>
+                <a:spcPts val="200"/>
+              </a:spcAft>
+              <a:buClr>
+                <a:schemeClr val="accent1"/>
+              </a:buClr>
+              <a:buSzPct val="100000"/>
+              <a:buFont typeface="Calibri" panose="020F0502020204030204" pitchFamily="34" charset="0"/>
+              <a:buChar char=" "/>
+              <a:defRPr sz="1900" kern="1200">
+                <a:solidFill>
+                  <a:schemeClr val="tx1">
+                    <a:lumMod val="75000"/>
+                    <a:lumOff val="25000"/>
+                  </a:schemeClr>
+                </a:solidFill>
+                <a:latin typeface="+mn-lt"/>
+                <a:ea typeface="+mn-ea"/>
+                <a:cs typeface="+mn-cs"/>
+              </a:defRPr>
+            </a:lvl1pPr>
+            <a:lvl2pPr marL="384048" indent="-182880" algn="l" defTabSz="914400" rtl="0" eaLnBrk="1" latinLnBrk="0" hangingPunct="1">
+              <a:lnSpc>
+                <a:spcPct val="100000"/>
+              </a:lnSpc>
+              <a:spcBef>
+                <a:spcPts val="200"/>
+              </a:spcBef>
+              <a:spcAft>
+                <a:spcPts val="400"/>
+              </a:spcAft>
+              <a:buClrTx/>
+              <a:buFont typeface="Calibri" pitchFamily="34" charset="0"/>
+              <a:buChar char="◦"/>
+              <a:defRPr sz="1700" kern="1200">
+                <a:solidFill>
+                  <a:schemeClr val="tx1">
+                    <a:lumMod val="75000"/>
+                    <a:lumOff val="25000"/>
+                  </a:schemeClr>
+                </a:solidFill>
+                <a:latin typeface="+mn-lt"/>
+                <a:ea typeface="+mn-ea"/>
+                <a:cs typeface="+mn-cs"/>
+              </a:defRPr>
+            </a:lvl2pPr>
+            <a:lvl3pPr marL="566928" indent="-182880" algn="l" defTabSz="914400" rtl="0" eaLnBrk="1" latinLnBrk="0" hangingPunct="1">
+              <a:lnSpc>
+                <a:spcPct val="100000"/>
+              </a:lnSpc>
+              <a:spcBef>
+                <a:spcPts val="200"/>
+              </a:spcBef>
+              <a:spcAft>
+                <a:spcPts val="400"/>
+              </a:spcAft>
+              <a:buClrTx/>
+              <a:buFont typeface="Calibri" pitchFamily="34" charset="0"/>
+              <a:buChar char="◦"/>
+              <a:defRPr sz="1300" kern="1200">
+                <a:solidFill>
+                  <a:schemeClr val="tx1">
+                    <a:lumMod val="75000"/>
+                    <a:lumOff val="25000"/>
+                  </a:schemeClr>
+                </a:solidFill>
+                <a:latin typeface="+mn-lt"/>
+                <a:ea typeface="+mn-ea"/>
+                <a:cs typeface="+mn-cs"/>
+              </a:defRPr>
+            </a:lvl3pPr>
+            <a:lvl4pPr marL="749808" indent="-182880" algn="l" defTabSz="914400" rtl="0" eaLnBrk="1" latinLnBrk="0" hangingPunct="1">
+              <a:lnSpc>
+                <a:spcPct val="100000"/>
+              </a:lnSpc>
+              <a:spcBef>
+                <a:spcPts val="200"/>
+              </a:spcBef>
+              <a:spcAft>
+                <a:spcPts val="400"/>
+              </a:spcAft>
+              <a:buClrTx/>
+              <a:buFont typeface="Calibri" pitchFamily="34" charset="0"/>
+              <a:buChar char="◦"/>
+              <a:defRPr sz="1300" kern="1200">
+                <a:solidFill>
+                  <a:schemeClr val="tx1">
+                    <a:lumMod val="75000"/>
+                    <a:lumOff val="25000"/>
+                  </a:schemeClr>
+                </a:solidFill>
+                <a:latin typeface="+mn-lt"/>
+                <a:ea typeface="+mn-ea"/>
+                <a:cs typeface="+mn-cs"/>
+              </a:defRPr>
+            </a:lvl4pPr>
+            <a:lvl5pPr marL="932688" indent="-182880" algn="l" defTabSz="914400" rtl="0" eaLnBrk="1" latinLnBrk="0" hangingPunct="1">
+              <a:lnSpc>
+                <a:spcPct val="100000"/>
+              </a:lnSpc>
+              <a:spcBef>
+                <a:spcPts val="200"/>
+              </a:spcBef>
+              <a:spcAft>
+                <a:spcPts val="400"/>
+              </a:spcAft>
+              <a:buClrTx/>
+              <a:buFont typeface="Calibri" pitchFamily="34" charset="0"/>
+              <a:buChar char="◦"/>
+              <a:defRPr sz="1300" kern="1200">
+                <a:solidFill>
+                  <a:schemeClr val="tx1">
+                    <a:lumMod val="75000"/>
+                    <a:lumOff val="25000"/>
+                  </a:schemeClr>
+                </a:solidFill>
+                <a:latin typeface="+mn-lt"/>
+                <a:ea typeface="+mn-ea"/>
+                <a:cs typeface="+mn-cs"/>
+              </a:defRPr>
+            </a:lvl5pPr>
+            <a:lvl6pPr marL="1100000" indent="-228600" algn="l" defTabSz="914400" rtl="0" eaLnBrk="1" latinLnBrk="0" hangingPunct="1">
+              <a:lnSpc>
+                <a:spcPct val="90000"/>
+              </a:lnSpc>
+              <a:spcBef>
+                <a:spcPts val="200"/>
+              </a:spcBef>
+              <a:spcAft>
+                <a:spcPts val="400"/>
+              </a:spcAft>
+              <a:buClr>
+                <a:schemeClr val="accent1"/>
+              </a:buClr>
+              <a:buFont typeface="Calibri" pitchFamily="34" charset="0"/>
+              <a:buChar char="◦"/>
+              <a:defRPr sz="1400" kern="1200">
+                <a:solidFill>
+                  <a:schemeClr val="tx1">
+                    <a:lumMod val="75000"/>
+                    <a:lumOff val="25000"/>
+                  </a:schemeClr>
+                </a:solidFill>
+                <a:latin typeface="+mn-lt"/>
+                <a:ea typeface="+mn-ea"/>
+                <a:cs typeface="+mn-cs"/>
+              </a:defRPr>
+            </a:lvl6pPr>
+            <a:lvl7pPr marL="1300000" indent="-228600" algn="l" defTabSz="914400" rtl="0" eaLnBrk="1" latinLnBrk="0" hangingPunct="1">
+              <a:lnSpc>
+                <a:spcPct val="90000"/>
+              </a:lnSpc>
+              <a:spcBef>
+                <a:spcPts val="200"/>
+              </a:spcBef>
+              <a:spcAft>
+                <a:spcPts val="400"/>
+              </a:spcAft>
+              <a:buClr>
+                <a:schemeClr val="accent1"/>
+              </a:buClr>
+              <a:buFont typeface="Calibri" pitchFamily="34" charset="0"/>
+              <a:buChar char="◦"/>
+              <a:defRPr sz="1400" kern="1200">
+                <a:solidFill>
+                  <a:schemeClr val="tx1">
+                    <a:lumMod val="75000"/>
+                    <a:lumOff val="25000"/>
+                  </a:schemeClr>
+                </a:solidFill>
+                <a:latin typeface="+mn-lt"/>
+                <a:ea typeface="+mn-ea"/>
+                <a:cs typeface="+mn-cs"/>
+              </a:defRPr>
+            </a:lvl7pPr>
+            <a:lvl8pPr marL="1500000" indent="-228600" algn="l" defTabSz="914400" rtl="0" eaLnBrk="1" latinLnBrk="0" hangingPunct="1">
+              <a:lnSpc>
+                <a:spcPct val="90000"/>
+              </a:lnSpc>
+              <a:spcBef>
+                <a:spcPts val="200"/>
+              </a:spcBef>
+              <a:spcAft>
+                <a:spcPts val="400"/>
+              </a:spcAft>
+              <a:buClr>
+                <a:schemeClr val="accent1"/>
+              </a:buClr>
+              <a:buFont typeface="Calibri" pitchFamily="34" charset="0"/>
+              <a:buChar char="◦"/>
+              <a:defRPr sz="1400" kern="1200">
+                <a:solidFill>
+                  <a:schemeClr val="tx1">
+                    <a:lumMod val="75000"/>
+                    <a:lumOff val="25000"/>
+                  </a:schemeClr>
+                </a:solidFill>
+                <a:latin typeface="+mn-lt"/>
+                <a:ea typeface="+mn-ea"/>
+                <a:cs typeface="+mn-cs"/>
+              </a:defRPr>
+            </a:lvl8pPr>
+            <a:lvl9pPr marL="1700000" indent="-228600" algn="l" defTabSz="914400" rtl="0" eaLnBrk="1" latinLnBrk="0" hangingPunct="1">
+              <a:lnSpc>
+                <a:spcPct val="90000"/>
+              </a:lnSpc>
+              <a:spcBef>
+                <a:spcPts val="200"/>
+              </a:spcBef>
+              <a:spcAft>
+                <a:spcPts val="400"/>
+              </a:spcAft>
+              <a:buClr>
+                <a:schemeClr val="accent1"/>
+              </a:buClr>
+              <a:buFont typeface="Calibri" pitchFamily="34" charset="0"/>
+              <a:buChar char="◦"/>
+              <a:defRPr sz="1400" kern="1200">
+                <a:solidFill>
+                  <a:schemeClr val="tx1">
+                    <a:lumMod val="75000"/>
+                    <a:lumOff val="25000"/>
+                  </a:schemeClr>
+                </a:solidFill>
+                <a:latin typeface="+mn-lt"/>
+                <a:ea typeface="+mn-ea"/>
+                <a:cs typeface="+mn-cs"/>
+              </a:defRPr>
+            </a:lvl9pPr>
+          </a:lstStyle>
+          <a:p>
+            <a:pPr marL="0" indent="0">
+              <a:buNone/>
+            </a:pPr>
+            <a:r>
+              <a:rPr lang="en-US" dirty="0"/>
+              <a:t>https://github.com/MikkoDT/MexEE402_AI/tree/main/Python_Visualization/Scatter_Plot</a:t>
+            </a:r>
+            <a:endParaRPr lang="en-US" sz="2200" dirty="0"/>
           </a:p>
         </p:txBody>
       </p:sp>
@@ -14859,7 +14478,7 @@
             </a:pPr>
             <a:r>
               <a:rPr lang="en-PH" dirty="0"/>
-              <a:t>https://github.com/MikkoDT/MexEE402_AI/blob/main/Creating_Basic_Plots_with_Matplotlib.ipynb</a:t>
+              <a:t>https://github.com/MikkoDT/MexEE402_AI/blob/main/Python_Visualization/Pandas_for_Data_Manipulation.ipynb</a:t>
             </a:r>
           </a:p>
         </p:txBody>
@@ -15890,14 +15509,8 @@
             </a:pPr>
             <a:r>
               <a:rPr lang="en-US" dirty="0"/>
-              <a:t>https://github.com/MikkoDT/MexEE402_AI/blob/main/Creating_Basic_Plots_with_Matplotlib.ipynb</a:t>
-            </a:r>
-          </a:p>
-          <a:p>
-            <a:pPr>
-              <a:buFont typeface="Wingdings" panose="05000000000000000000" pitchFamily="2" charset="2"/>
-              <a:buChar char="v"/>
-            </a:pPr>
+              <a:t>https://github.com/MikkoDT/MexEE402_AI/blob/main/Python_Visualization/Creating_Basic_Plots_with_Matplotlib.ipynb</a:t>
+            </a:r>
             <a:endParaRPr lang="en-PH" b="1" dirty="0"/>
           </a:p>
         </p:txBody>
@@ -16300,6 +15913,26 @@
 </file>
 
 <file path=customXml/item2.xml><?xml version="1.0" encoding="utf-8"?>
+<p:properties xmlns:p="http://schemas.microsoft.com/office/2006/metadata/properties" xmlns:xsi="http://www.w3.org/2001/XMLSchema-instance" xmlns:pc="http://schemas.microsoft.com/office/infopath/2007/PartnerControls">
+  <documentManagement>
+    <Status xmlns="71af3243-3dd4-4a8d-8c0d-dd76da1f02a5">Not started</Status>
+    <MediaServiceKeyPoints xmlns="71af3243-3dd4-4a8d-8c0d-dd76da1f02a5" xsi:nil="true"/>
+    <_ip_UnifiedCompliancePolicyUIAction xmlns="http://schemas.microsoft.com/sharepoint/v3" xsi:nil="true"/>
+    <Image xmlns="71af3243-3dd4-4a8d-8c0d-dd76da1f02a5">
+      <Url xsi:nil="true"/>
+      <Description xsi:nil="true"/>
+    </Image>
+    <Background xmlns="71af3243-3dd4-4a8d-8c0d-dd76da1f02a5">false</Background>
+    <_ip_UnifiedCompliancePolicyProperties xmlns="http://schemas.microsoft.com/sharepoint/v3" xsi:nil="true"/>
+    <ImageTagsTaxHTField xmlns="71af3243-3dd4-4a8d-8c0d-dd76da1f02a5">
+      <Terms xmlns="http://schemas.microsoft.com/office/infopath/2007/PartnerControls"/>
+    </ImageTagsTaxHTField>
+    <TaxCatchAll xmlns="230e9df3-be65-4c73-a93b-d1236ebd677e" xsi:nil="true"/>
+  </documentManagement>
+</p:properties>
+</file>
+
+<file path=customXml/item3.xml><?xml version="1.0" encoding="utf-8"?>
 <ct:contentTypeSchema xmlns:ct="http://schemas.microsoft.com/office/2006/metadata/contentType" xmlns:ma="http://schemas.microsoft.com/office/2006/metadata/properties/metaAttributes" ct:_="" ma:_="" ma:contentTypeName="Document" ma:contentTypeID="0x01010079F111ED35F8CC479449609E8A0923A6" ma:contentTypeVersion="27" ma:contentTypeDescription="Create a new document." ma:contentTypeScope="" ma:versionID="c6f9a84f66a9c8b9a21755b9ffafb945">
   <xsd:schema xmlns:xsd="http://www.w3.org/2001/XMLSchema" xmlns:xs="http://www.w3.org/2001/XMLSchema" xmlns:p="http://schemas.microsoft.com/office/2006/metadata/properties" xmlns:ns1="http://schemas.microsoft.com/sharepoint/v3" xmlns:ns2="71af3243-3dd4-4a8d-8c0d-dd76da1f02a5" xmlns:ns3="16c05727-aa75-4e4a-9b5f-8a80a1165891" xmlns:ns4="230e9df3-be65-4c73-a93b-d1236ebd677e" targetNamespace="http://schemas.microsoft.com/office/2006/metadata/properties" ma:root="true" ma:fieldsID="27df39e3e7036dff54f89ddd5805ce72" ns1:_="" ns2:_="" ns3:_="" ns4:_="">
     <xsd:import namespace="http://schemas.microsoft.com/sharepoint/v3"/>
@@ -16605,26 +16238,6 @@
 </ct:contentTypeSchema>
 </file>
 
-<file path=customXml/item3.xml><?xml version="1.0" encoding="utf-8"?>
-<p:properties xmlns:p="http://schemas.microsoft.com/office/2006/metadata/properties" xmlns:xsi="http://www.w3.org/2001/XMLSchema-instance" xmlns:pc="http://schemas.microsoft.com/office/infopath/2007/PartnerControls">
-  <documentManagement>
-    <Status xmlns="71af3243-3dd4-4a8d-8c0d-dd76da1f02a5">Not started</Status>
-    <MediaServiceKeyPoints xmlns="71af3243-3dd4-4a8d-8c0d-dd76da1f02a5" xsi:nil="true"/>
-    <_ip_UnifiedCompliancePolicyUIAction xmlns="http://schemas.microsoft.com/sharepoint/v3" xsi:nil="true"/>
-    <Image xmlns="71af3243-3dd4-4a8d-8c0d-dd76da1f02a5">
-      <Url xsi:nil="true"/>
-      <Description xsi:nil="true"/>
-    </Image>
-    <Background xmlns="71af3243-3dd4-4a8d-8c0d-dd76da1f02a5">false</Background>
-    <_ip_UnifiedCompliancePolicyProperties xmlns="http://schemas.microsoft.com/sharepoint/v3" xsi:nil="true"/>
-    <ImageTagsTaxHTField xmlns="71af3243-3dd4-4a8d-8c0d-dd76da1f02a5">
-      <Terms xmlns="http://schemas.microsoft.com/office/infopath/2007/PartnerControls"/>
-    </ImageTagsTaxHTField>
-    <TaxCatchAll xmlns="230e9df3-be65-4c73-a93b-d1236ebd677e" xsi:nil="true"/>
-  </documentManagement>
-</p:properties>
-</file>
-
 <file path=customXml/itemProps1.xml><?xml version="1.0" encoding="utf-8"?>
 <ds:datastoreItem xmlns:ds="http://schemas.openxmlformats.org/officeDocument/2006/customXml" ds:itemID="{AA3F7EDC-E5B4-4BBC-9D2A-CBE6D46C37AD}">
   <ds:schemaRefs>
@@ -16634,6 +16247,18 @@
 </file>
 
 <file path=customXml/itemProps2.xml><?xml version="1.0" encoding="utf-8"?>
+<ds:datastoreItem xmlns:ds="http://schemas.openxmlformats.org/officeDocument/2006/customXml" ds:itemID="{A03EEFF0-FB57-4CB4-8BFC-DF397689E2ED}">
+  <ds:schemaRefs>
+    <ds:schemaRef ds:uri="http://schemas.microsoft.com/office/2006/metadata/properties"/>
+    <ds:schemaRef ds:uri="http://schemas.microsoft.com/office/infopath/2007/PartnerControls"/>
+    <ds:schemaRef ds:uri="71af3243-3dd4-4a8d-8c0d-dd76da1f02a5"/>
+    <ds:schemaRef ds:uri="http://schemas.microsoft.com/sharepoint/v3"/>
+    <ds:schemaRef ds:uri="230e9df3-be65-4c73-a93b-d1236ebd677e"/>
+  </ds:schemaRefs>
+</ds:datastoreItem>
+</file>
+
+<file path=customXml/itemProps3.xml><?xml version="1.0" encoding="utf-8"?>
 <ds:datastoreItem xmlns:ds="http://schemas.openxmlformats.org/officeDocument/2006/customXml" ds:itemID="{D2957789-34B8-480C-AF9B-3EB54B9E5C96}">
   <ds:schemaRefs>
     <ds:schemaRef ds:uri="http://schemas.microsoft.com/office/2006/metadata/contentType"/>
@@ -16652,16 +16277,4 @@
     <ds:schemaRef ds:uri="http://schemas.microsoft.com/internal/obd"/>
   </ds:schemaRefs>
 </ds:datastoreItem>
-</file>
-
-<file path=customXml/itemProps3.xml><?xml version="1.0" encoding="utf-8"?>
-<ds:datastoreItem xmlns:ds="http://schemas.openxmlformats.org/officeDocument/2006/customXml" ds:itemID="{A03EEFF0-FB57-4CB4-8BFC-DF397689E2ED}">
-  <ds:schemaRefs>
-    <ds:schemaRef ds:uri="http://schemas.microsoft.com/office/2006/metadata/properties"/>
-    <ds:schemaRef ds:uri="http://schemas.microsoft.com/office/infopath/2007/PartnerControls"/>
-    <ds:schemaRef ds:uri="71af3243-3dd4-4a8d-8c0d-dd76da1f02a5"/>
-    <ds:schemaRef ds:uri="http://schemas.microsoft.com/sharepoint/v3"/>
-    <ds:schemaRef ds:uri="230e9df3-be65-4c73-a93b-d1236ebd677e"/>
-  </ds:schemaRefs>
-</ds:datastoreItem>
 </file>
--- a/Lectures/II_Data_Visualization_with_Python.pptx
+++ b/Lectures/II_Data_Visualization_with_Python.pptx
@@ -26,6 +26,17 @@
     <p:sldId id="322" r:id="rId23"/>
     <p:sldId id="323" r:id="rId24"/>
     <p:sldId id="324" r:id="rId25"/>
+    <p:sldId id="325" r:id="rId26"/>
+    <p:sldId id="326" r:id="rId27"/>
+    <p:sldId id="327" r:id="rId28"/>
+    <p:sldId id="329" r:id="rId29"/>
+    <p:sldId id="328" r:id="rId30"/>
+    <p:sldId id="330" r:id="rId31"/>
+    <p:sldId id="331" r:id="rId32"/>
+    <p:sldId id="332" r:id="rId33"/>
+    <p:sldId id="333" r:id="rId34"/>
+    <p:sldId id="334" r:id="rId35"/>
+    <p:sldId id="335" r:id="rId36"/>
   </p:sldIdLst>
   <p:sldSz cx="12192000" cy="6858000"/>
   <p:notesSz cx="6858000" cy="9144000"/>
@@ -376,7 +387,7 @@
           <a:p>
             <a:fld id="{9184DA70-C731-4C70-880D-CCD4705E623C}" type="datetime1">
               <a:rPr lang="en-US" smtClean="0"/>
-              <a:t>9/14/2025</a:t>
+              <a:t>9/21/2025</a:t>
             </a:fld>
             <a:endParaRPr lang="en-US" dirty="0"/>
           </a:p>
@@ -564,7 +575,7 @@
           <a:p>
             <a:fld id="{4BE1D723-8F53-4F53-90B0-1982A396982E}" type="datetime1">
               <a:rPr lang="en-US" smtClean="0"/>
-              <a:t>9/14/2025</a:t>
+              <a:t>9/21/2025</a:t>
             </a:fld>
             <a:endParaRPr lang="en-US" dirty="0"/>
           </a:p>
@@ -937,7 +948,7 @@
           <a:p>
             <a:fld id="{97669AF7-7BEB-44E4-9852-375E34362B5B}" type="datetime1">
               <a:rPr lang="en-US" smtClean="0"/>
-              <a:t>9/14/2025</a:t>
+              <a:t>9/21/2025</a:t>
             </a:fld>
             <a:endParaRPr lang="en-US" dirty="0"/>
           </a:p>
@@ -1192,7 +1203,7 @@
           <a:p>
             <a:fld id="{BAAAC38D-0552-4C82-B593-E6124DFADBE2}" type="datetime1">
               <a:rPr lang="en-US" smtClean="0"/>
-              <a:t>9/14/2025</a:t>
+              <a:t>9/21/2025</a:t>
             </a:fld>
             <a:endParaRPr lang="en-US" dirty="0"/>
           </a:p>
@@ -1589,7 +1600,7 @@
           <a:p>
             <a:fld id="{D9DF0F1C-5577-4ACB-BB62-DF8F3C494C7E}" type="datetime1">
               <a:rPr lang="en-US" smtClean="0"/>
-              <a:t>9/14/2025</a:t>
+              <a:t>9/21/2025</a:t>
             </a:fld>
             <a:endParaRPr lang="en-US" dirty="0"/>
           </a:p>
@@ -1725,7 +1736,7 @@
           <a:p>
             <a:fld id="{1775B394-D9F9-4F0C-B15D-605F45CB9E9F}" type="datetime1">
               <a:rPr lang="en-US" smtClean="0"/>
-              <a:t>9/14/2025</a:t>
+              <a:t>9/21/2025</a:t>
             </a:fld>
             <a:endParaRPr lang="en-US" dirty="0"/>
           </a:p>
@@ -1882,7 +1893,7 @@
           <a:p>
             <a:fld id="{39667345-2558-425A-8533-9BFDBCE15005}" type="datetime1">
               <a:rPr lang="en-US" smtClean="0"/>
-              <a:t>9/14/2025</a:t>
+              <a:t>9/21/2025</a:t>
             </a:fld>
             <a:endParaRPr lang="en-US" dirty="0"/>
           </a:p>
@@ -2211,7 +2222,7 @@
           <a:p>
             <a:fld id="{92BEA474-078D-4E9B-9B14-09A87B19DC46}" type="datetime1">
               <a:rPr lang="en-US" smtClean="0"/>
-              <a:t>9/14/2025</a:t>
+              <a:t>9/21/2025</a:t>
             </a:fld>
             <a:endParaRPr lang="en-US" dirty="0"/>
           </a:p>
@@ -2561,7 +2572,7 @@
           <a:p>
             <a:fld id="{4907D986-8816-4272-A432-0437A28A9828}" type="datetime1">
               <a:rPr lang="en-US" smtClean="0"/>
-              <a:t>9/14/2025</a:t>
+              <a:t>9/21/2025</a:t>
             </a:fld>
             <a:endParaRPr lang="en-US" dirty="0"/>
           </a:p>
@@ -2822,7 +2833,7 @@
           <a:p>
             <a:fld id="{62D6E202-B606-4609-B914-27C9371A1F6D}" type="datetime1">
               <a:rPr lang="en-US" smtClean="0"/>
-              <a:t>9/14/2025</a:t>
+              <a:t>9/21/2025</a:t>
             </a:fld>
             <a:endParaRPr lang="en-US" dirty="0"/>
           </a:p>
@@ -11091,6 +11102,3018 @@
 </p:sld>
 </file>
 
+<file path=ppt/slides/slide22.xml><?xml version="1.0" encoding="utf-8"?>
+<p:sld xmlns:a="http://schemas.openxmlformats.org/drawingml/2006/main" xmlns:r="http://schemas.openxmlformats.org/officeDocument/2006/relationships" xmlns:p="http://schemas.openxmlformats.org/presentationml/2006/main">
+  <p:cSld>
+    <p:spTree>
+      <p:nvGrpSpPr>
+        <p:cNvPr id="1" name="">
+          <a:extLst>
+            <a:ext uri="{FF2B5EF4-FFF2-40B4-BE49-F238E27FC236}">
+              <a16:creationId xmlns:a16="http://schemas.microsoft.com/office/drawing/2014/main" id="{20C4045D-213E-A69F-367E-42CE2D05EFD0}"/>
+            </a:ext>
+          </a:extLst>
+        </p:cNvPr>
+        <p:cNvGrpSpPr/>
+        <p:nvPr/>
+      </p:nvGrpSpPr>
+      <p:grpSpPr>
+        <a:xfrm>
+          <a:off x="0" y="0"/>
+          <a:ext cx="0" cy="0"/>
+          <a:chOff x="0" y="0"/>
+          <a:chExt cx="0" cy="0"/>
+        </a:xfrm>
+      </p:grpSpPr>
+      <p:sp>
+        <p:nvSpPr>
+          <p:cNvPr id="2" name="Title 1">
+            <a:extLst>
+              <a:ext uri="{FF2B5EF4-FFF2-40B4-BE49-F238E27FC236}">
+                <a16:creationId xmlns:a16="http://schemas.microsoft.com/office/drawing/2014/main" id="{8F8021E1-A950-7429-AEE4-4F23EE7CE775}"/>
+              </a:ext>
+            </a:extLst>
+          </p:cNvPr>
+          <p:cNvSpPr>
+            <a:spLocks noGrp="1"/>
+          </p:cNvSpPr>
+          <p:nvPr>
+            <p:ph type="title"/>
+          </p:nvPr>
+        </p:nvSpPr>
+        <p:spPr>
+          <a:xfrm>
+            <a:off x="1097280" y="319024"/>
+            <a:ext cx="10058400" cy="1450757"/>
+          </a:xfrm>
+        </p:spPr>
+        <p:txBody>
+          <a:bodyPr>
+            <a:noAutofit/>
+          </a:bodyPr>
+          <a:lstStyle/>
+          <a:p>
+            <a:r>
+              <a:rPr lang="en-US" sz="4400" dirty="0">
+                <a:cs typeface="Arial" panose="020B0604020202020204" pitchFamily="34" charset="0"/>
+              </a:rPr>
+              <a:t>6. </a:t>
+            </a:r>
+            <a:r>
+              <a:rPr lang="en-US" sz="4400" dirty="0"/>
+              <a:t>Comparing Data with Bar Graphs in Google </a:t>
+            </a:r>
+            <a:r>
+              <a:rPr lang="en-US" sz="4400" dirty="0" err="1"/>
+              <a:t>Colab</a:t>
+            </a:r>
+            <a:endParaRPr lang="en-PH" sz="4400" dirty="0">
+              <a:cs typeface="Arial" panose="020B0604020202020204" pitchFamily="34" charset="0"/>
+            </a:endParaRPr>
+          </a:p>
+        </p:txBody>
+      </p:sp>
+      <p:sp>
+        <p:nvSpPr>
+          <p:cNvPr id="3" name="Content Placeholder 2">
+            <a:extLst>
+              <a:ext uri="{FF2B5EF4-FFF2-40B4-BE49-F238E27FC236}">
+                <a16:creationId xmlns:a16="http://schemas.microsoft.com/office/drawing/2014/main" id="{9F0B3E0E-A9B7-4BC9-5C64-C44DEC83D857}"/>
+              </a:ext>
+            </a:extLst>
+          </p:cNvPr>
+          <p:cNvSpPr>
+            <a:spLocks noGrp="1"/>
+          </p:cNvSpPr>
+          <p:nvPr>
+            <p:ph idx="1"/>
+          </p:nvPr>
+        </p:nvSpPr>
+        <p:spPr>
+          <a:xfrm>
+            <a:off x="1219200" y="2462279"/>
+            <a:ext cx="4615991" cy="3900813"/>
+          </a:xfrm>
+          <a:ln>
+            <a:solidFill>
+              <a:schemeClr val="tx1"/>
+            </a:solidFill>
+          </a:ln>
+        </p:spPr>
+        <p:txBody>
+          <a:bodyPr>
+            <a:normAutofit lnSpcReduction="10000"/>
+          </a:bodyPr>
+          <a:lstStyle/>
+          <a:p>
+            <a:pPr>
+              <a:buFont typeface="Wingdings" panose="05000000000000000000" pitchFamily="2" charset="2"/>
+              <a:buChar char="v"/>
+            </a:pPr>
+            <a:r>
+              <a:rPr lang="en-US" sz="2400" dirty="0"/>
+              <a:t> </a:t>
+            </a:r>
+            <a:r>
+              <a:rPr lang="en-US" sz="2400" b="1" dirty="0"/>
+              <a:t>Bar Graphs (Bar Charts):</a:t>
+            </a:r>
+            <a:r>
+              <a:rPr lang="en-US" sz="2400" dirty="0"/>
+              <a:t> Use rectangular bars to represent data categories.</a:t>
+            </a:r>
+          </a:p>
+          <a:p>
+            <a:pPr>
+              <a:buFont typeface="Wingdings" panose="05000000000000000000" pitchFamily="2" charset="2"/>
+              <a:buChar char="v"/>
+            </a:pPr>
+            <a:r>
+              <a:rPr lang="en-US" sz="2400" b="1" dirty="0"/>
+              <a:t> Bar Length/Height:</a:t>
+            </a:r>
+            <a:r>
+              <a:rPr lang="en-US" sz="2400" dirty="0"/>
+              <a:t> Proportional to value or frequency → higher value = taller bar.</a:t>
+            </a:r>
+            <a:endParaRPr lang="en-PH" sz="2200" b="1" dirty="0"/>
+          </a:p>
+          <a:p>
+            <a:pPr>
+              <a:buFont typeface="Wingdings" panose="05000000000000000000" pitchFamily="2" charset="2"/>
+              <a:buChar char="v"/>
+            </a:pPr>
+            <a:r>
+              <a:rPr lang="en-PH" sz="2200" b="1" dirty="0"/>
+              <a:t> </a:t>
+            </a:r>
+            <a:r>
+              <a:rPr lang="en-US" sz="2400" b="1" dirty="0"/>
+              <a:t>Purpose:</a:t>
+            </a:r>
+            <a:r>
+              <a:rPr lang="en-US" sz="2400" dirty="0"/>
+              <a:t> Simplifies complex data into </a:t>
+            </a:r>
+            <a:r>
+              <a:rPr lang="en-US" sz="2400" b="1" dirty="0"/>
+              <a:t>clear, visual comparisons</a:t>
+            </a:r>
+            <a:r>
+              <a:rPr lang="en-US" sz="2400" dirty="0"/>
+              <a:t> for better decisions.</a:t>
+            </a:r>
+          </a:p>
+        </p:txBody>
+      </p:sp>
+      <p:sp>
+        <p:nvSpPr>
+          <p:cNvPr id="4" name="TextBox 3">
+            <a:extLst>
+              <a:ext uri="{FF2B5EF4-FFF2-40B4-BE49-F238E27FC236}">
+                <a16:creationId xmlns:a16="http://schemas.microsoft.com/office/drawing/2014/main" id="{BAFD610F-F2DA-2BB0-D8C2-AABD15BEBD6D}"/>
+              </a:ext>
+            </a:extLst>
+          </p:cNvPr>
+          <p:cNvSpPr txBox="1"/>
+          <p:nvPr/>
+        </p:nvSpPr>
+        <p:spPr>
+          <a:xfrm>
+            <a:off x="1219200" y="2000614"/>
+            <a:ext cx="4615991" cy="400110"/>
+          </a:xfrm>
+          <a:prstGeom prst="rect">
+            <a:avLst/>
+          </a:prstGeom>
+          <a:noFill/>
+        </p:spPr>
+        <p:txBody>
+          <a:bodyPr wrap="square" rtlCol="0">
+            <a:spAutoFit/>
+          </a:bodyPr>
+          <a:lstStyle/>
+          <a:p>
+            <a:r>
+              <a:rPr lang="en-US" sz="2000" b="1" dirty="0">
+                <a:latin typeface="Arial" panose="020B0604020202020204" pitchFamily="34" charset="0"/>
+                <a:cs typeface="Arial" panose="020B0604020202020204" pitchFamily="34" charset="0"/>
+              </a:rPr>
+              <a:t>Understanding Bar Graphs</a:t>
+            </a:r>
+            <a:endParaRPr lang="en-PH" sz="2000" b="1" dirty="0">
+              <a:latin typeface="Arial" panose="020B0604020202020204" pitchFamily="34" charset="0"/>
+              <a:cs typeface="Arial" panose="020B0604020202020204" pitchFamily="34" charset="0"/>
+            </a:endParaRPr>
+          </a:p>
+        </p:txBody>
+      </p:sp>
+      <p:sp>
+        <p:nvSpPr>
+          <p:cNvPr id="8" name="Content Placeholder 2">
+            <a:extLst>
+              <a:ext uri="{FF2B5EF4-FFF2-40B4-BE49-F238E27FC236}">
+                <a16:creationId xmlns:a16="http://schemas.microsoft.com/office/drawing/2014/main" id="{C8F1BB2E-E63C-33C0-BEE9-ACE794DFEDB1}"/>
+              </a:ext>
+            </a:extLst>
+          </p:cNvPr>
+          <p:cNvSpPr txBox="1">
+            <a:spLocks/>
+          </p:cNvSpPr>
+          <p:nvPr/>
+        </p:nvSpPr>
+        <p:spPr>
+          <a:xfrm>
+            <a:off x="6356805" y="2462279"/>
+            <a:ext cx="5049627" cy="3900813"/>
+          </a:xfrm>
+          <a:prstGeom prst="rect">
+            <a:avLst/>
+          </a:prstGeom>
+          <a:ln>
+            <a:solidFill>
+              <a:schemeClr val="tx1"/>
+            </a:solidFill>
+          </a:ln>
+        </p:spPr>
+        <p:txBody>
+          <a:bodyPr vert="horz" lIns="0" tIns="45720" rIns="0" bIns="45720" rtlCol="0">
+            <a:normAutofit fontScale="85000" lnSpcReduction="10000"/>
+          </a:bodyPr>
+          <a:lstStyle>
+            <a:lvl1pPr marL="91440" indent="-91440" algn="l" defTabSz="914400" rtl="0" eaLnBrk="1" latinLnBrk="0" hangingPunct="1">
+              <a:lnSpc>
+                <a:spcPct val="110000"/>
+              </a:lnSpc>
+              <a:spcBef>
+                <a:spcPts val="1200"/>
+              </a:spcBef>
+              <a:spcAft>
+                <a:spcPts val="200"/>
+              </a:spcAft>
+              <a:buClr>
+                <a:schemeClr val="accent1"/>
+              </a:buClr>
+              <a:buSzPct val="100000"/>
+              <a:buFont typeface="Calibri" panose="020F0502020204030204" pitchFamily="34" charset="0"/>
+              <a:buChar char=" "/>
+              <a:defRPr sz="1900" kern="1200">
+                <a:solidFill>
+                  <a:schemeClr val="tx1">
+                    <a:lumMod val="75000"/>
+                    <a:lumOff val="25000"/>
+                  </a:schemeClr>
+                </a:solidFill>
+                <a:latin typeface="+mn-lt"/>
+                <a:ea typeface="+mn-ea"/>
+                <a:cs typeface="+mn-cs"/>
+              </a:defRPr>
+            </a:lvl1pPr>
+            <a:lvl2pPr marL="384048" indent="-182880" algn="l" defTabSz="914400" rtl="0" eaLnBrk="1" latinLnBrk="0" hangingPunct="1">
+              <a:lnSpc>
+                <a:spcPct val="100000"/>
+              </a:lnSpc>
+              <a:spcBef>
+                <a:spcPts val="200"/>
+              </a:spcBef>
+              <a:spcAft>
+                <a:spcPts val="400"/>
+              </a:spcAft>
+              <a:buClrTx/>
+              <a:buFont typeface="Calibri" pitchFamily="34" charset="0"/>
+              <a:buChar char="◦"/>
+              <a:defRPr sz="1700" kern="1200">
+                <a:solidFill>
+                  <a:schemeClr val="tx1">
+                    <a:lumMod val="75000"/>
+                    <a:lumOff val="25000"/>
+                  </a:schemeClr>
+                </a:solidFill>
+                <a:latin typeface="+mn-lt"/>
+                <a:ea typeface="+mn-ea"/>
+                <a:cs typeface="+mn-cs"/>
+              </a:defRPr>
+            </a:lvl2pPr>
+            <a:lvl3pPr marL="566928" indent="-182880" algn="l" defTabSz="914400" rtl="0" eaLnBrk="1" latinLnBrk="0" hangingPunct="1">
+              <a:lnSpc>
+                <a:spcPct val="100000"/>
+              </a:lnSpc>
+              <a:spcBef>
+                <a:spcPts val="200"/>
+              </a:spcBef>
+              <a:spcAft>
+                <a:spcPts val="400"/>
+              </a:spcAft>
+              <a:buClrTx/>
+              <a:buFont typeface="Calibri" pitchFamily="34" charset="0"/>
+              <a:buChar char="◦"/>
+              <a:defRPr sz="1300" kern="1200">
+                <a:solidFill>
+                  <a:schemeClr val="tx1">
+                    <a:lumMod val="75000"/>
+                    <a:lumOff val="25000"/>
+                  </a:schemeClr>
+                </a:solidFill>
+                <a:latin typeface="+mn-lt"/>
+                <a:ea typeface="+mn-ea"/>
+                <a:cs typeface="+mn-cs"/>
+              </a:defRPr>
+            </a:lvl3pPr>
+            <a:lvl4pPr marL="749808" indent="-182880" algn="l" defTabSz="914400" rtl="0" eaLnBrk="1" latinLnBrk="0" hangingPunct="1">
+              <a:lnSpc>
+                <a:spcPct val="100000"/>
+              </a:lnSpc>
+              <a:spcBef>
+                <a:spcPts val="200"/>
+              </a:spcBef>
+              <a:spcAft>
+                <a:spcPts val="400"/>
+              </a:spcAft>
+              <a:buClrTx/>
+              <a:buFont typeface="Calibri" pitchFamily="34" charset="0"/>
+              <a:buChar char="◦"/>
+              <a:defRPr sz="1300" kern="1200">
+                <a:solidFill>
+                  <a:schemeClr val="tx1">
+                    <a:lumMod val="75000"/>
+                    <a:lumOff val="25000"/>
+                  </a:schemeClr>
+                </a:solidFill>
+                <a:latin typeface="+mn-lt"/>
+                <a:ea typeface="+mn-ea"/>
+                <a:cs typeface="+mn-cs"/>
+              </a:defRPr>
+            </a:lvl4pPr>
+            <a:lvl5pPr marL="932688" indent="-182880" algn="l" defTabSz="914400" rtl="0" eaLnBrk="1" latinLnBrk="0" hangingPunct="1">
+              <a:lnSpc>
+                <a:spcPct val="100000"/>
+              </a:lnSpc>
+              <a:spcBef>
+                <a:spcPts val="200"/>
+              </a:spcBef>
+              <a:spcAft>
+                <a:spcPts val="400"/>
+              </a:spcAft>
+              <a:buClrTx/>
+              <a:buFont typeface="Calibri" pitchFamily="34" charset="0"/>
+              <a:buChar char="◦"/>
+              <a:defRPr sz="1300" kern="1200">
+                <a:solidFill>
+                  <a:schemeClr val="tx1">
+                    <a:lumMod val="75000"/>
+                    <a:lumOff val="25000"/>
+                  </a:schemeClr>
+                </a:solidFill>
+                <a:latin typeface="+mn-lt"/>
+                <a:ea typeface="+mn-ea"/>
+                <a:cs typeface="+mn-cs"/>
+              </a:defRPr>
+            </a:lvl5pPr>
+            <a:lvl6pPr marL="1100000" indent="-228600" algn="l" defTabSz="914400" rtl="0" eaLnBrk="1" latinLnBrk="0" hangingPunct="1">
+              <a:lnSpc>
+                <a:spcPct val="90000"/>
+              </a:lnSpc>
+              <a:spcBef>
+                <a:spcPts val="200"/>
+              </a:spcBef>
+              <a:spcAft>
+                <a:spcPts val="400"/>
+              </a:spcAft>
+              <a:buClr>
+                <a:schemeClr val="accent1"/>
+              </a:buClr>
+              <a:buFont typeface="Calibri" pitchFamily="34" charset="0"/>
+              <a:buChar char="◦"/>
+              <a:defRPr sz="1400" kern="1200">
+                <a:solidFill>
+                  <a:schemeClr val="tx1">
+                    <a:lumMod val="75000"/>
+                    <a:lumOff val="25000"/>
+                  </a:schemeClr>
+                </a:solidFill>
+                <a:latin typeface="+mn-lt"/>
+                <a:ea typeface="+mn-ea"/>
+                <a:cs typeface="+mn-cs"/>
+              </a:defRPr>
+            </a:lvl6pPr>
+            <a:lvl7pPr marL="1300000" indent="-228600" algn="l" defTabSz="914400" rtl="0" eaLnBrk="1" latinLnBrk="0" hangingPunct="1">
+              <a:lnSpc>
+                <a:spcPct val="90000"/>
+              </a:lnSpc>
+              <a:spcBef>
+                <a:spcPts val="200"/>
+              </a:spcBef>
+              <a:spcAft>
+                <a:spcPts val="400"/>
+              </a:spcAft>
+              <a:buClr>
+                <a:schemeClr val="accent1"/>
+              </a:buClr>
+              <a:buFont typeface="Calibri" pitchFamily="34" charset="0"/>
+              <a:buChar char="◦"/>
+              <a:defRPr sz="1400" kern="1200">
+                <a:solidFill>
+                  <a:schemeClr val="tx1">
+                    <a:lumMod val="75000"/>
+                    <a:lumOff val="25000"/>
+                  </a:schemeClr>
+                </a:solidFill>
+                <a:latin typeface="+mn-lt"/>
+                <a:ea typeface="+mn-ea"/>
+                <a:cs typeface="+mn-cs"/>
+              </a:defRPr>
+            </a:lvl7pPr>
+            <a:lvl8pPr marL="1500000" indent="-228600" algn="l" defTabSz="914400" rtl="0" eaLnBrk="1" latinLnBrk="0" hangingPunct="1">
+              <a:lnSpc>
+                <a:spcPct val="90000"/>
+              </a:lnSpc>
+              <a:spcBef>
+                <a:spcPts val="200"/>
+              </a:spcBef>
+              <a:spcAft>
+                <a:spcPts val="400"/>
+              </a:spcAft>
+              <a:buClr>
+                <a:schemeClr val="accent1"/>
+              </a:buClr>
+              <a:buFont typeface="Calibri" pitchFamily="34" charset="0"/>
+              <a:buChar char="◦"/>
+              <a:defRPr sz="1400" kern="1200">
+                <a:solidFill>
+                  <a:schemeClr val="tx1">
+                    <a:lumMod val="75000"/>
+                    <a:lumOff val="25000"/>
+                  </a:schemeClr>
+                </a:solidFill>
+                <a:latin typeface="+mn-lt"/>
+                <a:ea typeface="+mn-ea"/>
+                <a:cs typeface="+mn-cs"/>
+              </a:defRPr>
+            </a:lvl8pPr>
+            <a:lvl9pPr marL="1700000" indent="-228600" algn="l" defTabSz="914400" rtl="0" eaLnBrk="1" latinLnBrk="0" hangingPunct="1">
+              <a:lnSpc>
+                <a:spcPct val="90000"/>
+              </a:lnSpc>
+              <a:spcBef>
+                <a:spcPts val="200"/>
+              </a:spcBef>
+              <a:spcAft>
+                <a:spcPts val="400"/>
+              </a:spcAft>
+              <a:buClr>
+                <a:schemeClr val="accent1"/>
+              </a:buClr>
+              <a:buFont typeface="Calibri" pitchFamily="34" charset="0"/>
+              <a:buChar char="◦"/>
+              <a:defRPr sz="1400" kern="1200">
+                <a:solidFill>
+                  <a:schemeClr val="tx1">
+                    <a:lumMod val="75000"/>
+                    <a:lumOff val="25000"/>
+                  </a:schemeClr>
+                </a:solidFill>
+                <a:latin typeface="+mn-lt"/>
+                <a:ea typeface="+mn-ea"/>
+                <a:cs typeface="+mn-cs"/>
+              </a:defRPr>
+            </a:lvl9pPr>
+          </a:lstStyle>
+          <a:p>
+            <a:pPr>
+              <a:buFont typeface="Wingdings" panose="05000000000000000000" pitchFamily="2" charset="2"/>
+              <a:buChar char="v"/>
+            </a:pPr>
+            <a:r>
+              <a:rPr lang="en-US" sz="3600" b="1" dirty="0"/>
+              <a:t> </a:t>
+            </a:r>
+            <a:r>
+              <a:rPr lang="en-PH" sz="3600" dirty="0"/>
+              <a:t>Example (School Performance):</a:t>
+            </a:r>
+          </a:p>
+          <a:p>
+            <a:pPr lvl="1">
+              <a:buFont typeface="Wingdings" panose="05000000000000000000" pitchFamily="2" charset="2"/>
+              <a:buChar char="v"/>
+            </a:pPr>
+            <a:r>
+              <a:rPr lang="en-PH" sz="3200" dirty="0"/>
+              <a:t> </a:t>
+            </a:r>
+            <a:r>
+              <a:rPr lang="en-US" sz="3200" dirty="0"/>
+              <a:t>Categories = Subjects (Math, English, Science, History).</a:t>
+            </a:r>
+          </a:p>
+          <a:p>
+            <a:pPr lvl="1">
+              <a:buFont typeface="Wingdings" panose="05000000000000000000" pitchFamily="2" charset="2"/>
+              <a:buChar char="v"/>
+            </a:pPr>
+            <a:r>
+              <a:rPr lang="en-US" sz="3200" dirty="0"/>
+              <a:t> </a:t>
+            </a:r>
+            <a:r>
+              <a:rPr lang="en-PH" sz="3200" dirty="0"/>
+              <a:t>Values = Average student scores.</a:t>
+            </a:r>
+          </a:p>
+          <a:p>
+            <a:pPr lvl="1">
+              <a:buFont typeface="Wingdings" panose="05000000000000000000" pitchFamily="2" charset="2"/>
+              <a:buChar char="v"/>
+            </a:pPr>
+            <a:r>
+              <a:rPr lang="en-US" sz="3200" dirty="0"/>
+              <a:t> Bars show quick comparison of strengths &amp; weaknesses.</a:t>
+            </a:r>
+          </a:p>
+        </p:txBody>
+      </p:sp>
+    </p:spTree>
+    <p:extLst>
+      <p:ext uri="{BB962C8B-B14F-4D97-AF65-F5344CB8AC3E}">
+        <p14:creationId xmlns:p14="http://schemas.microsoft.com/office/powerpoint/2010/main" val="1435740724"/>
+      </p:ext>
+    </p:extLst>
+  </p:cSld>
+  <p:clrMapOvr>
+    <a:masterClrMapping/>
+  </p:clrMapOvr>
+</p:sld>
+</file>
+
+<file path=ppt/slides/slide23.xml><?xml version="1.0" encoding="utf-8"?>
+<p:sld xmlns:a="http://schemas.openxmlformats.org/drawingml/2006/main" xmlns:r="http://schemas.openxmlformats.org/officeDocument/2006/relationships" xmlns:p="http://schemas.openxmlformats.org/presentationml/2006/main">
+  <p:cSld>
+    <p:spTree>
+      <p:nvGrpSpPr>
+        <p:cNvPr id="1" name="">
+          <a:extLst>
+            <a:ext uri="{FF2B5EF4-FFF2-40B4-BE49-F238E27FC236}">
+              <a16:creationId xmlns:a16="http://schemas.microsoft.com/office/drawing/2014/main" id="{D59D9351-3C91-5739-EB3B-23F1EACE142F}"/>
+            </a:ext>
+          </a:extLst>
+        </p:cNvPr>
+        <p:cNvGrpSpPr/>
+        <p:nvPr/>
+      </p:nvGrpSpPr>
+      <p:grpSpPr>
+        <a:xfrm>
+          <a:off x="0" y="0"/>
+          <a:ext cx="0" cy="0"/>
+          <a:chOff x="0" y="0"/>
+          <a:chExt cx="0" cy="0"/>
+        </a:xfrm>
+      </p:grpSpPr>
+      <p:sp>
+        <p:nvSpPr>
+          <p:cNvPr id="2" name="Title 1">
+            <a:extLst>
+              <a:ext uri="{FF2B5EF4-FFF2-40B4-BE49-F238E27FC236}">
+                <a16:creationId xmlns:a16="http://schemas.microsoft.com/office/drawing/2014/main" id="{1E76B849-B365-9361-DEBB-79143CA6DF96}"/>
+              </a:ext>
+            </a:extLst>
+          </p:cNvPr>
+          <p:cNvSpPr>
+            <a:spLocks noGrp="1"/>
+          </p:cNvSpPr>
+          <p:nvPr>
+            <p:ph type="title"/>
+          </p:nvPr>
+        </p:nvSpPr>
+        <p:spPr>
+          <a:xfrm>
+            <a:off x="1097280" y="319024"/>
+            <a:ext cx="10058400" cy="1450757"/>
+          </a:xfrm>
+        </p:spPr>
+        <p:txBody>
+          <a:bodyPr>
+            <a:noAutofit/>
+          </a:bodyPr>
+          <a:lstStyle/>
+          <a:p>
+            <a:r>
+              <a:rPr lang="en-US" sz="4400" dirty="0">
+                <a:cs typeface="Arial" panose="020B0604020202020204" pitchFamily="34" charset="0"/>
+              </a:rPr>
+              <a:t>6. </a:t>
+            </a:r>
+            <a:r>
+              <a:rPr lang="en-US" sz="4400" dirty="0"/>
+              <a:t>Comparing Data with Bar Graphs in Google </a:t>
+            </a:r>
+            <a:r>
+              <a:rPr lang="en-US" sz="4400" dirty="0" err="1"/>
+              <a:t>Colab</a:t>
+            </a:r>
+            <a:endParaRPr lang="en-PH" sz="4400" dirty="0">
+              <a:cs typeface="Arial" panose="020B0604020202020204" pitchFamily="34" charset="0"/>
+            </a:endParaRPr>
+          </a:p>
+        </p:txBody>
+      </p:sp>
+      <p:sp>
+        <p:nvSpPr>
+          <p:cNvPr id="3" name="TextBox 2">
+            <a:extLst>
+              <a:ext uri="{FF2B5EF4-FFF2-40B4-BE49-F238E27FC236}">
+                <a16:creationId xmlns:a16="http://schemas.microsoft.com/office/drawing/2014/main" id="{E6411800-B64B-D651-1D5A-32504A87C23E}"/>
+              </a:ext>
+            </a:extLst>
+          </p:cNvPr>
+          <p:cNvSpPr txBox="1"/>
+          <p:nvPr/>
+        </p:nvSpPr>
+        <p:spPr>
+          <a:xfrm>
+            <a:off x="1097280" y="2011281"/>
+            <a:ext cx="7820297" cy="830997"/>
+          </a:xfrm>
+          <a:prstGeom prst="rect">
+            <a:avLst/>
+          </a:prstGeom>
+          <a:noFill/>
+        </p:spPr>
+        <p:txBody>
+          <a:bodyPr wrap="square" rtlCol="0">
+            <a:spAutoFit/>
+          </a:bodyPr>
+          <a:lstStyle/>
+          <a:p>
+            <a:r>
+              <a:rPr lang="en-US" sz="2400" b="1" dirty="0">
+                <a:latin typeface="Arial" panose="020B0604020202020204" pitchFamily="34" charset="0"/>
+                <a:cs typeface="Arial" panose="020B0604020202020204" pitchFamily="34" charset="0"/>
+              </a:rPr>
+              <a:t>Creating Bar Graphs with Matplotlib in Google </a:t>
+            </a:r>
+            <a:r>
+              <a:rPr lang="en-US" sz="2400" b="1" dirty="0" err="1">
+                <a:latin typeface="Arial" panose="020B0604020202020204" pitchFamily="34" charset="0"/>
+                <a:cs typeface="Arial" panose="020B0604020202020204" pitchFamily="34" charset="0"/>
+              </a:rPr>
+              <a:t>Colab</a:t>
+            </a:r>
+            <a:br>
+              <a:rPr lang="en-US" sz="2400" b="1" dirty="0">
+                <a:latin typeface="Arial" panose="020B0604020202020204" pitchFamily="34" charset="0"/>
+                <a:cs typeface="Arial" panose="020B0604020202020204" pitchFamily="34" charset="0"/>
+              </a:rPr>
+            </a:br>
+            <a:r>
+              <a:rPr lang="en-US" sz="2400" b="1" dirty="0">
+                <a:latin typeface="Arial" panose="020B0604020202020204" pitchFamily="34" charset="0"/>
+                <a:cs typeface="Arial" panose="020B0604020202020204" pitchFamily="34" charset="0"/>
+              </a:rPr>
+              <a:t>Go to this link:</a:t>
+            </a:r>
+            <a:endParaRPr lang="en-PH" sz="2400" b="1" dirty="0">
+              <a:latin typeface="Arial" panose="020B0604020202020204" pitchFamily="34" charset="0"/>
+              <a:cs typeface="Arial" panose="020B0604020202020204" pitchFamily="34" charset="0"/>
+            </a:endParaRPr>
+          </a:p>
+        </p:txBody>
+      </p:sp>
+      <p:sp>
+        <p:nvSpPr>
+          <p:cNvPr id="4" name="Content Placeholder 2">
+            <a:extLst>
+              <a:ext uri="{FF2B5EF4-FFF2-40B4-BE49-F238E27FC236}">
+                <a16:creationId xmlns:a16="http://schemas.microsoft.com/office/drawing/2014/main" id="{1E34A9BF-9866-8EFF-F44A-DE46DE1AF97E}"/>
+              </a:ext>
+            </a:extLst>
+          </p:cNvPr>
+          <p:cNvSpPr txBox="1">
+            <a:spLocks/>
+          </p:cNvSpPr>
+          <p:nvPr/>
+        </p:nvSpPr>
+        <p:spPr>
+          <a:xfrm>
+            <a:off x="1184366" y="2842278"/>
+            <a:ext cx="10162724" cy="714554"/>
+          </a:xfrm>
+          <a:prstGeom prst="rect">
+            <a:avLst/>
+          </a:prstGeom>
+          <a:ln>
+            <a:solidFill>
+              <a:schemeClr val="tx1"/>
+            </a:solidFill>
+          </a:ln>
+        </p:spPr>
+        <p:txBody>
+          <a:bodyPr vert="horz" lIns="0" tIns="45720" rIns="0" bIns="45720" rtlCol="0">
+            <a:normAutofit/>
+          </a:bodyPr>
+          <a:lstStyle>
+            <a:lvl1pPr marL="91440" indent="-91440" algn="l" defTabSz="914400" rtl="0" eaLnBrk="1" latinLnBrk="0" hangingPunct="1">
+              <a:lnSpc>
+                <a:spcPct val="110000"/>
+              </a:lnSpc>
+              <a:spcBef>
+                <a:spcPts val="1200"/>
+              </a:spcBef>
+              <a:spcAft>
+                <a:spcPts val="200"/>
+              </a:spcAft>
+              <a:buClr>
+                <a:schemeClr val="accent1"/>
+              </a:buClr>
+              <a:buSzPct val="100000"/>
+              <a:buFont typeface="Calibri" panose="020F0502020204030204" pitchFamily="34" charset="0"/>
+              <a:buChar char=" "/>
+              <a:defRPr sz="1900" kern="1200">
+                <a:solidFill>
+                  <a:schemeClr val="tx1">
+                    <a:lumMod val="75000"/>
+                    <a:lumOff val="25000"/>
+                  </a:schemeClr>
+                </a:solidFill>
+                <a:latin typeface="+mn-lt"/>
+                <a:ea typeface="+mn-ea"/>
+                <a:cs typeface="+mn-cs"/>
+              </a:defRPr>
+            </a:lvl1pPr>
+            <a:lvl2pPr marL="384048" indent="-182880" algn="l" defTabSz="914400" rtl="0" eaLnBrk="1" latinLnBrk="0" hangingPunct="1">
+              <a:lnSpc>
+                <a:spcPct val="100000"/>
+              </a:lnSpc>
+              <a:spcBef>
+                <a:spcPts val="200"/>
+              </a:spcBef>
+              <a:spcAft>
+                <a:spcPts val="400"/>
+              </a:spcAft>
+              <a:buClrTx/>
+              <a:buFont typeface="Calibri" pitchFamily="34" charset="0"/>
+              <a:buChar char="◦"/>
+              <a:defRPr sz="1700" kern="1200">
+                <a:solidFill>
+                  <a:schemeClr val="tx1">
+                    <a:lumMod val="75000"/>
+                    <a:lumOff val="25000"/>
+                  </a:schemeClr>
+                </a:solidFill>
+                <a:latin typeface="+mn-lt"/>
+                <a:ea typeface="+mn-ea"/>
+                <a:cs typeface="+mn-cs"/>
+              </a:defRPr>
+            </a:lvl2pPr>
+            <a:lvl3pPr marL="566928" indent="-182880" algn="l" defTabSz="914400" rtl="0" eaLnBrk="1" latinLnBrk="0" hangingPunct="1">
+              <a:lnSpc>
+                <a:spcPct val="100000"/>
+              </a:lnSpc>
+              <a:spcBef>
+                <a:spcPts val="200"/>
+              </a:spcBef>
+              <a:spcAft>
+                <a:spcPts val="400"/>
+              </a:spcAft>
+              <a:buClrTx/>
+              <a:buFont typeface="Calibri" pitchFamily="34" charset="0"/>
+              <a:buChar char="◦"/>
+              <a:defRPr sz="1300" kern="1200">
+                <a:solidFill>
+                  <a:schemeClr val="tx1">
+                    <a:lumMod val="75000"/>
+                    <a:lumOff val="25000"/>
+                  </a:schemeClr>
+                </a:solidFill>
+                <a:latin typeface="+mn-lt"/>
+                <a:ea typeface="+mn-ea"/>
+                <a:cs typeface="+mn-cs"/>
+              </a:defRPr>
+            </a:lvl3pPr>
+            <a:lvl4pPr marL="749808" indent="-182880" algn="l" defTabSz="914400" rtl="0" eaLnBrk="1" latinLnBrk="0" hangingPunct="1">
+              <a:lnSpc>
+                <a:spcPct val="100000"/>
+              </a:lnSpc>
+              <a:spcBef>
+                <a:spcPts val="200"/>
+              </a:spcBef>
+              <a:spcAft>
+                <a:spcPts val="400"/>
+              </a:spcAft>
+              <a:buClrTx/>
+              <a:buFont typeface="Calibri" pitchFamily="34" charset="0"/>
+              <a:buChar char="◦"/>
+              <a:defRPr sz="1300" kern="1200">
+                <a:solidFill>
+                  <a:schemeClr val="tx1">
+                    <a:lumMod val="75000"/>
+                    <a:lumOff val="25000"/>
+                  </a:schemeClr>
+                </a:solidFill>
+                <a:latin typeface="+mn-lt"/>
+                <a:ea typeface="+mn-ea"/>
+                <a:cs typeface="+mn-cs"/>
+              </a:defRPr>
+            </a:lvl4pPr>
+            <a:lvl5pPr marL="932688" indent="-182880" algn="l" defTabSz="914400" rtl="0" eaLnBrk="1" latinLnBrk="0" hangingPunct="1">
+              <a:lnSpc>
+                <a:spcPct val="100000"/>
+              </a:lnSpc>
+              <a:spcBef>
+                <a:spcPts val="200"/>
+              </a:spcBef>
+              <a:spcAft>
+                <a:spcPts val="400"/>
+              </a:spcAft>
+              <a:buClrTx/>
+              <a:buFont typeface="Calibri" pitchFamily="34" charset="0"/>
+              <a:buChar char="◦"/>
+              <a:defRPr sz="1300" kern="1200">
+                <a:solidFill>
+                  <a:schemeClr val="tx1">
+                    <a:lumMod val="75000"/>
+                    <a:lumOff val="25000"/>
+                  </a:schemeClr>
+                </a:solidFill>
+                <a:latin typeface="+mn-lt"/>
+                <a:ea typeface="+mn-ea"/>
+                <a:cs typeface="+mn-cs"/>
+              </a:defRPr>
+            </a:lvl5pPr>
+            <a:lvl6pPr marL="1100000" indent="-228600" algn="l" defTabSz="914400" rtl="0" eaLnBrk="1" latinLnBrk="0" hangingPunct="1">
+              <a:lnSpc>
+                <a:spcPct val="90000"/>
+              </a:lnSpc>
+              <a:spcBef>
+                <a:spcPts val="200"/>
+              </a:spcBef>
+              <a:spcAft>
+                <a:spcPts val="400"/>
+              </a:spcAft>
+              <a:buClr>
+                <a:schemeClr val="accent1"/>
+              </a:buClr>
+              <a:buFont typeface="Calibri" pitchFamily="34" charset="0"/>
+              <a:buChar char="◦"/>
+              <a:defRPr sz="1400" kern="1200">
+                <a:solidFill>
+                  <a:schemeClr val="tx1">
+                    <a:lumMod val="75000"/>
+                    <a:lumOff val="25000"/>
+                  </a:schemeClr>
+                </a:solidFill>
+                <a:latin typeface="+mn-lt"/>
+                <a:ea typeface="+mn-ea"/>
+                <a:cs typeface="+mn-cs"/>
+              </a:defRPr>
+            </a:lvl6pPr>
+            <a:lvl7pPr marL="1300000" indent="-228600" algn="l" defTabSz="914400" rtl="0" eaLnBrk="1" latinLnBrk="0" hangingPunct="1">
+              <a:lnSpc>
+                <a:spcPct val="90000"/>
+              </a:lnSpc>
+              <a:spcBef>
+                <a:spcPts val="200"/>
+              </a:spcBef>
+              <a:spcAft>
+                <a:spcPts val="400"/>
+              </a:spcAft>
+              <a:buClr>
+                <a:schemeClr val="accent1"/>
+              </a:buClr>
+              <a:buFont typeface="Calibri" pitchFamily="34" charset="0"/>
+              <a:buChar char="◦"/>
+              <a:defRPr sz="1400" kern="1200">
+                <a:solidFill>
+                  <a:schemeClr val="tx1">
+                    <a:lumMod val="75000"/>
+                    <a:lumOff val="25000"/>
+                  </a:schemeClr>
+                </a:solidFill>
+                <a:latin typeface="+mn-lt"/>
+                <a:ea typeface="+mn-ea"/>
+                <a:cs typeface="+mn-cs"/>
+              </a:defRPr>
+            </a:lvl7pPr>
+            <a:lvl8pPr marL="1500000" indent="-228600" algn="l" defTabSz="914400" rtl="0" eaLnBrk="1" latinLnBrk="0" hangingPunct="1">
+              <a:lnSpc>
+                <a:spcPct val="90000"/>
+              </a:lnSpc>
+              <a:spcBef>
+                <a:spcPts val="200"/>
+              </a:spcBef>
+              <a:spcAft>
+                <a:spcPts val="400"/>
+              </a:spcAft>
+              <a:buClr>
+                <a:schemeClr val="accent1"/>
+              </a:buClr>
+              <a:buFont typeface="Calibri" pitchFamily="34" charset="0"/>
+              <a:buChar char="◦"/>
+              <a:defRPr sz="1400" kern="1200">
+                <a:solidFill>
+                  <a:schemeClr val="tx1">
+                    <a:lumMod val="75000"/>
+                    <a:lumOff val="25000"/>
+                  </a:schemeClr>
+                </a:solidFill>
+                <a:latin typeface="+mn-lt"/>
+                <a:ea typeface="+mn-ea"/>
+                <a:cs typeface="+mn-cs"/>
+              </a:defRPr>
+            </a:lvl8pPr>
+            <a:lvl9pPr marL="1700000" indent="-228600" algn="l" defTabSz="914400" rtl="0" eaLnBrk="1" latinLnBrk="0" hangingPunct="1">
+              <a:lnSpc>
+                <a:spcPct val="90000"/>
+              </a:lnSpc>
+              <a:spcBef>
+                <a:spcPts val="200"/>
+              </a:spcBef>
+              <a:spcAft>
+                <a:spcPts val="400"/>
+              </a:spcAft>
+              <a:buClr>
+                <a:schemeClr val="accent1"/>
+              </a:buClr>
+              <a:buFont typeface="Calibri" pitchFamily="34" charset="0"/>
+              <a:buChar char="◦"/>
+              <a:defRPr sz="1400" kern="1200">
+                <a:solidFill>
+                  <a:schemeClr val="tx1">
+                    <a:lumMod val="75000"/>
+                    <a:lumOff val="25000"/>
+                  </a:schemeClr>
+                </a:solidFill>
+                <a:latin typeface="+mn-lt"/>
+                <a:ea typeface="+mn-ea"/>
+                <a:cs typeface="+mn-cs"/>
+              </a:defRPr>
+            </a:lvl9pPr>
+          </a:lstStyle>
+          <a:p>
+            <a:pPr marL="0" indent="0">
+              <a:buNone/>
+            </a:pPr>
+            <a:r>
+              <a:rPr lang="en-US" dirty="0"/>
+              <a:t>https://</a:t>
+            </a:r>
+            <a:endParaRPr lang="en-US" sz="2200" dirty="0"/>
+          </a:p>
+        </p:txBody>
+      </p:sp>
+      <p:sp>
+        <p:nvSpPr>
+          <p:cNvPr id="5" name="TextBox 4">
+            <a:extLst>
+              <a:ext uri="{FF2B5EF4-FFF2-40B4-BE49-F238E27FC236}">
+                <a16:creationId xmlns:a16="http://schemas.microsoft.com/office/drawing/2014/main" id="{8F18B54E-1A5F-4667-DA57-F3E30735716C}"/>
+              </a:ext>
+            </a:extLst>
+          </p:cNvPr>
+          <p:cNvSpPr txBox="1"/>
+          <p:nvPr/>
+        </p:nvSpPr>
+        <p:spPr>
+          <a:xfrm>
+            <a:off x="1097279" y="4213830"/>
+            <a:ext cx="10249811" cy="830997"/>
+          </a:xfrm>
+          <a:prstGeom prst="rect">
+            <a:avLst/>
+          </a:prstGeom>
+          <a:noFill/>
+        </p:spPr>
+        <p:txBody>
+          <a:bodyPr wrap="square" rtlCol="0">
+            <a:spAutoFit/>
+          </a:bodyPr>
+          <a:lstStyle/>
+          <a:p>
+            <a:r>
+              <a:rPr lang="en-US" sz="2400" b="1" dirty="0">
+                <a:latin typeface="Arial" panose="020B0604020202020204" pitchFamily="34" charset="0"/>
+                <a:cs typeface="Arial" panose="020B0604020202020204" pitchFamily="34" charset="0"/>
+              </a:rPr>
+              <a:t>Creating Bar Graphs with Matplotlib using Seaborn's Titanic Dataset</a:t>
+            </a:r>
+            <a:br>
+              <a:rPr lang="en-US" sz="2400" b="1" dirty="0">
+                <a:latin typeface="Arial" panose="020B0604020202020204" pitchFamily="34" charset="0"/>
+                <a:cs typeface="Arial" panose="020B0604020202020204" pitchFamily="34" charset="0"/>
+              </a:rPr>
+            </a:br>
+            <a:r>
+              <a:rPr lang="en-US" sz="2400" b="1" dirty="0">
+                <a:latin typeface="Arial" panose="020B0604020202020204" pitchFamily="34" charset="0"/>
+                <a:cs typeface="Arial" panose="020B0604020202020204" pitchFamily="34" charset="0"/>
+              </a:rPr>
+              <a:t>Go to this link:</a:t>
+            </a:r>
+            <a:endParaRPr lang="en-PH" sz="2400" b="1" dirty="0">
+              <a:latin typeface="Arial" panose="020B0604020202020204" pitchFamily="34" charset="0"/>
+              <a:cs typeface="Arial" panose="020B0604020202020204" pitchFamily="34" charset="0"/>
+            </a:endParaRPr>
+          </a:p>
+        </p:txBody>
+      </p:sp>
+      <p:sp>
+        <p:nvSpPr>
+          <p:cNvPr id="6" name="Content Placeholder 2">
+            <a:extLst>
+              <a:ext uri="{FF2B5EF4-FFF2-40B4-BE49-F238E27FC236}">
+                <a16:creationId xmlns:a16="http://schemas.microsoft.com/office/drawing/2014/main" id="{98783915-1EF0-832A-01A4-903CAC3DE620}"/>
+              </a:ext>
+            </a:extLst>
+          </p:cNvPr>
+          <p:cNvSpPr txBox="1">
+            <a:spLocks/>
+          </p:cNvSpPr>
+          <p:nvPr/>
+        </p:nvSpPr>
+        <p:spPr>
+          <a:xfrm>
+            <a:off x="1184366" y="5088220"/>
+            <a:ext cx="10162724" cy="714554"/>
+          </a:xfrm>
+          <a:prstGeom prst="rect">
+            <a:avLst/>
+          </a:prstGeom>
+          <a:ln>
+            <a:solidFill>
+              <a:schemeClr val="tx1"/>
+            </a:solidFill>
+          </a:ln>
+        </p:spPr>
+        <p:txBody>
+          <a:bodyPr vert="horz" lIns="0" tIns="45720" rIns="0" bIns="45720" rtlCol="0">
+            <a:normAutofit/>
+          </a:bodyPr>
+          <a:lstStyle>
+            <a:lvl1pPr marL="91440" indent="-91440" algn="l" defTabSz="914400" rtl="0" eaLnBrk="1" latinLnBrk="0" hangingPunct="1">
+              <a:lnSpc>
+                <a:spcPct val="110000"/>
+              </a:lnSpc>
+              <a:spcBef>
+                <a:spcPts val="1200"/>
+              </a:spcBef>
+              <a:spcAft>
+                <a:spcPts val="200"/>
+              </a:spcAft>
+              <a:buClr>
+                <a:schemeClr val="accent1"/>
+              </a:buClr>
+              <a:buSzPct val="100000"/>
+              <a:buFont typeface="Calibri" panose="020F0502020204030204" pitchFamily="34" charset="0"/>
+              <a:buChar char=" "/>
+              <a:defRPr sz="1900" kern="1200">
+                <a:solidFill>
+                  <a:schemeClr val="tx1">
+                    <a:lumMod val="75000"/>
+                    <a:lumOff val="25000"/>
+                  </a:schemeClr>
+                </a:solidFill>
+                <a:latin typeface="+mn-lt"/>
+                <a:ea typeface="+mn-ea"/>
+                <a:cs typeface="+mn-cs"/>
+              </a:defRPr>
+            </a:lvl1pPr>
+            <a:lvl2pPr marL="384048" indent="-182880" algn="l" defTabSz="914400" rtl="0" eaLnBrk="1" latinLnBrk="0" hangingPunct="1">
+              <a:lnSpc>
+                <a:spcPct val="100000"/>
+              </a:lnSpc>
+              <a:spcBef>
+                <a:spcPts val="200"/>
+              </a:spcBef>
+              <a:spcAft>
+                <a:spcPts val="400"/>
+              </a:spcAft>
+              <a:buClrTx/>
+              <a:buFont typeface="Calibri" pitchFamily="34" charset="0"/>
+              <a:buChar char="◦"/>
+              <a:defRPr sz="1700" kern="1200">
+                <a:solidFill>
+                  <a:schemeClr val="tx1">
+                    <a:lumMod val="75000"/>
+                    <a:lumOff val="25000"/>
+                  </a:schemeClr>
+                </a:solidFill>
+                <a:latin typeface="+mn-lt"/>
+                <a:ea typeface="+mn-ea"/>
+                <a:cs typeface="+mn-cs"/>
+              </a:defRPr>
+            </a:lvl2pPr>
+            <a:lvl3pPr marL="566928" indent="-182880" algn="l" defTabSz="914400" rtl="0" eaLnBrk="1" latinLnBrk="0" hangingPunct="1">
+              <a:lnSpc>
+                <a:spcPct val="100000"/>
+              </a:lnSpc>
+              <a:spcBef>
+                <a:spcPts val="200"/>
+              </a:spcBef>
+              <a:spcAft>
+                <a:spcPts val="400"/>
+              </a:spcAft>
+              <a:buClrTx/>
+              <a:buFont typeface="Calibri" pitchFamily="34" charset="0"/>
+              <a:buChar char="◦"/>
+              <a:defRPr sz="1300" kern="1200">
+                <a:solidFill>
+                  <a:schemeClr val="tx1">
+                    <a:lumMod val="75000"/>
+                    <a:lumOff val="25000"/>
+                  </a:schemeClr>
+                </a:solidFill>
+                <a:latin typeface="+mn-lt"/>
+                <a:ea typeface="+mn-ea"/>
+                <a:cs typeface="+mn-cs"/>
+              </a:defRPr>
+            </a:lvl3pPr>
+            <a:lvl4pPr marL="749808" indent="-182880" algn="l" defTabSz="914400" rtl="0" eaLnBrk="1" latinLnBrk="0" hangingPunct="1">
+              <a:lnSpc>
+                <a:spcPct val="100000"/>
+              </a:lnSpc>
+              <a:spcBef>
+                <a:spcPts val="200"/>
+              </a:spcBef>
+              <a:spcAft>
+                <a:spcPts val="400"/>
+              </a:spcAft>
+              <a:buClrTx/>
+              <a:buFont typeface="Calibri" pitchFamily="34" charset="0"/>
+              <a:buChar char="◦"/>
+              <a:defRPr sz="1300" kern="1200">
+                <a:solidFill>
+                  <a:schemeClr val="tx1">
+                    <a:lumMod val="75000"/>
+                    <a:lumOff val="25000"/>
+                  </a:schemeClr>
+                </a:solidFill>
+                <a:latin typeface="+mn-lt"/>
+                <a:ea typeface="+mn-ea"/>
+                <a:cs typeface="+mn-cs"/>
+              </a:defRPr>
+            </a:lvl4pPr>
+            <a:lvl5pPr marL="932688" indent="-182880" algn="l" defTabSz="914400" rtl="0" eaLnBrk="1" latinLnBrk="0" hangingPunct="1">
+              <a:lnSpc>
+                <a:spcPct val="100000"/>
+              </a:lnSpc>
+              <a:spcBef>
+                <a:spcPts val="200"/>
+              </a:spcBef>
+              <a:spcAft>
+                <a:spcPts val="400"/>
+              </a:spcAft>
+              <a:buClrTx/>
+              <a:buFont typeface="Calibri" pitchFamily="34" charset="0"/>
+              <a:buChar char="◦"/>
+              <a:defRPr sz="1300" kern="1200">
+                <a:solidFill>
+                  <a:schemeClr val="tx1">
+                    <a:lumMod val="75000"/>
+                    <a:lumOff val="25000"/>
+                  </a:schemeClr>
+                </a:solidFill>
+                <a:latin typeface="+mn-lt"/>
+                <a:ea typeface="+mn-ea"/>
+                <a:cs typeface="+mn-cs"/>
+              </a:defRPr>
+            </a:lvl5pPr>
+            <a:lvl6pPr marL="1100000" indent="-228600" algn="l" defTabSz="914400" rtl="0" eaLnBrk="1" latinLnBrk="0" hangingPunct="1">
+              <a:lnSpc>
+                <a:spcPct val="90000"/>
+              </a:lnSpc>
+              <a:spcBef>
+                <a:spcPts val="200"/>
+              </a:spcBef>
+              <a:spcAft>
+                <a:spcPts val="400"/>
+              </a:spcAft>
+              <a:buClr>
+                <a:schemeClr val="accent1"/>
+              </a:buClr>
+              <a:buFont typeface="Calibri" pitchFamily="34" charset="0"/>
+              <a:buChar char="◦"/>
+              <a:defRPr sz="1400" kern="1200">
+                <a:solidFill>
+                  <a:schemeClr val="tx1">
+                    <a:lumMod val="75000"/>
+                    <a:lumOff val="25000"/>
+                  </a:schemeClr>
+                </a:solidFill>
+                <a:latin typeface="+mn-lt"/>
+                <a:ea typeface="+mn-ea"/>
+                <a:cs typeface="+mn-cs"/>
+              </a:defRPr>
+            </a:lvl6pPr>
+            <a:lvl7pPr marL="1300000" indent="-228600" algn="l" defTabSz="914400" rtl="0" eaLnBrk="1" latinLnBrk="0" hangingPunct="1">
+              <a:lnSpc>
+                <a:spcPct val="90000"/>
+              </a:lnSpc>
+              <a:spcBef>
+                <a:spcPts val="200"/>
+              </a:spcBef>
+              <a:spcAft>
+                <a:spcPts val="400"/>
+              </a:spcAft>
+              <a:buClr>
+                <a:schemeClr val="accent1"/>
+              </a:buClr>
+              <a:buFont typeface="Calibri" pitchFamily="34" charset="0"/>
+              <a:buChar char="◦"/>
+              <a:defRPr sz="1400" kern="1200">
+                <a:solidFill>
+                  <a:schemeClr val="tx1">
+                    <a:lumMod val="75000"/>
+                    <a:lumOff val="25000"/>
+                  </a:schemeClr>
+                </a:solidFill>
+                <a:latin typeface="+mn-lt"/>
+                <a:ea typeface="+mn-ea"/>
+                <a:cs typeface="+mn-cs"/>
+              </a:defRPr>
+            </a:lvl7pPr>
+            <a:lvl8pPr marL="1500000" indent="-228600" algn="l" defTabSz="914400" rtl="0" eaLnBrk="1" latinLnBrk="0" hangingPunct="1">
+              <a:lnSpc>
+                <a:spcPct val="90000"/>
+              </a:lnSpc>
+              <a:spcBef>
+                <a:spcPts val="200"/>
+              </a:spcBef>
+              <a:spcAft>
+                <a:spcPts val="400"/>
+              </a:spcAft>
+              <a:buClr>
+                <a:schemeClr val="accent1"/>
+              </a:buClr>
+              <a:buFont typeface="Calibri" pitchFamily="34" charset="0"/>
+              <a:buChar char="◦"/>
+              <a:defRPr sz="1400" kern="1200">
+                <a:solidFill>
+                  <a:schemeClr val="tx1">
+                    <a:lumMod val="75000"/>
+                    <a:lumOff val="25000"/>
+                  </a:schemeClr>
+                </a:solidFill>
+                <a:latin typeface="+mn-lt"/>
+                <a:ea typeface="+mn-ea"/>
+                <a:cs typeface="+mn-cs"/>
+              </a:defRPr>
+            </a:lvl8pPr>
+            <a:lvl9pPr marL="1700000" indent="-228600" algn="l" defTabSz="914400" rtl="0" eaLnBrk="1" latinLnBrk="0" hangingPunct="1">
+              <a:lnSpc>
+                <a:spcPct val="90000"/>
+              </a:lnSpc>
+              <a:spcBef>
+                <a:spcPts val="200"/>
+              </a:spcBef>
+              <a:spcAft>
+                <a:spcPts val="400"/>
+              </a:spcAft>
+              <a:buClr>
+                <a:schemeClr val="accent1"/>
+              </a:buClr>
+              <a:buFont typeface="Calibri" pitchFamily="34" charset="0"/>
+              <a:buChar char="◦"/>
+              <a:defRPr sz="1400" kern="1200">
+                <a:solidFill>
+                  <a:schemeClr val="tx1">
+                    <a:lumMod val="75000"/>
+                    <a:lumOff val="25000"/>
+                  </a:schemeClr>
+                </a:solidFill>
+                <a:latin typeface="+mn-lt"/>
+                <a:ea typeface="+mn-ea"/>
+                <a:cs typeface="+mn-cs"/>
+              </a:defRPr>
+            </a:lvl9pPr>
+          </a:lstStyle>
+          <a:p>
+            <a:pPr marL="0" indent="0">
+              <a:buNone/>
+            </a:pPr>
+            <a:r>
+              <a:rPr lang="en-US" dirty="0"/>
+              <a:t>https</a:t>
+            </a:r>
+            <a:endParaRPr lang="en-US" sz="2200" dirty="0"/>
+          </a:p>
+        </p:txBody>
+      </p:sp>
+    </p:spTree>
+    <p:extLst>
+      <p:ext uri="{BB962C8B-B14F-4D97-AF65-F5344CB8AC3E}">
+        <p14:creationId xmlns:p14="http://schemas.microsoft.com/office/powerpoint/2010/main" val="1746282693"/>
+      </p:ext>
+    </p:extLst>
+  </p:cSld>
+  <p:clrMapOvr>
+    <a:masterClrMapping/>
+  </p:clrMapOvr>
+</p:sld>
+</file>
+
+<file path=ppt/slides/slide24.xml><?xml version="1.0" encoding="utf-8"?>
+<p:sld xmlns:a="http://schemas.openxmlformats.org/drawingml/2006/main" xmlns:r="http://schemas.openxmlformats.org/officeDocument/2006/relationships" xmlns:p="http://schemas.openxmlformats.org/presentationml/2006/main">
+  <p:cSld>
+    <p:spTree>
+      <p:nvGrpSpPr>
+        <p:cNvPr id="1" name="">
+          <a:extLst>
+            <a:ext uri="{FF2B5EF4-FFF2-40B4-BE49-F238E27FC236}">
+              <a16:creationId xmlns:a16="http://schemas.microsoft.com/office/drawing/2014/main" id="{60E71A9C-FEE6-2840-4864-E9430617B1D2}"/>
+            </a:ext>
+          </a:extLst>
+        </p:cNvPr>
+        <p:cNvGrpSpPr/>
+        <p:nvPr/>
+      </p:nvGrpSpPr>
+      <p:grpSpPr>
+        <a:xfrm>
+          <a:off x="0" y="0"/>
+          <a:ext cx="0" cy="0"/>
+          <a:chOff x="0" y="0"/>
+          <a:chExt cx="0" cy="0"/>
+        </a:xfrm>
+      </p:grpSpPr>
+      <p:sp>
+        <p:nvSpPr>
+          <p:cNvPr id="2" name="Title 1">
+            <a:extLst>
+              <a:ext uri="{FF2B5EF4-FFF2-40B4-BE49-F238E27FC236}">
+                <a16:creationId xmlns:a16="http://schemas.microsoft.com/office/drawing/2014/main" id="{9E63A713-8F46-958B-6F30-9730E4CD4C24}"/>
+              </a:ext>
+            </a:extLst>
+          </p:cNvPr>
+          <p:cNvSpPr>
+            <a:spLocks noGrp="1"/>
+          </p:cNvSpPr>
+          <p:nvPr>
+            <p:ph type="title"/>
+          </p:nvPr>
+        </p:nvSpPr>
+        <p:spPr>
+          <a:xfrm>
+            <a:off x="1097280" y="319024"/>
+            <a:ext cx="10058400" cy="1450757"/>
+          </a:xfrm>
+        </p:spPr>
+        <p:txBody>
+          <a:bodyPr>
+            <a:noAutofit/>
+          </a:bodyPr>
+          <a:lstStyle/>
+          <a:p>
+            <a:r>
+              <a:rPr lang="en-US" sz="4400" dirty="0">
+                <a:cs typeface="Arial" panose="020B0604020202020204" pitchFamily="34" charset="0"/>
+              </a:rPr>
+              <a:t>7. </a:t>
+            </a:r>
+            <a:r>
+              <a:rPr lang="en-US" sz="4800" dirty="0"/>
+              <a:t>Advanced Data Visualization Techniques in Google </a:t>
+            </a:r>
+            <a:r>
+              <a:rPr lang="en-US" sz="4800" dirty="0" err="1"/>
+              <a:t>Colab</a:t>
+            </a:r>
+            <a:endParaRPr lang="en-PH" sz="4400" dirty="0">
+              <a:cs typeface="Arial" panose="020B0604020202020204" pitchFamily="34" charset="0"/>
+            </a:endParaRPr>
+          </a:p>
+        </p:txBody>
+      </p:sp>
+      <p:sp>
+        <p:nvSpPr>
+          <p:cNvPr id="3" name="Content Placeholder 2">
+            <a:extLst>
+              <a:ext uri="{FF2B5EF4-FFF2-40B4-BE49-F238E27FC236}">
+                <a16:creationId xmlns:a16="http://schemas.microsoft.com/office/drawing/2014/main" id="{3217B9B1-ED96-A678-F581-94B81B028BA9}"/>
+              </a:ext>
+            </a:extLst>
+          </p:cNvPr>
+          <p:cNvSpPr>
+            <a:spLocks noGrp="1"/>
+          </p:cNvSpPr>
+          <p:nvPr>
+            <p:ph idx="1"/>
+          </p:nvPr>
+        </p:nvSpPr>
+        <p:spPr>
+          <a:xfrm>
+            <a:off x="1219200" y="2462279"/>
+            <a:ext cx="8908869" cy="3900813"/>
+          </a:xfrm>
+          <a:ln>
+            <a:solidFill>
+              <a:schemeClr val="tx1"/>
+            </a:solidFill>
+          </a:ln>
+        </p:spPr>
+        <p:txBody>
+          <a:bodyPr>
+            <a:normAutofit/>
+          </a:bodyPr>
+          <a:lstStyle/>
+          <a:p>
+            <a:pPr>
+              <a:buFont typeface="Wingdings" panose="05000000000000000000" pitchFamily="2" charset="2"/>
+              <a:buChar char="v"/>
+            </a:pPr>
+            <a:r>
+              <a:rPr lang="en-US" sz="2400" b="1" dirty="0"/>
+              <a:t> </a:t>
+            </a:r>
+            <a:r>
+              <a:rPr lang="en-PH" sz="3200" b="1" dirty="0" err="1"/>
+              <a:t>Plotnine</a:t>
+            </a:r>
+            <a:endParaRPr lang="en-PH" sz="2800" b="1" dirty="0"/>
+          </a:p>
+          <a:p>
+            <a:pPr lvl="1">
+              <a:buFont typeface="Wingdings" panose="05000000000000000000" pitchFamily="2" charset="2"/>
+              <a:buChar char="v"/>
+            </a:pPr>
+            <a:r>
+              <a:rPr lang="en-PH" sz="2400" dirty="0"/>
+              <a:t> </a:t>
+            </a:r>
+            <a:r>
+              <a:rPr lang="en-US" sz="2800" dirty="0"/>
+              <a:t>Python clone of R’s </a:t>
+            </a:r>
+            <a:r>
+              <a:rPr lang="en-US" sz="2800" b="1" dirty="0"/>
+              <a:t>ggplot2</a:t>
+            </a:r>
+          </a:p>
+          <a:p>
+            <a:pPr lvl="1">
+              <a:buFont typeface="Wingdings" panose="05000000000000000000" pitchFamily="2" charset="2"/>
+              <a:buChar char="v"/>
+            </a:pPr>
+            <a:r>
+              <a:rPr lang="en-US" sz="2800" b="1" dirty="0"/>
+              <a:t> </a:t>
+            </a:r>
+            <a:r>
+              <a:rPr lang="en-US" sz="2800" dirty="0"/>
+              <a:t>Built on </a:t>
+            </a:r>
+            <a:r>
+              <a:rPr lang="en-US" sz="2800" b="1" dirty="0"/>
+              <a:t>Matplotlib</a:t>
+            </a:r>
+            <a:r>
+              <a:rPr lang="en-US" sz="2800" dirty="0"/>
+              <a:t> + works with </a:t>
+            </a:r>
+            <a:r>
+              <a:rPr lang="en-US" sz="2800" b="1" dirty="0"/>
+              <a:t>Pandas</a:t>
+            </a:r>
+          </a:p>
+          <a:p>
+            <a:pPr lvl="1">
+              <a:buFont typeface="Wingdings" panose="05000000000000000000" pitchFamily="2" charset="2"/>
+              <a:buChar char="v"/>
+            </a:pPr>
+            <a:r>
+              <a:rPr lang="en-US" sz="2800" b="1" dirty="0"/>
+              <a:t> </a:t>
+            </a:r>
+            <a:r>
+              <a:rPr lang="en-US" sz="2800" dirty="0"/>
+              <a:t>Great for </a:t>
+            </a:r>
+            <a:r>
+              <a:rPr lang="en-US" sz="2800" b="1" dirty="0"/>
+              <a:t>complex, layered statistical graphics</a:t>
+            </a:r>
+            <a:r>
+              <a:rPr lang="en-US" sz="2800" dirty="0"/>
+              <a:t> with simple syntax</a:t>
+            </a:r>
+          </a:p>
+          <a:p>
+            <a:pPr lvl="1">
+              <a:buFont typeface="Wingdings" panose="05000000000000000000" pitchFamily="2" charset="2"/>
+              <a:buChar char="v"/>
+            </a:pPr>
+            <a:r>
+              <a:rPr lang="en-US" sz="2800" dirty="0"/>
+              <a:t> Sample import of </a:t>
+            </a:r>
+            <a:r>
+              <a:rPr lang="en-US" sz="2800" dirty="0" err="1"/>
+              <a:t>Plotnine</a:t>
+            </a:r>
+            <a:r>
+              <a:rPr lang="en-US" sz="2800" dirty="0"/>
+              <a:t>:</a:t>
+            </a:r>
+          </a:p>
+          <a:p>
+            <a:pPr lvl="2">
+              <a:buFont typeface="Wingdings" panose="05000000000000000000" pitchFamily="2" charset="2"/>
+              <a:buChar char="v"/>
+            </a:pPr>
+            <a:r>
+              <a:rPr lang="en-US" sz="2000" dirty="0"/>
+              <a:t> from </a:t>
+            </a:r>
+            <a:r>
+              <a:rPr lang="en-US" sz="2000" dirty="0" err="1"/>
+              <a:t>plotnine</a:t>
+            </a:r>
+            <a:r>
+              <a:rPr lang="en-US" sz="2000" dirty="0"/>
+              <a:t> import </a:t>
+            </a:r>
+            <a:r>
+              <a:rPr lang="en-US" sz="2000" dirty="0" err="1"/>
+              <a:t>ggplot</a:t>
+            </a:r>
+            <a:r>
+              <a:rPr lang="en-US" sz="2000" dirty="0"/>
+              <a:t>, </a:t>
+            </a:r>
+            <a:r>
+              <a:rPr lang="en-US" sz="2000" dirty="0" err="1"/>
+              <a:t>aes</a:t>
+            </a:r>
+            <a:r>
+              <a:rPr lang="en-US" sz="2000" dirty="0"/>
+              <a:t>, </a:t>
+            </a:r>
+            <a:r>
+              <a:rPr lang="en-US" sz="2000" dirty="0" err="1"/>
+              <a:t>stat_summary</a:t>
+            </a:r>
+            <a:r>
+              <a:rPr lang="en-US" sz="2000" dirty="0"/>
+              <a:t>, </a:t>
+            </a:r>
+            <a:r>
+              <a:rPr lang="en-US" sz="2000" dirty="0" err="1"/>
+              <a:t>ggtitle</a:t>
+            </a:r>
+            <a:endParaRPr lang="en-US" sz="2000" dirty="0"/>
+          </a:p>
+          <a:p>
+            <a:pPr marL="201168" lvl="1" indent="0">
+              <a:buNone/>
+            </a:pPr>
+            <a:endParaRPr lang="en-US" sz="2400" dirty="0"/>
+          </a:p>
+        </p:txBody>
+      </p:sp>
+      <p:sp>
+        <p:nvSpPr>
+          <p:cNvPr id="4" name="TextBox 3">
+            <a:extLst>
+              <a:ext uri="{FF2B5EF4-FFF2-40B4-BE49-F238E27FC236}">
+                <a16:creationId xmlns:a16="http://schemas.microsoft.com/office/drawing/2014/main" id="{706AD309-1B59-AF98-C3FC-AB18FEA09DEA}"/>
+              </a:ext>
+            </a:extLst>
+          </p:cNvPr>
+          <p:cNvSpPr txBox="1"/>
+          <p:nvPr/>
+        </p:nvSpPr>
+        <p:spPr>
+          <a:xfrm>
+            <a:off x="1219200" y="2000614"/>
+            <a:ext cx="4615991" cy="400110"/>
+          </a:xfrm>
+          <a:prstGeom prst="rect">
+            <a:avLst/>
+          </a:prstGeom>
+          <a:noFill/>
+        </p:spPr>
+        <p:txBody>
+          <a:bodyPr wrap="square" rtlCol="0">
+            <a:spAutoFit/>
+          </a:bodyPr>
+          <a:lstStyle/>
+          <a:p>
+            <a:r>
+              <a:rPr lang="en-PH" sz="2000" b="1" dirty="0" err="1">
+                <a:latin typeface="Arial" panose="020B0604020202020204" pitchFamily="34" charset="0"/>
+                <a:cs typeface="Arial" panose="020B0604020202020204" pitchFamily="34" charset="0"/>
+              </a:rPr>
+              <a:t>Plotnine</a:t>
+            </a:r>
+            <a:r>
+              <a:rPr lang="en-PH" sz="2000" b="1" dirty="0">
+                <a:latin typeface="Arial" panose="020B0604020202020204" pitchFamily="34" charset="0"/>
+                <a:cs typeface="Arial" panose="020B0604020202020204" pitchFamily="34" charset="0"/>
+              </a:rPr>
+              <a:t>, </a:t>
+            </a:r>
+            <a:r>
+              <a:rPr lang="en-PH" sz="2000" b="1" dirty="0" err="1">
+                <a:latin typeface="Arial" panose="020B0604020202020204" pitchFamily="34" charset="0"/>
+                <a:cs typeface="Arial" panose="020B0604020202020204" pitchFamily="34" charset="0"/>
+              </a:rPr>
+              <a:t>Plotly</a:t>
+            </a:r>
+            <a:r>
+              <a:rPr lang="en-PH" sz="2000" b="1" dirty="0">
+                <a:latin typeface="Arial" panose="020B0604020202020204" pitchFamily="34" charset="0"/>
+                <a:cs typeface="Arial" panose="020B0604020202020204" pitchFamily="34" charset="0"/>
+              </a:rPr>
+              <a:t>, and Altair</a:t>
+            </a:r>
+          </a:p>
+        </p:txBody>
+      </p:sp>
+    </p:spTree>
+    <p:extLst>
+      <p:ext uri="{BB962C8B-B14F-4D97-AF65-F5344CB8AC3E}">
+        <p14:creationId xmlns:p14="http://schemas.microsoft.com/office/powerpoint/2010/main" val="2682557081"/>
+      </p:ext>
+    </p:extLst>
+  </p:cSld>
+  <p:clrMapOvr>
+    <a:masterClrMapping/>
+  </p:clrMapOvr>
+</p:sld>
+</file>
+
+<file path=ppt/slides/slide25.xml><?xml version="1.0" encoding="utf-8"?>
+<p:sld xmlns:a="http://schemas.openxmlformats.org/drawingml/2006/main" xmlns:r="http://schemas.openxmlformats.org/officeDocument/2006/relationships" xmlns:p="http://schemas.openxmlformats.org/presentationml/2006/main">
+  <p:cSld>
+    <p:spTree>
+      <p:nvGrpSpPr>
+        <p:cNvPr id="1" name="">
+          <a:extLst>
+            <a:ext uri="{FF2B5EF4-FFF2-40B4-BE49-F238E27FC236}">
+              <a16:creationId xmlns:a16="http://schemas.microsoft.com/office/drawing/2014/main" id="{82C458E0-0091-A182-7711-103F36A8DF85}"/>
+            </a:ext>
+          </a:extLst>
+        </p:cNvPr>
+        <p:cNvGrpSpPr/>
+        <p:nvPr/>
+      </p:nvGrpSpPr>
+      <p:grpSpPr>
+        <a:xfrm>
+          <a:off x="0" y="0"/>
+          <a:ext cx="0" cy="0"/>
+          <a:chOff x="0" y="0"/>
+          <a:chExt cx="0" cy="0"/>
+        </a:xfrm>
+      </p:grpSpPr>
+      <p:sp>
+        <p:nvSpPr>
+          <p:cNvPr id="2" name="Title 1">
+            <a:extLst>
+              <a:ext uri="{FF2B5EF4-FFF2-40B4-BE49-F238E27FC236}">
+                <a16:creationId xmlns:a16="http://schemas.microsoft.com/office/drawing/2014/main" id="{6AC8A1C0-3204-9AEE-93E3-3685611B247E}"/>
+              </a:ext>
+            </a:extLst>
+          </p:cNvPr>
+          <p:cNvSpPr>
+            <a:spLocks noGrp="1"/>
+          </p:cNvSpPr>
+          <p:nvPr>
+            <p:ph type="title"/>
+          </p:nvPr>
+        </p:nvSpPr>
+        <p:spPr>
+          <a:xfrm>
+            <a:off x="1097280" y="319024"/>
+            <a:ext cx="10058400" cy="1450757"/>
+          </a:xfrm>
+        </p:spPr>
+        <p:txBody>
+          <a:bodyPr>
+            <a:noAutofit/>
+          </a:bodyPr>
+          <a:lstStyle/>
+          <a:p>
+            <a:r>
+              <a:rPr lang="en-US" sz="4400" dirty="0">
+                <a:cs typeface="Arial" panose="020B0604020202020204" pitchFamily="34" charset="0"/>
+              </a:rPr>
+              <a:t>7. </a:t>
+            </a:r>
+            <a:r>
+              <a:rPr lang="en-US" sz="4800" dirty="0"/>
+              <a:t>Advanced Data Visualization Techniques in Google </a:t>
+            </a:r>
+            <a:r>
+              <a:rPr lang="en-US" sz="4800" dirty="0" err="1"/>
+              <a:t>Colab</a:t>
+            </a:r>
+            <a:endParaRPr lang="en-PH" sz="4400" dirty="0">
+              <a:cs typeface="Arial" panose="020B0604020202020204" pitchFamily="34" charset="0"/>
+            </a:endParaRPr>
+          </a:p>
+        </p:txBody>
+      </p:sp>
+      <p:sp>
+        <p:nvSpPr>
+          <p:cNvPr id="3" name="Content Placeholder 2">
+            <a:extLst>
+              <a:ext uri="{FF2B5EF4-FFF2-40B4-BE49-F238E27FC236}">
+                <a16:creationId xmlns:a16="http://schemas.microsoft.com/office/drawing/2014/main" id="{2F653AEF-08C3-F50D-99D9-F394D83A3841}"/>
+              </a:ext>
+            </a:extLst>
+          </p:cNvPr>
+          <p:cNvSpPr>
+            <a:spLocks noGrp="1"/>
+          </p:cNvSpPr>
+          <p:nvPr>
+            <p:ph idx="1"/>
+          </p:nvPr>
+        </p:nvSpPr>
+        <p:spPr>
+          <a:xfrm>
+            <a:off x="1219200" y="2462279"/>
+            <a:ext cx="9936480" cy="3900813"/>
+          </a:xfrm>
+          <a:ln>
+            <a:solidFill>
+              <a:schemeClr val="tx1"/>
+            </a:solidFill>
+          </a:ln>
+        </p:spPr>
+        <p:txBody>
+          <a:bodyPr>
+            <a:normAutofit/>
+          </a:bodyPr>
+          <a:lstStyle/>
+          <a:p>
+            <a:pPr>
+              <a:buFont typeface="Wingdings" panose="05000000000000000000" pitchFamily="2" charset="2"/>
+              <a:buChar char="v"/>
+            </a:pPr>
+            <a:r>
+              <a:rPr lang="en-PH" sz="3600" b="1" dirty="0" err="1"/>
+              <a:t>Plotly</a:t>
+            </a:r>
+            <a:endParaRPr lang="en-PH" sz="3200" b="1" dirty="0"/>
+          </a:p>
+          <a:p>
+            <a:pPr marL="365443" lvl="2" indent="-182563">
+              <a:buFont typeface="Wingdings" panose="05000000000000000000" pitchFamily="2" charset="2"/>
+              <a:buChar char="v"/>
+            </a:pPr>
+            <a:r>
+              <a:rPr lang="en-PH" sz="2800" dirty="0"/>
+              <a:t> Best for </a:t>
+            </a:r>
+            <a:r>
+              <a:rPr lang="en-PH" sz="2800" b="1" dirty="0"/>
+              <a:t>interactive visuals</a:t>
+            </a:r>
+          </a:p>
+          <a:p>
+            <a:pPr marL="365443" lvl="2" indent="-182563">
+              <a:buFont typeface="Wingdings" panose="05000000000000000000" pitchFamily="2" charset="2"/>
+              <a:buChar char="v"/>
+            </a:pPr>
+            <a:r>
+              <a:rPr lang="en-PH" sz="2800" b="1" dirty="0"/>
+              <a:t> </a:t>
+            </a:r>
+            <a:r>
+              <a:rPr lang="en-US" sz="2800" dirty="0"/>
+              <a:t>Supports </a:t>
+            </a:r>
+            <a:r>
+              <a:rPr lang="en-US" sz="2800" b="1" dirty="0"/>
+              <a:t>3D charts, maps, and network graphs</a:t>
+            </a:r>
+          </a:p>
+          <a:p>
+            <a:pPr marL="365443" lvl="2" indent="-182563">
+              <a:buFont typeface="Wingdings" panose="05000000000000000000" pitchFamily="2" charset="2"/>
+              <a:buChar char="v"/>
+            </a:pPr>
+            <a:r>
+              <a:rPr lang="en-US" sz="2800" b="1" dirty="0"/>
+              <a:t> </a:t>
+            </a:r>
+            <a:r>
+              <a:rPr lang="en-US" sz="2800" dirty="0"/>
+              <a:t>Highly engaging for presentations &amp; dashboards</a:t>
+            </a:r>
+          </a:p>
+          <a:p>
+            <a:pPr lvl="1">
+              <a:buFont typeface="Wingdings" panose="05000000000000000000" pitchFamily="2" charset="2"/>
+              <a:buChar char="v"/>
+            </a:pPr>
+            <a:r>
+              <a:rPr lang="en-US" sz="2800" dirty="0"/>
+              <a:t> </a:t>
+            </a:r>
+            <a:r>
+              <a:rPr lang="en-US" sz="3600" dirty="0"/>
+              <a:t>Sample import of </a:t>
+            </a:r>
+            <a:r>
+              <a:rPr lang="en-US" sz="3600" dirty="0" err="1"/>
+              <a:t>Plotly</a:t>
+            </a:r>
+            <a:r>
+              <a:rPr lang="en-US" sz="3600" dirty="0"/>
+              <a:t>:</a:t>
+            </a:r>
+          </a:p>
+          <a:p>
+            <a:pPr lvl="2">
+              <a:buFont typeface="Wingdings" panose="05000000000000000000" pitchFamily="2" charset="2"/>
+              <a:buChar char="v"/>
+            </a:pPr>
+            <a:r>
+              <a:rPr lang="en-US" sz="2800" dirty="0"/>
+              <a:t> </a:t>
+            </a:r>
+            <a:r>
+              <a:rPr lang="en-US" sz="3200" dirty="0"/>
+              <a:t>import </a:t>
+            </a:r>
+            <a:r>
+              <a:rPr lang="en-US" sz="3200" dirty="0" err="1"/>
+              <a:t>plotly.express</a:t>
+            </a:r>
+            <a:r>
+              <a:rPr lang="en-US" sz="3200" dirty="0"/>
+              <a:t> as </a:t>
+            </a:r>
+            <a:r>
+              <a:rPr lang="en-US" sz="3200" dirty="0" err="1"/>
+              <a:t>px</a:t>
+            </a:r>
+            <a:endParaRPr lang="en-US" sz="3200" dirty="0"/>
+          </a:p>
+          <a:p>
+            <a:pPr marL="384048" lvl="2" indent="0">
+              <a:buNone/>
+            </a:pPr>
+            <a:endParaRPr lang="en-PH" sz="2000" dirty="0"/>
+          </a:p>
+          <a:p>
+            <a:pPr marL="201168" lvl="1" indent="0">
+              <a:buNone/>
+            </a:pPr>
+            <a:endParaRPr lang="en-US" sz="2400" dirty="0"/>
+          </a:p>
+        </p:txBody>
+      </p:sp>
+      <p:sp>
+        <p:nvSpPr>
+          <p:cNvPr id="4" name="TextBox 3">
+            <a:extLst>
+              <a:ext uri="{FF2B5EF4-FFF2-40B4-BE49-F238E27FC236}">
+                <a16:creationId xmlns:a16="http://schemas.microsoft.com/office/drawing/2014/main" id="{3C5BB298-D700-C6EC-C000-0680F13A2B9C}"/>
+              </a:ext>
+            </a:extLst>
+          </p:cNvPr>
+          <p:cNvSpPr txBox="1"/>
+          <p:nvPr/>
+        </p:nvSpPr>
+        <p:spPr>
+          <a:xfrm>
+            <a:off x="1219200" y="2000614"/>
+            <a:ext cx="4615991" cy="400110"/>
+          </a:xfrm>
+          <a:prstGeom prst="rect">
+            <a:avLst/>
+          </a:prstGeom>
+          <a:noFill/>
+        </p:spPr>
+        <p:txBody>
+          <a:bodyPr wrap="square" rtlCol="0">
+            <a:spAutoFit/>
+          </a:bodyPr>
+          <a:lstStyle/>
+          <a:p>
+            <a:r>
+              <a:rPr lang="en-PH" sz="2000" b="1" dirty="0" err="1">
+                <a:latin typeface="Arial" panose="020B0604020202020204" pitchFamily="34" charset="0"/>
+                <a:cs typeface="Arial" panose="020B0604020202020204" pitchFamily="34" charset="0"/>
+              </a:rPr>
+              <a:t>Plotnine</a:t>
+            </a:r>
+            <a:r>
+              <a:rPr lang="en-PH" sz="2000" b="1" dirty="0">
+                <a:latin typeface="Arial" panose="020B0604020202020204" pitchFamily="34" charset="0"/>
+                <a:cs typeface="Arial" panose="020B0604020202020204" pitchFamily="34" charset="0"/>
+              </a:rPr>
+              <a:t>, </a:t>
+            </a:r>
+            <a:r>
+              <a:rPr lang="en-PH" sz="2000" b="1" dirty="0" err="1">
+                <a:latin typeface="Arial" panose="020B0604020202020204" pitchFamily="34" charset="0"/>
+                <a:cs typeface="Arial" panose="020B0604020202020204" pitchFamily="34" charset="0"/>
+              </a:rPr>
+              <a:t>Plotly</a:t>
+            </a:r>
+            <a:r>
+              <a:rPr lang="en-PH" sz="2000" b="1" dirty="0">
+                <a:latin typeface="Arial" panose="020B0604020202020204" pitchFamily="34" charset="0"/>
+                <a:cs typeface="Arial" panose="020B0604020202020204" pitchFamily="34" charset="0"/>
+              </a:rPr>
+              <a:t>, and Altair</a:t>
+            </a:r>
+          </a:p>
+        </p:txBody>
+      </p:sp>
+    </p:spTree>
+    <p:extLst>
+      <p:ext uri="{BB962C8B-B14F-4D97-AF65-F5344CB8AC3E}">
+        <p14:creationId xmlns:p14="http://schemas.microsoft.com/office/powerpoint/2010/main" val="1934235809"/>
+      </p:ext>
+    </p:extLst>
+  </p:cSld>
+  <p:clrMapOvr>
+    <a:masterClrMapping/>
+  </p:clrMapOvr>
+</p:sld>
+</file>
+
+<file path=ppt/slides/slide26.xml><?xml version="1.0" encoding="utf-8"?>
+<p:sld xmlns:a="http://schemas.openxmlformats.org/drawingml/2006/main" xmlns:r="http://schemas.openxmlformats.org/officeDocument/2006/relationships" xmlns:p="http://schemas.openxmlformats.org/presentationml/2006/main">
+  <p:cSld>
+    <p:spTree>
+      <p:nvGrpSpPr>
+        <p:cNvPr id="1" name="">
+          <a:extLst>
+            <a:ext uri="{FF2B5EF4-FFF2-40B4-BE49-F238E27FC236}">
+              <a16:creationId xmlns:a16="http://schemas.microsoft.com/office/drawing/2014/main" id="{D3106C42-5C56-1619-7AF7-35A63148347A}"/>
+            </a:ext>
+          </a:extLst>
+        </p:cNvPr>
+        <p:cNvGrpSpPr/>
+        <p:nvPr/>
+      </p:nvGrpSpPr>
+      <p:grpSpPr>
+        <a:xfrm>
+          <a:off x="0" y="0"/>
+          <a:ext cx="0" cy="0"/>
+          <a:chOff x="0" y="0"/>
+          <a:chExt cx="0" cy="0"/>
+        </a:xfrm>
+      </p:grpSpPr>
+      <p:sp>
+        <p:nvSpPr>
+          <p:cNvPr id="2" name="Title 1">
+            <a:extLst>
+              <a:ext uri="{FF2B5EF4-FFF2-40B4-BE49-F238E27FC236}">
+                <a16:creationId xmlns:a16="http://schemas.microsoft.com/office/drawing/2014/main" id="{1E0B6865-3097-D618-6543-58B7F26F9F28}"/>
+              </a:ext>
+            </a:extLst>
+          </p:cNvPr>
+          <p:cNvSpPr>
+            <a:spLocks noGrp="1"/>
+          </p:cNvSpPr>
+          <p:nvPr>
+            <p:ph type="title"/>
+          </p:nvPr>
+        </p:nvSpPr>
+        <p:spPr>
+          <a:xfrm>
+            <a:off x="1097280" y="319024"/>
+            <a:ext cx="10058400" cy="1450757"/>
+          </a:xfrm>
+        </p:spPr>
+        <p:txBody>
+          <a:bodyPr>
+            <a:noAutofit/>
+          </a:bodyPr>
+          <a:lstStyle/>
+          <a:p>
+            <a:r>
+              <a:rPr lang="en-US" sz="4400" dirty="0">
+                <a:cs typeface="Arial" panose="020B0604020202020204" pitchFamily="34" charset="0"/>
+              </a:rPr>
+              <a:t>7. </a:t>
+            </a:r>
+            <a:r>
+              <a:rPr lang="en-US" sz="4800" dirty="0"/>
+              <a:t>Advanced Data Visualization Techniques in Google </a:t>
+            </a:r>
+            <a:r>
+              <a:rPr lang="en-US" sz="4800" dirty="0" err="1"/>
+              <a:t>Colab</a:t>
+            </a:r>
+            <a:endParaRPr lang="en-PH" sz="4400" dirty="0">
+              <a:cs typeface="Arial" panose="020B0604020202020204" pitchFamily="34" charset="0"/>
+            </a:endParaRPr>
+          </a:p>
+        </p:txBody>
+      </p:sp>
+      <p:sp>
+        <p:nvSpPr>
+          <p:cNvPr id="4" name="TextBox 3">
+            <a:extLst>
+              <a:ext uri="{FF2B5EF4-FFF2-40B4-BE49-F238E27FC236}">
+                <a16:creationId xmlns:a16="http://schemas.microsoft.com/office/drawing/2014/main" id="{945FF99D-E85D-26A5-E6CE-825AF7443315}"/>
+              </a:ext>
+            </a:extLst>
+          </p:cNvPr>
+          <p:cNvSpPr txBox="1"/>
+          <p:nvPr/>
+        </p:nvSpPr>
+        <p:spPr>
+          <a:xfrm>
+            <a:off x="1219200" y="2000614"/>
+            <a:ext cx="4615991" cy="400110"/>
+          </a:xfrm>
+          <a:prstGeom prst="rect">
+            <a:avLst/>
+          </a:prstGeom>
+          <a:noFill/>
+        </p:spPr>
+        <p:txBody>
+          <a:bodyPr wrap="square" rtlCol="0">
+            <a:spAutoFit/>
+          </a:bodyPr>
+          <a:lstStyle/>
+          <a:p>
+            <a:r>
+              <a:rPr lang="en-PH" sz="2000" b="1" dirty="0" err="1">
+                <a:latin typeface="Arial" panose="020B0604020202020204" pitchFamily="34" charset="0"/>
+                <a:cs typeface="Arial" panose="020B0604020202020204" pitchFamily="34" charset="0"/>
+              </a:rPr>
+              <a:t>Plotnine</a:t>
+            </a:r>
+            <a:r>
+              <a:rPr lang="en-PH" sz="2000" b="1" dirty="0">
+                <a:latin typeface="Arial" panose="020B0604020202020204" pitchFamily="34" charset="0"/>
+                <a:cs typeface="Arial" panose="020B0604020202020204" pitchFamily="34" charset="0"/>
+              </a:rPr>
+              <a:t>, </a:t>
+            </a:r>
+            <a:r>
+              <a:rPr lang="en-PH" sz="2000" b="1" dirty="0" err="1">
+                <a:latin typeface="Arial" panose="020B0604020202020204" pitchFamily="34" charset="0"/>
+                <a:cs typeface="Arial" panose="020B0604020202020204" pitchFamily="34" charset="0"/>
+              </a:rPr>
+              <a:t>Plotly</a:t>
+            </a:r>
+            <a:r>
+              <a:rPr lang="en-PH" sz="2000" b="1" dirty="0">
+                <a:latin typeface="Arial" panose="020B0604020202020204" pitchFamily="34" charset="0"/>
+                <a:cs typeface="Arial" panose="020B0604020202020204" pitchFamily="34" charset="0"/>
+              </a:rPr>
+              <a:t>, and Altair</a:t>
+            </a:r>
+          </a:p>
+        </p:txBody>
+      </p:sp>
+      <p:sp>
+        <p:nvSpPr>
+          <p:cNvPr id="8" name="Content Placeholder 2">
+            <a:extLst>
+              <a:ext uri="{FF2B5EF4-FFF2-40B4-BE49-F238E27FC236}">
+                <a16:creationId xmlns:a16="http://schemas.microsoft.com/office/drawing/2014/main" id="{F8FA7CDE-DA0D-27ED-E154-7E0D406F58E6}"/>
+              </a:ext>
+            </a:extLst>
+          </p:cNvPr>
+          <p:cNvSpPr txBox="1">
+            <a:spLocks/>
+          </p:cNvSpPr>
+          <p:nvPr/>
+        </p:nvSpPr>
+        <p:spPr>
+          <a:xfrm>
+            <a:off x="1097281" y="2462279"/>
+            <a:ext cx="10309152" cy="3900813"/>
+          </a:xfrm>
+          <a:prstGeom prst="rect">
+            <a:avLst/>
+          </a:prstGeom>
+          <a:ln>
+            <a:solidFill>
+              <a:schemeClr val="tx1"/>
+            </a:solidFill>
+          </a:ln>
+        </p:spPr>
+        <p:txBody>
+          <a:bodyPr vert="horz" lIns="0" tIns="45720" rIns="0" bIns="45720" rtlCol="0">
+            <a:normAutofit/>
+          </a:bodyPr>
+          <a:lstStyle>
+            <a:lvl1pPr marL="91440" indent="-91440" algn="l" defTabSz="914400" rtl="0" eaLnBrk="1" latinLnBrk="0" hangingPunct="1">
+              <a:lnSpc>
+                <a:spcPct val="110000"/>
+              </a:lnSpc>
+              <a:spcBef>
+                <a:spcPts val="1200"/>
+              </a:spcBef>
+              <a:spcAft>
+                <a:spcPts val="200"/>
+              </a:spcAft>
+              <a:buClr>
+                <a:schemeClr val="accent1"/>
+              </a:buClr>
+              <a:buSzPct val="100000"/>
+              <a:buFont typeface="Calibri" panose="020F0502020204030204" pitchFamily="34" charset="0"/>
+              <a:buChar char=" "/>
+              <a:defRPr sz="1900" kern="1200">
+                <a:solidFill>
+                  <a:schemeClr val="tx1">
+                    <a:lumMod val="75000"/>
+                    <a:lumOff val="25000"/>
+                  </a:schemeClr>
+                </a:solidFill>
+                <a:latin typeface="+mn-lt"/>
+                <a:ea typeface="+mn-ea"/>
+                <a:cs typeface="+mn-cs"/>
+              </a:defRPr>
+            </a:lvl1pPr>
+            <a:lvl2pPr marL="384048" indent="-182880" algn="l" defTabSz="914400" rtl="0" eaLnBrk="1" latinLnBrk="0" hangingPunct="1">
+              <a:lnSpc>
+                <a:spcPct val="100000"/>
+              </a:lnSpc>
+              <a:spcBef>
+                <a:spcPts val="200"/>
+              </a:spcBef>
+              <a:spcAft>
+                <a:spcPts val="400"/>
+              </a:spcAft>
+              <a:buClrTx/>
+              <a:buFont typeface="Calibri" pitchFamily="34" charset="0"/>
+              <a:buChar char="◦"/>
+              <a:defRPr sz="1700" kern="1200">
+                <a:solidFill>
+                  <a:schemeClr val="tx1">
+                    <a:lumMod val="75000"/>
+                    <a:lumOff val="25000"/>
+                  </a:schemeClr>
+                </a:solidFill>
+                <a:latin typeface="+mn-lt"/>
+                <a:ea typeface="+mn-ea"/>
+                <a:cs typeface="+mn-cs"/>
+              </a:defRPr>
+            </a:lvl2pPr>
+            <a:lvl3pPr marL="566928" indent="-182880" algn="l" defTabSz="914400" rtl="0" eaLnBrk="1" latinLnBrk="0" hangingPunct="1">
+              <a:lnSpc>
+                <a:spcPct val="100000"/>
+              </a:lnSpc>
+              <a:spcBef>
+                <a:spcPts val="200"/>
+              </a:spcBef>
+              <a:spcAft>
+                <a:spcPts val="400"/>
+              </a:spcAft>
+              <a:buClrTx/>
+              <a:buFont typeface="Calibri" pitchFamily="34" charset="0"/>
+              <a:buChar char="◦"/>
+              <a:defRPr sz="1300" kern="1200">
+                <a:solidFill>
+                  <a:schemeClr val="tx1">
+                    <a:lumMod val="75000"/>
+                    <a:lumOff val="25000"/>
+                  </a:schemeClr>
+                </a:solidFill>
+                <a:latin typeface="+mn-lt"/>
+                <a:ea typeface="+mn-ea"/>
+                <a:cs typeface="+mn-cs"/>
+              </a:defRPr>
+            </a:lvl3pPr>
+            <a:lvl4pPr marL="749808" indent="-182880" algn="l" defTabSz="914400" rtl="0" eaLnBrk="1" latinLnBrk="0" hangingPunct="1">
+              <a:lnSpc>
+                <a:spcPct val="100000"/>
+              </a:lnSpc>
+              <a:spcBef>
+                <a:spcPts val="200"/>
+              </a:spcBef>
+              <a:spcAft>
+                <a:spcPts val="400"/>
+              </a:spcAft>
+              <a:buClrTx/>
+              <a:buFont typeface="Calibri" pitchFamily="34" charset="0"/>
+              <a:buChar char="◦"/>
+              <a:defRPr sz="1300" kern="1200">
+                <a:solidFill>
+                  <a:schemeClr val="tx1">
+                    <a:lumMod val="75000"/>
+                    <a:lumOff val="25000"/>
+                  </a:schemeClr>
+                </a:solidFill>
+                <a:latin typeface="+mn-lt"/>
+                <a:ea typeface="+mn-ea"/>
+                <a:cs typeface="+mn-cs"/>
+              </a:defRPr>
+            </a:lvl4pPr>
+            <a:lvl5pPr marL="932688" indent="-182880" algn="l" defTabSz="914400" rtl="0" eaLnBrk="1" latinLnBrk="0" hangingPunct="1">
+              <a:lnSpc>
+                <a:spcPct val="100000"/>
+              </a:lnSpc>
+              <a:spcBef>
+                <a:spcPts val="200"/>
+              </a:spcBef>
+              <a:spcAft>
+                <a:spcPts val="400"/>
+              </a:spcAft>
+              <a:buClrTx/>
+              <a:buFont typeface="Calibri" pitchFamily="34" charset="0"/>
+              <a:buChar char="◦"/>
+              <a:defRPr sz="1300" kern="1200">
+                <a:solidFill>
+                  <a:schemeClr val="tx1">
+                    <a:lumMod val="75000"/>
+                    <a:lumOff val="25000"/>
+                  </a:schemeClr>
+                </a:solidFill>
+                <a:latin typeface="+mn-lt"/>
+                <a:ea typeface="+mn-ea"/>
+                <a:cs typeface="+mn-cs"/>
+              </a:defRPr>
+            </a:lvl5pPr>
+            <a:lvl6pPr marL="1100000" indent="-228600" algn="l" defTabSz="914400" rtl="0" eaLnBrk="1" latinLnBrk="0" hangingPunct="1">
+              <a:lnSpc>
+                <a:spcPct val="90000"/>
+              </a:lnSpc>
+              <a:spcBef>
+                <a:spcPts val="200"/>
+              </a:spcBef>
+              <a:spcAft>
+                <a:spcPts val="400"/>
+              </a:spcAft>
+              <a:buClr>
+                <a:schemeClr val="accent1"/>
+              </a:buClr>
+              <a:buFont typeface="Calibri" pitchFamily="34" charset="0"/>
+              <a:buChar char="◦"/>
+              <a:defRPr sz="1400" kern="1200">
+                <a:solidFill>
+                  <a:schemeClr val="tx1">
+                    <a:lumMod val="75000"/>
+                    <a:lumOff val="25000"/>
+                  </a:schemeClr>
+                </a:solidFill>
+                <a:latin typeface="+mn-lt"/>
+                <a:ea typeface="+mn-ea"/>
+                <a:cs typeface="+mn-cs"/>
+              </a:defRPr>
+            </a:lvl6pPr>
+            <a:lvl7pPr marL="1300000" indent="-228600" algn="l" defTabSz="914400" rtl="0" eaLnBrk="1" latinLnBrk="0" hangingPunct="1">
+              <a:lnSpc>
+                <a:spcPct val="90000"/>
+              </a:lnSpc>
+              <a:spcBef>
+                <a:spcPts val="200"/>
+              </a:spcBef>
+              <a:spcAft>
+                <a:spcPts val="400"/>
+              </a:spcAft>
+              <a:buClr>
+                <a:schemeClr val="accent1"/>
+              </a:buClr>
+              <a:buFont typeface="Calibri" pitchFamily="34" charset="0"/>
+              <a:buChar char="◦"/>
+              <a:defRPr sz="1400" kern="1200">
+                <a:solidFill>
+                  <a:schemeClr val="tx1">
+                    <a:lumMod val="75000"/>
+                    <a:lumOff val="25000"/>
+                  </a:schemeClr>
+                </a:solidFill>
+                <a:latin typeface="+mn-lt"/>
+                <a:ea typeface="+mn-ea"/>
+                <a:cs typeface="+mn-cs"/>
+              </a:defRPr>
+            </a:lvl7pPr>
+            <a:lvl8pPr marL="1500000" indent="-228600" algn="l" defTabSz="914400" rtl="0" eaLnBrk="1" latinLnBrk="0" hangingPunct="1">
+              <a:lnSpc>
+                <a:spcPct val="90000"/>
+              </a:lnSpc>
+              <a:spcBef>
+                <a:spcPts val="200"/>
+              </a:spcBef>
+              <a:spcAft>
+                <a:spcPts val="400"/>
+              </a:spcAft>
+              <a:buClr>
+                <a:schemeClr val="accent1"/>
+              </a:buClr>
+              <a:buFont typeface="Calibri" pitchFamily="34" charset="0"/>
+              <a:buChar char="◦"/>
+              <a:defRPr sz="1400" kern="1200">
+                <a:solidFill>
+                  <a:schemeClr val="tx1">
+                    <a:lumMod val="75000"/>
+                    <a:lumOff val="25000"/>
+                  </a:schemeClr>
+                </a:solidFill>
+                <a:latin typeface="+mn-lt"/>
+                <a:ea typeface="+mn-ea"/>
+                <a:cs typeface="+mn-cs"/>
+              </a:defRPr>
+            </a:lvl8pPr>
+            <a:lvl9pPr marL="1700000" indent="-228600" algn="l" defTabSz="914400" rtl="0" eaLnBrk="1" latinLnBrk="0" hangingPunct="1">
+              <a:lnSpc>
+                <a:spcPct val="90000"/>
+              </a:lnSpc>
+              <a:spcBef>
+                <a:spcPts val="200"/>
+              </a:spcBef>
+              <a:spcAft>
+                <a:spcPts val="400"/>
+              </a:spcAft>
+              <a:buClr>
+                <a:schemeClr val="accent1"/>
+              </a:buClr>
+              <a:buFont typeface="Calibri" pitchFamily="34" charset="0"/>
+              <a:buChar char="◦"/>
+              <a:defRPr sz="1400" kern="1200">
+                <a:solidFill>
+                  <a:schemeClr val="tx1">
+                    <a:lumMod val="75000"/>
+                    <a:lumOff val="25000"/>
+                  </a:schemeClr>
+                </a:solidFill>
+                <a:latin typeface="+mn-lt"/>
+                <a:ea typeface="+mn-ea"/>
+                <a:cs typeface="+mn-cs"/>
+              </a:defRPr>
+            </a:lvl9pPr>
+          </a:lstStyle>
+          <a:p>
+            <a:pPr>
+              <a:buFont typeface="Wingdings" panose="05000000000000000000" pitchFamily="2" charset="2"/>
+              <a:buChar char="v"/>
+            </a:pPr>
+            <a:r>
+              <a:rPr lang="en-US" sz="3600" b="1" dirty="0"/>
+              <a:t> </a:t>
+            </a:r>
+            <a:r>
+              <a:rPr lang="en-PH" sz="3200" b="1" dirty="0"/>
+              <a:t>Altair</a:t>
+            </a:r>
+          </a:p>
+          <a:p>
+            <a:pPr lvl="1">
+              <a:buFont typeface="Wingdings" panose="05000000000000000000" pitchFamily="2" charset="2"/>
+              <a:buChar char="v"/>
+            </a:pPr>
+            <a:r>
+              <a:rPr lang="en-PH" sz="3000" dirty="0"/>
+              <a:t> </a:t>
+            </a:r>
+            <a:r>
+              <a:rPr lang="en-US" sz="3200" dirty="0"/>
+              <a:t>Declarative library based on </a:t>
+            </a:r>
+            <a:r>
+              <a:rPr lang="en-US" sz="3200" b="1" dirty="0"/>
+              <a:t>Vega-Lite</a:t>
+            </a:r>
+          </a:p>
+          <a:p>
+            <a:pPr lvl="1">
+              <a:buFont typeface="Wingdings" panose="05000000000000000000" pitchFamily="2" charset="2"/>
+              <a:buChar char="v"/>
+            </a:pPr>
+            <a:r>
+              <a:rPr lang="en-US" sz="3200" b="1" dirty="0"/>
+              <a:t> </a:t>
+            </a:r>
+            <a:r>
+              <a:rPr lang="en-US" sz="3200" dirty="0"/>
+              <a:t>Produces </a:t>
+            </a:r>
+            <a:r>
+              <a:rPr lang="en-US" sz="3200" b="1" dirty="0"/>
+              <a:t>clear, concise, statistical graphics</a:t>
+            </a:r>
+          </a:p>
+          <a:p>
+            <a:pPr lvl="1">
+              <a:buFont typeface="Wingdings" panose="05000000000000000000" pitchFamily="2" charset="2"/>
+              <a:buChar char="v"/>
+            </a:pPr>
+            <a:r>
+              <a:rPr lang="en-US" sz="3200" b="1" dirty="0"/>
+              <a:t> </a:t>
+            </a:r>
+            <a:r>
+              <a:rPr lang="en-US" sz="3200" dirty="0"/>
+              <a:t>Ideal for </a:t>
+            </a:r>
+            <a:r>
+              <a:rPr lang="en-US" sz="3200" b="1" dirty="0"/>
+              <a:t>data exploration &amp; interpretation</a:t>
+            </a:r>
+          </a:p>
+          <a:p>
+            <a:pPr lvl="1">
+              <a:buFont typeface="Wingdings" panose="05000000000000000000" pitchFamily="2" charset="2"/>
+              <a:buChar char="v"/>
+            </a:pPr>
+            <a:r>
+              <a:rPr lang="en-US" sz="3200" b="1" dirty="0"/>
+              <a:t> </a:t>
+            </a:r>
+            <a:r>
+              <a:rPr lang="en-US" sz="3600" dirty="0"/>
+              <a:t>Sample import of </a:t>
+            </a:r>
+            <a:r>
+              <a:rPr lang="en-US" sz="3600" dirty="0" err="1"/>
+              <a:t>Plotly</a:t>
+            </a:r>
+            <a:r>
+              <a:rPr lang="en-US" sz="3600" dirty="0"/>
+              <a:t>:</a:t>
+            </a:r>
+          </a:p>
+          <a:p>
+            <a:pPr lvl="2">
+              <a:buFont typeface="Wingdings" panose="05000000000000000000" pitchFamily="2" charset="2"/>
+              <a:buChar char="v"/>
+            </a:pPr>
+            <a:r>
+              <a:rPr lang="en-US" sz="2800" dirty="0"/>
+              <a:t> </a:t>
+            </a:r>
+            <a:r>
+              <a:rPr lang="en-PH" sz="2800" dirty="0"/>
+              <a:t>import </a:t>
+            </a:r>
+            <a:r>
+              <a:rPr lang="en-PH" sz="2800" dirty="0" err="1"/>
+              <a:t>altair</a:t>
+            </a:r>
+            <a:r>
+              <a:rPr lang="en-PH" sz="2800" dirty="0"/>
+              <a:t> as alt</a:t>
+            </a:r>
+            <a:endParaRPr lang="en-PH" dirty="0"/>
+          </a:p>
+        </p:txBody>
+      </p:sp>
+    </p:spTree>
+    <p:extLst>
+      <p:ext uri="{BB962C8B-B14F-4D97-AF65-F5344CB8AC3E}">
+        <p14:creationId xmlns:p14="http://schemas.microsoft.com/office/powerpoint/2010/main" val="3400021847"/>
+      </p:ext>
+    </p:extLst>
+  </p:cSld>
+  <p:clrMapOvr>
+    <a:masterClrMapping/>
+  </p:clrMapOvr>
+</p:sld>
+</file>
+
+<file path=ppt/slides/slide27.xml><?xml version="1.0" encoding="utf-8"?>
+<p:sld xmlns:a="http://schemas.openxmlformats.org/drawingml/2006/main" xmlns:r="http://schemas.openxmlformats.org/officeDocument/2006/relationships" xmlns:p="http://schemas.openxmlformats.org/presentationml/2006/main">
+  <p:cSld>
+    <p:spTree>
+      <p:nvGrpSpPr>
+        <p:cNvPr id="1" name="">
+          <a:extLst>
+            <a:ext uri="{FF2B5EF4-FFF2-40B4-BE49-F238E27FC236}">
+              <a16:creationId xmlns:a16="http://schemas.microsoft.com/office/drawing/2014/main" id="{670B1195-83C7-71A1-294F-3BD28DA419C9}"/>
+            </a:ext>
+          </a:extLst>
+        </p:cNvPr>
+        <p:cNvGrpSpPr/>
+        <p:nvPr/>
+      </p:nvGrpSpPr>
+      <p:grpSpPr>
+        <a:xfrm>
+          <a:off x="0" y="0"/>
+          <a:ext cx="0" cy="0"/>
+          <a:chOff x="0" y="0"/>
+          <a:chExt cx="0" cy="0"/>
+        </a:xfrm>
+      </p:grpSpPr>
+      <p:sp>
+        <p:nvSpPr>
+          <p:cNvPr id="2" name="Title 1">
+            <a:extLst>
+              <a:ext uri="{FF2B5EF4-FFF2-40B4-BE49-F238E27FC236}">
+                <a16:creationId xmlns:a16="http://schemas.microsoft.com/office/drawing/2014/main" id="{56DF10B7-46A7-9C62-2AB0-A8DE179A1263}"/>
+              </a:ext>
+            </a:extLst>
+          </p:cNvPr>
+          <p:cNvSpPr>
+            <a:spLocks noGrp="1"/>
+          </p:cNvSpPr>
+          <p:nvPr>
+            <p:ph type="title"/>
+          </p:nvPr>
+        </p:nvSpPr>
+        <p:spPr>
+          <a:xfrm>
+            <a:off x="1097280" y="319024"/>
+            <a:ext cx="10058400" cy="1450757"/>
+          </a:xfrm>
+        </p:spPr>
+        <p:txBody>
+          <a:bodyPr>
+            <a:noAutofit/>
+          </a:bodyPr>
+          <a:lstStyle/>
+          <a:p>
+            <a:r>
+              <a:rPr lang="en-US" sz="4400" dirty="0">
+                <a:cs typeface="Arial" panose="020B0604020202020204" pitchFamily="34" charset="0"/>
+              </a:rPr>
+              <a:t>7. </a:t>
+            </a:r>
+            <a:r>
+              <a:rPr lang="en-US" sz="4800" dirty="0"/>
+              <a:t>Advanced Data Visualization Techniques in Google </a:t>
+            </a:r>
+            <a:r>
+              <a:rPr lang="en-US" sz="4800" dirty="0" err="1"/>
+              <a:t>Colab</a:t>
+            </a:r>
+            <a:endParaRPr lang="en-PH" sz="4400" dirty="0">
+              <a:cs typeface="Arial" panose="020B0604020202020204" pitchFamily="34" charset="0"/>
+            </a:endParaRPr>
+          </a:p>
+        </p:txBody>
+      </p:sp>
+      <p:sp>
+        <p:nvSpPr>
+          <p:cNvPr id="4" name="TextBox 3">
+            <a:extLst>
+              <a:ext uri="{FF2B5EF4-FFF2-40B4-BE49-F238E27FC236}">
+                <a16:creationId xmlns:a16="http://schemas.microsoft.com/office/drawing/2014/main" id="{E83B5FD8-E204-B57B-CB0A-B8A25F7897CE}"/>
+              </a:ext>
+            </a:extLst>
+          </p:cNvPr>
+          <p:cNvSpPr txBox="1"/>
+          <p:nvPr/>
+        </p:nvSpPr>
+        <p:spPr>
+          <a:xfrm>
+            <a:off x="1219199" y="2000614"/>
+            <a:ext cx="8952411" cy="461665"/>
+          </a:xfrm>
+          <a:prstGeom prst="rect">
+            <a:avLst/>
+          </a:prstGeom>
+          <a:noFill/>
+        </p:spPr>
+        <p:txBody>
+          <a:bodyPr wrap="square" rtlCol="0">
+            <a:spAutoFit/>
+          </a:bodyPr>
+          <a:lstStyle/>
+          <a:p>
+            <a:r>
+              <a:rPr lang="en-PH" sz="2000" b="1" dirty="0" err="1">
+                <a:latin typeface="Arial" panose="020B0604020202020204" pitchFamily="34" charset="0"/>
+                <a:cs typeface="Arial" panose="020B0604020202020204" pitchFamily="34" charset="0"/>
+              </a:rPr>
+              <a:t>Plotnine</a:t>
+            </a:r>
+            <a:r>
+              <a:rPr lang="en-PH" sz="2000" b="1" dirty="0">
+                <a:latin typeface="Arial" panose="020B0604020202020204" pitchFamily="34" charset="0"/>
+                <a:cs typeface="Arial" panose="020B0604020202020204" pitchFamily="34" charset="0"/>
+              </a:rPr>
+              <a:t>, </a:t>
+            </a:r>
+            <a:r>
+              <a:rPr lang="en-PH" sz="2000" b="1" dirty="0" err="1">
+                <a:latin typeface="Arial" panose="020B0604020202020204" pitchFamily="34" charset="0"/>
+                <a:cs typeface="Arial" panose="020B0604020202020204" pitchFamily="34" charset="0"/>
+              </a:rPr>
+              <a:t>Plotly</a:t>
+            </a:r>
+            <a:r>
+              <a:rPr lang="en-PH" sz="2000" b="1" dirty="0">
+                <a:latin typeface="Arial" panose="020B0604020202020204" pitchFamily="34" charset="0"/>
+                <a:cs typeface="Arial" panose="020B0604020202020204" pitchFamily="34" charset="0"/>
+              </a:rPr>
+              <a:t>, and Altair</a:t>
+            </a:r>
+            <a:r>
+              <a:rPr lang="en-PH" sz="2400" dirty="0">
+                <a:latin typeface="Arial" panose="020B0604020202020204" pitchFamily="34" charset="0"/>
+                <a:cs typeface="Arial" panose="020B0604020202020204" pitchFamily="34" charset="0"/>
+              </a:rPr>
+              <a:t>: Table of Common Functions</a:t>
+            </a:r>
+            <a:endParaRPr lang="en-PH" dirty="0">
+              <a:latin typeface="Arial" panose="020B0604020202020204" pitchFamily="34" charset="0"/>
+              <a:cs typeface="Arial" panose="020B0604020202020204" pitchFamily="34" charset="0"/>
+            </a:endParaRPr>
+          </a:p>
+        </p:txBody>
+      </p:sp>
+      <p:pic>
+        <p:nvPicPr>
+          <p:cNvPr id="5" name="Picture 4">
+            <a:extLst>
+              <a:ext uri="{FF2B5EF4-FFF2-40B4-BE49-F238E27FC236}">
+                <a16:creationId xmlns:a16="http://schemas.microsoft.com/office/drawing/2014/main" id="{78E4C919-9945-FCB0-96FC-1B1137600801}"/>
+              </a:ext>
+            </a:extLst>
+          </p:cNvPr>
+          <p:cNvPicPr>
+            <a:picLocks noChangeAspect="1"/>
+          </p:cNvPicPr>
+          <p:nvPr/>
+        </p:nvPicPr>
+        <p:blipFill>
+          <a:blip r:embed="rId2"/>
+          <a:stretch>
+            <a:fillRect/>
+          </a:stretch>
+        </p:blipFill>
+        <p:spPr>
+          <a:xfrm>
+            <a:off x="1097281" y="2693112"/>
+            <a:ext cx="10058400" cy="3494522"/>
+          </a:xfrm>
+          <a:prstGeom prst="rect">
+            <a:avLst/>
+          </a:prstGeom>
+        </p:spPr>
+      </p:pic>
+    </p:spTree>
+    <p:extLst>
+      <p:ext uri="{BB962C8B-B14F-4D97-AF65-F5344CB8AC3E}">
+        <p14:creationId xmlns:p14="http://schemas.microsoft.com/office/powerpoint/2010/main" val="2849309458"/>
+      </p:ext>
+    </p:extLst>
+  </p:cSld>
+  <p:clrMapOvr>
+    <a:masterClrMapping/>
+  </p:clrMapOvr>
+</p:sld>
+</file>
+
+<file path=ppt/slides/slide28.xml><?xml version="1.0" encoding="utf-8"?>
+<p:sld xmlns:a="http://schemas.openxmlformats.org/drawingml/2006/main" xmlns:r="http://schemas.openxmlformats.org/officeDocument/2006/relationships" xmlns:p="http://schemas.openxmlformats.org/presentationml/2006/main">
+  <p:cSld>
+    <p:spTree>
+      <p:nvGrpSpPr>
+        <p:cNvPr id="1" name="">
+          <a:extLst>
+            <a:ext uri="{FF2B5EF4-FFF2-40B4-BE49-F238E27FC236}">
+              <a16:creationId xmlns:a16="http://schemas.microsoft.com/office/drawing/2014/main" id="{9471E107-4FE6-A683-37EC-B2942EDCD0C0}"/>
+            </a:ext>
+          </a:extLst>
+        </p:cNvPr>
+        <p:cNvGrpSpPr/>
+        <p:nvPr/>
+      </p:nvGrpSpPr>
+      <p:grpSpPr>
+        <a:xfrm>
+          <a:off x="0" y="0"/>
+          <a:ext cx="0" cy="0"/>
+          <a:chOff x="0" y="0"/>
+          <a:chExt cx="0" cy="0"/>
+        </a:xfrm>
+      </p:grpSpPr>
+      <p:sp>
+        <p:nvSpPr>
+          <p:cNvPr id="2" name="Title 1">
+            <a:extLst>
+              <a:ext uri="{FF2B5EF4-FFF2-40B4-BE49-F238E27FC236}">
+                <a16:creationId xmlns:a16="http://schemas.microsoft.com/office/drawing/2014/main" id="{F84B7C12-2C50-37F1-D446-59D47FDF6334}"/>
+              </a:ext>
+            </a:extLst>
+          </p:cNvPr>
+          <p:cNvSpPr>
+            <a:spLocks noGrp="1"/>
+          </p:cNvSpPr>
+          <p:nvPr>
+            <p:ph type="title"/>
+          </p:nvPr>
+        </p:nvSpPr>
+        <p:spPr>
+          <a:xfrm>
+            <a:off x="1097280" y="319024"/>
+            <a:ext cx="10058400" cy="1450757"/>
+          </a:xfrm>
+        </p:spPr>
+        <p:txBody>
+          <a:bodyPr>
+            <a:noAutofit/>
+          </a:bodyPr>
+          <a:lstStyle/>
+          <a:p>
+            <a:r>
+              <a:rPr lang="en-US" sz="4400" dirty="0">
+                <a:cs typeface="Arial" panose="020B0604020202020204" pitchFamily="34" charset="0"/>
+              </a:rPr>
+              <a:t>7. </a:t>
+            </a:r>
+            <a:r>
+              <a:rPr lang="en-US" sz="4800" dirty="0"/>
+              <a:t>Advanced Data Visualization Techniques in Google </a:t>
+            </a:r>
+            <a:r>
+              <a:rPr lang="en-US" sz="4800" dirty="0" err="1"/>
+              <a:t>Colab</a:t>
+            </a:r>
+            <a:endParaRPr lang="en-PH" sz="4400" dirty="0">
+              <a:cs typeface="Arial" panose="020B0604020202020204" pitchFamily="34" charset="0"/>
+            </a:endParaRPr>
+          </a:p>
+        </p:txBody>
+      </p:sp>
+      <p:sp>
+        <p:nvSpPr>
+          <p:cNvPr id="4" name="TextBox 3">
+            <a:extLst>
+              <a:ext uri="{FF2B5EF4-FFF2-40B4-BE49-F238E27FC236}">
+                <a16:creationId xmlns:a16="http://schemas.microsoft.com/office/drawing/2014/main" id="{D3D8F927-EB10-7715-DA4B-97AD0B1359B0}"/>
+              </a:ext>
+            </a:extLst>
+          </p:cNvPr>
+          <p:cNvSpPr txBox="1"/>
+          <p:nvPr/>
+        </p:nvSpPr>
+        <p:spPr>
+          <a:xfrm>
+            <a:off x="1219199" y="2000614"/>
+            <a:ext cx="8952411" cy="461665"/>
+          </a:xfrm>
+          <a:prstGeom prst="rect">
+            <a:avLst/>
+          </a:prstGeom>
+          <a:noFill/>
+        </p:spPr>
+        <p:txBody>
+          <a:bodyPr wrap="square" rtlCol="0">
+            <a:spAutoFit/>
+          </a:bodyPr>
+          <a:lstStyle/>
+          <a:p>
+            <a:r>
+              <a:rPr lang="en-PH" sz="2000" b="1" dirty="0" err="1">
+                <a:latin typeface="Arial" panose="020B0604020202020204" pitchFamily="34" charset="0"/>
+                <a:cs typeface="Arial" panose="020B0604020202020204" pitchFamily="34" charset="0"/>
+              </a:rPr>
+              <a:t>Plotnine</a:t>
+            </a:r>
+            <a:r>
+              <a:rPr lang="en-PH" sz="2000" b="1" dirty="0">
+                <a:latin typeface="Arial" panose="020B0604020202020204" pitchFamily="34" charset="0"/>
+                <a:cs typeface="Arial" panose="020B0604020202020204" pitchFamily="34" charset="0"/>
+              </a:rPr>
+              <a:t>, </a:t>
+            </a:r>
+            <a:r>
+              <a:rPr lang="en-PH" sz="2000" b="1" dirty="0" err="1">
+                <a:latin typeface="Arial" panose="020B0604020202020204" pitchFamily="34" charset="0"/>
+                <a:cs typeface="Arial" panose="020B0604020202020204" pitchFamily="34" charset="0"/>
+              </a:rPr>
+              <a:t>Plotly</a:t>
+            </a:r>
+            <a:r>
+              <a:rPr lang="en-PH" sz="2000" b="1" dirty="0">
+                <a:latin typeface="Arial" panose="020B0604020202020204" pitchFamily="34" charset="0"/>
+                <a:cs typeface="Arial" panose="020B0604020202020204" pitchFamily="34" charset="0"/>
+              </a:rPr>
+              <a:t>, and Altair</a:t>
+            </a:r>
+            <a:r>
+              <a:rPr lang="en-PH" sz="2400" dirty="0">
+                <a:latin typeface="Arial" panose="020B0604020202020204" pitchFamily="34" charset="0"/>
+                <a:cs typeface="Arial" panose="020B0604020202020204" pitchFamily="34" charset="0"/>
+              </a:rPr>
+              <a:t>: Table of Common Functions</a:t>
+            </a:r>
+            <a:endParaRPr lang="en-PH" dirty="0">
+              <a:latin typeface="Arial" panose="020B0604020202020204" pitchFamily="34" charset="0"/>
+              <a:cs typeface="Arial" panose="020B0604020202020204" pitchFamily="34" charset="0"/>
+            </a:endParaRPr>
+          </a:p>
+        </p:txBody>
+      </p:sp>
+      <p:pic>
+        <p:nvPicPr>
+          <p:cNvPr id="6" name="Picture 5">
+            <a:extLst>
+              <a:ext uri="{FF2B5EF4-FFF2-40B4-BE49-F238E27FC236}">
+                <a16:creationId xmlns:a16="http://schemas.microsoft.com/office/drawing/2014/main" id="{6649A714-4E21-F16B-A1A6-7B47C689461D}"/>
+              </a:ext>
+            </a:extLst>
+          </p:cNvPr>
+          <p:cNvPicPr>
+            <a:picLocks noChangeAspect="1"/>
+          </p:cNvPicPr>
+          <p:nvPr/>
+        </p:nvPicPr>
+        <p:blipFill>
+          <a:blip r:embed="rId2"/>
+          <a:stretch>
+            <a:fillRect/>
+          </a:stretch>
+        </p:blipFill>
+        <p:spPr>
+          <a:xfrm>
+            <a:off x="1097280" y="2794859"/>
+            <a:ext cx="10058400" cy="3201725"/>
+          </a:xfrm>
+          <a:prstGeom prst="rect">
+            <a:avLst/>
+          </a:prstGeom>
+        </p:spPr>
+      </p:pic>
+    </p:spTree>
+    <p:extLst>
+      <p:ext uri="{BB962C8B-B14F-4D97-AF65-F5344CB8AC3E}">
+        <p14:creationId xmlns:p14="http://schemas.microsoft.com/office/powerpoint/2010/main" val="3310693729"/>
+      </p:ext>
+    </p:extLst>
+  </p:cSld>
+  <p:clrMapOvr>
+    <a:masterClrMapping/>
+  </p:clrMapOvr>
+</p:sld>
+</file>
+
+<file path=ppt/slides/slide29.xml><?xml version="1.0" encoding="utf-8"?>
+<p:sld xmlns:a="http://schemas.openxmlformats.org/drawingml/2006/main" xmlns:r="http://schemas.openxmlformats.org/officeDocument/2006/relationships" xmlns:p="http://schemas.openxmlformats.org/presentationml/2006/main">
+  <p:cSld>
+    <p:spTree>
+      <p:nvGrpSpPr>
+        <p:cNvPr id="1" name="">
+          <a:extLst>
+            <a:ext uri="{FF2B5EF4-FFF2-40B4-BE49-F238E27FC236}">
+              <a16:creationId xmlns:a16="http://schemas.microsoft.com/office/drawing/2014/main" id="{6AAAFC73-82FE-CCF9-BBD0-BB3A731B1AA0}"/>
+            </a:ext>
+          </a:extLst>
+        </p:cNvPr>
+        <p:cNvGrpSpPr/>
+        <p:nvPr/>
+      </p:nvGrpSpPr>
+      <p:grpSpPr>
+        <a:xfrm>
+          <a:off x="0" y="0"/>
+          <a:ext cx="0" cy="0"/>
+          <a:chOff x="0" y="0"/>
+          <a:chExt cx="0" cy="0"/>
+        </a:xfrm>
+      </p:grpSpPr>
+      <p:sp>
+        <p:nvSpPr>
+          <p:cNvPr id="2" name="Title 1">
+            <a:extLst>
+              <a:ext uri="{FF2B5EF4-FFF2-40B4-BE49-F238E27FC236}">
+                <a16:creationId xmlns:a16="http://schemas.microsoft.com/office/drawing/2014/main" id="{1591FF96-2BE5-14FC-F9B2-DBE65C877FF0}"/>
+              </a:ext>
+            </a:extLst>
+          </p:cNvPr>
+          <p:cNvSpPr>
+            <a:spLocks noGrp="1"/>
+          </p:cNvSpPr>
+          <p:nvPr>
+            <p:ph type="title"/>
+          </p:nvPr>
+        </p:nvSpPr>
+        <p:spPr>
+          <a:xfrm>
+            <a:off x="1097280" y="319024"/>
+            <a:ext cx="10058400" cy="1450757"/>
+          </a:xfrm>
+        </p:spPr>
+        <p:txBody>
+          <a:bodyPr>
+            <a:noAutofit/>
+          </a:bodyPr>
+          <a:lstStyle/>
+          <a:p>
+            <a:r>
+              <a:rPr lang="en-US" sz="4400" dirty="0">
+                <a:cs typeface="Arial" panose="020B0604020202020204" pitchFamily="34" charset="0"/>
+              </a:rPr>
+              <a:t>7. </a:t>
+            </a:r>
+            <a:r>
+              <a:rPr lang="en-US" sz="4800" dirty="0"/>
+              <a:t>Advanced Data Visualization Techniques in Google </a:t>
+            </a:r>
+            <a:r>
+              <a:rPr lang="en-US" sz="4800" dirty="0" err="1"/>
+              <a:t>Colab</a:t>
+            </a:r>
+            <a:endParaRPr lang="en-PH" sz="4400" dirty="0">
+              <a:cs typeface="Arial" panose="020B0604020202020204" pitchFamily="34" charset="0"/>
+            </a:endParaRPr>
+          </a:p>
+        </p:txBody>
+      </p:sp>
+      <p:sp>
+        <p:nvSpPr>
+          <p:cNvPr id="4" name="TextBox 3">
+            <a:extLst>
+              <a:ext uri="{FF2B5EF4-FFF2-40B4-BE49-F238E27FC236}">
+                <a16:creationId xmlns:a16="http://schemas.microsoft.com/office/drawing/2014/main" id="{128600C9-125A-C35D-B155-E5B960F91E1D}"/>
+              </a:ext>
+            </a:extLst>
+          </p:cNvPr>
+          <p:cNvSpPr txBox="1"/>
+          <p:nvPr/>
+        </p:nvSpPr>
+        <p:spPr>
+          <a:xfrm>
+            <a:off x="1219199" y="2000614"/>
+            <a:ext cx="8952411" cy="461665"/>
+          </a:xfrm>
+          <a:prstGeom prst="rect">
+            <a:avLst/>
+          </a:prstGeom>
+          <a:noFill/>
+        </p:spPr>
+        <p:txBody>
+          <a:bodyPr wrap="square" rtlCol="0">
+            <a:spAutoFit/>
+          </a:bodyPr>
+          <a:lstStyle/>
+          <a:p>
+            <a:r>
+              <a:rPr lang="en-PH" sz="2000" b="1" dirty="0" err="1">
+                <a:latin typeface="Arial" panose="020B0604020202020204" pitchFamily="34" charset="0"/>
+                <a:cs typeface="Arial" panose="020B0604020202020204" pitchFamily="34" charset="0"/>
+              </a:rPr>
+              <a:t>Plotnine</a:t>
+            </a:r>
+            <a:r>
+              <a:rPr lang="en-PH" sz="2000" b="1" dirty="0">
+                <a:latin typeface="Arial" panose="020B0604020202020204" pitchFamily="34" charset="0"/>
+                <a:cs typeface="Arial" panose="020B0604020202020204" pitchFamily="34" charset="0"/>
+              </a:rPr>
+              <a:t>, </a:t>
+            </a:r>
+            <a:r>
+              <a:rPr lang="en-PH" sz="2000" b="1" dirty="0" err="1">
+                <a:latin typeface="Arial" panose="020B0604020202020204" pitchFamily="34" charset="0"/>
+                <a:cs typeface="Arial" panose="020B0604020202020204" pitchFamily="34" charset="0"/>
+              </a:rPr>
+              <a:t>Plotly</a:t>
+            </a:r>
+            <a:r>
+              <a:rPr lang="en-PH" sz="2000" b="1" dirty="0">
+                <a:latin typeface="Arial" panose="020B0604020202020204" pitchFamily="34" charset="0"/>
+                <a:cs typeface="Arial" panose="020B0604020202020204" pitchFamily="34" charset="0"/>
+              </a:rPr>
+              <a:t>, and Altair</a:t>
+            </a:r>
+            <a:r>
+              <a:rPr lang="en-PH" sz="2400" dirty="0">
+                <a:latin typeface="Arial" panose="020B0604020202020204" pitchFamily="34" charset="0"/>
+                <a:cs typeface="Arial" panose="020B0604020202020204" pitchFamily="34" charset="0"/>
+              </a:rPr>
+              <a:t>: Table of Common Functions</a:t>
+            </a:r>
+            <a:endParaRPr lang="en-PH" dirty="0">
+              <a:latin typeface="Arial" panose="020B0604020202020204" pitchFamily="34" charset="0"/>
+              <a:cs typeface="Arial" panose="020B0604020202020204" pitchFamily="34" charset="0"/>
+            </a:endParaRPr>
+          </a:p>
+        </p:txBody>
+      </p:sp>
+      <p:pic>
+        <p:nvPicPr>
+          <p:cNvPr id="5" name="Picture 4">
+            <a:extLst>
+              <a:ext uri="{FF2B5EF4-FFF2-40B4-BE49-F238E27FC236}">
+                <a16:creationId xmlns:a16="http://schemas.microsoft.com/office/drawing/2014/main" id="{78751ACF-B574-0BE2-F4A5-D85BA7E74BF7}"/>
+              </a:ext>
+            </a:extLst>
+          </p:cNvPr>
+          <p:cNvPicPr>
+            <a:picLocks noChangeAspect="1"/>
+          </p:cNvPicPr>
+          <p:nvPr/>
+        </p:nvPicPr>
+        <p:blipFill>
+          <a:blip r:embed="rId2"/>
+          <a:stretch>
+            <a:fillRect/>
+          </a:stretch>
+        </p:blipFill>
+        <p:spPr>
+          <a:xfrm>
+            <a:off x="1097280" y="2989869"/>
+            <a:ext cx="10058400" cy="3229575"/>
+          </a:xfrm>
+          <a:prstGeom prst="rect">
+            <a:avLst/>
+          </a:prstGeom>
+        </p:spPr>
+      </p:pic>
+    </p:spTree>
+    <p:extLst>
+      <p:ext uri="{BB962C8B-B14F-4D97-AF65-F5344CB8AC3E}">
+        <p14:creationId xmlns:p14="http://schemas.microsoft.com/office/powerpoint/2010/main" val="1680655163"/>
+      </p:ext>
+    </p:extLst>
+  </p:cSld>
+  <p:clrMapOvr>
+    <a:masterClrMapping/>
+  </p:clrMapOvr>
+</p:sld>
+</file>
+
 <file path=ppt/slides/slide3.xml><?xml version="1.0" encoding="utf-8"?>
 <p:sld xmlns:a="http://schemas.openxmlformats.org/drawingml/2006/main" xmlns:r="http://schemas.openxmlformats.org/officeDocument/2006/relationships" xmlns:p="http://schemas.openxmlformats.org/presentationml/2006/main">
   <p:cSld>
@@ -11665,6 +14688,703 @@
     <p:extLst>
       <p:ext uri="{BB962C8B-B14F-4D97-AF65-F5344CB8AC3E}">
         <p14:creationId xmlns:p14="http://schemas.microsoft.com/office/powerpoint/2010/main" val="709593520"/>
+      </p:ext>
+    </p:extLst>
+  </p:cSld>
+  <p:clrMapOvr>
+    <a:masterClrMapping/>
+  </p:clrMapOvr>
+</p:sld>
+</file>
+
+<file path=ppt/slides/slide30.xml><?xml version="1.0" encoding="utf-8"?>
+<p:sld xmlns:a="http://schemas.openxmlformats.org/drawingml/2006/main" xmlns:r="http://schemas.openxmlformats.org/officeDocument/2006/relationships" xmlns:p="http://schemas.openxmlformats.org/presentationml/2006/main">
+  <p:cSld>
+    <p:spTree>
+      <p:nvGrpSpPr>
+        <p:cNvPr id="1" name="">
+          <a:extLst>
+            <a:ext uri="{FF2B5EF4-FFF2-40B4-BE49-F238E27FC236}">
+              <a16:creationId xmlns:a16="http://schemas.microsoft.com/office/drawing/2014/main" id="{C93C55B6-3A96-6E19-0276-E75E633A9FFC}"/>
+            </a:ext>
+          </a:extLst>
+        </p:cNvPr>
+        <p:cNvGrpSpPr/>
+        <p:nvPr/>
+      </p:nvGrpSpPr>
+      <p:grpSpPr>
+        <a:xfrm>
+          <a:off x="0" y="0"/>
+          <a:ext cx="0" cy="0"/>
+          <a:chOff x="0" y="0"/>
+          <a:chExt cx="0" cy="0"/>
+        </a:xfrm>
+      </p:grpSpPr>
+      <p:sp>
+        <p:nvSpPr>
+          <p:cNvPr id="2" name="Title 1">
+            <a:extLst>
+              <a:ext uri="{FF2B5EF4-FFF2-40B4-BE49-F238E27FC236}">
+                <a16:creationId xmlns:a16="http://schemas.microsoft.com/office/drawing/2014/main" id="{6687A97A-14A6-4460-839C-30405E738ACA}"/>
+              </a:ext>
+            </a:extLst>
+          </p:cNvPr>
+          <p:cNvSpPr>
+            <a:spLocks noGrp="1"/>
+          </p:cNvSpPr>
+          <p:nvPr>
+            <p:ph type="title"/>
+          </p:nvPr>
+        </p:nvSpPr>
+        <p:spPr>
+          <a:xfrm>
+            <a:off x="1097280" y="319024"/>
+            <a:ext cx="10058400" cy="1450757"/>
+          </a:xfrm>
+        </p:spPr>
+        <p:txBody>
+          <a:bodyPr>
+            <a:noAutofit/>
+          </a:bodyPr>
+          <a:lstStyle/>
+          <a:p>
+            <a:r>
+              <a:rPr lang="en-US" sz="4400" dirty="0">
+                <a:cs typeface="Arial" panose="020B0604020202020204" pitchFamily="34" charset="0"/>
+              </a:rPr>
+              <a:t>7. </a:t>
+            </a:r>
+            <a:r>
+              <a:rPr lang="en-US" sz="4800" dirty="0"/>
+              <a:t>Advanced Data Visualization Techniques in Google </a:t>
+            </a:r>
+            <a:r>
+              <a:rPr lang="en-US" sz="4800" dirty="0" err="1"/>
+              <a:t>Colab</a:t>
+            </a:r>
+            <a:endParaRPr lang="en-PH" sz="4400" dirty="0">
+              <a:cs typeface="Arial" panose="020B0604020202020204" pitchFamily="34" charset="0"/>
+            </a:endParaRPr>
+          </a:p>
+        </p:txBody>
+      </p:sp>
+      <p:sp>
+        <p:nvSpPr>
+          <p:cNvPr id="4" name="TextBox 3">
+            <a:extLst>
+              <a:ext uri="{FF2B5EF4-FFF2-40B4-BE49-F238E27FC236}">
+                <a16:creationId xmlns:a16="http://schemas.microsoft.com/office/drawing/2014/main" id="{EF3DE6A5-0918-60A4-EE6E-0DD722B54092}"/>
+              </a:ext>
+            </a:extLst>
+          </p:cNvPr>
+          <p:cNvSpPr txBox="1"/>
+          <p:nvPr/>
+        </p:nvSpPr>
+        <p:spPr>
+          <a:xfrm>
+            <a:off x="1219199" y="2000614"/>
+            <a:ext cx="8952411" cy="461665"/>
+          </a:xfrm>
+          <a:prstGeom prst="rect">
+            <a:avLst/>
+          </a:prstGeom>
+          <a:noFill/>
+        </p:spPr>
+        <p:txBody>
+          <a:bodyPr wrap="square" rtlCol="0">
+            <a:spAutoFit/>
+          </a:bodyPr>
+          <a:lstStyle/>
+          <a:p>
+            <a:r>
+              <a:rPr lang="en-PH" sz="2000" b="1" dirty="0" err="1">
+                <a:latin typeface="Arial" panose="020B0604020202020204" pitchFamily="34" charset="0"/>
+                <a:cs typeface="Arial" panose="020B0604020202020204" pitchFamily="34" charset="0"/>
+              </a:rPr>
+              <a:t>Plotnine</a:t>
+            </a:r>
+            <a:r>
+              <a:rPr lang="en-PH" sz="2000" b="1" dirty="0">
+                <a:latin typeface="Arial" panose="020B0604020202020204" pitchFamily="34" charset="0"/>
+                <a:cs typeface="Arial" panose="020B0604020202020204" pitchFamily="34" charset="0"/>
+              </a:rPr>
+              <a:t>, </a:t>
+            </a:r>
+            <a:r>
+              <a:rPr lang="en-PH" sz="2000" b="1" dirty="0" err="1">
+                <a:latin typeface="Arial" panose="020B0604020202020204" pitchFamily="34" charset="0"/>
+                <a:cs typeface="Arial" panose="020B0604020202020204" pitchFamily="34" charset="0"/>
+              </a:rPr>
+              <a:t>Plotly</a:t>
+            </a:r>
+            <a:r>
+              <a:rPr lang="en-PH" sz="2000" b="1" dirty="0">
+                <a:latin typeface="Arial" panose="020B0604020202020204" pitchFamily="34" charset="0"/>
+                <a:cs typeface="Arial" panose="020B0604020202020204" pitchFamily="34" charset="0"/>
+              </a:rPr>
+              <a:t>, and Altair</a:t>
+            </a:r>
+            <a:r>
+              <a:rPr lang="en-PH" sz="2400" dirty="0">
+                <a:latin typeface="Arial" panose="020B0604020202020204" pitchFamily="34" charset="0"/>
+                <a:cs typeface="Arial" panose="020B0604020202020204" pitchFamily="34" charset="0"/>
+              </a:rPr>
+              <a:t>: Table of Common Functions</a:t>
+            </a:r>
+            <a:endParaRPr lang="en-PH" dirty="0">
+              <a:latin typeface="Arial" panose="020B0604020202020204" pitchFamily="34" charset="0"/>
+              <a:cs typeface="Arial" panose="020B0604020202020204" pitchFamily="34" charset="0"/>
+            </a:endParaRPr>
+          </a:p>
+        </p:txBody>
+      </p:sp>
+      <p:pic>
+        <p:nvPicPr>
+          <p:cNvPr id="6" name="Picture 5">
+            <a:extLst>
+              <a:ext uri="{FF2B5EF4-FFF2-40B4-BE49-F238E27FC236}">
+                <a16:creationId xmlns:a16="http://schemas.microsoft.com/office/drawing/2014/main" id="{8367CF9D-98C7-F229-9B58-A9EA728AA688}"/>
+              </a:ext>
+            </a:extLst>
+          </p:cNvPr>
+          <p:cNvPicPr>
+            <a:picLocks noChangeAspect="1"/>
+          </p:cNvPicPr>
+          <p:nvPr/>
+        </p:nvPicPr>
+        <p:blipFill>
+          <a:blip r:embed="rId2"/>
+          <a:stretch>
+            <a:fillRect/>
+          </a:stretch>
+        </p:blipFill>
+        <p:spPr>
+          <a:xfrm>
+            <a:off x="1097280" y="2462279"/>
+            <a:ext cx="10058400" cy="3837937"/>
+          </a:xfrm>
+          <a:prstGeom prst="rect">
+            <a:avLst/>
+          </a:prstGeom>
+        </p:spPr>
+      </p:pic>
+    </p:spTree>
+    <p:extLst>
+      <p:ext uri="{BB962C8B-B14F-4D97-AF65-F5344CB8AC3E}">
+        <p14:creationId xmlns:p14="http://schemas.microsoft.com/office/powerpoint/2010/main" val="460738591"/>
+      </p:ext>
+    </p:extLst>
+  </p:cSld>
+  <p:clrMapOvr>
+    <a:masterClrMapping/>
+  </p:clrMapOvr>
+</p:sld>
+</file>
+
+<file path=ppt/slides/slide31.xml><?xml version="1.0" encoding="utf-8"?>
+<p:sld xmlns:a="http://schemas.openxmlformats.org/drawingml/2006/main" xmlns:r="http://schemas.openxmlformats.org/officeDocument/2006/relationships" xmlns:p="http://schemas.openxmlformats.org/presentationml/2006/main">
+  <p:cSld>
+    <p:spTree>
+      <p:nvGrpSpPr>
+        <p:cNvPr id="1" name="">
+          <a:extLst>
+            <a:ext uri="{FF2B5EF4-FFF2-40B4-BE49-F238E27FC236}">
+              <a16:creationId xmlns:a16="http://schemas.microsoft.com/office/drawing/2014/main" id="{802CFE38-3BDF-D52C-3CC3-5A5A08B119B8}"/>
+            </a:ext>
+          </a:extLst>
+        </p:cNvPr>
+        <p:cNvGrpSpPr/>
+        <p:nvPr/>
+      </p:nvGrpSpPr>
+      <p:grpSpPr>
+        <a:xfrm>
+          <a:off x="0" y="0"/>
+          <a:ext cx="0" cy="0"/>
+          <a:chOff x="0" y="0"/>
+          <a:chExt cx="0" cy="0"/>
+        </a:xfrm>
+      </p:grpSpPr>
+      <p:sp>
+        <p:nvSpPr>
+          <p:cNvPr id="2" name="Title 1">
+            <a:extLst>
+              <a:ext uri="{FF2B5EF4-FFF2-40B4-BE49-F238E27FC236}">
+                <a16:creationId xmlns:a16="http://schemas.microsoft.com/office/drawing/2014/main" id="{A9505E2E-C2D0-F5EE-C6E8-61E062971430}"/>
+              </a:ext>
+            </a:extLst>
+          </p:cNvPr>
+          <p:cNvSpPr>
+            <a:spLocks noGrp="1"/>
+          </p:cNvSpPr>
+          <p:nvPr>
+            <p:ph type="title"/>
+          </p:nvPr>
+        </p:nvSpPr>
+        <p:spPr>
+          <a:xfrm>
+            <a:off x="1097280" y="319024"/>
+            <a:ext cx="10058400" cy="1450757"/>
+          </a:xfrm>
+        </p:spPr>
+        <p:txBody>
+          <a:bodyPr>
+            <a:noAutofit/>
+          </a:bodyPr>
+          <a:lstStyle/>
+          <a:p>
+            <a:r>
+              <a:rPr lang="en-US" sz="4400" dirty="0">
+                <a:cs typeface="Arial" panose="020B0604020202020204" pitchFamily="34" charset="0"/>
+              </a:rPr>
+              <a:t>7. </a:t>
+            </a:r>
+            <a:r>
+              <a:rPr lang="en-US" sz="4800" dirty="0"/>
+              <a:t>Advanced Data Visualization Techniques in Google </a:t>
+            </a:r>
+            <a:r>
+              <a:rPr lang="en-US" sz="4800" dirty="0" err="1"/>
+              <a:t>Colab</a:t>
+            </a:r>
+            <a:endParaRPr lang="en-PH" sz="4400" dirty="0">
+              <a:cs typeface="Arial" panose="020B0604020202020204" pitchFamily="34" charset="0"/>
+            </a:endParaRPr>
+          </a:p>
+        </p:txBody>
+      </p:sp>
+      <p:sp>
+        <p:nvSpPr>
+          <p:cNvPr id="4" name="TextBox 3">
+            <a:extLst>
+              <a:ext uri="{FF2B5EF4-FFF2-40B4-BE49-F238E27FC236}">
+                <a16:creationId xmlns:a16="http://schemas.microsoft.com/office/drawing/2014/main" id="{5D7A74F1-4F16-7C5F-D415-F3B4E1C6E53E}"/>
+              </a:ext>
+            </a:extLst>
+          </p:cNvPr>
+          <p:cNvSpPr txBox="1"/>
+          <p:nvPr/>
+        </p:nvSpPr>
+        <p:spPr>
+          <a:xfrm>
+            <a:off x="1219199" y="2000614"/>
+            <a:ext cx="8952411" cy="461665"/>
+          </a:xfrm>
+          <a:prstGeom prst="rect">
+            <a:avLst/>
+          </a:prstGeom>
+          <a:noFill/>
+        </p:spPr>
+        <p:txBody>
+          <a:bodyPr wrap="square" rtlCol="0">
+            <a:spAutoFit/>
+          </a:bodyPr>
+          <a:lstStyle/>
+          <a:p>
+            <a:r>
+              <a:rPr lang="en-PH" sz="2000" b="1" dirty="0" err="1">
+                <a:latin typeface="Arial" panose="020B0604020202020204" pitchFamily="34" charset="0"/>
+                <a:cs typeface="Arial" panose="020B0604020202020204" pitchFamily="34" charset="0"/>
+              </a:rPr>
+              <a:t>Plotnine</a:t>
+            </a:r>
+            <a:r>
+              <a:rPr lang="en-PH" sz="2000" b="1" dirty="0">
+                <a:latin typeface="Arial" panose="020B0604020202020204" pitchFamily="34" charset="0"/>
+                <a:cs typeface="Arial" panose="020B0604020202020204" pitchFamily="34" charset="0"/>
+              </a:rPr>
+              <a:t>, </a:t>
+            </a:r>
+            <a:r>
+              <a:rPr lang="en-PH" sz="2000" b="1" dirty="0" err="1">
+                <a:latin typeface="Arial" panose="020B0604020202020204" pitchFamily="34" charset="0"/>
+                <a:cs typeface="Arial" panose="020B0604020202020204" pitchFamily="34" charset="0"/>
+              </a:rPr>
+              <a:t>Plotly</a:t>
+            </a:r>
+            <a:r>
+              <a:rPr lang="en-PH" sz="2000" b="1" dirty="0">
+                <a:latin typeface="Arial" panose="020B0604020202020204" pitchFamily="34" charset="0"/>
+                <a:cs typeface="Arial" panose="020B0604020202020204" pitchFamily="34" charset="0"/>
+              </a:rPr>
+              <a:t>, and Altair</a:t>
+            </a:r>
+            <a:r>
+              <a:rPr lang="en-PH" sz="2400" dirty="0">
+                <a:latin typeface="Arial" panose="020B0604020202020204" pitchFamily="34" charset="0"/>
+                <a:cs typeface="Arial" panose="020B0604020202020204" pitchFamily="34" charset="0"/>
+              </a:rPr>
+              <a:t>: Table of Common Functions</a:t>
+            </a:r>
+            <a:endParaRPr lang="en-PH" dirty="0">
+              <a:latin typeface="Arial" panose="020B0604020202020204" pitchFamily="34" charset="0"/>
+              <a:cs typeface="Arial" panose="020B0604020202020204" pitchFamily="34" charset="0"/>
+            </a:endParaRPr>
+          </a:p>
+        </p:txBody>
+      </p:sp>
+      <p:pic>
+        <p:nvPicPr>
+          <p:cNvPr id="5" name="Picture 4">
+            <a:extLst>
+              <a:ext uri="{FF2B5EF4-FFF2-40B4-BE49-F238E27FC236}">
+                <a16:creationId xmlns:a16="http://schemas.microsoft.com/office/drawing/2014/main" id="{F064FB85-7256-8F8E-9A4D-39BFCB1C2BCF}"/>
+              </a:ext>
+            </a:extLst>
+          </p:cNvPr>
+          <p:cNvPicPr>
+            <a:picLocks noChangeAspect="1"/>
+          </p:cNvPicPr>
+          <p:nvPr/>
+        </p:nvPicPr>
+        <p:blipFill>
+          <a:blip r:embed="rId2"/>
+          <a:stretch>
+            <a:fillRect/>
+          </a:stretch>
+        </p:blipFill>
+        <p:spPr>
+          <a:xfrm>
+            <a:off x="1097280" y="2912244"/>
+            <a:ext cx="10058400" cy="2966955"/>
+          </a:xfrm>
+          <a:prstGeom prst="rect">
+            <a:avLst/>
+          </a:prstGeom>
+        </p:spPr>
+      </p:pic>
+    </p:spTree>
+    <p:extLst>
+      <p:ext uri="{BB962C8B-B14F-4D97-AF65-F5344CB8AC3E}">
+        <p14:creationId xmlns:p14="http://schemas.microsoft.com/office/powerpoint/2010/main" val="3392308573"/>
+      </p:ext>
+    </p:extLst>
+  </p:cSld>
+  <p:clrMapOvr>
+    <a:masterClrMapping/>
+  </p:clrMapOvr>
+</p:sld>
+</file>
+
+<file path=ppt/slides/slide32.xml><?xml version="1.0" encoding="utf-8"?>
+<p:sld xmlns:a="http://schemas.openxmlformats.org/drawingml/2006/main" xmlns:r="http://schemas.openxmlformats.org/officeDocument/2006/relationships" xmlns:p="http://schemas.openxmlformats.org/presentationml/2006/main">
+  <p:cSld>
+    <p:spTree>
+      <p:nvGrpSpPr>
+        <p:cNvPr id="1" name="">
+          <a:extLst>
+            <a:ext uri="{FF2B5EF4-FFF2-40B4-BE49-F238E27FC236}">
+              <a16:creationId xmlns:a16="http://schemas.microsoft.com/office/drawing/2014/main" id="{0BB6C714-48C1-D0B7-FAAA-A11DEFC6A5F7}"/>
+            </a:ext>
+          </a:extLst>
+        </p:cNvPr>
+        <p:cNvGrpSpPr/>
+        <p:nvPr/>
+      </p:nvGrpSpPr>
+      <p:grpSpPr>
+        <a:xfrm>
+          <a:off x="0" y="0"/>
+          <a:ext cx="0" cy="0"/>
+          <a:chOff x="0" y="0"/>
+          <a:chExt cx="0" cy="0"/>
+        </a:xfrm>
+      </p:grpSpPr>
+      <p:sp>
+        <p:nvSpPr>
+          <p:cNvPr id="2" name="Title 1">
+            <a:extLst>
+              <a:ext uri="{FF2B5EF4-FFF2-40B4-BE49-F238E27FC236}">
+                <a16:creationId xmlns:a16="http://schemas.microsoft.com/office/drawing/2014/main" id="{7DFD627E-BF41-3B0F-3871-AC852EAE9C19}"/>
+              </a:ext>
+            </a:extLst>
+          </p:cNvPr>
+          <p:cNvSpPr>
+            <a:spLocks noGrp="1"/>
+          </p:cNvSpPr>
+          <p:nvPr>
+            <p:ph type="title"/>
+          </p:nvPr>
+        </p:nvSpPr>
+        <p:spPr>
+          <a:xfrm>
+            <a:off x="1097280" y="319024"/>
+            <a:ext cx="10058400" cy="1450757"/>
+          </a:xfrm>
+        </p:spPr>
+        <p:txBody>
+          <a:bodyPr>
+            <a:noAutofit/>
+          </a:bodyPr>
+          <a:lstStyle/>
+          <a:p>
+            <a:r>
+              <a:rPr lang="en-US" sz="4400" dirty="0">
+                <a:cs typeface="Arial" panose="020B0604020202020204" pitchFamily="34" charset="0"/>
+              </a:rPr>
+              <a:t>8. </a:t>
+            </a:r>
+            <a:r>
+              <a:rPr lang="en-US" dirty="0"/>
+              <a:t>Visual Data Analysis Project in Google </a:t>
+            </a:r>
+            <a:r>
+              <a:rPr lang="en-US" dirty="0" err="1"/>
+              <a:t>Colab</a:t>
+            </a:r>
+            <a:endParaRPr lang="en-PH" sz="4400" dirty="0">
+              <a:cs typeface="Arial" panose="020B0604020202020204" pitchFamily="34" charset="0"/>
+            </a:endParaRPr>
+          </a:p>
+        </p:txBody>
+      </p:sp>
+      <p:sp>
+        <p:nvSpPr>
+          <p:cNvPr id="3" name="Content Placeholder 2">
+            <a:extLst>
+              <a:ext uri="{FF2B5EF4-FFF2-40B4-BE49-F238E27FC236}">
+                <a16:creationId xmlns:a16="http://schemas.microsoft.com/office/drawing/2014/main" id="{81DA6392-6D55-294F-732E-E4323A3379BD}"/>
+              </a:ext>
+            </a:extLst>
+          </p:cNvPr>
+          <p:cNvSpPr>
+            <a:spLocks noGrp="1"/>
+          </p:cNvSpPr>
+          <p:nvPr>
+            <p:ph idx="1"/>
+          </p:nvPr>
+        </p:nvSpPr>
+        <p:spPr>
+          <a:xfrm>
+            <a:off x="1219200" y="2462279"/>
+            <a:ext cx="8908869" cy="3900813"/>
+          </a:xfrm>
+          <a:ln>
+            <a:solidFill>
+              <a:schemeClr val="tx1"/>
+            </a:solidFill>
+          </a:ln>
+        </p:spPr>
+        <p:txBody>
+          <a:bodyPr>
+            <a:normAutofit/>
+          </a:bodyPr>
+          <a:lstStyle/>
+          <a:p>
+            <a:pPr>
+              <a:buFont typeface="Wingdings" panose="05000000000000000000" pitchFamily="2" charset="2"/>
+              <a:buChar char="v"/>
+            </a:pPr>
+            <a:r>
+              <a:rPr lang="en-US" sz="2400" b="1" dirty="0"/>
+              <a:t> </a:t>
+            </a:r>
+            <a:r>
+              <a:rPr lang="en-PH" sz="3200" b="1" dirty="0" err="1"/>
+              <a:t>Plotnine</a:t>
+            </a:r>
+            <a:endParaRPr lang="en-PH" sz="2800" b="1" dirty="0"/>
+          </a:p>
+          <a:p>
+            <a:pPr lvl="1">
+              <a:buFont typeface="Wingdings" panose="05000000000000000000" pitchFamily="2" charset="2"/>
+              <a:buChar char="v"/>
+            </a:pPr>
+            <a:r>
+              <a:rPr lang="en-PH" sz="2400" dirty="0"/>
+              <a:t> </a:t>
+            </a:r>
+            <a:r>
+              <a:rPr lang="en-US" sz="2800" dirty="0"/>
+              <a:t>Python clone of R’s </a:t>
+            </a:r>
+            <a:r>
+              <a:rPr lang="en-US" sz="2800" b="1" dirty="0"/>
+              <a:t>ggplot2</a:t>
+            </a:r>
+          </a:p>
+          <a:p>
+            <a:pPr lvl="1">
+              <a:buFont typeface="Wingdings" panose="05000000000000000000" pitchFamily="2" charset="2"/>
+              <a:buChar char="v"/>
+            </a:pPr>
+            <a:r>
+              <a:rPr lang="en-US" sz="2800" b="1" dirty="0"/>
+              <a:t> </a:t>
+            </a:r>
+            <a:r>
+              <a:rPr lang="en-US" sz="2800" dirty="0"/>
+              <a:t>Built on </a:t>
+            </a:r>
+            <a:r>
+              <a:rPr lang="en-US" sz="2800" b="1" dirty="0"/>
+              <a:t>Matplotlib</a:t>
+            </a:r>
+            <a:r>
+              <a:rPr lang="en-US" sz="2800" dirty="0"/>
+              <a:t> + works with </a:t>
+            </a:r>
+            <a:r>
+              <a:rPr lang="en-US" sz="2800" b="1" dirty="0"/>
+              <a:t>Pandas</a:t>
+            </a:r>
+          </a:p>
+          <a:p>
+            <a:pPr lvl="1">
+              <a:buFont typeface="Wingdings" panose="05000000000000000000" pitchFamily="2" charset="2"/>
+              <a:buChar char="v"/>
+            </a:pPr>
+            <a:r>
+              <a:rPr lang="en-US" sz="2800" b="1" dirty="0"/>
+              <a:t> </a:t>
+            </a:r>
+            <a:r>
+              <a:rPr lang="en-US" sz="2800" dirty="0"/>
+              <a:t>Great for </a:t>
+            </a:r>
+            <a:r>
+              <a:rPr lang="en-US" sz="2800" b="1" dirty="0"/>
+              <a:t>complex, layered statistical graphics</a:t>
+            </a:r>
+            <a:r>
+              <a:rPr lang="en-US" sz="2800" dirty="0"/>
+              <a:t> with simple syntax</a:t>
+            </a:r>
+          </a:p>
+          <a:p>
+            <a:pPr lvl="1">
+              <a:buFont typeface="Wingdings" panose="05000000000000000000" pitchFamily="2" charset="2"/>
+              <a:buChar char="v"/>
+            </a:pPr>
+            <a:r>
+              <a:rPr lang="en-US" sz="2800" dirty="0"/>
+              <a:t> Sample import of </a:t>
+            </a:r>
+            <a:r>
+              <a:rPr lang="en-US" sz="2800" dirty="0" err="1"/>
+              <a:t>Plotnine</a:t>
+            </a:r>
+            <a:r>
+              <a:rPr lang="en-US" sz="2800" dirty="0"/>
+              <a:t>:</a:t>
+            </a:r>
+          </a:p>
+          <a:p>
+            <a:pPr lvl="2">
+              <a:buFont typeface="Wingdings" panose="05000000000000000000" pitchFamily="2" charset="2"/>
+              <a:buChar char="v"/>
+            </a:pPr>
+            <a:r>
+              <a:rPr lang="en-US" sz="2000" dirty="0"/>
+              <a:t> from </a:t>
+            </a:r>
+            <a:r>
+              <a:rPr lang="en-US" sz="2000" dirty="0" err="1"/>
+              <a:t>plotnine</a:t>
+            </a:r>
+            <a:r>
+              <a:rPr lang="en-US" sz="2000" dirty="0"/>
+              <a:t> import </a:t>
+            </a:r>
+            <a:r>
+              <a:rPr lang="en-US" sz="2000" dirty="0" err="1"/>
+              <a:t>ggplot</a:t>
+            </a:r>
+            <a:r>
+              <a:rPr lang="en-US" sz="2000" dirty="0"/>
+              <a:t>, </a:t>
+            </a:r>
+            <a:r>
+              <a:rPr lang="en-US" sz="2000" dirty="0" err="1"/>
+              <a:t>aes</a:t>
+            </a:r>
+            <a:r>
+              <a:rPr lang="en-US" sz="2000" dirty="0"/>
+              <a:t>, </a:t>
+            </a:r>
+            <a:r>
+              <a:rPr lang="en-US" sz="2000" dirty="0" err="1"/>
+              <a:t>stat_summary</a:t>
+            </a:r>
+            <a:r>
+              <a:rPr lang="en-US" sz="2000" dirty="0"/>
+              <a:t>, </a:t>
+            </a:r>
+            <a:r>
+              <a:rPr lang="en-US" sz="2000" dirty="0" err="1"/>
+              <a:t>ggtitle</a:t>
+            </a:r>
+            <a:endParaRPr lang="en-US" sz="2000" dirty="0"/>
+          </a:p>
+          <a:p>
+            <a:pPr marL="201168" lvl="1" indent="0">
+              <a:buNone/>
+            </a:pPr>
+            <a:endParaRPr lang="en-US" sz="2400" dirty="0"/>
+          </a:p>
+        </p:txBody>
+      </p:sp>
+      <p:sp>
+        <p:nvSpPr>
+          <p:cNvPr id="4" name="TextBox 3">
+            <a:extLst>
+              <a:ext uri="{FF2B5EF4-FFF2-40B4-BE49-F238E27FC236}">
+                <a16:creationId xmlns:a16="http://schemas.microsoft.com/office/drawing/2014/main" id="{405F5D5E-CCF4-EF50-60F4-27AA14CFCA9A}"/>
+              </a:ext>
+            </a:extLst>
+          </p:cNvPr>
+          <p:cNvSpPr txBox="1"/>
+          <p:nvPr/>
+        </p:nvSpPr>
+        <p:spPr>
+          <a:xfrm>
+            <a:off x="1219200" y="2000614"/>
+            <a:ext cx="4615991" cy="400110"/>
+          </a:xfrm>
+          <a:prstGeom prst="rect">
+            <a:avLst/>
+          </a:prstGeom>
+          <a:noFill/>
+        </p:spPr>
+        <p:txBody>
+          <a:bodyPr wrap="square" rtlCol="0">
+            <a:spAutoFit/>
+          </a:bodyPr>
+          <a:lstStyle/>
+          <a:p>
+            <a:r>
+              <a:rPr lang="en-PH" sz="2000" b="1" dirty="0" err="1">
+                <a:latin typeface="Arial" panose="020B0604020202020204" pitchFamily="34" charset="0"/>
+                <a:cs typeface="Arial" panose="020B0604020202020204" pitchFamily="34" charset="0"/>
+              </a:rPr>
+              <a:t>Plotnine</a:t>
+            </a:r>
+            <a:r>
+              <a:rPr lang="en-PH" sz="2000" b="1" dirty="0">
+                <a:latin typeface="Arial" panose="020B0604020202020204" pitchFamily="34" charset="0"/>
+                <a:cs typeface="Arial" panose="020B0604020202020204" pitchFamily="34" charset="0"/>
+              </a:rPr>
+              <a:t>, </a:t>
+            </a:r>
+            <a:r>
+              <a:rPr lang="en-PH" sz="2000" b="1" dirty="0" err="1">
+                <a:latin typeface="Arial" panose="020B0604020202020204" pitchFamily="34" charset="0"/>
+                <a:cs typeface="Arial" panose="020B0604020202020204" pitchFamily="34" charset="0"/>
+              </a:rPr>
+              <a:t>Plotly</a:t>
+            </a:r>
+            <a:r>
+              <a:rPr lang="en-PH" sz="2000" b="1" dirty="0">
+                <a:latin typeface="Arial" panose="020B0604020202020204" pitchFamily="34" charset="0"/>
+                <a:cs typeface="Arial" panose="020B0604020202020204" pitchFamily="34" charset="0"/>
+              </a:rPr>
+              <a:t>, and Altair</a:t>
+            </a:r>
+          </a:p>
+        </p:txBody>
+      </p:sp>
+    </p:spTree>
+    <p:extLst>
+      <p:ext uri="{BB962C8B-B14F-4D97-AF65-F5344CB8AC3E}">
+        <p14:creationId xmlns:p14="http://schemas.microsoft.com/office/powerpoint/2010/main" val="562926690"/>
       </p:ext>
     </p:extLst>
   </p:cSld>
@@ -15913,26 +19633,6 @@
 </file>
 
 <file path=customXml/item2.xml><?xml version="1.0" encoding="utf-8"?>
-<p:properties xmlns:p="http://schemas.microsoft.com/office/2006/metadata/properties" xmlns:xsi="http://www.w3.org/2001/XMLSchema-instance" xmlns:pc="http://schemas.microsoft.com/office/infopath/2007/PartnerControls">
-  <documentManagement>
-    <Status xmlns="71af3243-3dd4-4a8d-8c0d-dd76da1f02a5">Not started</Status>
-    <MediaServiceKeyPoints xmlns="71af3243-3dd4-4a8d-8c0d-dd76da1f02a5" xsi:nil="true"/>
-    <_ip_UnifiedCompliancePolicyUIAction xmlns="http://schemas.microsoft.com/sharepoint/v3" xsi:nil="true"/>
-    <Image xmlns="71af3243-3dd4-4a8d-8c0d-dd76da1f02a5">
-      <Url xsi:nil="true"/>
-      <Description xsi:nil="true"/>
-    </Image>
-    <Background xmlns="71af3243-3dd4-4a8d-8c0d-dd76da1f02a5">false</Background>
-    <_ip_UnifiedCompliancePolicyProperties xmlns="http://schemas.microsoft.com/sharepoint/v3" xsi:nil="true"/>
-    <ImageTagsTaxHTField xmlns="71af3243-3dd4-4a8d-8c0d-dd76da1f02a5">
-      <Terms xmlns="http://schemas.microsoft.com/office/infopath/2007/PartnerControls"/>
-    </ImageTagsTaxHTField>
-    <TaxCatchAll xmlns="230e9df3-be65-4c73-a93b-d1236ebd677e" xsi:nil="true"/>
-  </documentManagement>
-</p:properties>
-</file>
-
-<file path=customXml/item3.xml><?xml version="1.0" encoding="utf-8"?>
 <ct:contentTypeSchema xmlns:ct="http://schemas.microsoft.com/office/2006/metadata/contentType" xmlns:ma="http://schemas.microsoft.com/office/2006/metadata/properties/metaAttributes" ct:_="" ma:_="" ma:contentTypeName="Document" ma:contentTypeID="0x01010079F111ED35F8CC479449609E8A0923A6" ma:contentTypeVersion="27" ma:contentTypeDescription="Create a new document." ma:contentTypeScope="" ma:versionID="c6f9a84f66a9c8b9a21755b9ffafb945">
   <xsd:schema xmlns:xsd="http://www.w3.org/2001/XMLSchema" xmlns:xs="http://www.w3.org/2001/XMLSchema" xmlns:p="http://schemas.microsoft.com/office/2006/metadata/properties" xmlns:ns1="http://schemas.microsoft.com/sharepoint/v3" xmlns:ns2="71af3243-3dd4-4a8d-8c0d-dd76da1f02a5" xmlns:ns3="16c05727-aa75-4e4a-9b5f-8a80a1165891" xmlns:ns4="230e9df3-be65-4c73-a93b-d1236ebd677e" targetNamespace="http://schemas.microsoft.com/office/2006/metadata/properties" ma:root="true" ma:fieldsID="27df39e3e7036dff54f89ddd5805ce72" ns1:_="" ns2:_="" ns3:_="" ns4:_="">
     <xsd:import namespace="http://schemas.microsoft.com/sharepoint/v3"/>
@@ -16238,6 +19938,26 @@
 </ct:contentTypeSchema>
 </file>
 
+<file path=customXml/item3.xml><?xml version="1.0" encoding="utf-8"?>
+<p:properties xmlns:p="http://schemas.microsoft.com/office/2006/metadata/properties" xmlns:xsi="http://www.w3.org/2001/XMLSchema-instance" xmlns:pc="http://schemas.microsoft.com/office/infopath/2007/PartnerControls">
+  <documentManagement>
+    <Status xmlns="71af3243-3dd4-4a8d-8c0d-dd76da1f02a5">Not started</Status>
+    <MediaServiceKeyPoints xmlns="71af3243-3dd4-4a8d-8c0d-dd76da1f02a5" xsi:nil="true"/>
+    <_ip_UnifiedCompliancePolicyUIAction xmlns="http://schemas.microsoft.com/sharepoint/v3" xsi:nil="true"/>
+    <Image xmlns="71af3243-3dd4-4a8d-8c0d-dd76da1f02a5">
+      <Url xsi:nil="true"/>
+      <Description xsi:nil="true"/>
+    </Image>
+    <Background xmlns="71af3243-3dd4-4a8d-8c0d-dd76da1f02a5">false</Background>
+    <_ip_UnifiedCompliancePolicyProperties xmlns="http://schemas.microsoft.com/sharepoint/v3" xsi:nil="true"/>
+    <ImageTagsTaxHTField xmlns="71af3243-3dd4-4a8d-8c0d-dd76da1f02a5">
+      <Terms xmlns="http://schemas.microsoft.com/office/infopath/2007/PartnerControls"/>
+    </ImageTagsTaxHTField>
+    <TaxCatchAll xmlns="230e9df3-be65-4c73-a93b-d1236ebd677e" xsi:nil="true"/>
+  </documentManagement>
+</p:properties>
+</file>
+
 <file path=customXml/itemProps1.xml><?xml version="1.0" encoding="utf-8"?>
 <ds:datastoreItem xmlns:ds="http://schemas.openxmlformats.org/officeDocument/2006/customXml" ds:itemID="{AA3F7EDC-E5B4-4BBC-9D2A-CBE6D46C37AD}">
   <ds:schemaRefs>
@@ -16247,18 +19967,6 @@
 </file>
 
 <file path=customXml/itemProps2.xml><?xml version="1.0" encoding="utf-8"?>
-<ds:datastoreItem xmlns:ds="http://schemas.openxmlformats.org/officeDocument/2006/customXml" ds:itemID="{A03EEFF0-FB57-4CB4-8BFC-DF397689E2ED}">
-  <ds:schemaRefs>
-    <ds:schemaRef ds:uri="http://schemas.microsoft.com/office/2006/metadata/properties"/>
-    <ds:schemaRef ds:uri="http://schemas.microsoft.com/office/infopath/2007/PartnerControls"/>
-    <ds:schemaRef ds:uri="71af3243-3dd4-4a8d-8c0d-dd76da1f02a5"/>
-    <ds:schemaRef ds:uri="http://schemas.microsoft.com/sharepoint/v3"/>
-    <ds:schemaRef ds:uri="230e9df3-be65-4c73-a93b-d1236ebd677e"/>
-  </ds:schemaRefs>
-</ds:datastoreItem>
-</file>
-
-<file path=customXml/itemProps3.xml><?xml version="1.0" encoding="utf-8"?>
 <ds:datastoreItem xmlns:ds="http://schemas.openxmlformats.org/officeDocument/2006/customXml" ds:itemID="{D2957789-34B8-480C-AF9B-3EB54B9E5C96}">
   <ds:schemaRefs>
     <ds:schemaRef ds:uri="http://schemas.microsoft.com/office/2006/metadata/contentType"/>
@@ -16277,4 +19985,16 @@
     <ds:schemaRef ds:uri="http://schemas.microsoft.com/internal/obd"/>
   </ds:schemaRefs>
 </ds:datastoreItem>
+</file>
+
+<file path=customXml/itemProps3.xml><?xml version="1.0" encoding="utf-8"?>
+<ds:datastoreItem xmlns:ds="http://schemas.openxmlformats.org/officeDocument/2006/customXml" ds:itemID="{A03EEFF0-FB57-4CB4-8BFC-DF397689E2ED}">
+  <ds:schemaRefs>
+    <ds:schemaRef ds:uri="http://schemas.microsoft.com/office/2006/metadata/properties"/>
+    <ds:schemaRef ds:uri="http://schemas.microsoft.com/office/infopath/2007/PartnerControls"/>
+    <ds:schemaRef ds:uri="71af3243-3dd4-4a8d-8c0d-dd76da1f02a5"/>
+    <ds:schemaRef ds:uri="http://schemas.microsoft.com/sharepoint/v3"/>
+    <ds:schemaRef ds:uri="230e9df3-be65-4c73-a93b-d1236ebd677e"/>
+  </ds:schemaRefs>
+</ds:datastoreItem>
 </file>
--- a/Lectures/II_Data_Visualization_with_Python.pptx
+++ b/Lectures/II_Data_Visualization_with_Python.pptx
@@ -31,12 +31,13 @@
     <p:sldId id="327" r:id="rId28"/>
     <p:sldId id="329" r:id="rId29"/>
     <p:sldId id="328" r:id="rId30"/>
-    <p:sldId id="330" r:id="rId31"/>
-    <p:sldId id="331" r:id="rId32"/>
-    <p:sldId id="332" r:id="rId33"/>
-    <p:sldId id="333" r:id="rId34"/>
-    <p:sldId id="334" r:id="rId35"/>
-    <p:sldId id="335" r:id="rId36"/>
+    <p:sldId id="336" r:id="rId31"/>
+    <p:sldId id="330" r:id="rId32"/>
+    <p:sldId id="331" r:id="rId33"/>
+    <p:sldId id="332" r:id="rId34"/>
+    <p:sldId id="333" r:id="rId35"/>
+    <p:sldId id="334" r:id="rId36"/>
+    <p:sldId id="335" r:id="rId37"/>
   </p:sldIdLst>
   <p:sldSz cx="12192000" cy="6858000"/>
   <p:notesSz cx="6858000" cy="9144000"/>
@@ -12054,7 +12055,7 @@
             </a:pPr>
             <a:r>
               <a:rPr lang="en-US" dirty="0"/>
-              <a:t>https://</a:t>
+              <a:t>https://github.com/MikkoDT/MexEE402_AI/blob/main/Python_Visualization/Advance_DataVisualization/BarGraphs_Matplotlib_in_Google_Colab.ipynb</a:t>
             </a:r>
             <a:endParaRPr lang="en-US" sz="2200" dirty="0"/>
           </a:p>
@@ -12074,7 +12075,7 @@
         </p:nvSpPr>
         <p:spPr>
           <a:xfrm>
-            <a:off x="1097279" y="4213830"/>
+            <a:off x="1097280" y="4629329"/>
             <a:ext cx="10249811" cy="830997"/>
           </a:xfrm>
           <a:prstGeom prst="rect">
@@ -12131,7 +12132,7 @@
         </p:nvSpPr>
         <p:spPr>
           <a:xfrm>
-            <a:off x="1184366" y="5088220"/>
+            <a:off x="1184366" y="5523648"/>
             <a:ext cx="10162724" cy="714554"/>
           </a:xfrm>
           <a:prstGeom prst="rect">
@@ -12391,7 +12392,289 @@
             </a:pPr>
             <a:r>
               <a:rPr lang="en-US" dirty="0"/>
-              <a:t>https</a:t>
+              <a:t>https://github.com/MikkoDT/MexEE402_AI/blob/main/Python_Visualization/Advance_DataVisualization/Seaborn_Titanic_Dataset.ipynb</a:t>
+            </a:r>
+            <a:endParaRPr lang="en-US" sz="2200" dirty="0"/>
+          </a:p>
+        </p:txBody>
+      </p:sp>
+      <p:sp>
+        <p:nvSpPr>
+          <p:cNvPr id="7" name="Content Placeholder 2">
+            <a:extLst>
+              <a:ext uri="{FF2B5EF4-FFF2-40B4-BE49-F238E27FC236}">
+                <a16:creationId xmlns:a16="http://schemas.microsoft.com/office/drawing/2014/main" id="{08E7D581-890D-EBAC-80B1-F6F6E1BFDDB9}"/>
+              </a:ext>
+            </a:extLst>
+          </p:cNvPr>
+          <p:cNvSpPr txBox="1">
+            <a:spLocks/>
+          </p:cNvSpPr>
+          <p:nvPr/>
+        </p:nvSpPr>
+        <p:spPr>
+          <a:xfrm>
+            <a:off x="1140822" y="3557498"/>
+            <a:ext cx="10162724" cy="714554"/>
+          </a:xfrm>
+          <a:prstGeom prst="rect">
+            <a:avLst/>
+          </a:prstGeom>
+          <a:ln>
+            <a:solidFill>
+              <a:schemeClr val="tx1"/>
+            </a:solidFill>
+          </a:ln>
+        </p:spPr>
+        <p:txBody>
+          <a:bodyPr vert="horz" lIns="0" tIns="45720" rIns="0" bIns="45720" rtlCol="0">
+            <a:normAutofit/>
+          </a:bodyPr>
+          <a:lstStyle>
+            <a:lvl1pPr marL="91440" indent="-91440" algn="l" defTabSz="914400" rtl="0" eaLnBrk="1" latinLnBrk="0" hangingPunct="1">
+              <a:lnSpc>
+                <a:spcPct val="110000"/>
+              </a:lnSpc>
+              <a:spcBef>
+                <a:spcPts val="1200"/>
+              </a:spcBef>
+              <a:spcAft>
+                <a:spcPts val="200"/>
+              </a:spcAft>
+              <a:buClr>
+                <a:schemeClr val="accent1"/>
+              </a:buClr>
+              <a:buSzPct val="100000"/>
+              <a:buFont typeface="Calibri" panose="020F0502020204030204" pitchFamily="34" charset="0"/>
+              <a:buChar char=" "/>
+              <a:defRPr sz="1900" kern="1200">
+                <a:solidFill>
+                  <a:schemeClr val="tx1">
+                    <a:lumMod val="75000"/>
+                    <a:lumOff val="25000"/>
+                  </a:schemeClr>
+                </a:solidFill>
+                <a:latin typeface="+mn-lt"/>
+                <a:ea typeface="+mn-ea"/>
+                <a:cs typeface="+mn-cs"/>
+              </a:defRPr>
+            </a:lvl1pPr>
+            <a:lvl2pPr marL="384048" indent="-182880" algn="l" defTabSz="914400" rtl="0" eaLnBrk="1" latinLnBrk="0" hangingPunct="1">
+              <a:lnSpc>
+                <a:spcPct val="100000"/>
+              </a:lnSpc>
+              <a:spcBef>
+                <a:spcPts val="200"/>
+              </a:spcBef>
+              <a:spcAft>
+                <a:spcPts val="400"/>
+              </a:spcAft>
+              <a:buClrTx/>
+              <a:buFont typeface="Calibri" pitchFamily="34" charset="0"/>
+              <a:buChar char="◦"/>
+              <a:defRPr sz="1700" kern="1200">
+                <a:solidFill>
+                  <a:schemeClr val="tx1">
+                    <a:lumMod val="75000"/>
+                    <a:lumOff val="25000"/>
+                  </a:schemeClr>
+                </a:solidFill>
+                <a:latin typeface="+mn-lt"/>
+                <a:ea typeface="+mn-ea"/>
+                <a:cs typeface="+mn-cs"/>
+              </a:defRPr>
+            </a:lvl2pPr>
+            <a:lvl3pPr marL="566928" indent="-182880" algn="l" defTabSz="914400" rtl="0" eaLnBrk="1" latinLnBrk="0" hangingPunct="1">
+              <a:lnSpc>
+                <a:spcPct val="100000"/>
+              </a:lnSpc>
+              <a:spcBef>
+                <a:spcPts val="200"/>
+              </a:spcBef>
+              <a:spcAft>
+                <a:spcPts val="400"/>
+              </a:spcAft>
+              <a:buClrTx/>
+              <a:buFont typeface="Calibri" pitchFamily="34" charset="0"/>
+              <a:buChar char="◦"/>
+              <a:defRPr sz="1300" kern="1200">
+                <a:solidFill>
+                  <a:schemeClr val="tx1">
+                    <a:lumMod val="75000"/>
+                    <a:lumOff val="25000"/>
+                  </a:schemeClr>
+                </a:solidFill>
+                <a:latin typeface="+mn-lt"/>
+                <a:ea typeface="+mn-ea"/>
+                <a:cs typeface="+mn-cs"/>
+              </a:defRPr>
+            </a:lvl3pPr>
+            <a:lvl4pPr marL="749808" indent="-182880" algn="l" defTabSz="914400" rtl="0" eaLnBrk="1" latinLnBrk="0" hangingPunct="1">
+              <a:lnSpc>
+                <a:spcPct val="100000"/>
+              </a:lnSpc>
+              <a:spcBef>
+                <a:spcPts val="200"/>
+              </a:spcBef>
+              <a:spcAft>
+                <a:spcPts val="400"/>
+              </a:spcAft>
+              <a:buClrTx/>
+              <a:buFont typeface="Calibri" pitchFamily="34" charset="0"/>
+              <a:buChar char="◦"/>
+              <a:defRPr sz="1300" kern="1200">
+                <a:solidFill>
+                  <a:schemeClr val="tx1">
+                    <a:lumMod val="75000"/>
+                    <a:lumOff val="25000"/>
+                  </a:schemeClr>
+                </a:solidFill>
+                <a:latin typeface="+mn-lt"/>
+                <a:ea typeface="+mn-ea"/>
+                <a:cs typeface="+mn-cs"/>
+              </a:defRPr>
+            </a:lvl4pPr>
+            <a:lvl5pPr marL="932688" indent="-182880" algn="l" defTabSz="914400" rtl="0" eaLnBrk="1" latinLnBrk="0" hangingPunct="1">
+              <a:lnSpc>
+                <a:spcPct val="100000"/>
+              </a:lnSpc>
+              <a:spcBef>
+                <a:spcPts val="200"/>
+              </a:spcBef>
+              <a:spcAft>
+                <a:spcPts val="400"/>
+              </a:spcAft>
+              <a:buClrTx/>
+              <a:buFont typeface="Calibri" pitchFamily="34" charset="0"/>
+              <a:buChar char="◦"/>
+              <a:defRPr sz="1300" kern="1200">
+                <a:solidFill>
+                  <a:schemeClr val="tx1">
+                    <a:lumMod val="75000"/>
+                    <a:lumOff val="25000"/>
+                  </a:schemeClr>
+                </a:solidFill>
+                <a:latin typeface="+mn-lt"/>
+                <a:ea typeface="+mn-ea"/>
+                <a:cs typeface="+mn-cs"/>
+              </a:defRPr>
+            </a:lvl5pPr>
+            <a:lvl6pPr marL="1100000" indent="-228600" algn="l" defTabSz="914400" rtl="0" eaLnBrk="1" latinLnBrk="0" hangingPunct="1">
+              <a:lnSpc>
+                <a:spcPct val="90000"/>
+              </a:lnSpc>
+              <a:spcBef>
+                <a:spcPts val="200"/>
+              </a:spcBef>
+              <a:spcAft>
+                <a:spcPts val="400"/>
+              </a:spcAft>
+              <a:buClr>
+                <a:schemeClr val="accent1"/>
+              </a:buClr>
+              <a:buFont typeface="Calibri" pitchFamily="34" charset="0"/>
+              <a:buChar char="◦"/>
+              <a:defRPr sz="1400" kern="1200">
+                <a:solidFill>
+                  <a:schemeClr val="tx1">
+                    <a:lumMod val="75000"/>
+                    <a:lumOff val="25000"/>
+                  </a:schemeClr>
+                </a:solidFill>
+                <a:latin typeface="+mn-lt"/>
+                <a:ea typeface="+mn-ea"/>
+                <a:cs typeface="+mn-cs"/>
+              </a:defRPr>
+            </a:lvl6pPr>
+            <a:lvl7pPr marL="1300000" indent="-228600" algn="l" defTabSz="914400" rtl="0" eaLnBrk="1" latinLnBrk="0" hangingPunct="1">
+              <a:lnSpc>
+                <a:spcPct val="90000"/>
+              </a:lnSpc>
+              <a:spcBef>
+                <a:spcPts val="200"/>
+              </a:spcBef>
+              <a:spcAft>
+                <a:spcPts val="400"/>
+              </a:spcAft>
+              <a:buClr>
+                <a:schemeClr val="accent1"/>
+              </a:buClr>
+              <a:buFont typeface="Calibri" pitchFamily="34" charset="0"/>
+              <a:buChar char="◦"/>
+              <a:defRPr sz="1400" kern="1200">
+                <a:solidFill>
+                  <a:schemeClr val="tx1">
+                    <a:lumMod val="75000"/>
+                    <a:lumOff val="25000"/>
+                  </a:schemeClr>
+                </a:solidFill>
+                <a:latin typeface="+mn-lt"/>
+                <a:ea typeface="+mn-ea"/>
+                <a:cs typeface="+mn-cs"/>
+              </a:defRPr>
+            </a:lvl7pPr>
+            <a:lvl8pPr marL="1500000" indent="-228600" algn="l" defTabSz="914400" rtl="0" eaLnBrk="1" latinLnBrk="0" hangingPunct="1">
+              <a:lnSpc>
+                <a:spcPct val="90000"/>
+              </a:lnSpc>
+              <a:spcBef>
+                <a:spcPts val="200"/>
+              </a:spcBef>
+              <a:spcAft>
+                <a:spcPts val="400"/>
+              </a:spcAft>
+              <a:buClr>
+                <a:schemeClr val="accent1"/>
+              </a:buClr>
+              <a:buFont typeface="Calibri" pitchFamily="34" charset="0"/>
+              <a:buChar char="◦"/>
+              <a:defRPr sz="1400" kern="1200">
+                <a:solidFill>
+                  <a:schemeClr val="tx1">
+                    <a:lumMod val="75000"/>
+                    <a:lumOff val="25000"/>
+                  </a:schemeClr>
+                </a:solidFill>
+                <a:latin typeface="+mn-lt"/>
+                <a:ea typeface="+mn-ea"/>
+                <a:cs typeface="+mn-cs"/>
+              </a:defRPr>
+            </a:lvl8pPr>
+            <a:lvl9pPr marL="1700000" indent="-228600" algn="l" defTabSz="914400" rtl="0" eaLnBrk="1" latinLnBrk="0" hangingPunct="1">
+              <a:lnSpc>
+                <a:spcPct val="90000"/>
+              </a:lnSpc>
+              <a:spcBef>
+                <a:spcPts val="200"/>
+              </a:spcBef>
+              <a:spcAft>
+                <a:spcPts val="400"/>
+              </a:spcAft>
+              <a:buClr>
+                <a:schemeClr val="accent1"/>
+              </a:buClr>
+              <a:buFont typeface="Calibri" pitchFamily="34" charset="0"/>
+              <a:buChar char="◦"/>
+              <a:defRPr sz="1400" kern="1200">
+                <a:solidFill>
+                  <a:schemeClr val="tx1">
+                    <a:lumMod val="75000"/>
+                    <a:lumOff val="25000"/>
+                  </a:schemeClr>
+                </a:solidFill>
+                <a:latin typeface="+mn-lt"/>
+                <a:ea typeface="+mn-ea"/>
+                <a:cs typeface="+mn-cs"/>
+              </a:defRPr>
+            </a:lvl9pPr>
+          </a:lstStyle>
+          <a:p>
+            <a:pPr marL="0" indent="0">
+              <a:buNone/>
+            </a:pPr>
+            <a:r>
+              <a:rPr lang="en-US" dirty="0"/>
+              <a:t>https://github.com/MikkoDT/MexEE402_AI/blob/main/Python_Visualization/Advance_DataVisualization/average_scores.csv</a:t>
             </a:r>
             <a:endParaRPr lang="en-US" sz="2200" dirty="0"/>
           </a:p>
@@ -13570,6 +13853,424 @@
         <p:cNvPr id="1" name="">
           <a:extLst>
             <a:ext uri="{FF2B5EF4-FFF2-40B4-BE49-F238E27FC236}">
+              <a16:creationId xmlns:a16="http://schemas.microsoft.com/office/drawing/2014/main" id="{32AB9BFC-6837-B00D-737A-0AB0D2231818}"/>
+            </a:ext>
+          </a:extLst>
+        </p:cNvPr>
+        <p:cNvGrpSpPr/>
+        <p:nvPr/>
+      </p:nvGrpSpPr>
+      <p:grpSpPr>
+        <a:xfrm>
+          <a:off x="0" y="0"/>
+          <a:ext cx="0" cy="0"/>
+          <a:chOff x="0" y="0"/>
+          <a:chExt cx="0" cy="0"/>
+        </a:xfrm>
+      </p:grpSpPr>
+      <p:sp>
+        <p:nvSpPr>
+          <p:cNvPr id="2" name="Title 1">
+            <a:extLst>
+              <a:ext uri="{FF2B5EF4-FFF2-40B4-BE49-F238E27FC236}">
+                <a16:creationId xmlns:a16="http://schemas.microsoft.com/office/drawing/2014/main" id="{05FCC93D-18C9-B28C-0327-D94C9AF5819D}"/>
+              </a:ext>
+            </a:extLst>
+          </p:cNvPr>
+          <p:cNvSpPr>
+            <a:spLocks noGrp="1"/>
+          </p:cNvSpPr>
+          <p:nvPr>
+            <p:ph type="title"/>
+          </p:nvPr>
+        </p:nvSpPr>
+        <p:spPr>
+          <a:xfrm>
+            <a:off x="1097280" y="319024"/>
+            <a:ext cx="10058400" cy="1450757"/>
+          </a:xfrm>
+        </p:spPr>
+        <p:txBody>
+          <a:bodyPr>
+            <a:noAutofit/>
+          </a:bodyPr>
+          <a:lstStyle/>
+          <a:p>
+            <a:r>
+              <a:rPr lang="en-US" sz="4000" dirty="0">
+                <a:cs typeface="Arial" panose="020B0604020202020204" pitchFamily="34" charset="0"/>
+              </a:rPr>
+              <a:t>7. </a:t>
+            </a:r>
+            <a:r>
+              <a:rPr lang="en-US" sz="4400" dirty="0"/>
+              <a:t>Advanced Data Visualization Techniques in Google </a:t>
+            </a:r>
+            <a:r>
+              <a:rPr lang="en-US" sz="4400" dirty="0" err="1"/>
+              <a:t>Colab</a:t>
+            </a:r>
+            <a:endParaRPr lang="en-PH" sz="4400" dirty="0">
+              <a:cs typeface="Arial" panose="020B0604020202020204" pitchFamily="34" charset="0"/>
+            </a:endParaRPr>
+          </a:p>
+        </p:txBody>
+      </p:sp>
+      <p:sp>
+        <p:nvSpPr>
+          <p:cNvPr id="3" name="TextBox 2">
+            <a:extLst>
+              <a:ext uri="{FF2B5EF4-FFF2-40B4-BE49-F238E27FC236}">
+                <a16:creationId xmlns:a16="http://schemas.microsoft.com/office/drawing/2014/main" id="{0052D69D-9AD9-D6A6-7F32-18A7C5647D34}"/>
+              </a:ext>
+            </a:extLst>
+          </p:cNvPr>
+          <p:cNvSpPr txBox="1"/>
+          <p:nvPr/>
+        </p:nvSpPr>
+        <p:spPr>
+          <a:xfrm>
+            <a:off x="1097280" y="2011281"/>
+            <a:ext cx="7820297" cy="892552"/>
+          </a:xfrm>
+          <a:prstGeom prst="rect">
+            <a:avLst/>
+          </a:prstGeom>
+          <a:noFill/>
+        </p:spPr>
+        <p:txBody>
+          <a:bodyPr wrap="square" rtlCol="0">
+            <a:spAutoFit/>
+          </a:bodyPr>
+          <a:lstStyle/>
+          <a:p>
+            <a:r>
+              <a:rPr lang="en-PH" sz="2800" b="1" dirty="0" err="1"/>
+              <a:t>Plotnine_Plotly_Altair_Titanic_Dataset</a:t>
+            </a:r>
+            <a:br>
+              <a:rPr lang="en-US" sz="2400" b="1" dirty="0">
+                <a:latin typeface="Arial" panose="020B0604020202020204" pitchFamily="34" charset="0"/>
+                <a:cs typeface="Arial" panose="020B0604020202020204" pitchFamily="34" charset="0"/>
+              </a:rPr>
+            </a:br>
+            <a:r>
+              <a:rPr lang="en-US" sz="2400" b="1" dirty="0">
+                <a:latin typeface="Arial" panose="020B0604020202020204" pitchFamily="34" charset="0"/>
+                <a:cs typeface="Arial" panose="020B0604020202020204" pitchFamily="34" charset="0"/>
+              </a:rPr>
+              <a:t>Go to this link:</a:t>
+            </a:r>
+            <a:endParaRPr lang="en-PH" sz="2400" b="1" dirty="0">
+              <a:latin typeface="Arial" panose="020B0604020202020204" pitchFamily="34" charset="0"/>
+              <a:cs typeface="Arial" panose="020B0604020202020204" pitchFamily="34" charset="0"/>
+            </a:endParaRPr>
+          </a:p>
+        </p:txBody>
+      </p:sp>
+      <p:sp>
+        <p:nvSpPr>
+          <p:cNvPr id="4" name="Content Placeholder 2">
+            <a:extLst>
+              <a:ext uri="{FF2B5EF4-FFF2-40B4-BE49-F238E27FC236}">
+                <a16:creationId xmlns:a16="http://schemas.microsoft.com/office/drawing/2014/main" id="{81F8ED6A-B0BB-13E1-77E0-75F502C3071C}"/>
+              </a:ext>
+            </a:extLst>
+          </p:cNvPr>
+          <p:cNvSpPr txBox="1">
+            <a:spLocks/>
+          </p:cNvSpPr>
+          <p:nvPr/>
+        </p:nvSpPr>
+        <p:spPr>
+          <a:xfrm>
+            <a:off x="1097280" y="2903833"/>
+            <a:ext cx="10162724" cy="714554"/>
+          </a:xfrm>
+          <a:prstGeom prst="rect">
+            <a:avLst/>
+          </a:prstGeom>
+          <a:ln>
+            <a:solidFill>
+              <a:schemeClr val="tx1"/>
+            </a:solidFill>
+          </a:ln>
+        </p:spPr>
+        <p:txBody>
+          <a:bodyPr vert="horz" lIns="0" tIns="45720" rIns="0" bIns="45720" rtlCol="0">
+            <a:normAutofit/>
+          </a:bodyPr>
+          <a:lstStyle>
+            <a:lvl1pPr marL="91440" indent="-91440" algn="l" defTabSz="914400" rtl="0" eaLnBrk="1" latinLnBrk="0" hangingPunct="1">
+              <a:lnSpc>
+                <a:spcPct val="110000"/>
+              </a:lnSpc>
+              <a:spcBef>
+                <a:spcPts val="1200"/>
+              </a:spcBef>
+              <a:spcAft>
+                <a:spcPts val="200"/>
+              </a:spcAft>
+              <a:buClr>
+                <a:schemeClr val="accent1"/>
+              </a:buClr>
+              <a:buSzPct val="100000"/>
+              <a:buFont typeface="Calibri" panose="020F0502020204030204" pitchFamily="34" charset="0"/>
+              <a:buChar char=" "/>
+              <a:defRPr sz="1900" kern="1200">
+                <a:solidFill>
+                  <a:schemeClr val="tx1">
+                    <a:lumMod val="75000"/>
+                    <a:lumOff val="25000"/>
+                  </a:schemeClr>
+                </a:solidFill>
+                <a:latin typeface="+mn-lt"/>
+                <a:ea typeface="+mn-ea"/>
+                <a:cs typeface="+mn-cs"/>
+              </a:defRPr>
+            </a:lvl1pPr>
+            <a:lvl2pPr marL="384048" indent="-182880" algn="l" defTabSz="914400" rtl="0" eaLnBrk="1" latinLnBrk="0" hangingPunct="1">
+              <a:lnSpc>
+                <a:spcPct val="100000"/>
+              </a:lnSpc>
+              <a:spcBef>
+                <a:spcPts val="200"/>
+              </a:spcBef>
+              <a:spcAft>
+                <a:spcPts val="400"/>
+              </a:spcAft>
+              <a:buClrTx/>
+              <a:buFont typeface="Calibri" pitchFamily="34" charset="0"/>
+              <a:buChar char="◦"/>
+              <a:defRPr sz="1700" kern="1200">
+                <a:solidFill>
+                  <a:schemeClr val="tx1">
+                    <a:lumMod val="75000"/>
+                    <a:lumOff val="25000"/>
+                  </a:schemeClr>
+                </a:solidFill>
+                <a:latin typeface="+mn-lt"/>
+                <a:ea typeface="+mn-ea"/>
+                <a:cs typeface="+mn-cs"/>
+              </a:defRPr>
+            </a:lvl2pPr>
+            <a:lvl3pPr marL="566928" indent="-182880" algn="l" defTabSz="914400" rtl="0" eaLnBrk="1" latinLnBrk="0" hangingPunct="1">
+              <a:lnSpc>
+                <a:spcPct val="100000"/>
+              </a:lnSpc>
+              <a:spcBef>
+                <a:spcPts val="200"/>
+              </a:spcBef>
+              <a:spcAft>
+                <a:spcPts val="400"/>
+              </a:spcAft>
+              <a:buClrTx/>
+              <a:buFont typeface="Calibri" pitchFamily="34" charset="0"/>
+              <a:buChar char="◦"/>
+              <a:defRPr sz="1300" kern="1200">
+                <a:solidFill>
+                  <a:schemeClr val="tx1">
+                    <a:lumMod val="75000"/>
+                    <a:lumOff val="25000"/>
+                  </a:schemeClr>
+                </a:solidFill>
+                <a:latin typeface="+mn-lt"/>
+                <a:ea typeface="+mn-ea"/>
+                <a:cs typeface="+mn-cs"/>
+              </a:defRPr>
+            </a:lvl3pPr>
+            <a:lvl4pPr marL="749808" indent="-182880" algn="l" defTabSz="914400" rtl="0" eaLnBrk="1" latinLnBrk="0" hangingPunct="1">
+              <a:lnSpc>
+                <a:spcPct val="100000"/>
+              </a:lnSpc>
+              <a:spcBef>
+                <a:spcPts val="200"/>
+              </a:spcBef>
+              <a:spcAft>
+                <a:spcPts val="400"/>
+              </a:spcAft>
+              <a:buClrTx/>
+              <a:buFont typeface="Calibri" pitchFamily="34" charset="0"/>
+              <a:buChar char="◦"/>
+              <a:defRPr sz="1300" kern="1200">
+                <a:solidFill>
+                  <a:schemeClr val="tx1">
+                    <a:lumMod val="75000"/>
+                    <a:lumOff val="25000"/>
+                  </a:schemeClr>
+                </a:solidFill>
+                <a:latin typeface="+mn-lt"/>
+                <a:ea typeface="+mn-ea"/>
+                <a:cs typeface="+mn-cs"/>
+              </a:defRPr>
+            </a:lvl4pPr>
+            <a:lvl5pPr marL="932688" indent="-182880" algn="l" defTabSz="914400" rtl="0" eaLnBrk="1" latinLnBrk="0" hangingPunct="1">
+              <a:lnSpc>
+                <a:spcPct val="100000"/>
+              </a:lnSpc>
+              <a:spcBef>
+                <a:spcPts val="200"/>
+              </a:spcBef>
+              <a:spcAft>
+                <a:spcPts val="400"/>
+              </a:spcAft>
+              <a:buClrTx/>
+              <a:buFont typeface="Calibri" pitchFamily="34" charset="0"/>
+              <a:buChar char="◦"/>
+              <a:defRPr sz="1300" kern="1200">
+                <a:solidFill>
+                  <a:schemeClr val="tx1">
+                    <a:lumMod val="75000"/>
+                    <a:lumOff val="25000"/>
+                  </a:schemeClr>
+                </a:solidFill>
+                <a:latin typeface="+mn-lt"/>
+                <a:ea typeface="+mn-ea"/>
+                <a:cs typeface="+mn-cs"/>
+              </a:defRPr>
+            </a:lvl5pPr>
+            <a:lvl6pPr marL="1100000" indent="-228600" algn="l" defTabSz="914400" rtl="0" eaLnBrk="1" latinLnBrk="0" hangingPunct="1">
+              <a:lnSpc>
+                <a:spcPct val="90000"/>
+              </a:lnSpc>
+              <a:spcBef>
+                <a:spcPts val="200"/>
+              </a:spcBef>
+              <a:spcAft>
+                <a:spcPts val="400"/>
+              </a:spcAft>
+              <a:buClr>
+                <a:schemeClr val="accent1"/>
+              </a:buClr>
+              <a:buFont typeface="Calibri" pitchFamily="34" charset="0"/>
+              <a:buChar char="◦"/>
+              <a:defRPr sz="1400" kern="1200">
+                <a:solidFill>
+                  <a:schemeClr val="tx1">
+                    <a:lumMod val="75000"/>
+                    <a:lumOff val="25000"/>
+                  </a:schemeClr>
+                </a:solidFill>
+                <a:latin typeface="+mn-lt"/>
+                <a:ea typeface="+mn-ea"/>
+                <a:cs typeface="+mn-cs"/>
+              </a:defRPr>
+            </a:lvl6pPr>
+            <a:lvl7pPr marL="1300000" indent="-228600" algn="l" defTabSz="914400" rtl="0" eaLnBrk="1" latinLnBrk="0" hangingPunct="1">
+              <a:lnSpc>
+                <a:spcPct val="90000"/>
+              </a:lnSpc>
+              <a:spcBef>
+                <a:spcPts val="200"/>
+              </a:spcBef>
+              <a:spcAft>
+                <a:spcPts val="400"/>
+              </a:spcAft>
+              <a:buClr>
+                <a:schemeClr val="accent1"/>
+              </a:buClr>
+              <a:buFont typeface="Calibri" pitchFamily="34" charset="0"/>
+              <a:buChar char="◦"/>
+              <a:defRPr sz="1400" kern="1200">
+                <a:solidFill>
+                  <a:schemeClr val="tx1">
+                    <a:lumMod val="75000"/>
+                    <a:lumOff val="25000"/>
+                  </a:schemeClr>
+                </a:solidFill>
+                <a:latin typeface="+mn-lt"/>
+                <a:ea typeface="+mn-ea"/>
+                <a:cs typeface="+mn-cs"/>
+              </a:defRPr>
+            </a:lvl7pPr>
+            <a:lvl8pPr marL="1500000" indent="-228600" algn="l" defTabSz="914400" rtl="0" eaLnBrk="1" latinLnBrk="0" hangingPunct="1">
+              <a:lnSpc>
+                <a:spcPct val="90000"/>
+              </a:lnSpc>
+              <a:spcBef>
+                <a:spcPts val="200"/>
+              </a:spcBef>
+              <a:spcAft>
+                <a:spcPts val="400"/>
+              </a:spcAft>
+              <a:buClr>
+                <a:schemeClr val="accent1"/>
+              </a:buClr>
+              <a:buFont typeface="Calibri" pitchFamily="34" charset="0"/>
+              <a:buChar char="◦"/>
+              <a:defRPr sz="1400" kern="1200">
+                <a:solidFill>
+                  <a:schemeClr val="tx1">
+                    <a:lumMod val="75000"/>
+                    <a:lumOff val="25000"/>
+                  </a:schemeClr>
+                </a:solidFill>
+                <a:latin typeface="+mn-lt"/>
+                <a:ea typeface="+mn-ea"/>
+                <a:cs typeface="+mn-cs"/>
+              </a:defRPr>
+            </a:lvl8pPr>
+            <a:lvl9pPr marL="1700000" indent="-228600" algn="l" defTabSz="914400" rtl="0" eaLnBrk="1" latinLnBrk="0" hangingPunct="1">
+              <a:lnSpc>
+                <a:spcPct val="90000"/>
+              </a:lnSpc>
+              <a:spcBef>
+                <a:spcPts val="200"/>
+              </a:spcBef>
+              <a:spcAft>
+                <a:spcPts val="400"/>
+              </a:spcAft>
+              <a:buClr>
+                <a:schemeClr val="accent1"/>
+              </a:buClr>
+              <a:buFont typeface="Calibri" pitchFamily="34" charset="0"/>
+              <a:buChar char="◦"/>
+              <a:defRPr sz="1400" kern="1200">
+                <a:solidFill>
+                  <a:schemeClr val="tx1">
+                    <a:lumMod val="75000"/>
+                    <a:lumOff val="25000"/>
+                  </a:schemeClr>
+                </a:solidFill>
+                <a:latin typeface="+mn-lt"/>
+                <a:ea typeface="+mn-ea"/>
+                <a:cs typeface="+mn-cs"/>
+              </a:defRPr>
+            </a:lvl9pPr>
+          </a:lstStyle>
+          <a:p>
+            <a:pPr marL="0" indent="0">
+              <a:buNone/>
+            </a:pPr>
+            <a:r>
+              <a:rPr lang="en-US" dirty="0"/>
+              <a:t>https://github.com/MikkoDT/MexEE402_AI/blob/main/Python_Visualization/Advance_DataVisualization/Plotnine_Plotly_Altair_Titanic_Dataset.ipynb</a:t>
+            </a:r>
+            <a:endParaRPr lang="en-US" sz="2200" dirty="0"/>
+          </a:p>
+        </p:txBody>
+      </p:sp>
+    </p:spTree>
+    <p:extLst>
+      <p:ext uri="{BB962C8B-B14F-4D97-AF65-F5344CB8AC3E}">
+        <p14:creationId xmlns:p14="http://schemas.microsoft.com/office/powerpoint/2010/main" val="991442998"/>
+      </p:ext>
+    </p:extLst>
+  </p:cSld>
+  <p:clrMapOvr>
+    <a:masterClrMapping/>
+  </p:clrMapOvr>
+</p:sld>
+</file>
+
+<file path=ppt/slides/slide28.xml><?xml version="1.0" encoding="utf-8"?>
+<p:sld xmlns:a="http://schemas.openxmlformats.org/drawingml/2006/main" xmlns:r="http://schemas.openxmlformats.org/officeDocument/2006/relationships" xmlns:p="http://schemas.openxmlformats.org/presentationml/2006/main">
+  <p:cSld>
+    <p:spTree>
+      <p:nvGrpSpPr>
+        <p:cNvPr id="1" name="">
+          <a:extLst>
+            <a:ext uri="{FF2B5EF4-FFF2-40B4-BE49-F238E27FC236}">
               <a16:creationId xmlns:a16="http://schemas.microsoft.com/office/drawing/2014/main" id="{670B1195-83C7-71A1-294F-3BD28DA419C9}"/>
             </a:ext>
           </a:extLst>
@@ -13746,7 +14447,7 @@
 </p:sld>
 </file>
 
-<file path=ppt/slides/slide28.xml><?xml version="1.0" encoding="utf-8"?>
+<file path=ppt/slides/slide29.xml><?xml version="1.0" encoding="utf-8"?>
 <p:sld xmlns:a="http://schemas.openxmlformats.org/drawingml/2006/main" xmlns:r="http://schemas.openxmlformats.org/officeDocument/2006/relationships" xmlns:p="http://schemas.openxmlformats.org/presentationml/2006/main">
   <p:cSld>
     <p:spTree>
@@ -13921,190 +14622,6 @@
     <p:extLst>
       <p:ext uri="{BB962C8B-B14F-4D97-AF65-F5344CB8AC3E}">
         <p14:creationId xmlns:p14="http://schemas.microsoft.com/office/powerpoint/2010/main" val="3310693729"/>
-      </p:ext>
-    </p:extLst>
-  </p:cSld>
-  <p:clrMapOvr>
-    <a:masterClrMapping/>
-  </p:clrMapOvr>
-</p:sld>
-</file>
-
-<file path=ppt/slides/slide29.xml><?xml version="1.0" encoding="utf-8"?>
-<p:sld xmlns:a="http://schemas.openxmlformats.org/drawingml/2006/main" xmlns:r="http://schemas.openxmlformats.org/officeDocument/2006/relationships" xmlns:p="http://schemas.openxmlformats.org/presentationml/2006/main">
-  <p:cSld>
-    <p:spTree>
-      <p:nvGrpSpPr>
-        <p:cNvPr id="1" name="">
-          <a:extLst>
-            <a:ext uri="{FF2B5EF4-FFF2-40B4-BE49-F238E27FC236}">
-              <a16:creationId xmlns:a16="http://schemas.microsoft.com/office/drawing/2014/main" id="{6AAAFC73-82FE-CCF9-BBD0-BB3A731B1AA0}"/>
-            </a:ext>
-          </a:extLst>
-        </p:cNvPr>
-        <p:cNvGrpSpPr/>
-        <p:nvPr/>
-      </p:nvGrpSpPr>
-      <p:grpSpPr>
-        <a:xfrm>
-          <a:off x="0" y="0"/>
-          <a:ext cx="0" cy="0"/>
-          <a:chOff x="0" y="0"/>
-          <a:chExt cx="0" cy="0"/>
-        </a:xfrm>
-      </p:grpSpPr>
-      <p:sp>
-        <p:nvSpPr>
-          <p:cNvPr id="2" name="Title 1">
-            <a:extLst>
-              <a:ext uri="{FF2B5EF4-FFF2-40B4-BE49-F238E27FC236}">
-                <a16:creationId xmlns:a16="http://schemas.microsoft.com/office/drawing/2014/main" id="{1591FF96-2BE5-14FC-F9B2-DBE65C877FF0}"/>
-              </a:ext>
-            </a:extLst>
-          </p:cNvPr>
-          <p:cNvSpPr>
-            <a:spLocks noGrp="1"/>
-          </p:cNvSpPr>
-          <p:nvPr>
-            <p:ph type="title"/>
-          </p:nvPr>
-        </p:nvSpPr>
-        <p:spPr>
-          <a:xfrm>
-            <a:off x="1097280" y="319024"/>
-            <a:ext cx="10058400" cy="1450757"/>
-          </a:xfrm>
-        </p:spPr>
-        <p:txBody>
-          <a:bodyPr>
-            <a:noAutofit/>
-          </a:bodyPr>
-          <a:lstStyle/>
-          <a:p>
-            <a:r>
-              <a:rPr lang="en-US" sz="4400" dirty="0">
-                <a:cs typeface="Arial" panose="020B0604020202020204" pitchFamily="34" charset="0"/>
-              </a:rPr>
-              <a:t>7. </a:t>
-            </a:r>
-            <a:r>
-              <a:rPr lang="en-US" sz="4800" dirty="0"/>
-              <a:t>Advanced Data Visualization Techniques in Google </a:t>
-            </a:r>
-            <a:r>
-              <a:rPr lang="en-US" sz="4800" dirty="0" err="1"/>
-              <a:t>Colab</a:t>
-            </a:r>
-            <a:endParaRPr lang="en-PH" sz="4400" dirty="0">
-              <a:cs typeface="Arial" panose="020B0604020202020204" pitchFamily="34" charset="0"/>
-            </a:endParaRPr>
-          </a:p>
-        </p:txBody>
-      </p:sp>
-      <p:sp>
-        <p:nvSpPr>
-          <p:cNvPr id="4" name="TextBox 3">
-            <a:extLst>
-              <a:ext uri="{FF2B5EF4-FFF2-40B4-BE49-F238E27FC236}">
-                <a16:creationId xmlns:a16="http://schemas.microsoft.com/office/drawing/2014/main" id="{128600C9-125A-C35D-B155-E5B960F91E1D}"/>
-              </a:ext>
-            </a:extLst>
-          </p:cNvPr>
-          <p:cNvSpPr txBox="1"/>
-          <p:nvPr/>
-        </p:nvSpPr>
-        <p:spPr>
-          <a:xfrm>
-            <a:off x="1219199" y="2000614"/>
-            <a:ext cx="8952411" cy="461665"/>
-          </a:xfrm>
-          <a:prstGeom prst="rect">
-            <a:avLst/>
-          </a:prstGeom>
-          <a:noFill/>
-        </p:spPr>
-        <p:txBody>
-          <a:bodyPr wrap="square" rtlCol="0">
-            <a:spAutoFit/>
-          </a:bodyPr>
-          <a:lstStyle/>
-          <a:p>
-            <a:r>
-              <a:rPr lang="en-PH" sz="2000" b="1" dirty="0" err="1">
-                <a:latin typeface="Arial" panose="020B0604020202020204" pitchFamily="34" charset="0"/>
-                <a:cs typeface="Arial" panose="020B0604020202020204" pitchFamily="34" charset="0"/>
-              </a:rPr>
-              <a:t>Plotnine</a:t>
-            </a:r>
-            <a:r>
-              <a:rPr lang="en-PH" sz="2000" b="1" dirty="0">
-                <a:latin typeface="Arial" panose="020B0604020202020204" pitchFamily="34" charset="0"/>
-                <a:cs typeface="Arial" panose="020B0604020202020204" pitchFamily="34" charset="0"/>
-              </a:rPr>
-              <a:t>, </a:t>
-            </a:r>
-            <a:r>
-              <a:rPr lang="en-PH" sz="2000" b="1" dirty="0" err="1">
-                <a:latin typeface="Arial" panose="020B0604020202020204" pitchFamily="34" charset="0"/>
-                <a:cs typeface="Arial" panose="020B0604020202020204" pitchFamily="34" charset="0"/>
-              </a:rPr>
-              <a:t>Plotly</a:t>
-            </a:r>
-            <a:r>
-              <a:rPr lang="en-PH" sz="2000" b="1" dirty="0">
-                <a:latin typeface="Arial" panose="020B0604020202020204" pitchFamily="34" charset="0"/>
-                <a:cs typeface="Arial" panose="020B0604020202020204" pitchFamily="34" charset="0"/>
-              </a:rPr>
-              <a:t>, and Altair</a:t>
-            </a:r>
-            <a:r>
-              <a:rPr lang="en-PH" sz="2400" dirty="0">
-                <a:latin typeface="Arial" panose="020B0604020202020204" pitchFamily="34" charset="0"/>
-                <a:cs typeface="Arial" panose="020B0604020202020204" pitchFamily="34" charset="0"/>
-              </a:rPr>
-              <a:t>: Table of Common Functions</a:t>
-            </a:r>
-            <a:endParaRPr lang="en-PH" dirty="0">
-              <a:latin typeface="Arial" panose="020B0604020202020204" pitchFamily="34" charset="0"/>
-              <a:cs typeface="Arial" panose="020B0604020202020204" pitchFamily="34" charset="0"/>
-            </a:endParaRPr>
-          </a:p>
-        </p:txBody>
-      </p:sp>
-      <p:pic>
-        <p:nvPicPr>
-          <p:cNvPr id="5" name="Picture 4">
-            <a:extLst>
-              <a:ext uri="{FF2B5EF4-FFF2-40B4-BE49-F238E27FC236}">
-                <a16:creationId xmlns:a16="http://schemas.microsoft.com/office/drawing/2014/main" id="{78751ACF-B574-0BE2-F4A5-D85BA7E74BF7}"/>
-              </a:ext>
-            </a:extLst>
-          </p:cNvPr>
-          <p:cNvPicPr>
-            <a:picLocks noChangeAspect="1"/>
-          </p:cNvPicPr>
-          <p:nvPr/>
-        </p:nvPicPr>
-        <p:blipFill>
-          <a:blip r:embed="rId2"/>
-          <a:stretch>
-            <a:fillRect/>
-          </a:stretch>
-        </p:blipFill>
-        <p:spPr>
-          <a:xfrm>
-            <a:off x="1097280" y="2989869"/>
-            <a:ext cx="10058400" cy="3229575"/>
-          </a:xfrm>
-          <a:prstGeom prst="rect">
-            <a:avLst/>
-          </a:prstGeom>
-        </p:spPr>
-      </p:pic>
-    </p:spTree>
-    <p:extLst>
-      <p:ext uri="{BB962C8B-B14F-4D97-AF65-F5344CB8AC3E}">
-        <p14:creationId xmlns:p14="http://schemas.microsoft.com/office/powerpoint/2010/main" val="1680655163"/>
       </p:ext>
     </p:extLst>
   </p:cSld>
@@ -14705,6 +15222,190 @@
         <p:cNvPr id="1" name="">
           <a:extLst>
             <a:ext uri="{FF2B5EF4-FFF2-40B4-BE49-F238E27FC236}">
+              <a16:creationId xmlns:a16="http://schemas.microsoft.com/office/drawing/2014/main" id="{6AAAFC73-82FE-CCF9-BBD0-BB3A731B1AA0}"/>
+            </a:ext>
+          </a:extLst>
+        </p:cNvPr>
+        <p:cNvGrpSpPr/>
+        <p:nvPr/>
+      </p:nvGrpSpPr>
+      <p:grpSpPr>
+        <a:xfrm>
+          <a:off x="0" y="0"/>
+          <a:ext cx="0" cy="0"/>
+          <a:chOff x="0" y="0"/>
+          <a:chExt cx="0" cy="0"/>
+        </a:xfrm>
+      </p:grpSpPr>
+      <p:sp>
+        <p:nvSpPr>
+          <p:cNvPr id="2" name="Title 1">
+            <a:extLst>
+              <a:ext uri="{FF2B5EF4-FFF2-40B4-BE49-F238E27FC236}">
+                <a16:creationId xmlns:a16="http://schemas.microsoft.com/office/drawing/2014/main" id="{1591FF96-2BE5-14FC-F9B2-DBE65C877FF0}"/>
+              </a:ext>
+            </a:extLst>
+          </p:cNvPr>
+          <p:cNvSpPr>
+            <a:spLocks noGrp="1"/>
+          </p:cNvSpPr>
+          <p:nvPr>
+            <p:ph type="title"/>
+          </p:nvPr>
+        </p:nvSpPr>
+        <p:spPr>
+          <a:xfrm>
+            <a:off x="1097280" y="319024"/>
+            <a:ext cx="10058400" cy="1450757"/>
+          </a:xfrm>
+        </p:spPr>
+        <p:txBody>
+          <a:bodyPr>
+            <a:noAutofit/>
+          </a:bodyPr>
+          <a:lstStyle/>
+          <a:p>
+            <a:r>
+              <a:rPr lang="en-US" sz="4400" dirty="0">
+                <a:cs typeface="Arial" panose="020B0604020202020204" pitchFamily="34" charset="0"/>
+              </a:rPr>
+              <a:t>7. </a:t>
+            </a:r>
+            <a:r>
+              <a:rPr lang="en-US" sz="4800" dirty="0"/>
+              <a:t>Advanced Data Visualization Techniques in Google </a:t>
+            </a:r>
+            <a:r>
+              <a:rPr lang="en-US" sz="4800" dirty="0" err="1"/>
+              <a:t>Colab</a:t>
+            </a:r>
+            <a:endParaRPr lang="en-PH" sz="4400" dirty="0">
+              <a:cs typeface="Arial" panose="020B0604020202020204" pitchFamily="34" charset="0"/>
+            </a:endParaRPr>
+          </a:p>
+        </p:txBody>
+      </p:sp>
+      <p:sp>
+        <p:nvSpPr>
+          <p:cNvPr id="4" name="TextBox 3">
+            <a:extLst>
+              <a:ext uri="{FF2B5EF4-FFF2-40B4-BE49-F238E27FC236}">
+                <a16:creationId xmlns:a16="http://schemas.microsoft.com/office/drawing/2014/main" id="{128600C9-125A-C35D-B155-E5B960F91E1D}"/>
+              </a:ext>
+            </a:extLst>
+          </p:cNvPr>
+          <p:cNvSpPr txBox="1"/>
+          <p:nvPr/>
+        </p:nvSpPr>
+        <p:spPr>
+          <a:xfrm>
+            <a:off x="1219199" y="2000614"/>
+            <a:ext cx="8952411" cy="461665"/>
+          </a:xfrm>
+          <a:prstGeom prst="rect">
+            <a:avLst/>
+          </a:prstGeom>
+          <a:noFill/>
+        </p:spPr>
+        <p:txBody>
+          <a:bodyPr wrap="square" rtlCol="0">
+            <a:spAutoFit/>
+          </a:bodyPr>
+          <a:lstStyle/>
+          <a:p>
+            <a:r>
+              <a:rPr lang="en-PH" sz="2000" b="1" dirty="0" err="1">
+                <a:latin typeface="Arial" panose="020B0604020202020204" pitchFamily="34" charset="0"/>
+                <a:cs typeface="Arial" panose="020B0604020202020204" pitchFamily="34" charset="0"/>
+              </a:rPr>
+              <a:t>Plotnine</a:t>
+            </a:r>
+            <a:r>
+              <a:rPr lang="en-PH" sz="2000" b="1" dirty="0">
+                <a:latin typeface="Arial" panose="020B0604020202020204" pitchFamily="34" charset="0"/>
+                <a:cs typeface="Arial" panose="020B0604020202020204" pitchFamily="34" charset="0"/>
+              </a:rPr>
+              <a:t>, </a:t>
+            </a:r>
+            <a:r>
+              <a:rPr lang="en-PH" sz="2000" b="1" dirty="0" err="1">
+                <a:latin typeface="Arial" panose="020B0604020202020204" pitchFamily="34" charset="0"/>
+                <a:cs typeface="Arial" panose="020B0604020202020204" pitchFamily="34" charset="0"/>
+              </a:rPr>
+              <a:t>Plotly</a:t>
+            </a:r>
+            <a:r>
+              <a:rPr lang="en-PH" sz="2000" b="1" dirty="0">
+                <a:latin typeface="Arial" panose="020B0604020202020204" pitchFamily="34" charset="0"/>
+                <a:cs typeface="Arial" panose="020B0604020202020204" pitchFamily="34" charset="0"/>
+              </a:rPr>
+              <a:t>, and Altair</a:t>
+            </a:r>
+            <a:r>
+              <a:rPr lang="en-PH" sz="2400" dirty="0">
+                <a:latin typeface="Arial" panose="020B0604020202020204" pitchFamily="34" charset="0"/>
+                <a:cs typeface="Arial" panose="020B0604020202020204" pitchFamily="34" charset="0"/>
+              </a:rPr>
+              <a:t>: Table of Common Functions</a:t>
+            </a:r>
+            <a:endParaRPr lang="en-PH" dirty="0">
+              <a:latin typeface="Arial" panose="020B0604020202020204" pitchFamily="34" charset="0"/>
+              <a:cs typeface="Arial" panose="020B0604020202020204" pitchFamily="34" charset="0"/>
+            </a:endParaRPr>
+          </a:p>
+        </p:txBody>
+      </p:sp>
+      <p:pic>
+        <p:nvPicPr>
+          <p:cNvPr id="5" name="Picture 4">
+            <a:extLst>
+              <a:ext uri="{FF2B5EF4-FFF2-40B4-BE49-F238E27FC236}">
+                <a16:creationId xmlns:a16="http://schemas.microsoft.com/office/drawing/2014/main" id="{78751ACF-B574-0BE2-F4A5-D85BA7E74BF7}"/>
+              </a:ext>
+            </a:extLst>
+          </p:cNvPr>
+          <p:cNvPicPr>
+            <a:picLocks noChangeAspect="1"/>
+          </p:cNvPicPr>
+          <p:nvPr/>
+        </p:nvPicPr>
+        <p:blipFill>
+          <a:blip r:embed="rId2"/>
+          <a:stretch>
+            <a:fillRect/>
+          </a:stretch>
+        </p:blipFill>
+        <p:spPr>
+          <a:xfrm>
+            <a:off x="1097280" y="2989869"/>
+            <a:ext cx="10058400" cy="3229575"/>
+          </a:xfrm>
+          <a:prstGeom prst="rect">
+            <a:avLst/>
+          </a:prstGeom>
+        </p:spPr>
+      </p:pic>
+    </p:spTree>
+    <p:extLst>
+      <p:ext uri="{BB962C8B-B14F-4D97-AF65-F5344CB8AC3E}">
+        <p14:creationId xmlns:p14="http://schemas.microsoft.com/office/powerpoint/2010/main" val="1680655163"/>
+      </p:ext>
+    </p:extLst>
+  </p:cSld>
+  <p:clrMapOvr>
+    <a:masterClrMapping/>
+  </p:clrMapOvr>
+</p:sld>
+</file>
+
+<file path=ppt/slides/slide31.xml><?xml version="1.0" encoding="utf-8"?>
+<p:sld xmlns:a="http://schemas.openxmlformats.org/drawingml/2006/main" xmlns:r="http://schemas.openxmlformats.org/officeDocument/2006/relationships" xmlns:p="http://schemas.openxmlformats.org/presentationml/2006/main">
+  <p:cSld>
+    <p:spTree>
+      <p:nvGrpSpPr>
+        <p:cNvPr id="1" name="">
+          <a:extLst>
+            <a:ext uri="{FF2B5EF4-FFF2-40B4-BE49-F238E27FC236}">
               <a16:creationId xmlns:a16="http://schemas.microsoft.com/office/drawing/2014/main" id="{C93C55B6-3A96-6E19-0276-E75E633A9FFC}"/>
             </a:ext>
           </a:extLst>
@@ -14881,7 +15582,7 @@
 </p:sld>
 </file>
 
-<file path=ppt/slides/slide31.xml><?xml version="1.0" encoding="utf-8"?>
+<file path=ppt/slides/slide32.xml><?xml version="1.0" encoding="utf-8"?>
 <p:sld xmlns:a="http://schemas.openxmlformats.org/drawingml/2006/main" xmlns:r="http://schemas.openxmlformats.org/officeDocument/2006/relationships" xmlns:p="http://schemas.openxmlformats.org/presentationml/2006/main">
   <p:cSld>
     <p:spTree>
@@ -15065,7 +15766,7 @@
 </p:sld>
 </file>
 
-<file path=ppt/slides/slide32.xml><?xml version="1.0" encoding="utf-8"?>
+<file path=ppt/slides/slide33.xml><?xml version="1.0" encoding="utf-8"?>
 <p:sld xmlns:a="http://schemas.openxmlformats.org/drawingml/2006/main" xmlns:r="http://schemas.openxmlformats.org/officeDocument/2006/relationships" xmlns:p="http://schemas.openxmlformats.org/presentationml/2006/main">
   <p:cSld>
     <p:spTree>
@@ -15138,196 +15839,10 @@
       </p:sp>
       <p:sp>
         <p:nvSpPr>
-          <p:cNvPr id="3" name="Content Placeholder 2">
+          <p:cNvPr id="7" name="TextBox 6">
             <a:extLst>
               <a:ext uri="{FF2B5EF4-FFF2-40B4-BE49-F238E27FC236}">
-                <a16:creationId xmlns:a16="http://schemas.microsoft.com/office/drawing/2014/main" id="{81DA6392-6D55-294F-732E-E4323A3379BD}"/>
-              </a:ext>
-            </a:extLst>
-          </p:cNvPr>
-          <p:cNvSpPr>
-            <a:spLocks noGrp="1"/>
-          </p:cNvSpPr>
-          <p:nvPr>
-            <p:ph idx="1"/>
-          </p:nvPr>
-        </p:nvSpPr>
-        <p:spPr>
-          <a:xfrm>
-            <a:off x="1219200" y="2462279"/>
-            <a:ext cx="8908869" cy="3900813"/>
-          </a:xfrm>
-          <a:ln>
-            <a:solidFill>
-              <a:schemeClr val="tx1"/>
-            </a:solidFill>
-          </a:ln>
-        </p:spPr>
-        <p:txBody>
-          <a:bodyPr>
-            <a:normAutofit/>
-          </a:bodyPr>
-          <a:lstStyle/>
-          <a:p>
-            <a:pPr>
-              <a:buFont typeface="Wingdings" panose="05000000000000000000" pitchFamily="2" charset="2"/>
-              <a:buChar char="v"/>
-            </a:pPr>
-            <a:r>
-              <a:rPr lang="en-US" sz="2400" b="1" dirty="0"/>
-              <a:t> </a:t>
-            </a:r>
-            <a:r>
-              <a:rPr lang="en-PH" sz="3200" b="1" dirty="0" err="1"/>
-              <a:t>Plotnine</a:t>
-            </a:r>
-            <a:endParaRPr lang="en-PH" sz="2800" b="1" dirty="0"/>
-          </a:p>
-          <a:p>
-            <a:pPr lvl="1">
-              <a:buFont typeface="Wingdings" panose="05000000000000000000" pitchFamily="2" charset="2"/>
-              <a:buChar char="v"/>
-            </a:pPr>
-            <a:r>
-              <a:rPr lang="en-PH" sz="2400" dirty="0"/>
-              <a:t> </a:t>
-            </a:r>
-            <a:r>
-              <a:rPr lang="en-US" sz="2800" dirty="0"/>
-              <a:t>Python clone of R’s </a:t>
-            </a:r>
-            <a:r>
-              <a:rPr lang="en-US" sz="2800" b="1" dirty="0"/>
-              <a:t>ggplot2</a:t>
-            </a:r>
-          </a:p>
-          <a:p>
-            <a:pPr lvl="1">
-              <a:buFont typeface="Wingdings" panose="05000000000000000000" pitchFamily="2" charset="2"/>
-              <a:buChar char="v"/>
-            </a:pPr>
-            <a:r>
-              <a:rPr lang="en-US" sz="2800" b="1" dirty="0"/>
-              <a:t> </a:t>
-            </a:r>
-            <a:r>
-              <a:rPr lang="en-US" sz="2800" dirty="0"/>
-              <a:t>Built on </a:t>
-            </a:r>
-            <a:r>
-              <a:rPr lang="en-US" sz="2800" b="1" dirty="0"/>
-              <a:t>Matplotlib</a:t>
-            </a:r>
-            <a:r>
-              <a:rPr lang="en-US" sz="2800" dirty="0"/>
-              <a:t> + works with </a:t>
-            </a:r>
-            <a:r>
-              <a:rPr lang="en-US" sz="2800" b="1" dirty="0"/>
-              <a:t>Pandas</a:t>
-            </a:r>
-          </a:p>
-          <a:p>
-            <a:pPr lvl="1">
-              <a:buFont typeface="Wingdings" panose="05000000000000000000" pitchFamily="2" charset="2"/>
-              <a:buChar char="v"/>
-            </a:pPr>
-            <a:r>
-              <a:rPr lang="en-US" sz="2800" b="1" dirty="0"/>
-              <a:t> </a:t>
-            </a:r>
-            <a:r>
-              <a:rPr lang="en-US" sz="2800" dirty="0"/>
-              <a:t>Great for </a:t>
-            </a:r>
-            <a:r>
-              <a:rPr lang="en-US" sz="2800" b="1" dirty="0"/>
-              <a:t>complex, layered statistical graphics</a:t>
-            </a:r>
-            <a:r>
-              <a:rPr lang="en-US" sz="2800" dirty="0"/>
-              <a:t> with simple syntax</a:t>
-            </a:r>
-          </a:p>
-          <a:p>
-            <a:pPr lvl="1">
-              <a:buFont typeface="Wingdings" panose="05000000000000000000" pitchFamily="2" charset="2"/>
-              <a:buChar char="v"/>
-            </a:pPr>
-            <a:r>
-              <a:rPr lang="en-US" sz="2800" dirty="0"/>
-              <a:t> Sample import of </a:t>
-            </a:r>
-            <a:r>
-              <a:rPr lang="en-US" sz="2800" dirty="0" err="1"/>
-              <a:t>Plotnine</a:t>
-            </a:r>
-            <a:r>
-              <a:rPr lang="en-US" sz="2800" dirty="0"/>
-              <a:t>:</a:t>
-            </a:r>
-          </a:p>
-          <a:p>
-            <a:pPr lvl="2">
-              <a:buFont typeface="Wingdings" panose="05000000000000000000" pitchFamily="2" charset="2"/>
-              <a:buChar char="v"/>
-            </a:pPr>
-            <a:r>
-              <a:rPr lang="en-US" sz="2000" dirty="0"/>
-              <a:t> from </a:t>
-            </a:r>
-            <a:r>
-              <a:rPr lang="en-US" sz="2000" dirty="0" err="1"/>
-              <a:t>plotnine</a:t>
-            </a:r>
-            <a:r>
-              <a:rPr lang="en-US" sz="2000" dirty="0"/>
-              <a:t> import </a:t>
-            </a:r>
-            <a:r>
-              <a:rPr lang="en-US" sz="2000" dirty="0" err="1"/>
-              <a:t>ggplot</a:t>
-            </a:r>
-            <a:r>
-              <a:rPr lang="en-US" sz="2000" dirty="0"/>
-              <a:t>, </a:t>
-            </a:r>
-            <a:r>
-              <a:rPr lang="en-US" sz="2000" dirty="0" err="1"/>
-              <a:t>aes</a:t>
-            </a:r>
-            <a:r>
-              <a:rPr lang="en-US" sz="2000" dirty="0"/>
-              <a:t>, </a:t>
-            </a:r>
-            <a:r>
-              <a:rPr lang="en-US" sz="2000" dirty="0" err="1"/>
-              <a:t>stat_summary</a:t>
-            </a:r>
-            <a:r>
-              <a:rPr lang="en-US" sz="2000" dirty="0"/>
-              <a:t>, </a:t>
-            </a:r>
-            <a:r>
-              <a:rPr lang="en-US" sz="2000" dirty="0" err="1"/>
-              <a:t>ggtitle</a:t>
-            </a:r>
-            <a:endParaRPr lang="en-US" sz="2000" dirty="0"/>
-          </a:p>
-          <a:p>
-            <a:pPr marL="201168" lvl="1" indent="0">
-              <a:buNone/>
-            </a:pPr>
-            <a:endParaRPr lang="en-US" sz="2400" dirty="0"/>
-          </a:p>
-        </p:txBody>
-      </p:sp>
-      <p:sp>
-        <p:nvSpPr>
-          <p:cNvPr id="4" name="TextBox 3">
-            <a:extLst>
-              <a:ext uri="{FF2B5EF4-FFF2-40B4-BE49-F238E27FC236}">
-                <a16:creationId xmlns:a16="http://schemas.microsoft.com/office/drawing/2014/main" id="{405F5D5E-CCF4-EF50-60F4-27AA14CFCA9A}"/>
+                <a16:creationId xmlns:a16="http://schemas.microsoft.com/office/drawing/2014/main" id="{F073FD1D-DEBC-41C0-9615-7D38AACE342E}"/>
               </a:ext>
             </a:extLst>
           </p:cNvPr>
@@ -15336,8 +15851,8 @@
         </p:nvSpPr>
         <p:spPr>
           <a:xfrm>
-            <a:off x="1219200" y="2000614"/>
-            <a:ext cx="4615991" cy="400110"/>
+            <a:off x="1097280" y="2011281"/>
+            <a:ext cx="7820297" cy="954107"/>
           </a:xfrm>
           <a:prstGeom prst="rect">
             <a:avLst/>
@@ -15351,33 +15866,308 @@
           <a:lstStyle/>
           <a:p>
             <a:r>
-              <a:rPr lang="en-PH" sz="2000" b="1" dirty="0" err="1">
+              <a:rPr lang="en-PH" sz="3200" b="1" dirty="0" err="1"/>
+              <a:t>Iris_Data_Visualization</a:t>
+            </a:r>
+            <a:br>
+              <a:rPr lang="en-US" sz="2400" b="1" dirty="0">
                 <a:latin typeface="Arial" panose="020B0604020202020204" pitchFamily="34" charset="0"/>
                 <a:cs typeface="Arial" panose="020B0604020202020204" pitchFamily="34" charset="0"/>
               </a:rPr>
-              <a:t>Plotnine</a:t>
-            </a:r>
-            <a:r>
-              <a:rPr lang="en-PH" sz="2000" b="1" dirty="0">
+            </a:br>
+            <a:r>
+              <a:rPr lang="en-US" sz="2400" b="1" dirty="0">
                 <a:latin typeface="Arial" panose="020B0604020202020204" pitchFamily="34" charset="0"/>
                 <a:cs typeface="Arial" panose="020B0604020202020204" pitchFamily="34" charset="0"/>
               </a:rPr>
-              <a:t>, </a:t>
-            </a:r>
-            <a:r>
-              <a:rPr lang="en-PH" sz="2000" b="1" dirty="0" err="1">
-                <a:latin typeface="Arial" panose="020B0604020202020204" pitchFamily="34" charset="0"/>
-                <a:cs typeface="Arial" panose="020B0604020202020204" pitchFamily="34" charset="0"/>
-              </a:rPr>
-              <a:t>Plotly</a:t>
-            </a:r>
-            <a:r>
-              <a:rPr lang="en-PH" sz="2000" b="1" dirty="0">
-                <a:latin typeface="Arial" panose="020B0604020202020204" pitchFamily="34" charset="0"/>
-                <a:cs typeface="Arial" panose="020B0604020202020204" pitchFamily="34" charset="0"/>
-              </a:rPr>
-              <a:t>, and Altair</a:t>
-            </a:r>
+              <a:t>Go to this link:</a:t>
+            </a:r>
+            <a:endParaRPr lang="en-PH" sz="2400" b="1" dirty="0">
+              <a:latin typeface="Arial" panose="020B0604020202020204" pitchFamily="34" charset="0"/>
+              <a:cs typeface="Arial" panose="020B0604020202020204" pitchFamily="34" charset="0"/>
+            </a:endParaRPr>
+          </a:p>
+        </p:txBody>
+      </p:sp>
+      <p:sp>
+        <p:nvSpPr>
+          <p:cNvPr id="8" name="Content Placeholder 2">
+            <a:extLst>
+              <a:ext uri="{FF2B5EF4-FFF2-40B4-BE49-F238E27FC236}">
+                <a16:creationId xmlns:a16="http://schemas.microsoft.com/office/drawing/2014/main" id="{41FA7D44-D7C7-DFB8-2F05-12ED19B88E9F}"/>
+              </a:ext>
+            </a:extLst>
+          </p:cNvPr>
+          <p:cNvSpPr txBox="1">
+            <a:spLocks/>
+          </p:cNvSpPr>
+          <p:nvPr/>
+        </p:nvSpPr>
+        <p:spPr>
+          <a:xfrm>
+            <a:off x="1097280" y="3228635"/>
+            <a:ext cx="10162724" cy="714554"/>
+          </a:xfrm>
+          <a:prstGeom prst="rect">
+            <a:avLst/>
+          </a:prstGeom>
+          <a:ln>
+            <a:solidFill>
+              <a:schemeClr val="tx1"/>
+            </a:solidFill>
+          </a:ln>
+        </p:spPr>
+        <p:txBody>
+          <a:bodyPr vert="horz" lIns="0" tIns="45720" rIns="0" bIns="45720" rtlCol="0">
+            <a:normAutofit/>
+          </a:bodyPr>
+          <a:lstStyle>
+            <a:lvl1pPr marL="91440" indent="-91440" algn="l" defTabSz="914400" rtl="0" eaLnBrk="1" latinLnBrk="0" hangingPunct="1">
+              <a:lnSpc>
+                <a:spcPct val="110000"/>
+              </a:lnSpc>
+              <a:spcBef>
+                <a:spcPts val="1200"/>
+              </a:spcBef>
+              <a:spcAft>
+                <a:spcPts val="200"/>
+              </a:spcAft>
+              <a:buClr>
+                <a:schemeClr val="accent1"/>
+              </a:buClr>
+              <a:buSzPct val="100000"/>
+              <a:buFont typeface="Calibri" panose="020F0502020204030204" pitchFamily="34" charset="0"/>
+              <a:buChar char=" "/>
+              <a:defRPr sz="1900" kern="1200">
+                <a:solidFill>
+                  <a:schemeClr val="tx1">
+                    <a:lumMod val="75000"/>
+                    <a:lumOff val="25000"/>
+                  </a:schemeClr>
+                </a:solidFill>
+                <a:latin typeface="+mn-lt"/>
+                <a:ea typeface="+mn-ea"/>
+                <a:cs typeface="+mn-cs"/>
+              </a:defRPr>
+            </a:lvl1pPr>
+            <a:lvl2pPr marL="384048" indent="-182880" algn="l" defTabSz="914400" rtl="0" eaLnBrk="1" latinLnBrk="0" hangingPunct="1">
+              <a:lnSpc>
+                <a:spcPct val="100000"/>
+              </a:lnSpc>
+              <a:spcBef>
+                <a:spcPts val="200"/>
+              </a:spcBef>
+              <a:spcAft>
+                <a:spcPts val="400"/>
+              </a:spcAft>
+              <a:buClrTx/>
+              <a:buFont typeface="Calibri" pitchFamily="34" charset="0"/>
+              <a:buChar char="◦"/>
+              <a:defRPr sz="1700" kern="1200">
+                <a:solidFill>
+                  <a:schemeClr val="tx1">
+                    <a:lumMod val="75000"/>
+                    <a:lumOff val="25000"/>
+                  </a:schemeClr>
+                </a:solidFill>
+                <a:latin typeface="+mn-lt"/>
+                <a:ea typeface="+mn-ea"/>
+                <a:cs typeface="+mn-cs"/>
+              </a:defRPr>
+            </a:lvl2pPr>
+            <a:lvl3pPr marL="566928" indent="-182880" algn="l" defTabSz="914400" rtl="0" eaLnBrk="1" latinLnBrk="0" hangingPunct="1">
+              <a:lnSpc>
+                <a:spcPct val="100000"/>
+              </a:lnSpc>
+              <a:spcBef>
+                <a:spcPts val="200"/>
+              </a:spcBef>
+              <a:spcAft>
+                <a:spcPts val="400"/>
+              </a:spcAft>
+              <a:buClrTx/>
+              <a:buFont typeface="Calibri" pitchFamily="34" charset="0"/>
+              <a:buChar char="◦"/>
+              <a:defRPr sz="1300" kern="1200">
+                <a:solidFill>
+                  <a:schemeClr val="tx1">
+                    <a:lumMod val="75000"/>
+                    <a:lumOff val="25000"/>
+                  </a:schemeClr>
+                </a:solidFill>
+                <a:latin typeface="+mn-lt"/>
+                <a:ea typeface="+mn-ea"/>
+                <a:cs typeface="+mn-cs"/>
+              </a:defRPr>
+            </a:lvl3pPr>
+            <a:lvl4pPr marL="749808" indent="-182880" algn="l" defTabSz="914400" rtl="0" eaLnBrk="1" latinLnBrk="0" hangingPunct="1">
+              <a:lnSpc>
+                <a:spcPct val="100000"/>
+              </a:lnSpc>
+              <a:spcBef>
+                <a:spcPts val="200"/>
+              </a:spcBef>
+              <a:spcAft>
+                <a:spcPts val="400"/>
+              </a:spcAft>
+              <a:buClrTx/>
+              <a:buFont typeface="Calibri" pitchFamily="34" charset="0"/>
+              <a:buChar char="◦"/>
+              <a:defRPr sz="1300" kern="1200">
+                <a:solidFill>
+                  <a:schemeClr val="tx1">
+                    <a:lumMod val="75000"/>
+                    <a:lumOff val="25000"/>
+                  </a:schemeClr>
+                </a:solidFill>
+                <a:latin typeface="+mn-lt"/>
+                <a:ea typeface="+mn-ea"/>
+                <a:cs typeface="+mn-cs"/>
+              </a:defRPr>
+            </a:lvl4pPr>
+            <a:lvl5pPr marL="932688" indent="-182880" algn="l" defTabSz="914400" rtl="0" eaLnBrk="1" latinLnBrk="0" hangingPunct="1">
+              <a:lnSpc>
+                <a:spcPct val="100000"/>
+              </a:lnSpc>
+              <a:spcBef>
+                <a:spcPts val="200"/>
+              </a:spcBef>
+              <a:spcAft>
+                <a:spcPts val="400"/>
+              </a:spcAft>
+              <a:buClrTx/>
+              <a:buFont typeface="Calibri" pitchFamily="34" charset="0"/>
+              <a:buChar char="◦"/>
+              <a:defRPr sz="1300" kern="1200">
+                <a:solidFill>
+                  <a:schemeClr val="tx1">
+                    <a:lumMod val="75000"/>
+                    <a:lumOff val="25000"/>
+                  </a:schemeClr>
+                </a:solidFill>
+                <a:latin typeface="+mn-lt"/>
+                <a:ea typeface="+mn-ea"/>
+                <a:cs typeface="+mn-cs"/>
+              </a:defRPr>
+            </a:lvl5pPr>
+            <a:lvl6pPr marL="1100000" indent="-228600" algn="l" defTabSz="914400" rtl="0" eaLnBrk="1" latinLnBrk="0" hangingPunct="1">
+              <a:lnSpc>
+                <a:spcPct val="90000"/>
+              </a:lnSpc>
+              <a:spcBef>
+                <a:spcPts val="200"/>
+              </a:spcBef>
+              <a:spcAft>
+                <a:spcPts val="400"/>
+              </a:spcAft>
+              <a:buClr>
+                <a:schemeClr val="accent1"/>
+              </a:buClr>
+              <a:buFont typeface="Calibri" pitchFamily="34" charset="0"/>
+              <a:buChar char="◦"/>
+              <a:defRPr sz="1400" kern="1200">
+                <a:solidFill>
+                  <a:schemeClr val="tx1">
+                    <a:lumMod val="75000"/>
+                    <a:lumOff val="25000"/>
+                  </a:schemeClr>
+                </a:solidFill>
+                <a:latin typeface="+mn-lt"/>
+                <a:ea typeface="+mn-ea"/>
+                <a:cs typeface="+mn-cs"/>
+              </a:defRPr>
+            </a:lvl6pPr>
+            <a:lvl7pPr marL="1300000" indent="-228600" algn="l" defTabSz="914400" rtl="0" eaLnBrk="1" latinLnBrk="0" hangingPunct="1">
+              <a:lnSpc>
+                <a:spcPct val="90000"/>
+              </a:lnSpc>
+              <a:spcBef>
+                <a:spcPts val="200"/>
+              </a:spcBef>
+              <a:spcAft>
+                <a:spcPts val="400"/>
+              </a:spcAft>
+              <a:buClr>
+                <a:schemeClr val="accent1"/>
+              </a:buClr>
+              <a:buFont typeface="Calibri" pitchFamily="34" charset="0"/>
+              <a:buChar char="◦"/>
+              <a:defRPr sz="1400" kern="1200">
+                <a:solidFill>
+                  <a:schemeClr val="tx1">
+                    <a:lumMod val="75000"/>
+                    <a:lumOff val="25000"/>
+                  </a:schemeClr>
+                </a:solidFill>
+                <a:latin typeface="+mn-lt"/>
+                <a:ea typeface="+mn-ea"/>
+                <a:cs typeface="+mn-cs"/>
+              </a:defRPr>
+            </a:lvl7pPr>
+            <a:lvl8pPr marL="1500000" indent="-228600" algn="l" defTabSz="914400" rtl="0" eaLnBrk="1" latinLnBrk="0" hangingPunct="1">
+              <a:lnSpc>
+                <a:spcPct val="90000"/>
+              </a:lnSpc>
+              <a:spcBef>
+                <a:spcPts val="200"/>
+              </a:spcBef>
+              <a:spcAft>
+                <a:spcPts val="400"/>
+              </a:spcAft>
+              <a:buClr>
+                <a:schemeClr val="accent1"/>
+              </a:buClr>
+              <a:buFont typeface="Calibri" pitchFamily="34" charset="0"/>
+              <a:buChar char="◦"/>
+              <a:defRPr sz="1400" kern="1200">
+                <a:solidFill>
+                  <a:schemeClr val="tx1">
+                    <a:lumMod val="75000"/>
+                    <a:lumOff val="25000"/>
+                  </a:schemeClr>
+                </a:solidFill>
+                <a:latin typeface="+mn-lt"/>
+                <a:ea typeface="+mn-ea"/>
+                <a:cs typeface="+mn-cs"/>
+              </a:defRPr>
+            </a:lvl8pPr>
+            <a:lvl9pPr marL="1700000" indent="-228600" algn="l" defTabSz="914400" rtl="0" eaLnBrk="1" latinLnBrk="0" hangingPunct="1">
+              <a:lnSpc>
+                <a:spcPct val="90000"/>
+              </a:lnSpc>
+              <a:spcBef>
+                <a:spcPts val="200"/>
+              </a:spcBef>
+              <a:spcAft>
+                <a:spcPts val="400"/>
+              </a:spcAft>
+              <a:buClr>
+                <a:schemeClr val="accent1"/>
+              </a:buClr>
+              <a:buFont typeface="Calibri" pitchFamily="34" charset="0"/>
+              <a:buChar char="◦"/>
+              <a:defRPr sz="1400" kern="1200">
+                <a:solidFill>
+                  <a:schemeClr val="tx1">
+                    <a:lumMod val="75000"/>
+                    <a:lumOff val="25000"/>
+                  </a:schemeClr>
+                </a:solidFill>
+                <a:latin typeface="+mn-lt"/>
+                <a:ea typeface="+mn-ea"/>
+                <a:cs typeface="+mn-cs"/>
+              </a:defRPr>
+            </a:lvl9pPr>
+          </a:lstStyle>
+          <a:p>
+            <a:pPr marL="0" indent="0">
+              <a:buNone/>
+            </a:pPr>
+            <a:r>
+              <a:rPr lang="en-US" dirty="0"/>
+              <a:t>https://github.com/MikkoDT/MexEE402_AI/blob/main/Python_Visualization/Advance_DataVisualization/Iris_Data_Visualization.ipynb</a:t>
+            </a:r>
+            <a:endParaRPr lang="en-US" sz="2200" dirty="0"/>
           </a:p>
         </p:txBody>
       </p:sp>
@@ -19633,6 +20423,26 @@
 </file>
 
 <file path=customXml/item2.xml><?xml version="1.0" encoding="utf-8"?>
+<p:properties xmlns:p="http://schemas.microsoft.com/office/2006/metadata/properties" xmlns:xsi="http://www.w3.org/2001/XMLSchema-instance" xmlns:pc="http://schemas.microsoft.com/office/infopath/2007/PartnerControls">
+  <documentManagement>
+    <Status xmlns="71af3243-3dd4-4a8d-8c0d-dd76da1f02a5">Not started</Status>
+    <MediaServiceKeyPoints xmlns="71af3243-3dd4-4a8d-8c0d-dd76da1f02a5" xsi:nil="true"/>
+    <_ip_UnifiedCompliancePolicyUIAction xmlns="http://schemas.microsoft.com/sharepoint/v3" xsi:nil="true"/>
+    <Image xmlns="71af3243-3dd4-4a8d-8c0d-dd76da1f02a5">
+      <Url xsi:nil="true"/>
+      <Description xsi:nil="true"/>
+    </Image>
+    <Background xmlns="71af3243-3dd4-4a8d-8c0d-dd76da1f02a5">false</Background>
+    <_ip_UnifiedCompliancePolicyProperties xmlns="http://schemas.microsoft.com/sharepoint/v3" xsi:nil="true"/>
+    <ImageTagsTaxHTField xmlns="71af3243-3dd4-4a8d-8c0d-dd76da1f02a5">
+      <Terms xmlns="http://schemas.microsoft.com/office/infopath/2007/PartnerControls"/>
+    </ImageTagsTaxHTField>
+    <TaxCatchAll xmlns="230e9df3-be65-4c73-a93b-d1236ebd677e" xsi:nil="true"/>
+  </documentManagement>
+</p:properties>
+</file>
+
+<file path=customXml/item3.xml><?xml version="1.0" encoding="utf-8"?>
 <ct:contentTypeSchema xmlns:ct="http://schemas.microsoft.com/office/2006/metadata/contentType" xmlns:ma="http://schemas.microsoft.com/office/2006/metadata/properties/metaAttributes" ct:_="" ma:_="" ma:contentTypeName="Document" ma:contentTypeID="0x01010079F111ED35F8CC479449609E8A0923A6" ma:contentTypeVersion="27" ma:contentTypeDescription="Create a new document." ma:contentTypeScope="" ma:versionID="c6f9a84f66a9c8b9a21755b9ffafb945">
   <xsd:schema xmlns:xsd="http://www.w3.org/2001/XMLSchema" xmlns:xs="http://www.w3.org/2001/XMLSchema" xmlns:p="http://schemas.microsoft.com/office/2006/metadata/properties" xmlns:ns1="http://schemas.microsoft.com/sharepoint/v3" xmlns:ns2="71af3243-3dd4-4a8d-8c0d-dd76da1f02a5" xmlns:ns3="16c05727-aa75-4e4a-9b5f-8a80a1165891" xmlns:ns4="230e9df3-be65-4c73-a93b-d1236ebd677e" targetNamespace="http://schemas.microsoft.com/office/2006/metadata/properties" ma:root="true" ma:fieldsID="27df39e3e7036dff54f89ddd5805ce72" ns1:_="" ns2:_="" ns3:_="" ns4:_="">
     <xsd:import namespace="http://schemas.microsoft.com/sharepoint/v3"/>
@@ -19938,26 +20748,6 @@
 </ct:contentTypeSchema>
 </file>
 
-<file path=customXml/item3.xml><?xml version="1.0" encoding="utf-8"?>
-<p:properties xmlns:p="http://schemas.microsoft.com/office/2006/metadata/properties" xmlns:xsi="http://www.w3.org/2001/XMLSchema-instance" xmlns:pc="http://schemas.microsoft.com/office/infopath/2007/PartnerControls">
-  <documentManagement>
-    <Status xmlns="71af3243-3dd4-4a8d-8c0d-dd76da1f02a5">Not started</Status>
-    <MediaServiceKeyPoints xmlns="71af3243-3dd4-4a8d-8c0d-dd76da1f02a5" xsi:nil="true"/>
-    <_ip_UnifiedCompliancePolicyUIAction xmlns="http://schemas.microsoft.com/sharepoint/v3" xsi:nil="true"/>
-    <Image xmlns="71af3243-3dd4-4a8d-8c0d-dd76da1f02a5">
-      <Url xsi:nil="true"/>
-      <Description xsi:nil="true"/>
-    </Image>
-    <Background xmlns="71af3243-3dd4-4a8d-8c0d-dd76da1f02a5">false</Background>
-    <_ip_UnifiedCompliancePolicyProperties xmlns="http://schemas.microsoft.com/sharepoint/v3" xsi:nil="true"/>
-    <ImageTagsTaxHTField xmlns="71af3243-3dd4-4a8d-8c0d-dd76da1f02a5">
-      <Terms xmlns="http://schemas.microsoft.com/office/infopath/2007/PartnerControls"/>
-    </ImageTagsTaxHTField>
-    <TaxCatchAll xmlns="230e9df3-be65-4c73-a93b-d1236ebd677e" xsi:nil="true"/>
-  </documentManagement>
-</p:properties>
-</file>
-
 <file path=customXml/itemProps1.xml><?xml version="1.0" encoding="utf-8"?>
 <ds:datastoreItem xmlns:ds="http://schemas.openxmlformats.org/officeDocument/2006/customXml" ds:itemID="{AA3F7EDC-E5B4-4BBC-9D2A-CBE6D46C37AD}">
   <ds:schemaRefs>
@@ -19967,6 +20757,18 @@
 </file>
 
 <file path=customXml/itemProps2.xml><?xml version="1.0" encoding="utf-8"?>
+<ds:datastoreItem xmlns:ds="http://schemas.openxmlformats.org/officeDocument/2006/customXml" ds:itemID="{A03EEFF0-FB57-4CB4-8BFC-DF397689E2ED}">
+  <ds:schemaRefs>
+    <ds:schemaRef ds:uri="http://schemas.microsoft.com/office/2006/metadata/properties"/>
+    <ds:schemaRef ds:uri="http://schemas.microsoft.com/office/infopath/2007/PartnerControls"/>
+    <ds:schemaRef ds:uri="71af3243-3dd4-4a8d-8c0d-dd76da1f02a5"/>
+    <ds:schemaRef ds:uri="http://schemas.microsoft.com/sharepoint/v3"/>
+    <ds:schemaRef ds:uri="230e9df3-be65-4c73-a93b-d1236ebd677e"/>
+  </ds:schemaRefs>
+</ds:datastoreItem>
+</file>
+
+<file path=customXml/itemProps3.xml><?xml version="1.0" encoding="utf-8"?>
 <ds:datastoreItem xmlns:ds="http://schemas.openxmlformats.org/officeDocument/2006/customXml" ds:itemID="{D2957789-34B8-480C-AF9B-3EB54B9E5C96}">
   <ds:schemaRefs>
     <ds:schemaRef ds:uri="http://schemas.microsoft.com/office/2006/metadata/contentType"/>
@@ -19985,16 +20787,4 @@
     <ds:schemaRef ds:uri="http://schemas.microsoft.com/internal/obd"/>
   </ds:schemaRefs>
 </ds:datastoreItem>
-</file>
-
-<file path=customXml/itemProps3.xml><?xml version="1.0" encoding="utf-8"?>
-<ds:datastoreItem xmlns:ds="http://schemas.openxmlformats.org/officeDocument/2006/customXml" ds:itemID="{A03EEFF0-FB57-4CB4-8BFC-DF397689E2ED}">
-  <ds:schemaRefs>
-    <ds:schemaRef ds:uri="http://schemas.microsoft.com/office/2006/metadata/properties"/>
-    <ds:schemaRef ds:uri="http://schemas.microsoft.com/office/infopath/2007/PartnerControls"/>
-    <ds:schemaRef ds:uri="71af3243-3dd4-4a8d-8c0d-dd76da1f02a5"/>
-    <ds:schemaRef ds:uri="http://schemas.microsoft.com/sharepoint/v3"/>
-    <ds:schemaRef ds:uri="230e9df3-be65-4c73-a93b-d1236ebd677e"/>
-  </ds:schemaRefs>
-</ds:datastoreItem>
 </file>